--- a/scratch4kids/Scratch4Kids.pptx
+++ b/scratch4kids/Scratch4Kids.pptx
@@ -5,13 +5,16 @@
     <p:sldMasterId id="2147483648" r:id="rId4"/>
   </p:sldMasterIdLst>
   <p:notesMasterIdLst>
-    <p:notesMasterId r:id="rId6"/>
+    <p:notesMasterId r:id="rId9"/>
   </p:notesMasterIdLst>
   <p:handoutMasterIdLst>
-    <p:handoutMasterId r:id="rId7"/>
+    <p:handoutMasterId r:id="rId10"/>
   </p:handoutMasterIdLst>
   <p:sldIdLst>
     <p:sldId id="257" r:id="rId5"/>
+    <p:sldId id="258" r:id="rId6"/>
+    <p:sldId id="259" r:id="rId7"/>
+    <p:sldId id="260" r:id="rId8"/>
   </p:sldIdLst>
   <p:sldSz cx="12192000" cy="6858000"/>
   <p:notesSz cx="6858000" cy="9144000"/>
@@ -6483,13 +6486,24 @@
             <p:ph type="ctrTitle"/>
           </p:nvPr>
         </p:nvSpPr>
-        <p:spPr/>
-        <p:txBody>
-          <a:bodyPr/>
+        <p:spPr>
+          <a:xfrm>
+            <a:off x="551384" y="533400"/>
+            <a:ext cx="5190369" cy="1828800"/>
+          </a:xfrm>
+        </p:spPr>
+        <p:txBody>
+          <a:bodyPr anchor="ctr">
+            <a:normAutofit/>
+          </a:bodyPr>
           <a:lstStyle/>
           <a:p>
             <a:r>
-              <a:rPr lang="en-US" dirty="0"/>
+              <a:rPr lang="en-US" sz="4800" dirty="0">
+                <a:latin typeface="ADLaM Display" panose="02010000000000000000" pitchFamily="2" charset="0"/>
+                <a:ea typeface="ADLaM Display" panose="02010000000000000000" pitchFamily="2" charset="0"/>
+                <a:cs typeface="ADLaM Display" panose="02010000000000000000" pitchFamily="2" charset="0"/>
+              </a:rPr>
               <a:t>Scratch for Kids</a:t>
             </a:r>
           </a:p>
@@ -6505,14 +6519,31 @@
             <p:ph type="subTitle" idx="1"/>
           </p:nvPr>
         </p:nvSpPr>
-        <p:spPr/>
-        <p:txBody>
-          <a:bodyPr/>
+        <p:spPr>
+          <a:xfrm>
+            <a:off x="551384" y="2438400"/>
+            <a:ext cx="5190369" cy="914400"/>
+          </a:xfrm>
+        </p:spPr>
+        <p:txBody>
+          <a:bodyPr>
+            <a:normAutofit lnSpcReduction="10000"/>
+          </a:bodyPr>
           <a:lstStyle/>
           <a:p>
             <a:r>
-              <a:rPr lang="en-US" dirty="0"/>
-              <a:t>Subtitle</a:t>
+              <a:rPr lang="en-US" sz="2800" b="1" dirty="0">
+                <a:latin typeface="Aptos Black" panose="020F0502020204030204" pitchFamily="34" charset="0"/>
+              </a:rPr>
+              <a:t>15 Interactive Projects</a:t>
+            </a:r>
+          </a:p>
+          <a:p>
+            <a:r>
+              <a:rPr lang="en-US" dirty="0">
+                <a:latin typeface="Aptos Black" panose="020F0502020204030204" pitchFamily="34" charset="0"/>
+              </a:rPr>
+              <a:t>Author: Derek Breen</a:t>
             </a:r>
           </a:p>
         </p:txBody>
@@ -6539,7 +6570,7 @@
         </p:blipFill>
         <p:spPr>
           <a:xfrm>
-            <a:off x="5519936" y="404664"/>
+            <a:off x="5741753" y="404664"/>
             <a:ext cx="3563006" cy="4392488"/>
           </a:xfrm>
           <a:prstGeom prst="roundRect">
@@ -6558,6 +6589,104 @@
           <a:effectLst>
             <a:reflection blurRad="12700" stA="38000" endPos="28000" dist="5000" dir="5400000" sy="-100000" algn="bl" rotWithShape="0"/>
           </a:effectLst>
+        </p:spPr>
+      </p:pic>
+      <p:pic>
+        <p:nvPicPr>
+          <p:cNvPr id="7" name="Picture 2" descr="scratch logo PNG image with transparent background | TOPpng">
+            <a:extLst>
+              <a:ext uri="{FF2B5EF4-FFF2-40B4-BE49-F238E27FC236}">
+                <a16:creationId xmlns:a16="http://schemas.microsoft.com/office/drawing/2014/main" id="{72BEDA5F-F0F9-E2C0-A6B5-EF44F9305FC0}"/>
+              </a:ext>
+            </a:extLst>
+          </p:cNvPr>
+          <p:cNvPicPr>
+            <a:picLocks noChangeAspect="1" noChangeArrowheads="1"/>
+          </p:cNvPicPr>
+          <p:nvPr/>
+        </p:nvPicPr>
+        <p:blipFill>
+          <a:blip r:embed="rId3">
+            <a:clrChange>
+              <a:clrFrom>
+                <a:srgbClr val="EFEFEF"/>
+              </a:clrFrom>
+              <a:clrTo>
+                <a:srgbClr val="EFEFEF">
+                  <a:alpha val="0"/>
+                </a:srgbClr>
+              </a:clrTo>
+            </a:clrChange>
+            <a:extLst>
+              <a:ext uri="{28A0092B-C50C-407E-A947-70E740481C1C}">
+                <a14:useLocalDpi xmlns:a14="http://schemas.microsoft.com/office/drawing/2010/main" val="0"/>
+              </a:ext>
+            </a:extLst>
+          </a:blip>
+          <a:srcRect/>
+          <a:stretch>
+            <a:fillRect/>
+          </a:stretch>
+        </p:blipFill>
+        <p:spPr bwMode="auto">
+          <a:xfrm>
+            <a:off x="3575720" y="2895600"/>
+            <a:ext cx="2045864" cy="2089026"/>
+          </a:xfrm>
+          <a:prstGeom prst="rect">
+            <a:avLst/>
+          </a:prstGeom>
+          <a:noFill/>
+          <a:extLst>
+            <a:ext uri="{909E8E84-426E-40DD-AFC4-6F175D3DCCD1}">
+              <a14:hiddenFill xmlns:a14="http://schemas.microsoft.com/office/drawing/2010/main">
+                <a:solidFill>
+                  <a:srgbClr val="FFFFFF"/>
+                </a:solidFill>
+              </a14:hiddenFill>
+            </a:ext>
+          </a:extLst>
+        </p:spPr>
+      </p:pic>
+      <p:pic>
+        <p:nvPicPr>
+          <p:cNvPr id="8" name="Picture 7" descr="A cartoon owl wearing a graduation cap and glasses&#10;&#10;Description automatically generated">
+            <a:extLst>
+              <a:ext uri="{FF2B5EF4-FFF2-40B4-BE49-F238E27FC236}">
+                <a16:creationId xmlns:a16="http://schemas.microsoft.com/office/drawing/2014/main" id="{1574F049-B1D9-75D4-7CC3-E56544B13756}"/>
+              </a:ext>
+            </a:extLst>
+          </p:cNvPr>
+          <p:cNvPicPr>
+            <a:picLocks noChangeAspect="1"/>
+          </p:cNvPicPr>
+          <p:nvPr/>
+        </p:nvPicPr>
+        <p:blipFill>
+          <a:blip r:embed="rId4">
+            <a:clrChange>
+              <a:clrFrom>
+                <a:srgbClr val="DDEFF9"/>
+              </a:clrFrom>
+              <a:clrTo>
+                <a:srgbClr val="DDEFF9">
+                  <a:alpha val="0"/>
+                </a:srgbClr>
+              </a:clrTo>
+            </a:clrChange>
+          </a:blip>
+          <a:stretch>
+            <a:fillRect/>
+          </a:stretch>
+        </p:blipFill>
+        <p:spPr>
+          <a:xfrm>
+            <a:off x="33636" y="6226406"/>
+            <a:ext cx="603448" cy="603448"/>
+          </a:xfrm>
+          <a:prstGeom prst="rect">
+            <a:avLst/>
+          </a:prstGeom>
         </p:spPr>
       </p:pic>
     </p:spTree>
@@ -6577,6 +6706,1023 @@
       </p:transition>
     </mc:Choice>
     <mc:Fallback xmlns="">
+      <p:transition spd="med">
+        <p:fade/>
+      </p:transition>
+    </mc:Fallback>
+  </mc:AlternateContent>
+</p:sld>
+</file>
+
+<file path=ppt/slides/slide2.xml><?xml version="1.0" encoding="utf-8"?>
+<p:sld xmlns:a="http://schemas.openxmlformats.org/drawingml/2006/main" xmlns:r="http://schemas.openxmlformats.org/officeDocument/2006/relationships" xmlns:p="http://schemas.openxmlformats.org/presentationml/2006/main">
+  <p:cSld>
+    <p:spTree>
+      <p:nvGrpSpPr>
+        <p:cNvPr id="1" name=""/>
+        <p:cNvGrpSpPr/>
+        <p:nvPr/>
+      </p:nvGrpSpPr>
+      <p:grpSpPr>
+        <a:xfrm>
+          <a:off x="0" y="0"/>
+          <a:ext cx="0" cy="0"/>
+          <a:chOff x="0" y="0"/>
+          <a:chExt cx="0" cy="0"/>
+        </a:xfrm>
+      </p:grpSpPr>
+      <p:sp>
+        <p:nvSpPr>
+          <p:cNvPr id="2" name="Title 1"/>
+          <p:cNvSpPr>
+            <a:spLocks noGrp="1"/>
+          </p:cNvSpPr>
+          <p:nvPr>
+            <p:ph type="ctrTitle"/>
+          </p:nvPr>
+        </p:nvSpPr>
+        <p:spPr>
+          <a:xfrm>
+            <a:off x="551384" y="836712"/>
+            <a:ext cx="5190369" cy="1525488"/>
+          </a:xfrm>
+        </p:spPr>
+        <p:txBody>
+          <a:bodyPr anchor="ctr">
+            <a:normAutofit/>
+          </a:bodyPr>
+          <a:lstStyle/>
+          <a:p>
+            <a:r>
+              <a:rPr lang="en-US" sz="4800" dirty="0">
+                <a:latin typeface="ADLaM Display" panose="02010000000000000000" pitchFamily="2" charset="0"/>
+                <a:ea typeface="ADLaM Display" panose="02010000000000000000" pitchFamily="2" charset="0"/>
+                <a:cs typeface="ADLaM Display" panose="02010000000000000000" pitchFamily="2" charset="0"/>
+              </a:rPr>
+              <a:t>Scratch for Kids</a:t>
+            </a:r>
+          </a:p>
+        </p:txBody>
+      </p:sp>
+      <p:sp>
+        <p:nvSpPr>
+          <p:cNvPr id="3" name="Subtitle 2"/>
+          <p:cNvSpPr>
+            <a:spLocks noGrp="1"/>
+          </p:cNvSpPr>
+          <p:nvPr>
+            <p:ph type="subTitle" idx="1"/>
+          </p:nvPr>
+        </p:nvSpPr>
+        <p:spPr>
+          <a:xfrm>
+            <a:off x="551384" y="2438400"/>
+            <a:ext cx="5190369" cy="914400"/>
+          </a:xfrm>
+        </p:spPr>
+        <p:txBody>
+          <a:bodyPr>
+            <a:normAutofit/>
+          </a:bodyPr>
+          <a:lstStyle/>
+          <a:p>
+            <a:r>
+              <a:rPr lang="en-US" sz="2800" b="1" dirty="0">
+                <a:latin typeface="Aptos Black" panose="020F0502020204030204" pitchFamily="34" charset="0"/>
+              </a:rPr>
+              <a:t>Opening and Introduction</a:t>
+            </a:r>
+            <a:endParaRPr lang="en-US" dirty="0">
+              <a:latin typeface="Aptos Black" panose="020F0502020204030204" pitchFamily="34" charset="0"/>
+            </a:endParaRPr>
+          </a:p>
+        </p:txBody>
+      </p:sp>
+      <p:pic>
+        <p:nvPicPr>
+          <p:cNvPr id="6" name="Picture 5" descr="A book cover with a cartoon character&#10;&#10;Description automatically generated">
+            <a:extLst>
+              <a:ext uri="{FF2B5EF4-FFF2-40B4-BE49-F238E27FC236}">
+                <a16:creationId xmlns:a16="http://schemas.microsoft.com/office/drawing/2014/main" id="{37058493-7DAE-6BF2-99F6-4940E3CECA62}"/>
+              </a:ext>
+            </a:extLst>
+          </p:cNvPr>
+          <p:cNvPicPr>
+            <a:picLocks noChangeAspect="1"/>
+          </p:cNvPicPr>
+          <p:nvPr/>
+        </p:nvPicPr>
+        <p:blipFill>
+          <a:blip r:embed="rId2"/>
+          <a:stretch>
+            <a:fillRect/>
+          </a:stretch>
+        </p:blipFill>
+        <p:spPr>
+          <a:xfrm>
+            <a:off x="5741753" y="404664"/>
+            <a:ext cx="3563006" cy="4392488"/>
+          </a:xfrm>
+          <a:prstGeom prst="roundRect">
+            <a:avLst>
+              <a:gd name="adj" fmla="val 8594"/>
+            </a:avLst>
+          </a:prstGeom>
+          <a:solidFill>
+            <a:srgbClr val="FFFFFF">
+              <a:shade val="85000"/>
+            </a:srgbClr>
+          </a:solidFill>
+          <a:ln>
+            <a:noFill/>
+          </a:ln>
+          <a:effectLst>
+            <a:reflection blurRad="12700" stA="38000" endPos="28000" dist="5000" dir="5400000" sy="-100000" algn="bl" rotWithShape="0"/>
+          </a:effectLst>
+        </p:spPr>
+      </p:pic>
+      <p:sp>
+        <p:nvSpPr>
+          <p:cNvPr id="4" name="TextBox 3">
+            <a:extLst>
+              <a:ext uri="{FF2B5EF4-FFF2-40B4-BE49-F238E27FC236}">
+                <a16:creationId xmlns:a16="http://schemas.microsoft.com/office/drawing/2014/main" id="{99B53E7E-A9ED-6942-DF80-3DF81B395749}"/>
+              </a:ext>
+            </a:extLst>
+          </p:cNvPr>
+          <p:cNvSpPr txBox="1"/>
+          <p:nvPr/>
+        </p:nvSpPr>
+        <p:spPr>
+          <a:xfrm>
+            <a:off x="0" y="0"/>
+            <a:ext cx="1367682" cy="923330"/>
+          </a:xfrm>
+          <a:prstGeom prst="rect">
+            <a:avLst/>
+          </a:prstGeom>
+          <a:noFill/>
+        </p:spPr>
+        <p:txBody>
+          <a:bodyPr wrap="none" rtlCol="0">
+            <a:spAutoFit/>
+          </a:bodyPr>
+          <a:lstStyle/>
+          <a:p>
+            <a:pPr algn="ctr"/>
+            <a:r>
+              <a:rPr lang="en-US" sz="5400" dirty="0">
+                <a:latin typeface="Bauhaus 93" panose="04030905020B02020C02" pitchFamily="82" charset="0"/>
+              </a:rPr>
+              <a:t>000</a:t>
+            </a:r>
+          </a:p>
+        </p:txBody>
+      </p:sp>
+      <p:pic>
+        <p:nvPicPr>
+          <p:cNvPr id="1026" name="Picture 2" descr="scratch logo PNG image with transparent background | TOPpng">
+            <a:extLst>
+              <a:ext uri="{FF2B5EF4-FFF2-40B4-BE49-F238E27FC236}">
+                <a16:creationId xmlns:a16="http://schemas.microsoft.com/office/drawing/2014/main" id="{1554103F-1ECA-8530-E162-3BE3F4FE9C16}"/>
+              </a:ext>
+            </a:extLst>
+          </p:cNvPr>
+          <p:cNvPicPr>
+            <a:picLocks noChangeAspect="1" noChangeArrowheads="1"/>
+          </p:cNvPicPr>
+          <p:nvPr/>
+        </p:nvPicPr>
+        <p:blipFill>
+          <a:blip r:embed="rId3">
+            <a:clrChange>
+              <a:clrFrom>
+                <a:srgbClr val="EFEFEF"/>
+              </a:clrFrom>
+              <a:clrTo>
+                <a:srgbClr val="EFEFEF">
+                  <a:alpha val="0"/>
+                </a:srgbClr>
+              </a:clrTo>
+            </a:clrChange>
+            <a:extLst>
+              <a:ext uri="{28A0092B-C50C-407E-A947-70E740481C1C}">
+                <a14:useLocalDpi xmlns:a14="http://schemas.microsoft.com/office/drawing/2010/main" val="0"/>
+              </a:ext>
+            </a:extLst>
+          </a:blip>
+          <a:srcRect/>
+          <a:stretch>
+            <a:fillRect/>
+          </a:stretch>
+        </p:blipFill>
+        <p:spPr bwMode="auto">
+          <a:xfrm>
+            <a:off x="3575720" y="2895600"/>
+            <a:ext cx="2045864" cy="2089026"/>
+          </a:xfrm>
+          <a:prstGeom prst="rect">
+            <a:avLst/>
+          </a:prstGeom>
+          <a:noFill/>
+          <a:extLst>
+            <a:ext uri="{909E8E84-426E-40DD-AFC4-6F175D3DCCD1}">
+              <a14:hiddenFill xmlns:a14="http://schemas.microsoft.com/office/drawing/2010/main">
+                <a:solidFill>
+                  <a:srgbClr val="FFFFFF"/>
+                </a:solidFill>
+              </a14:hiddenFill>
+            </a:ext>
+          </a:extLst>
+        </p:spPr>
+      </p:pic>
+      <p:pic>
+        <p:nvPicPr>
+          <p:cNvPr id="5" name="Picture 4" descr="A cartoon owl wearing a graduation cap and glasses&#10;&#10;Description automatically generated">
+            <a:extLst>
+              <a:ext uri="{FF2B5EF4-FFF2-40B4-BE49-F238E27FC236}">
+                <a16:creationId xmlns:a16="http://schemas.microsoft.com/office/drawing/2014/main" id="{950FEEB9-939C-2128-F6EA-32286D9B969A}"/>
+              </a:ext>
+            </a:extLst>
+          </p:cNvPr>
+          <p:cNvPicPr>
+            <a:picLocks noChangeAspect="1"/>
+          </p:cNvPicPr>
+          <p:nvPr/>
+        </p:nvPicPr>
+        <p:blipFill>
+          <a:blip r:embed="rId4">
+            <a:clrChange>
+              <a:clrFrom>
+                <a:srgbClr val="DDEFF9"/>
+              </a:clrFrom>
+              <a:clrTo>
+                <a:srgbClr val="DDEFF9">
+                  <a:alpha val="0"/>
+                </a:srgbClr>
+              </a:clrTo>
+            </a:clrChange>
+          </a:blip>
+          <a:stretch>
+            <a:fillRect/>
+          </a:stretch>
+        </p:blipFill>
+        <p:spPr>
+          <a:xfrm>
+            <a:off x="33636" y="6226406"/>
+            <a:ext cx="603448" cy="603448"/>
+          </a:xfrm>
+          <a:prstGeom prst="rect">
+            <a:avLst/>
+          </a:prstGeom>
+        </p:spPr>
+      </p:pic>
+      <p:pic>
+        <p:nvPicPr>
+          <p:cNvPr id="8" name="Picture 7">
+            <a:extLst>
+              <a:ext uri="{FF2B5EF4-FFF2-40B4-BE49-F238E27FC236}">
+                <a16:creationId xmlns:a16="http://schemas.microsoft.com/office/drawing/2014/main" id="{4EB93D2C-3084-80B7-8302-7AFAE8E00FB5}"/>
+              </a:ext>
+            </a:extLst>
+          </p:cNvPr>
+          <p:cNvPicPr>
+            <a:picLocks noChangeAspect="1"/>
+          </p:cNvPicPr>
+          <p:nvPr/>
+        </p:nvPicPr>
+        <p:blipFill>
+          <a:blip r:embed="rId5">
+            <a:clrChange>
+              <a:clrFrom>
+                <a:srgbClr val="F9F9F8"/>
+              </a:clrFrom>
+              <a:clrTo>
+                <a:srgbClr val="F9F9F8">
+                  <a:alpha val="0"/>
+                </a:srgbClr>
+              </a:clrTo>
+            </a:clrChange>
+          </a:blip>
+          <a:stretch>
+            <a:fillRect/>
+          </a:stretch>
+        </p:blipFill>
+        <p:spPr>
+          <a:xfrm>
+            <a:off x="5284802" y="4740828"/>
+            <a:ext cx="3991938" cy="2089026"/>
+          </a:xfrm>
+          <a:prstGeom prst="rect">
+            <a:avLst/>
+          </a:prstGeom>
+        </p:spPr>
+      </p:pic>
+    </p:spTree>
+    <p:extLst>
+      <p:ext uri="{BB962C8B-B14F-4D97-AF65-F5344CB8AC3E}">
+        <p14:creationId xmlns:p14="http://schemas.microsoft.com/office/powerpoint/2010/main" val="2228322088"/>
+      </p:ext>
+    </p:extLst>
+  </p:cSld>
+  <p:clrMapOvr>
+    <a:masterClrMapping/>
+  </p:clrMapOvr>
+  <mc:AlternateContent xmlns:mc="http://schemas.openxmlformats.org/markup-compatibility/2006">
+    <mc:Choice xmlns:p14="http://schemas.microsoft.com/office/powerpoint/2010/main" Requires="p14">
+      <p:transition spd="med" p14:dur="700">
+        <p:fade/>
+      </p:transition>
+    </mc:Choice>
+    <mc:Fallback>
+      <p:transition spd="med">
+        <p:fade/>
+      </p:transition>
+    </mc:Fallback>
+  </mc:AlternateContent>
+</p:sld>
+</file>
+
+<file path=ppt/slides/slide3.xml><?xml version="1.0" encoding="utf-8"?>
+<p:sld xmlns:a="http://schemas.openxmlformats.org/drawingml/2006/main" xmlns:r="http://schemas.openxmlformats.org/officeDocument/2006/relationships" xmlns:p="http://schemas.openxmlformats.org/presentationml/2006/main">
+  <p:cSld>
+    <p:spTree>
+      <p:nvGrpSpPr>
+        <p:cNvPr id="1" name=""/>
+        <p:cNvGrpSpPr/>
+        <p:nvPr/>
+      </p:nvGrpSpPr>
+      <p:grpSpPr>
+        <a:xfrm>
+          <a:off x="0" y="0"/>
+          <a:ext cx="0" cy="0"/>
+          <a:chOff x="0" y="0"/>
+          <a:chExt cx="0" cy="0"/>
+        </a:xfrm>
+      </p:grpSpPr>
+      <p:sp>
+        <p:nvSpPr>
+          <p:cNvPr id="2" name="Title 1"/>
+          <p:cNvSpPr>
+            <a:spLocks noGrp="1"/>
+          </p:cNvSpPr>
+          <p:nvPr>
+            <p:ph type="ctrTitle"/>
+          </p:nvPr>
+        </p:nvSpPr>
+        <p:spPr>
+          <a:xfrm>
+            <a:off x="1534803" y="101625"/>
+            <a:ext cx="6937461" cy="720080"/>
+          </a:xfrm>
+        </p:spPr>
+        <p:txBody>
+          <a:bodyPr anchor="ctr">
+            <a:normAutofit fontScale="90000"/>
+          </a:bodyPr>
+          <a:lstStyle/>
+          <a:p>
+            <a:r>
+              <a:rPr lang="en-US" sz="4800" dirty="0">
+                <a:latin typeface="ADLaM Display" panose="02010000000000000000" pitchFamily="2" charset="0"/>
+                <a:ea typeface="ADLaM Display" panose="02010000000000000000" pitchFamily="2" charset="0"/>
+                <a:cs typeface="ADLaM Display" panose="02010000000000000000" pitchFamily="2" charset="0"/>
+              </a:rPr>
+              <a:t>Scratch for Kids – Part 1</a:t>
+            </a:r>
+          </a:p>
+        </p:txBody>
+      </p:sp>
+      <p:pic>
+        <p:nvPicPr>
+          <p:cNvPr id="6" name="Picture 5" descr="A book cover with a cartoon character&#10;&#10;Description automatically generated">
+            <a:extLst>
+              <a:ext uri="{FF2B5EF4-FFF2-40B4-BE49-F238E27FC236}">
+                <a16:creationId xmlns:a16="http://schemas.microsoft.com/office/drawing/2014/main" id="{37058493-7DAE-6BF2-99F6-4940E3CECA62}"/>
+              </a:ext>
+            </a:extLst>
+          </p:cNvPr>
+          <p:cNvPicPr>
+            <a:picLocks noChangeAspect="1"/>
+          </p:cNvPicPr>
+          <p:nvPr/>
+        </p:nvPicPr>
+        <p:blipFill>
+          <a:blip r:embed="rId2"/>
+          <a:stretch>
+            <a:fillRect/>
+          </a:stretch>
+        </p:blipFill>
+        <p:spPr>
+          <a:xfrm>
+            <a:off x="9497926" y="21795"/>
+            <a:ext cx="1168199" cy="1440160"/>
+          </a:xfrm>
+          <a:prstGeom prst="roundRect">
+            <a:avLst>
+              <a:gd name="adj" fmla="val 8594"/>
+            </a:avLst>
+          </a:prstGeom>
+          <a:solidFill>
+            <a:srgbClr val="FFFFFF">
+              <a:shade val="85000"/>
+            </a:srgbClr>
+          </a:solidFill>
+          <a:ln>
+            <a:noFill/>
+          </a:ln>
+          <a:effectLst>
+            <a:reflection blurRad="12700" stA="38000" endPos="28000" dist="5000" dir="5400000" sy="-100000" algn="bl" rotWithShape="0"/>
+          </a:effectLst>
+        </p:spPr>
+      </p:pic>
+      <p:sp>
+        <p:nvSpPr>
+          <p:cNvPr id="4" name="TextBox 3">
+            <a:extLst>
+              <a:ext uri="{FF2B5EF4-FFF2-40B4-BE49-F238E27FC236}">
+                <a16:creationId xmlns:a16="http://schemas.microsoft.com/office/drawing/2014/main" id="{99B53E7E-A9ED-6942-DF80-3DF81B395749}"/>
+              </a:ext>
+            </a:extLst>
+          </p:cNvPr>
+          <p:cNvSpPr txBox="1"/>
+          <p:nvPr/>
+        </p:nvSpPr>
+        <p:spPr>
+          <a:xfrm>
+            <a:off x="0" y="0"/>
+            <a:ext cx="1367682" cy="923330"/>
+          </a:xfrm>
+          <a:prstGeom prst="rect">
+            <a:avLst/>
+          </a:prstGeom>
+          <a:noFill/>
+        </p:spPr>
+        <p:txBody>
+          <a:bodyPr wrap="none" rtlCol="0">
+            <a:spAutoFit/>
+          </a:bodyPr>
+          <a:lstStyle/>
+          <a:p>
+            <a:pPr algn="ctr"/>
+            <a:r>
+              <a:rPr lang="en-US" sz="5400" dirty="0">
+                <a:latin typeface="Bauhaus 93" panose="04030905020B02020C02" pitchFamily="82" charset="0"/>
+              </a:rPr>
+              <a:t>001</a:t>
+            </a:r>
+          </a:p>
+        </p:txBody>
+      </p:sp>
+      <p:pic>
+        <p:nvPicPr>
+          <p:cNvPr id="1026" name="Picture 2" descr="scratch logo PNG image with transparent background | TOPpng">
+            <a:extLst>
+              <a:ext uri="{FF2B5EF4-FFF2-40B4-BE49-F238E27FC236}">
+                <a16:creationId xmlns:a16="http://schemas.microsoft.com/office/drawing/2014/main" id="{1554103F-1ECA-8530-E162-3BE3F4FE9C16}"/>
+              </a:ext>
+            </a:extLst>
+          </p:cNvPr>
+          <p:cNvPicPr>
+            <a:picLocks noChangeAspect="1" noChangeArrowheads="1"/>
+          </p:cNvPicPr>
+          <p:nvPr/>
+        </p:nvPicPr>
+        <p:blipFill>
+          <a:blip r:embed="rId3">
+            <a:clrChange>
+              <a:clrFrom>
+                <a:srgbClr val="EFEFEF"/>
+              </a:clrFrom>
+              <a:clrTo>
+                <a:srgbClr val="EFEFEF">
+                  <a:alpha val="0"/>
+                </a:srgbClr>
+              </a:clrTo>
+            </a:clrChange>
+            <a:extLst>
+              <a:ext uri="{28A0092B-C50C-407E-A947-70E740481C1C}">
+                <a14:useLocalDpi xmlns:a14="http://schemas.microsoft.com/office/drawing/2010/main" val="0"/>
+              </a:ext>
+            </a:extLst>
+          </a:blip>
+          <a:srcRect/>
+          <a:stretch>
+            <a:fillRect/>
+          </a:stretch>
+        </p:blipFill>
+        <p:spPr bwMode="auto">
+          <a:xfrm>
+            <a:off x="11064552" y="-92695"/>
+            <a:ext cx="895507" cy="914400"/>
+          </a:xfrm>
+          <a:prstGeom prst="rect">
+            <a:avLst/>
+          </a:prstGeom>
+          <a:noFill/>
+          <a:extLst>
+            <a:ext uri="{909E8E84-426E-40DD-AFC4-6F175D3DCCD1}">
+              <a14:hiddenFill xmlns:a14="http://schemas.microsoft.com/office/drawing/2010/main">
+                <a:solidFill>
+                  <a:srgbClr val="FFFFFF"/>
+                </a:solidFill>
+              </a14:hiddenFill>
+            </a:ext>
+          </a:extLst>
+        </p:spPr>
+      </p:pic>
+      <p:pic>
+        <p:nvPicPr>
+          <p:cNvPr id="7" name="Picture 6" descr="A cartoon owl wearing a graduation cap and glasses&#10;&#10;Description automatically generated">
+            <a:extLst>
+              <a:ext uri="{FF2B5EF4-FFF2-40B4-BE49-F238E27FC236}">
+                <a16:creationId xmlns:a16="http://schemas.microsoft.com/office/drawing/2014/main" id="{3AEA9986-B7C4-0E97-5BE2-8505E1692F4B}"/>
+              </a:ext>
+            </a:extLst>
+          </p:cNvPr>
+          <p:cNvPicPr>
+            <a:picLocks noChangeAspect="1"/>
+          </p:cNvPicPr>
+          <p:nvPr/>
+        </p:nvPicPr>
+        <p:blipFill>
+          <a:blip r:embed="rId4">
+            <a:clrChange>
+              <a:clrFrom>
+                <a:srgbClr val="DDEFF9"/>
+              </a:clrFrom>
+              <a:clrTo>
+                <a:srgbClr val="DDEFF9">
+                  <a:alpha val="0"/>
+                </a:srgbClr>
+              </a:clrTo>
+            </a:clrChange>
+          </a:blip>
+          <a:stretch>
+            <a:fillRect/>
+          </a:stretch>
+        </p:blipFill>
+        <p:spPr>
+          <a:xfrm>
+            <a:off x="33636" y="6226406"/>
+            <a:ext cx="603448" cy="603448"/>
+          </a:xfrm>
+          <a:prstGeom prst="rect">
+            <a:avLst/>
+          </a:prstGeom>
+        </p:spPr>
+      </p:pic>
+      <p:pic>
+        <p:nvPicPr>
+          <p:cNvPr id="9" name="Picture 8">
+            <a:extLst>
+              <a:ext uri="{FF2B5EF4-FFF2-40B4-BE49-F238E27FC236}">
+                <a16:creationId xmlns:a16="http://schemas.microsoft.com/office/drawing/2014/main" id="{BAF97C13-F1E0-691C-1A65-22F1BA5D9C55}"/>
+              </a:ext>
+            </a:extLst>
+          </p:cNvPr>
+          <p:cNvPicPr>
+            <a:picLocks noChangeAspect="1"/>
+          </p:cNvPicPr>
+          <p:nvPr/>
+        </p:nvPicPr>
+        <p:blipFill>
+          <a:blip r:embed="rId5"/>
+          <a:stretch>
+            <a:fillRect/>
+          </a:stretch>
+        </p:blipFill>
+        <p:spPr>
+          <a:xfrm>
+            <a:off x="3647728" y="2348880"/>
+            <a:ext cx="5712296" cy="2408089"/>
+          </a:xfrm>
+          <a:prstGeom prst="rect">
+            <a:avLst/>
+          </a:prstGeom>
+          <a:ln>
+            <a:noFill/>
+          </a:ln>
+          <a:effectLst>
+            <a:outerShdw blurRad="292100" dist="139700" dir="2700000" algn="tl" rotWithShape="0">
+              <a:srgbClr val="333333">
+                <a:alpha val="65000"/>
+              </a:srgbClr>
+            </a:outerShdw>
+          </a:effectLst>
+        </p:spPr>
+      </p:pic>
+      <p:sp>
+        <p:nvSpPr>
+          <p:cNvPr id="3" name="Subtitle 2"/>
+          <p:cNvSpPr>
+            <a:spLocks noGrp="1"/>
+          </p:cNvSpPr>
+          <p:nvPr>
+            <p:ph type="subTitle" idx="1"/>
+          </p:nvPr>
+        </p:nvSpPr>
+        <p:spPr>
+          <a:xfrm>
+            <a:off x="336195" y="923330"/>
+            <a:ext cx="9024664" cy="1440159"/>
+          </a:xfrm>
+        </p:spPr>
+        <p:txBody>
+          <a:bodyPr>
+            <a:normAutofit lnSpcReduction="10000"/>
+          </a:bodyPr>
+          <a:lstStyle/>
+          <a:p>
+            <a:r>
+              <a:rPr lang="en-US" sz="2800" b="1" dirty="0">
+                <a:latin typeface="Aptos Black" panose="020F0502020204030204" pitchFamily="34" charset="0"/>
+              </a:rPr>
+              <a:t>Become a Scratch Designer</a:t>
+            </a:r>
+          </a:p>
+          <a:p>
+            <a:r>
+              <a:rPr lang="en-US" sz="2800" b="1" dirty="0">
+                <a:latin typeface="Aptos Black" panose="020F0502020204030204" pitchFamily="34" charset="0"/>
+              </a:rPr>
+              <a:t>Chapter 1: Getting Started with Scratch</a:t>
+            </a:r>
+          </a:p>
+          <a:p>
+            <a:r>
+              <a:rPr lang="en-US" sz="2800" b="1" dirty="0">
+                <a:latin typeface="Aptos Black" panose="020F0502020204030204" pitchFamily="34" charset="0"/>
+              </a:rPr>
+              <a:t>(1) Access Scratch on Your Computer</a:t>
+            </a:r>
+            <a:endParaRPr lang="en-US" dirty="0">
+              <a:latin typeface="Aptos Black" panose="020F0502020204030204" pitchFamily="34" charset="0"/>
+            </a:endParaRPr>
+          </a:p>
+        </p:txBody>
+      </p:sp>
+    </p:spTree>
+    <p:extLst>
+      <p:ext uri="{BB962C8B-B14F-4D97-AF65-F5344CB8AC3E}">
+        <p14:creationId xmlns:p14="http://schemas.microsoft.com/office/powerpoint/2010/main" val="436358136"/>
+      </p:ext>
+    </p:extLst>
+  </p:cSld>
+  <p:clrMapOvr>
+    <a:masterClrMapping/>
+  </p:clrMapOvr>
+  <mc:AlternateContent xmlns:mc="http://schemas.openxmlformats.org/markup-compatibility/2006">
+    <mc:Choice xmlns:p14="http://schemas.microsoft.com/office/powerpoint/2010/main" Requires="p14">
+      <p:transition spd="med" p14:dur="700">
+        <p:fade/>
+      </p:transition>
+    </mc:Choice>
+    <mc:Fallback>
+      <p:transition spd="med">
+        <p:fade/>
+      </p:transition>
+    </mc:Fallback>
+  </mc:AlternateContent>
+</p:sld>
+</file>
+
+<file path=ppt/slides/slide4.xml><?xml version="1.0" encoding="utf-8"?>
+<p:sld xmlns:a="http://schemas.openxmlformats.org/drawingml/2006/main" xmlns:r="http://schemas.openxmlformats.org/officeDocument/2006/relationships" xmlns:p="http://schemas.openxmlformats.org/presentationml/2006/main">
+  <p:cSld>
+    <p:spTree>
+      <p:nvGrpSpPr>
+        <p:cNvPr id="1" name=""/>
+        <p:cNvGrpSpPr/>
+        <p:nvPr/>
+      </p:nvGrpSpPr>
+      <p:grpSpPr>
+        <a:xfrm>
+          <a:off x="0" y="0"/>
+          <a:ext cx="0" cy="0"/>
+          <a:chOff x="0" y="0"/>
+          <a:chExt cx="0" cy="0"/>
+        </a:xfrm>
+      </p:grpSpPr>
+      <p:sp>
+        <p:nvSpPr>
+          <p:cNvPr id="2" name="Title 1"/>
+          <p:cNvSpPr>
+            <a:spLocks noGrp="1"/>
+          </p:cNvSpPr>
+          <p:nvPr>
+            <p:ph type="ctrTitle"/>
+          </p:nvPr>
+        </p:nvSpPr>
+        <p:spPr>
+          <a:xfrm>
+            <a:off x="1534803" y="101625"/>
+            <a:ext cx="6937461" cy="720080"/>
+          </a:xfrm>
+        </p:spPr>
+        <p:txBody>
+          <a:bodyPr anchor="ctr">
+            <a:normAutofit fontScale="90000"/>
+          </a:bodyPr>
+          <a:lstStyle/>
+          <a:p>
+            <a:r>
+              <a:rPr lang="en-US" sz="4800" dirty="0">
+                <a:latin typeface="ADLaM Display" panose="02010000000000000000" pitchFamily="2" charset="0"/>
+                <a:ea typeface="ADLaM Display" panose="02010000000000000000" pitchFamily="2" charset="0"/>
+                <a:cs typeface="ADLaM Display" panose="02010000000000000000" pitchFamily="2" charset="0"/>
+              </a:rPr>
+              <a:t>Scratch for Kids – Part 1</a:t>
+            </a:r>
+          </a:p>
+        </p:txBody>
+      </p:sp>
+      <p:pic>
+        <p:nvPicPr>
+          <p:cNvPr id="6" name="Picture 5" descr="A book cover with a cartoon character&#10;&#10;Description automatically generated">
+            <a:extLst>
+              <a:ext uri="{FF2B5EF4-FFF2-40B4-BE49-F238E27FC236}">
+                <a16:creationId xmlns:a16="http://schemas.microsoft.com/office/drawing/2014/main" id="{37058493-7DAE-6BF2-99F6-4940E3CECA62}"/>
+              </a:ext>
+            </a:extLst>
+          </p:cNvPr>
+          <p:cNvPicPr>
+            <a:picLocks noChangeAspect="1"/>
+          </p:cNvPicPr>
+          <p:nvPr/>
+        </p:nvPicPr>
+        <p:blipFill>
+          <a:blip r:embed="rId2"/>
+          <a:stretch>
+            <a:fillRect/>
+          </a:stretch>
+        </p:blipFill>
+        <p:spPr>
+          <a:xfrm>
+            <a:off x="9497926" y="21795"/>
+            <a:ext cx="1168199" cy="1440160"/>
+          </a:xfrm>
+          <a:prstGeom prst="roundRect">
+            <a:avLst>
+              <a:gd name="adj" fmla="val 8594"/>
+            </a:avLst>
+          </a:prstGeom>
+          <a:solidFill>
+            <a:srgbClr val="FFFFFF">
+              <a:shade val="85000"/>
+            </a:srgbClr>
+          </a:solidFill>
+          <a:ln>
+            <a:noFill/>
+          </a:ln>
+          <a:effectLst>
+            <a:reflection blurRad="12700" stA="38000" endPos="28000" dist="5000" dir="5400000" sy="-100000" algn="bl" rotWithShape="0"/>
+          </a:effectLst>
+        </p:spPr>
+      </p:pic>
+      <p:sp>
+        <p:nvSpPr>
+          <p:cNvPr id="4" name="TextBox 3">
+            <a:extLst>
+              <a:ext uri="{FF2B5EF4-FFF2-40B4-BE49-F238E27FC236}">
+                <a16:creationId xmlns:a16="http://schemas.microsoft.com/office/drawing/2014/main" id="{99B53E7E-A9ED-6942-DF80-3DF81B395749}"/>
+              </a:ext>
+            </a:extLst>
+          </p:cNvPr>
+          <p:cNvSpPr txBox="1"/>
+          <p:nvPr/>
+        </p:nvSpPr>
+        <p:spPr>
+          <a:xfrm>
+            <a:off x="0" y="0"/>
+            <a:ext cx="1367682" cy="923330"/>
+          </a:xfrm>
+          <a:prstGeom prst="rect">
+            <a:avLst/>
+          </a:prstGeom>
+          <a:noFill/>
+        </p:spPr>
+        <p:txBody>
+          <a:bodyPr wrap="none" rtlCol="0">
+            <a:spAutoFit/>
+          </a:bodyPr>
+          <a:lstStyle/>
+          <a:p>
+            <a:pPr algn="ctr"/>
+            <a:r>
+              <a:rPr lang="en-US" sz="5400" dirty="0">
+                <a:latin typeface="Bauhaus 93" panose="04030905020B02020C02" pitchFamily="82" charset="0"/>
+              </a:rPr>
+              <a:t>002</a:t>
+            </a:r>
+          </a:p>
+        </p:txBody>
+      </p:sp>
+      <p:pic>
+        <p:nvPicPr>
+          <p:cNvPr id="1026" name="Picture 2" descr="scratch logo PNG image with transparent background | TOPpng">
+            <a:extLst>
+              <a:ext uri="{FF2B5EF4-FFF2-40B4-BE49-F238E27FC236}">
+                <a16:creationId xmlns:a16="http://schemas.microsoft.com/office/drawing/2014/main" id="{1554103F-1ECA-8530-E162-3BE3F4FE9C16}"/>
+              </a:ext>
+            </a:extLst>
+          </p:cNvPr>
+          <p:cNvPicPr>
+            <a:picLocks noChangeAspect="1" noChangeArrowheads="1"/>
+          </p:cNvPicPr>
+          <p:nvPr/>
+        </p:nvPicPr>
+        <p:blipFill>
+          <a:blip r:embed="rId3">
+            <a:clrChange>
+              <a:clrFrom>
+                <a:srgbClr val="EFEFEF"/>
+              </a:clrFrom>
+              <a:clrTo>
+                <a:srgbClr val="EFEFEF">
+                  <a:alpha val="0"/>
+                </a:srgbClr>
+              </a:clrTo>
+            </a:clrChange>
+            <a:extLst>
+              <a:ext uri="{28A0092B-C50C-407E-A947-70E740481C1C}">
+                <a14:useLocalDpi xmlns:a14="http://schemas.microsoft.com/office/drawing/2010/main" val="0"/>
+              </a:ext>
+            </a:extLst>
+          </a:blip>
+          <a:srcRect/>
+          <a:stretch>
+            <a:fillRect/>
+          </a:stretch>
+        </p:blipFill>
+        <p:spPr bwMode="auto">
+          <a:xfrm>
+            <a:off x="11064552" y="-92695"/>
+            <a:ext cx="895507" cy="914400"/>
+          </a:xfrm>
+          <a:prstGeom prst="rect">
+            <a:avLst/>
+          </a:prstGeom>
+          <a:noFill/>
+          <a:extLst>
+            <a:ext uri="{909E8E84-426E-40DD-AFC4-6F175D3DCCD1}">
+              <a14:hiddenFill xmlns:a14="http://schemas.microsoft.com/office/drawing/2010/main">
+                <a:solidFill>
+                  <a:srgbClr val="FFFFFF"/>
+                </a:solidFill>
+              </a14:hiddenFill>
+            </a:ext>
+          </a:extLst>
+        </p:spPr>
+      </p:pic>
+      <p:pic>
+        <p:nvPicPr>
+          <p:cNvPr id="7" name="Picture 6" descr="A cartoon owl wearing a graduation cap and glasses&#10;&#10;Description automatically generated">
+            <a:extLst>
+              <a:ext uri="{FF2B5EF4-FFF2-40B4-BE49-F238E27FC236}">
+                <a16:creationId xmlns:a16="http://schemas.microsoft.com/office/drawing/2014/main" id="{3AEA9986-B7C4-0E97-5BE2-8505E1692F4B}"/>
+              </a:ext>
+            </a:extLst>
+          </p:cNvPr>
+          <p:cNvPicPr>
+            <a:picLocks noChangeAspect="1"/>
+          </p:cNvPicPr>
+          <p:nvPr/>
+        </p:nvPicPr>
+        <p:blipFill>
+          <a:blip r:embed="rId4">
+            <a:clrChange>
+              <a:clrFrom>
+                <a:srgbClr val="DDEFF9"/>
+              </a:clrFrom>
+              <a:clrTo>
+                <a:srgbClr val="DDEFF9">
+                  <a:alpha val="0"/>
+                </a:srgbClr>
+              </a:clrTo>
+            </a:clrChange>
+          </a:blip>
+          <a:stretch>
+            <a:fillRect/>
+          </a:stretch>
+        </p:blipFill>
+        <p:spPr>
+          <a:xfrm>
+            <a:off x="33636" y="6226406"/>
+            <a:ext cx="603448" cy="603448"/>
+          </a:xfrm>
+          <a:prstGeom prst="rect">
+            <a:avLst/>
+          </a:prstGeom>
+        </p:spPr>
+      </p:pic>
+      <p:sp>
+        <p:nvSpPr>
+          <p:cNvPr id="3" name="Subtitle 2"/>
+          <p:cNvSpPr>
+            <a:spLocks noGrp="1"/>
+          </p:cNvSpPr>
+          <p:nvPr>
+            <p:ph type="subTitle" idx="1"/>
+          </p:nvPr>
+        </p:nvSpPr>
+        <p:spPr>
+          <a:xfrm>
+            <a:off x="336195" y="923330"/>
+            <a:ext cx="9024664" cy="1440159"/>
+          </a:xfrm>
+        </p:spPr>
+        <p:txBody>
+          <a:bodyPr>
+            <a:normAutofit lnSpcReduction="10000"/>
+          </a:bodyPr>
+          <a:lstStyle/>
+          <a:p>
+            <a:r>
+              <a:rPr lang="en-US" sz="2800" b="1" dirty="0">
+                <a:latin typeface="Aptos Black" panose="020F0502020204030204" pitchFamily="34" charset="0"/>
+              </a:rPr>
+              <a:t>Become a Scratch Designer</a:t>
+            </a:r>
+          </a:p>
+          <a:p>
+            <a:r>
+              <a:rPr lang="en-US" sz="2800" b="1" dirty="0">
+                <a:latin typeface="Aptos Black" panose="020F0502020204030204" pitchFamily="34" charset="0"/>
+              </a:rPr>
+              <a:t>Chapter 1: Getting Started with Scratch</a:t>
+            </a:r>
+          </a:p>
+          <a:p>
+            <a:r>
+              <a:rPr lang="en-US" sz="2800" b="1" dirty="0">
+                <a:latin typeface="Aptos Black" panose="020F0502020204030204" pitchFamily="34" charset="0"/>
+              </a:rPr>
+              <a:t>(2) Create a New Project</a:t>
+            </a:r>
+            <a:endParaRPr lang="en-US" dirty="0">
+              <a:latin typeface="Aptos Black" panose="020F0502020204030204" pitchFamily="34" charset="0"/>
+            </a:endParaRPr>
+          </a:p>
+        </p:txBody>
+      </p:sp>
+      <p:pic>
+        <p:nvPicPr>
+          <p:cNvPr id="8" name="Picture 7">
+            <a:extLst>
+              <a:ext uri="{FF2B5EF4-FFF2-40B4-BE49-F238E27FC236}">
+                <a16:creationId xmlns:a16="http://schemas.microsoft.com/office/drawing/2014/main" id="{E27D146A-721B-184B-CBA8-EBC06CB9F20D}"/>
+              </a:ext>
+            </a:extLst>
+          </p:cNvPr>
+          <p:cNvPicPr>
+            <a:picLocks noChangeAspect="1"/>
+          </p:cNvPicPr>
+          <p:nvPr/>
+        </p:nvPicPr>
+        <p:blipFill>
+          <a:blip r:embed="rId5"/>
+          <a:stretch>
+            <a:fillRect/>
+          </a:stretch>
+        </p:blipFill>
+        <p:spPr>
+          <a:xfrm>
+            <a:off x="3863752" y="2422990"/>
+            <a:ext cx="5045157" cy="2876115"/>
+          </a:xfrm>
+          <a:prstGeom prst="rect">
+            <a:avLst/>
+          </a:prstGeom>
+          <a:ln>
+            <a:noFill/>
+          </a:ln>
+          <a:effectLst>
+            <a:outerShdw blurRad="292100" dist="139700" dir="2700000" algn="tl" rotWithShape="0">
+              <a:srgbClr val="333333">
+                <a:alpha val="65000"/>
+              </a:srgbClr>
+            </a:outerShdw>
+          </a:effectLst>
+        </p:spPr>
+      </p:pic>
+    </p:spTree>
+    <p:extLst>
+      <p:ext uri="{BB962C8B-B14F-4D97-AF65-F5344CB8AC3E}">
+        <p14:creationId xmlns:p14="http://schemas.microsoft.com/office/powerpoint/2010/main" val="3099636577"/>
+      </p:ext>
+    </p:extLst>
+  </p:cSld>
+  <p:clrMapOvr>
+    <a:masterClrMapping/>
+  </p:clrMapOvr>
+  <mc:AlternateContent xmlns:mc="http://schemas.openxmlformats.org/markup-compatibility/2006">
+    <mc:Choice xmlns:p14="http://schemas.microsoft.com/office/powerpoint/2010/main" Requires="p14">
+      <p:transition spd="med" p14:dur="700">
+        <p:fade/>
+      </p:transition>
+    </mc:Choice>
+    <mc:Fallback>
       <p:transition spd="med">
         <p:fade/>
       </p:transition>

--- a/scratch4kids/Scratch4Kids.pptx
+++ b/scratch4kids/Scratch4Kids.pptx
@@ -5,16 +5,18 @@
     <p:sldMasterId id="2147483648" r:id="rId4"/>
   </p:sldMasterIdLst>
   <p:notesMasterIdLst>
-    <p:notesMasterId r:id="rId9"/>
+    <p:notesMasterId r:id="rId11"/>
   </p:notesMasterIdLst>
   <p:handoutMasterIdLst>
-    <p:handoutMasterId r:id="rId10"/>
+    <p:handoutMasterId r:id="rId12"/>
   </p:handoutMasterIdLst>
   <p:sldIdLst>
     <p:sldId id="257" r:id="rId5"/>
     <p:sldId id="258" r:id="rId6"/>
     <p:sldId id="259" r:id="rId7"/>
     <p:sldId id="260" r:id="rId8"/>
+    <p:sldId id="261" r:id="rId9"/>
+    <p:sldId id="262" r:id="rId10"/>
   </p:sldIdLst>
   <p:sldSz cx="12192000" cy="6858000"/>
   <p:notesSz cx="6858000" cy="9144000"/>
@@ -7018,6 +7020,44 @@
           </a:prstGeom>
         </p:spPr>
       </p:pic>
+      <p:sp>
+        <p:nvSpPr>
+          <p:cNvPr id="10" name="TextBox 9">
+            <a:extLst>
+              <a:ext uri="{FF2B5EF4-FFF2-40B4-BE49-F238E27FC236}">
+                <a16:creationId xmlns:a16="http://schemas.microsoft.com/office/drawing/2014/main" id="{B7BD3B76-3904-6CC1-DF12-3BA4859C5167}"/>
+              </a:ext>
+            </a:extLst>
+          </p:cNvPr>
+          <p:cNvSpPr txBox="1"/>
+          <p:nvPr/>
+        </p:nvSpPr>
+        <p:spPr>
+          <a:xfrm>
+            <a:off x="817468" y="6460522"/>
+            <a:ext cx="4658199" cy="369332"/>
+          </a:xfrm>
+          <a:prstGeom prst="rect">
+            <a:avLst/>
+          </a:prstGeom>
+          <a:noFill/>
+        </p:spPr>
+        <p:txBody>
+          <a:bodyPr wrap="square">
+            <a:spAutoFit/>
+          </a:bodyPr>
+          <a:lstStyle/>
+          <a:p>
+            <a:r>
+              <a:rPr lang="en-US" dirty="0">
+                <a:hlinkClick r:id="rId6"/>
+              </a:rPr>
+              <a:t>https://github.com/yasenstar/learn_scratch</a:t>
+            </a:r>
+            <a:endParaRPr lang="en-US" dirty="0"/>
+          </a:p>
+        </p:txBody>
+      </p:sp>
     </p:spTree>
     <p:extLst>
       <p:ext uri="{BB962C8B-B14F-4D97-AF65-F5344CB8AC3E}">
@@ -7115,8 +7155,8 @@
         </p:blipFill>
         <p:spPr>
           <a:xfrm>
-            <a:off x="9497926" y="21795"/>
-            <a:ext cx="1168199" cy="1440160"/>
+            <a:off x="8943880" y="44788"/>
+            <a:ext cx="1693755" cy="2088067"/>
           </a:xfrm>
           <a:prstGeom prst="roundRect">
             <a:avLst>
@@ -7359,6 +7399,44 @@
             <a:endParaRPr lang="en-US" dirty="0">
               <a:latin typeface="Aptos Black" panose="020F0502020204030204" pitchFamily="34" charset="0"/>
             </a:endParaRPr>
+          </a:p>
+        </p:txBody>
+      </p:sp>
+      <p:sp>
+        <p:nvSpPr>
+          <p:cNvPr id="10" name="TextBox 9">
+            <a:extLst>
+              <a:ext uri="{FF2B5EF4-FFF2-40B4-BE49-F238E27FC236}">
+                <a16:creationId xmlns:a16="http://schemas.microsoft.com/office/drawing/2014/main" id="{3D739D02-62D0-6003-80A0-EB3C38FACFE1}"/>
+              </a:ext>
+            </a:extLst>
+          </p:cNvPr>
+          <p:cNvSpPr txBox="1"/>
+          <p:nvPr/>
+        </p:nvSpPr>
+        <p:spPr>
+          <a:xfrm>
+            <a:off x="817468" y="6460522"/>
+            <a:ext cx="4658199" cy="369332"/>
+          </a:xfrm>
+          <a:prstGeom prst="rect">
+            <a:avLst/>
+          </a:prstGeom>
+          <a:noFill/>
+        </p:spPr>
+        <p:txBody>
+          <a:bodyPr wrap="square">
+            <a:spAutoFit/>
+          </a:bodyPr>
+          <a:lstStyle/>
+          <a:p>
+            <a:r>
+              <a:rPr lang="en-US" dirty="0">
+                <a:hlinkClick r:id="rId6"/>
+              </a:rPr>
+              <a:t>https://github.com/yasenstar/learn_scratch</a:t>
+            </a:r>
+            <a:endParaRPr lang="en-US" dirty="0"/>
           </a:p>
         </p:txBody>
       </p:sp>
@@ -7459,8 +7537,8 @@
         </p:blipFill>
         <p:spPr>
           <a:xfrm>
-            <a:off x="9497926" y="21795"/>
-            <a:ext cx="1168199" cy="1440160"/>
+            <a:off x="9021676" y="90189"/>
+            <a:ext cx="1494418" cy="1842324"/>
           </a:xfrm>
           <a:prstGeom prst="roundRect">
             <a:avLst>
@@ -7658,7 +7736,7 @@
               <a:rPr lang="en-US" sz="2800" b="1" dirty="0">
                 <a:latin typeface="Aptos Black" panose="020F0502020204030204" pitchFamily="34" charset="0"/>
               </a:rPr>
-              <a:t>(2) Create a New Project</a:t>
+              <a:t>(2) Create a New Project – Flapping Bat</a:t>
             </a:r>
             <a:endParaRPr lang="en-US" dirty="0">
               <a:latin typeface="Aptos Black" panose="020F0502020204030204" pitchFamily="34" charset="0"/>
@@ -7706,10 +7784,965 @@
           </a:effectLst>
         </p:spPr>
       </p:pic>
+      <p:sp>
+        <p:nvSpPr>
+          <p:cNvPr id="10" name="TextBox 9">
+            <a:extLst>
+              <a:ext uri="{FF2B5EF4-FFF2-40B4-BE49-F238E27FC236}">
+                <a16:creationId xmlns:a16="http://schemas.microsoft.com/office/drawing/2014/main" id="{D3D39265-1A18-10AE-2B1C-805768580D31}"/>
+              </a:ext>
+            </a:extLst>
+          </p:cNvPr>
+          <p:cNvSpPr txBox="1"/>
+          <p:nvPr/>
+        </p:nvSpPr>
+        <p:spPr>
+          <a:xfrm>
+            <a:off x="817468" y="6413266"/>
+            <a:ext cx="8204208" cy="461665"/>
+          </a:xfrm>
+          <a:prstGeom prst="rect">
+            <a:avLst/>
+          </a:prstGeom>
+          <a:noFill/>
+        </p:spPr>
+        <p:txBody>
+          <a:bodyPr wrap="square">
+            <a:spAutoFit/>
+          </a:bodyPr>
+          <a:lstStyle/>
+          <a:p>
+            <a:r>
+              <a:rPr lang="en-US" sz="2400" b="1" dirty="0">
+                <a:hlinkClick r:id="rId6"/>
+              </a:rPr>
+              <a:t>https://github.com/yasenstar/learn_scratch</a:t>
+            </a:r>
+            <a:endParaRPr lang="en-US" sz="2400" b="1" dirty="0"/>
+          </a:p>
+        </p:txBody>
+      </p:sp>
+      <p:pic>
+        <p:nvPicPr>
+          <p:cNvPr id="12" name="Picture 11">
+            <a:extLst>
+              <a:ext uri="{FF2B5EF4-FFF2-40B4-BE49-F238E27FC236}">
+                <a16:creationId xmlns:a16="http://schemas.microsoft.com/office/drawing/2014/main" id="{2E5F9541-E2CA-3E4F-A0AB-486C59A70A71}"/>
+              </a:ext>
+            </a:extLst>
+          </p:cNvPr>
+          <p:cNvPicPr>
+            <a:picLocks noChangeAspect="1"/>
+          </p:cNvPicPr>
+          <p:nvPr/>
+        </p:nvPicPr>
+        <p:blipFill>
+          <a:blip r:embed="rId7">
+            <a:clrChange>
+              <a:clrFrom>
+                <a:srgbClr val="FFFFFF"/>
+              </a:clrFrom>
+              <a:clrTo>
+                <a:srgbClr val="FFFFFF">
+                  <a:alpha val="0"/>
+                </a:srgbClr>
+              </a:clrTo>
+            </a:clrChange>
+          </a:blip>
+          <a:stretch>
+            <a:fillRect/>
+          </a:stretch>
+        </p:blipFill>
+        <p:spPr>
+          <a:xfrm>
+            <a:off x="8545426" y="1992014"/>
+            <a:ext cx="952500" cy="742950"/>
+          </a:xfrm>
+          <a:prstGeom prst="rect">
+            <a:avLst/>
+          </a:prstGeom>
+          <a:ln>
+            <a:noFill/>
+          </a:ln>
+          <a:effectLst>
+            <a:outerShdw blurRad="292100" dist="139700" dir="2700000" algn="tl" rotWithShape="0">
+              <a:srgbClr val="333333">
+                <a:alpha val="65000"/>
+              </a:srgbClr>
+            </a:outerShdw>
+          </a:effectLst>
+        </p:spPr>
+      </p:pic>
     </p:spTree>
     <p:extLst>
       <p:ext uri="{BB962C8B-B14F-4D97-AF65-F5344CB8AC3E}">
         <p14:creationId xmlns:p14="http://schemas.microsoft.com/office/powerpoint/2010/main" val="3099636577"/>
+      </p:ext>
+    </p:extLst>
+  </p:cSld>
+  <p:clrMapOvr>
+    <a:masterClrMapping/>
+  </p:clrMapOvr>
+  <mc:AlternateContent xmlns:mc="http://schemas.openxmlformats.org/markup-compatibility/2006">
+    <mc:Choice xmlns:p14="http://schemas.microsoft.com/office/powerpoint/2010/main" Requires="p14">
+      <p:transition spd="med" p14:dur="700">
+        <p:fade/>
+      </p:transition>
+    </mc:Choice>
+    <mc:Fallback>
+      <p:transition spd="med">
+        <p:fade/>
+      </p:transition>
+    </mc:Fallback>
+  </mc:AlternateContent>
+</p:sld>
+</file>
+
+<file path=ppt/slides/slide5.xml><?xml version="1.0" encoding="utf-8"?>
+<p:sld xmlns:a="http://schemas.openxmlformats.org/drawingml/2006/main" xmlns:r="http://schemas.openxmlformats.org/officeDocument/2006/relationships" xmlns:p="http://schemas.openxmlformats.org/presentationml/2006/main">
+  <p:cSld>
+    <p:spTree>
+      <p:nvGrpSpPr>
+        <p:cNvPr id="1" name=""/>
+        <p:cNvGrpSpPr/>
+        <p:nvPr/>
+      </p:nvGrpSpPr>
+      <p:grpSpPr>
+        <a:xfrm>
+          <a:off x="0" y="0"/>
+          <a:ext cx="0" cy="0"/>
+          <a:chOff x="0" y="0"/>
+          <a:chExt cx="0" cy="0"/>
+        </a:xfrm>
+      </p:grpSpPr>
+      <p:pic>
+        <p:nvPicPr>
+          <p:cNvPr id="9" name="Picture 8">
+            <a:extLst>
+              <a:ext uri="{FF2B5EF4-FFF2-40B4-BE49-F238E27FC236}">
+                <a16:creationId xmlns:a16="http://schemas.microsoft.com/office/drawing/2014/main" id="{1F24A1BF-96E5-B508-DA91-CDF13EAB8887}"/>
+              </a:ext>
+            </a:extLst>
+          </p:cNvPr>
+          <p:cNvPicPr>
+            <a:picLocks noChangeAspect="1"/>
+          </p:cNvPicPr>
+          <p:nvPr/>
+        </p:nvPicPr>
+        <p:blipFill>
+          <a:blip r:embed="rId2"/>
+          <a:stretch>
+            <a:fillRect/>
+          </a:stretch>
+        </p:blipFill>
+        <p:spPr>
+          <a:xfrm>
+            <a:off x="3646575" y="2398267"/>
+            <a:ext cx="5499784" cy="2810762"/>
+          </a:xfrm>
+          <a:prstGeom prst="rect">
+            <a:avLst/>
+          </a:prstGeom>
+          <a:ln>
+            <a:noFill/>
+          </a:ln>
+          <a:effectLst>
+            <a:outerShdw blurRad="292100" dist="139700" dir="2700000" algn="tl" rotWithShape="0">
+              <a:srgbClr val="333333">
+                <a:alpha val="65000"/>
+              </a:srgbClr>
+            </a:outerShdw>
+          </a:effectLst>
+        </p:spPr>
+      </p:pic>
+      <p:sp>
+        <p:nvSpPr>
+          <p:cNvPr id="2" name="Title 1"/>
+          <p:cNvSpPr>
+            <a:spLocks noGrp="1"/>
+          </p:cNvSpPr>
+          <p:nvPr>
+            <p:ph type="ctrTitle"/>
+          </p:nvPr>
+        </p:nvSpPr>
+        <p:spPr>
+          <a:xfrm>
+            <a:off x="1534803" y="101625"/>
+            <a:ext cx="6937461" cy="720080"/>
+          </a:xfrm>
+        </p:spPr>
+        <p:txBody>
+          <a:bodyPr anchor="ctr">
+            <a:normAutofit fontScale="90000"/>
+          </a:bodyPr>
+          <a:lstStyle/>
+          <a:p>
+            <a:r>
+              <a:rPr lang="en-US" sz="4800" dirty="0">
+                <a:latin typeface="ADLaM Display" panose="02010000000000000000" pitchFamily="2" charset="0"/>
+                <a:ea typeface="ADLaM Display" panose="02010000000000000000" pitchFamily="2" charset="0"/>
+                <a:cs typeface="ADLaM Display" panose="02010000000000000000" pitchFamily="2" charset="0"/>
+              </a:rPr>
+              <a:t>Scratch for Kids – Part 1</a:t>
+            </a:r>
+          </a:p>
+        </p:txBody>
+      </p:sp>
+      <p:pic>
+        <p:nvPicPr>
+          <p:cNvPr id="6" name="Picture 5" descr="A book cover with a cartoon character&#10;&#10;Description automatically generated">
+            <a:extLst>
+              <a:ext uri="{FF2B5EF4-FFF2-40B4-BE49-F238E27FC236}">
+                <a16:creationId xmlns:a16="http://schemas.microsoft.com/office/drawing/2014/main" id="{37058493-7DAE-6BF2-99F6-4940E3CECA62}"/>
+              </a:ext>
+            </a:extLst>
+          </p:cNvPr>
+          <p:cNvPicPr>
+            <a:picLocks noChangeAspect="1"/>
+          </p:cNvPicPr>
+          <p:nvPr/>
+        </p:nvPicPr>
+        <p:blipFill>
+          <a:blip r:embed="rId3"/>
+          <a:stretch>
+            <a:fillRect/>
+          </a:stretch>
+        </p:blipFill>
+        <p:spPr>
+          <a:xfrm>
+            <a:off x="9012203" y="53754"/>
+            <a:ext cx="1544027" cy="1903482"/>
+          </a:xfrm>
+          <a:prstGeom prst="roundRect">
+            <a:avLst>
+              <a:gd name="adj" fmla="val 8594"/>
+            </a:avLst>
+          </a:prstGeom>
+          <a:solidFill>
+            <a:srgbClr val="FFFFFF">
+              <a:shade val="85000"/>
+            </a:srgbClr>
+          </a:solidFill>
+          <a:ln>
+            <a:noFill/>
+          </a:ln>
+          <a:effectLst>
+            <a:reflection blurRad="12700" stA="38000" endPos="28000" dist="5000" dir="5400000" sy="-100000" algn="bl" rotWithShape="0"/>
+          </a:effectLst>
+        </p:spPr>
+      </p:pic>
+      <p:sp>
+        <p:nvSpPr>
+          <p:cNvPr id="4" name="TextBox 3">
+            <a:extLst>
+              <a:ext uri="{FF2B5EF4-FFF2-40B4-BE49-F238E27FC236}">
+                <a16:creationId xmlns:a16="http://schemas.microsoft.com/office/drawing/2014/main" id="{99B53E7E-A9ED-6942-DF80-3DF81B395749}"/>
+              </a:ext>
+            </a:extLst>
+          </p:cNvPr>
+          <p:cNvSpPr txBox="1"/>
+          <p:nvPr/>
+        </p:nvSpPr>
+        <p:spPr>
+          <a:xfrm>
+            <a:off x="0" y="0"/>
+            <a:ext cx="1367682" cy="923330"/>
+          </a:xfrm>
+          <a:prstGeom prst="rect">
+            <a:avLst/>
+          </a:prstGeom>
+          <a:noFill/>
+        </p:spPr>
+        <p:txBody>
+          <a:bodyPr wrap="none" rtlCol="0">
+            <a:spAutoFit/>
+          </a:bodyPr>
+          <a:lstStyle/>
+          <a:p>
+            <a:pPr algn="ctr"/>
+            <a:r>
+              <a:rPr lang="en-US" sz="5400" dirty="0">
+                <a:latin typeface="Bauhaus 93" panose="04030905020B02020C02" pitchFamily="82" charset="0"/>
+              </a:rPr>
+              <a:t>003</a:t>
+            </a:r>
+          </a:p>
+        </p:txBody>
+      </p:sp>
+      <p:pic>
+        <p:nvPicPr>
+          <p:cNvPr id="1026" name="Picture 2" descr="scratch logo PNG image with transparent background | TOPpng">
+            <a:extLst>
+              <a:ext uri="{FF2B5EF4-FFF2-40B4-BE49-F238E27FC236}">
+                <a16:creationId xmlns:a16="http://schemas.microsoft.com/office/drawing/2014/main" id="{1554103F-1ECA-8530-E162-3BE3F4FE9C16}"/>
+              </a:ext>
+            </a:extLst>
+          </p:cNvPr>
+          <p:cNvPicPr>
+            <a:picLocks noChangeAspect="1" noChangeArrowheads="1"/>
+          </p:cNvPicPr>
+          <p:nvPr/>
+        </p:nvPicPr>
+        <p:blipFill>
+          <a:blip r:embed="rId4">
+            <a:clrChange>
+              <a:clrFrom>
+                <a:srgbClr val="EFEFEF"/>
+              </a:clrFrom>
+              <a:clrTo>
+                <a:srgbClr val="EFEFEF">
+                  <a:alpha val="0"/>
+                </a:srgbClr>
+              </a:clrTo>
+            </a:clrChange>
+            <a:extLst>
+              <a:ext uri="{28A0092B-C50C-407E-A947-70E740481C1C}">
+                <a14:useLocalDpi xmlns:a14="http://schemas.microsoft.com/office/drawing/2010/main" val="0"/>
+              </a:ext>
+            </a:extLst>
+          </a:blip>
+          <a:srcRect/>
+          <a:stretch>
+            <a:fillRect/>
+          </a:stretch>
+        </p:blipFill>
+        <p:spPr bwMode="auto">
+          <a:xfrm>
+            <a:off x="10704512" y="0"/>
+            <a:ext cx="895507" cy="914400"/>
+          </a:xfrm>
+          <a:prstGeom prst="rect">
+            <a:avLst/>
+          </a:prstGeom>
+          <a:noFill/>
+          <a:extLst>
+            <a:ext uri="{909E8E84-426E-40DD-AFC4-6F175D3DCCD1}">
+              <a14:hiddenFill xmlns:a14="http://schemas.microsoft.com/office/drawing/2010/main">
+                <a:solidFill>
+                  <a:srgbClr val="FFFFFF"/>
+                </a:solidFill>
+              </a14:hiddenFill>
+            </a:ext>
+          </a:extLst>
+        </p:spPr>
+      </p:pic>
+      <p:pic>
+        <p:nvPicPr>
+          <p:cNvPr id="7" name="Picture 6" descr="A cartoon owl wearing a graduation cap and glasses&#10;&#10;Description automatically generated">
+            <a:extLst>
+              <a:ext uri="{FF2B5EF4-FFF2-40B4-BE49-F238E27FC236}">
+                <a16:creationId xmlns:a16="http://schemas.microsoft.com/office/drawing/2014/main" id="{3AEA9986-B7C4-0E97-5BE2-8505E1692F4B}"/>
+              </a:ext>
+            </a:extLst>
+          </p:cNvPr>
+          <p:cNvPicPr>
+            <a:picLocks noChangeAspect="1"/>
+          </p:cNvPicPr>
+          <p:nvPr/>
+        </p:nvPicPr>
+        <p:blipFill>
+          <a:blip r:embed="rId5">
+            <a:clrChange>
+              <a:clrFrom>
+                <a:srgbClr val="DDEFF9"/>
+              </a:clrFrom>
+              <a:clrTo>
+                <a:srgbClr val="DDEFF9">
+                  <a:alpha val="0"/>
+                </a:srgbClr>
+              </a:clrTo>
+            </a:clrChange>
+          </a:blip>
+          <a:stretch>
+            <a:fillRect/>
+          </a:stretch>
+        </p:blipFill>
+        <p:spPr>
+          <a:xfrm>
+            <a:off x="33636" y="6226406"/>
+            <a:ext cx="603448" cy="603448"/>
+          </a:xfrm>
+          <a:prstGeom prst="rect">
+            <a:avLst/>
+          </a:prstGeom>
+        </p:spPr>
+      </p:pic>
+      <p:sp>
+        <p:nvSpPr>
+          <p:cNvPr id="3" name="Subtitle 2"/>
+          <p:cNvSpPr>
+            <a:spLocks noGrp="1"/>
+          </p:cNvSpPr>
+          <p:nvPr>
+            <p:ph type="subTitle" idx="1"/>
+          </p:nvPr>
+        </p:nvSpPr>
+        <p:spPr>
+          <a:xfrm>
+            <a:off x="336195" y="923330"/>
+            <a:ext cx="9024664" cy="1440159"/>
+          </a:xfrm>
+        </p:spPr>
+        <p:txBody>
+          <a:bodyPr>
+            <a:normAutofit lnSpcReduction="10000"/>
+          </a:bodyPr>
+          <a:lstStyle/>
+          <a:p>
+            <a:r>
+              <a:rPr lang="en-US" sz="2800" b="1" dirty="0">
+                <a:latin typeface="Aptos Black" panose="020F0502020204030204" pitchFamily="34" charset="0"/>
+              </a:rPr>
+              <a:t>Become a Scratch Designer</a:t>
+            </a:r>
+          </a:p>
+          <a:p>
+            <a:r>
+              <a:rPr lang="en-US" sz="2800" b="1" dirty="0">
+                <a:latin typeface="Aptos Black" panose="020F0502020204030204" pitchFamily="34" charset="0"/>
+              </a:rPr>
+              <a:t>Chapter 1: Getting Started with Scratch</a:t>
+            </a:r>
+          </a:p>
+          <a:p>
+            <a:r>
+              <a:rPr lang="en-US" sz="2800" b="1" dirty="0">
+                <a:latin typeface="Aptos Black" panose="020F0502020204030204" pitchFamily="34" charset="0"/>
+              </a:rPr>
+              <a:t>(3) Bring Game to Life with Code</a:t>
+            </a:r>
+            <a:endParaRPr lang="en-US" dirty="0">
+              <a:latin typeface="Aptos Black" panose="020F0502020204030204" pitchFamily="34" charset="0"/>
+            </a:endParaRPr>
+          </a:p>
+        </p:txBody>
+      </p:sp>
+      <p:pic>
+        <p:nvPicPr>
+          <p:cNvPr id="12" name="Picture 11">
+            <a:extLst>
+              <a:ext uri="{FF2B5EF4-FFF2-40B4-BE49-F238E27FC236}">
+                <a16:creationId xmlns:a16="http://schemas.microsoft.com/office/drawing/2014/main" id="{2E5F9541-E2CA-3E4F-A0AB-486C59A70A71}"/>
+              </a:ext>
+            </a:extLst>
+          </p:cNvPr>
+          <p:cNvPicPr>
+            <a:picLocks noChangeAspect="1"/>
+          </p:cNvPicPr>
+          <p:nvPr/>
+        </p:nvPicPr>
+        <p:blipFill>
+          <a:blip r:embed="rId6">
+            <a:clrChange>
+              <a:clrFrom>
+                <a:srgbClr val="FFFFFF"/>
+              </a:clrFrom>
+              <a:clrTo>
+                <a:srgbClr val="FFFFFF">
+                  <a:alpha val="0"/>
+                </a:srgbClr>
+              </a:clrTo>
+            </a:clrChange>
+          </a:blip>
+          <a:stretch>
+            <a:fillRect/>
+          </a:stretch>
+        </p:blipFill>
+        <p:spPr>
+          <a:xfrm>
+            <a:off x="8545426" y="1992014"/>
+            <a:ext cx="952500" cy="742950"/>
+          </a:xfrm>
+          <a:prstGeom prst="rect">
+            <a:avLst/>
+          </a:prstGeom>
+          <a:ln>
+            <a:noFill/>
+          </a:ln>
+          <a:effectLst>
+            <a:outerShdw blurRad="292100" dist="139700" dir="2700000" algn="tl" rotWithShape="0">
+              <a:srgbClr val="333333">
+                <a:alpha val="65000"/>
+              </a:srgbClr>
+            </a:outerShdw>
+          </a:effectLst>
+        </p:spPr>
+      </p:pic>
+      <p:sp>
+        <p:nvSpPr>
+          <p:cNvPr id="11" name="TextBox 10">
+            <a:extLst>
+              <a:ext uri="{FF2B5EF4-FFF2-40B4-BE49-F238E27FC236}">
+                <a16:creationId xmlns:a16="http://schemas.microsoft.com/office/drawing/2014/main" id="{1FE1EEC2-33E2-75F8-0F79-5335DD1026B1}"/>
+              </a:ext>
+            </a:extLst>
+          </p:cNvPr>
+          <p:cNvSpPr txBox="1"/>
+          <p:nvPr/>
+        </p:nvSpPr>
+        <p:spPr>
+          <a:xfrm>
+            <a:off x="817468" y="6413266"/>
+            <a:ext cx="8204208" cy="461665"/>
+          </a:xfrm>
+          <a:prstGeom prst="rect">
+            <a:avLst/>
+          </a:prstGeom>
+          <a:noFill/>
+        </p:spPr>
+        <p:txBody>
+          <a:bodyPr wrap="square">
+            <a:spAutoFit/>
+          </a:bodyPr>
+          <a:lstStyle/>
+          <a:p>
+            <a:r>
+              <a:rPr lang="en-US" sz="2400" b="1" dirty="0">
+                <a:hlinkClick r:id="rId7"/>
+              </a:rPr>
+              <a:t>https://github.com/yasenstar/learn_scratch</a:t>
+            </a:r>
+            <a:endParaRPr lang="en-US" sz="2400" b="1" dirty="0"/>
+          </a:p>
+        </p:txBody>
+      </p:sp>
+    </p:spTree>
+    <p:extLst>
+      <p:ext uri="{BB962C8B-B14F-4D97-AF65-F5344CB8AC3E}">
+        <p14:creationId xmlns:p14="http://schemas.microsoft.com/office/powerpoint/2010/main" val="1865290187"/>
+      </p:ext>
+    </p:extLst>
+  </p:cSld>
+  <p:clrMapOvr>
+    <a:masterClrMapping/>
+  </p:clrMapOvr>
+  <mc:AlternateContent xmlns:mc="http://schemas.openxmlformats.org/markup-compatibility/2006">
+    <mc:Choice xmlns:p14="http://schemas.microsoft.com/office/powerpoint/2010/main" Requires="p14">
+      <p:transition spd="med" p14:dur="700">
+        <p:fade/>
+      </p:transition>
+    </mc:Choice>
+    <mc:Fallback>
+      <p:transition spd="med">
+        <p:fade/>
+      </p:transition>
+    </mc:Fallback>
+  </mc:AlternateContent>
+</p:sld>
+</file>
+
+<file path=ppt/slides/slide6.xml><?xml version="1.0" encoding="utf-8"?>
+<p:sld xmlns:a="http://schemas.openxmlformats.org/drawingml/2006/main" xmlns:r="http://schemas.openxmlformats.org/officeDocument/2006/relationships" xmlns:p="http://schemas.openxmlformats.org/presentationml/2006/main">
+  <p:cSld>
+    <p:spTree>
+      <p:nvGrpSpPr>
+        <p:cNvPr id="1" name=""/>
+        <p:cNvGrpSpPr/>
+        <p:nvPr/>
+      </p:nvGrpSpPr>
+      <p:grpSpPr>
+        <a:xfrm>
+          <a:off x="0" y="0"/>
+          <a:ext cx="0" cy="0"/>
+          <a:chOff x="0" y="0"/>
+          <a:chExt cx="0" cy="0"/>
+        </a:xfrm>
+      </p:grpSpPr>
+      <p:pic>
+        <p:nvPicPr>
+          <p:cNvPr id="8" name="Picture 7">
+            <a:extLst>
+              <a:ext uri="{FF2B5EF4-FFF2-40B4-BE49-F238E27FC236}">
+                <a16:creationId xmlns:a16="http://schemas.microsoft.com/office/drawing/2014/main" id="{9AD7FC58-79A9-204C-AD89-6376F216F76D}"/>
+              </a:ext>
+            </a:extLst>
+          </p:cNvPr>
+          <p:cNvPicPr>
+            <a:picLocks noChangeAspect="1"/>
+          </p:cNvPicPr>
+          <p:nvPr/>
+        </p:nvPicPr>
+        <p:blipFill>
+          <a:blip r:embed="rId2"/>
+          <a:stretch>
+            <a:fillRect/>
+          </a:stretch>
+        </p:blipFill>
+        <p:spPr>
+          <a:xfrm>
+            <a:off x="276765" y="791063"/>
+            <a:ext cx="6772276" cy="3399383"/>
+          </a:xfrm>
+          <a:prstGeom prst="rect">
+            <a:avLst/>
+          </a:prstGeom>
+          <a:ln>
+            <a:noFill/>
+          </a:ln>
+          <a:effectLst>
+            <a:outerShdw blurRad="292100" dist="139700" dir="2700000" algn="tl" rotWithShape="0">
+              <a:srgbClr val="333333">
+                <a:alpha val="65000"/>
+              </a:srgbClr>
+            </a:outerShdw>
+          </a:effectLst>
+        </p:spPr>
+      </p:pic>
+      <p:sp>
+        <p:nvSpPr>
+          <p:cNvPr id="2" name="Title 1"/>
+          <p:cNvSpPr>
+            <a:spLocks noGrp="1"/>
+          </p:cNvSpPr>
+          <p:nvPr>
+            <p:ph type="ctrTitle"/>
+          </p:nvPr>
+        </p:nvSpPr>
+        <p:spPr>
+          <a:xfrm>
+            <a:off x="1534803" y="101625"/>
+            <a:ext cx="6937461" cy="720080"/>
+          </a:xfrm>
+        </p:spPr>
+        <p:txBody>
+          <a:bodyPr anchor="ctr">
+            <a:normAutofit fontScale="90000"/>
+          </a:bodyPr>
+          <a:lstStyle/>
+          <a:p>
+            <a:r>
+              <a:rPr lang="en-US" sz="4800" dirty="0">
+                <a:latin typeface="ADLaM Display" panose="02010000000000000000" pitchFamily="2" charset="0"/>
+                <a:ea typeface="ADLaM Display" panose="02010000000000000000" pitchFamily="2" charset="0"/>
+                <a:cs typeface="ADLaM Display" panose="02010000000000000000" pitchFamily="2" charset="0"/>
+              </a:rPr>
+              <a:t>Scratch for Kids – Part 1</a:t>
+            </a:r>
+          </a:p>
+        </p:txBody>
+      </p:sp>
+      <p:pic>
+        <p:nvPicPr>
+          <p:cNvPr id="6" name="Picture 5" descr="A book cover with a cartoon character&#10;&#10;Description automatically generated">
+            <a:extLst>
+              <a:ext uri="{FF2B5EF4-FFF2-40B4-BE49-F238E27FC236}">
+                <a16:creationId xmlns:a16="http://schemas.microsoft.com/office/drawing/2014/main" id="{37058493-7DAE-6BF2-99F6-4940E3CECA62}"/>
+              </a:ext>
+            </a:extLst>
+          </p:cNvPr>
+          <p:cNvPicPr>
+            <a:picLocks noChangeAspect="1"/>
+          </p:cNvPicPr>
+          <p:nvPr/>
+        </p:nvPicPr>
+        <p:blipFill>
+          <a:blip r:embed="rId3"/>
+          <a:stretch>
+            <a:fillRect/>
+          </a:stretch>
+        </p:blipFill>
+        <p:spPr>
+          <a:xfrm>
+            <a:off x="8167262" y="43464"/>
+            <a:ext cx="2037751" cy="2512147"/>
+          </a:xfrm>
+          <a:prstGeom prst="roundRect">
+            <a:avLst>
+              <a:gd name="adj" fmla="val 8594"/>
+            </a:avLst>
+          </a:prstGeom>
+          <a:solidFill>
+            <a:srgbClr val="FFFFFF">
+              <a:shade val="85000"/>
+            </a:srgbClr>
+          </a:solidFill>
+          <a:ln>
+            <a:noFill/>
+          </a:ln>
+          <a:effectLst>
+            <a:reflection blurRad="12700" stA="38000" endPos="28000" dist="5000" dir="5400000" sy="-100000" algn="bl" rotWithShape="0"/>
+          </a:effectLst>
+        </p:spPr>
+      </p:pic>
+      <p:sp>
+        <p:nvSpPr>
+          <p:cNvPr id="4" name="TextBox 3">
+            <a:extLst>
+              <a:ext uri="{FF2B5EF4-FFF2-40B4-BE49-F238E27FC236}">
+                <a16:creationId xmlns:a16="http://schemas.microsoft.com/office/drawing/2014/main" id="{99B53E7E-A9ED-6942-DF80-3DF81B395749}"/>
+              </a:ext>
+            </a:extLst>
+          </p:cNvPr>
+          <p:cNvSpPr txBox="1"/>
+          <p:nvPr/>
+        </p:nvSpPr>
+        <p:spPr>
+          <a:xfrm>
+            <a:off x="0" y="0"/>
+            <a:ext cx="1367682" cy="923330"/>
+          </a:xfrm>
+          <a:prstGeom prst="rect">
+            <a:avLst/>
+          </a:prstGeom>
+          <a:noFill/>
+        </p:spPr>
+        <p:txBody>
+          <a:bodyPr wrap="none" rtlCol="0">
+            <a:spAutoFit/>
+          </a:bodyPr>
+          <a:lstStyle/>
+          <a:p>
+            <a:pPr algn="ctr"/>
+            <a:r>
+              <a:rPr lang="en-US" sz="5400" dirty="0">
+                <a:latin typeface="Bauhaus 93" panose="04030905020B02020C02" pitchFamily="82" charset="0"/>
+              </a:rPr>
+              <a:t>004</a:t>
+            </a:r>
+          </a:p>
+        </p:txBody>
+      </p:sp>
+      <p:pic>
+        <p:nvPicPr>
+          <p:cNvPr id="1026" name="Picture 2" descr="scratch logo PNG image with transparent background | TOPpng">
+            <a:extLst>
+              <a:ext uri="{FF2B5EF4-FFF2-40B4-BE49-F238E27FC236}">
+                <a16:creationId xmlns:a16="http://schemas.microsoft.com/office/drawing/2014/main" id="{1554103F-1ECA-8530-E162-3BE3F4FE9C16}"/>
+              </a:ext>
+            </a:extLst>
+          </p:cNvPr>
+          <p:cNvPicPr>
+            <a:picLocks noChangeAspect="1" noChangeArrowheads="1"/>
+          </p:cNvPicPr>
+          <p:nvPr/>
+        </p:nvPicPr>
+        <p:blipFill>
+          <a:blip r:embed="rId4">
+            <a:clrChange>
+              <a:clrFrom>
+                <a:srgbClr val="EFEFEF"/>
+              </a:clrFrom>
+              <a:clrTo>
+                <a:srgbClr val="EFEFEF">
+                  <a:alpha val="0"/>
+                </a:srgbClr>
+              </a:clrTo>
+            </a:clrChange>
+            <a:extLst>
+              <a:ext uri="{28A0092B-C50C-407E-A947-70E740481C1C}">
+                <a14:useLocalDpi xmlns:a14="http://schemas.microsoft.com/office/drawing/2010/main" val="0"/>
+              </a:ext>
+            </a:extLst>
+          </a:blip>
+          <a:srcRect/>
+          <a:stretch>
+            <a:fillRect/>
+          </a:stretch>
+        </p:blipFill>
+        <p:spPr bwMode="auto">
+          <a:xfrm>
+            <a:off x="10652079" y="8930"/>
+            <a:ext cx="895507" cy="914400"/>
+          </a:xfrm>
+          <a:prstGeom prst="rect">
+            <a:avLst/>
+          </a:prstGeom>
+          <a:noFill/>
+          <a:extLst>
+            <a:ext uri="{909E8E84-426E-40DD-AFC4-6F175D3DCCD1}">
+              <a14:hiddenFill xmlns:a14="http://schemas.microsoft.com/office/drawing/2010/main">
+                <a:solidFill>
+                  <a:srgbClr val="FFFFFF"/>
+                </a:solidFill>
+              </a14:hiddenFill>
+            </a:ext>
+          </a:extLst>
+        </p:spPr>
+      </p:pic>
+      <p:pic>
+        <p:nvPicPr>
+          <p:cNvPr id="7" name="Picture 6" descr="A cartoon owl wearing a graduation cap and glasses&#10;&#10;Description automatically generated">
+            <a:extLst>
+              <a:ext uri="{FF2B5EF4-FFF2-40B4-BE49-F238E27FC236}">
+                <a16:creationId xmlns:a16="http://schemas.microsoft.com/office/drawing/2014/main" id="{3AEA9986-B7C4-0E97-5BE2-8505E1692F4B}"/>
+              </a:ext>
+            </a:extLst>
+          </p:cNvPr>
+          <p:cNvPicPr>
+            <a:picLocks noChangeAspect="1"/>
+          </p:cNvPicPr>
+          <p:nvPr/>
+        </p:nvPicPr>
+        <p:blipFill>
+          <a:blip r:embed="rId5">
+            <a:clrChange>
+              <a:clrFrom>
+                <a:srgbClr val="DDEFF9"/>
+              </a:clrFrom>
+              <a:clrTo>
+                <a:srgbClr val="DDEFF9">
+                  <a:alpha val="0"/>
+                </a:srgbClr>
+              </a:clrTo>
+            </a:clrChange>
+          </a:blip>
+          <a:stretch>
+            <a:fillRect/>
+          </a:stretch>
+        </p:blipFill>
+        <p:spPr>
+          <a:xfrm>
+            <a:off x="33636" y="6226406"/>
+            <a:ext cx="603448" cy="603448"/>
+          </a:xfrm>
+          <a:prstGeom prst="rect">
+            <a:avLst/>
+          </a:prstGeom>
+        </p:spPr>
+      </p:pic>
+      <p:sp>
+        <p:nvSpPr>
+          <p:cNvPr id="3" name="Subtitle 2"/>
+          <p:cNvSpPr>
+            <a:spLocks noGrp="1"/>
+          </p:cNvSpPr>
+          <p:nvPr>
+            <p:ph type="subTitle" idx="1"/>
+          </p:nvPr>
+        </p:nvSpPr>
+        <p:spPr>
+          <a:xfrm>
+            <a:off x="3647728" y="4302389"/>
+            <a:ext cx="5472608" cy="1214844"/>
+          </a:xfrm>
+        </p:spPr>
+        <p:txBody>
+          <a:bodyPr>
+            <a:normAutofit fontScale="92500" lnSpcReduction="10000"/>
+          </a:bodyPr>
+          <a:lstStyle/>
+          <a:p>
+            <a:r>
+              <a:rPr lang="en-US" b="1" dirty="0">
+                <a:latin typeface="Aptos Black" panose="020F0502020204030204" pitchFamily="34" charset="0"/>
+              </a:rPr>
+              <a:t>Become a Scratch Designer</a:t>
+            </a:r>
+          </a:p>
+          <a:p>
+            <a:r>
+              <a:rPr lang="en-US" b="1" dirty="0">
+                <a:latin typeface="Aptos Black" panose="020F0502020204030204" pitchFamily="34" charset="0"/>
+              </a:rPr>
+              <a:t>Chapter 1: Getting Started with Scratch</a:t>
+            </a:r>
+          </a:p>
+          <a:p>
+            <a:r>
+              <a:rPr lang="en-US" b="1" dirty="0">
+                <a:latin typeface="Aptos Black" panose="020F0502020204030204" pitchFamily="34" charset="0"/>
+              </a:rPr>
+              <a:t>(4) Add Collision to Your Game</a:t>
+            </a:r>
+            <a:endParaRPr lang="en-US" sz="2000" dirty="0">
+              <a:latin typeface="Aptos Black" panose="020F0502020204030204" pitchFamily="34" charset="0"/>
+            </a:endParaRPr>
+          </a:p>
+        </p:txBody>
+      </p:sp>
+      <p:pic>
+        <p:nvPicPr>
+          <p:cNvPr id="12" name="Picture 11">
+            <a:extLst>
+              <a:ext uri="{FF2B5EF4-FFF2-40B4-BE49-F238E27FC236}">
+                <a16:creationId xmlns:a16="http://schemas.microsoft.com/office/drawing/2014/main" id="{2E5F9541-E2CA-3E4F-A0AB-486C59A70A71}"/>
+              </a:ext>
+            </a:extLst>
+          </p:cNvPr>
+          <p:cNvPicPr>
+            <a:picLocks noChangeAspect="1"/>
+          </p:cNvPicPr>
+          <p:nvPr/>
+        </p:nvPicPr>
+        <p:blipFill>
+          <a:blip r:embed="rId6">
+            <a:clrChange>
+              <a:clrFrom>
+                <a:srgbClr val="FFFFFF"/>
+              </a:clrFrom>
+              <a:clrTo>
+                <a:srgbClr val="FFFFFF">
+                  <a:alpha val="0"/>
+                </a:srgbClr>
+              </a:clrTo>
+            </a:clrChange>
+          </a:blip>
+          <a:stretch>
+            <a:fillRect/>
+          </a:stretch>
+        </p:blipFill>
+        <p:spPr>
+          <a:xfrm>
+            <a:off x="5735960" y="2924944"/>
+            <a:ext cx="952500" cy="742950"/>
+          </a:xfrm>
+          <a:prstGeom prst="rect">
+            <a:avLst/>
+          </a:prstGeom>
+          <a:ln>
+            <a:noFill/>
+          </a:ln>
+          <a:effectLst>
+            <a:outerShdw blurRad="292100" dist="139700" dir="2700000" algn="tl" rotWithShape="0">
+              <a:srgbClr val="333333">
+                <a:alpha val="65000"/>
+              </a:srgbClr>
+            </a:outerShdw>
+          </a:effectLst>
+        </p:spPr>
+      </p:pic>
+      <p:sp>
+        <p:nvSpPr>
+          <p:cNvPr id="11" name="TextBox 10">
+            <a:extLst>
+              <a:ext uri="{FF2B5EF4-FFF2-40B4-BE49-F238E27FC236}">
+                <a16:creationId xmlns:a16="http://schemas.microsoft.com/office/drawing/2014/main" id="{7F7069DF-7952-A2B5-D09B-42662344A4FC}"/>
+              </a:ext>
+            </a:extLst>
+          </p:cNvPr>
+          <p:cNvSpPr txBox="1"/>
+          <p:nvPr/>
+        </p:nvSpPr>
+        <p:spPr>
+          <a:xfrm>
+            <a:off x="817468" y="6381328"/>
+            <a:ext cx="8204208" cy="461665"/>
+          </a:xfrm>
+          <a:prstGeom prst="rect">
+            <a:avLst/>
+          </a:prstGeom>
+          <a:noFill/>
+        </p:spPr>
+        <p:txBody>
+          <a:bodyPr wrap="square">
+            <a:spAutoFit/>
+          </a:bodyPr>
+          <a:lstStyle/>
+          <a:p>
+            <a:r>
+              <a:rPr lang="en-US" sz="2400" b="1" dirty="0">
+                <a:hlinkClick r:id="rId7"/>
+              </a:rPr>
+              <a:t>https://github.com/yasenstar/learn_scratch</a:t>
+            </a:r>
+            <a:endParaRPr lang="en-US" sz="2400" b="1" dirty="0"/>
+          </a:p>
+        </p:txBody>
+      </p:sp>
+    </p:spTree>
+    <p:extLst>
+      <p:ext uri="{BB962C8B-B14F-4D97-AF65-F5344CB8AC3E}">
+        <p14:creationId xmlns:p14="http://schemas.microsoft.com/office/powerpoint/2010/main" val="1003946043"/>
       </p:ext>
     </p:extLst>
   </p:cSld>

--- a/scratch4kids/Scratch4Kids.pptx
+++ b/scratch4kids/Scratch4Kids.pptx
@@ -5,10 +5,10 @@
     <p:sldMasterId id="2147483648" r:id="rId4"/>
   </p:sldMasterIdLst>
   <p:notesMasterIdLst>
-    <p:notesMasterId r:id="rId11"/>
+    <p:notesMasterId r:id="rId12"/>
   </p:notesMasterIdLst>
   <p:handoutMasterIdLst>
-    <p:handoutMasterId r:id="rId12"/>
+    <p:handoutMasterId r:id="rId13"/>
   </p:handoutMasterIdLst>
   <p:sldIdLst>
     <p:sldId id="257" r:id="rId5"/>
@@ -17,6 +17,7 @@
     <p:sldId id="260" r:id="rId8"/>
     <p:sldId id="261" r:id="rId9"/>
     <p:sldId id="262" r:id="rId10"/>
+    <p:sldId id="263" r:id="rId11"/>
   </p:sldIdLst>
   <p:sldSz cx="12192000" cy="6858000"/>
   <p:notesSz cx="6858000" cy="9144000"/>
@@ -8350,10 +8351,10 @@
       </p:grpSpPr>
       <p:pic>
         <p:nvPicPr>
-          <p:cNvPr id="8" name="Picture 7">
+          <p:cNvPr id="14" name="Picture 13">
             <a:extLst>
               <a:ext uri="{FF2B5EF4-FFF2-40B4-BE49-F238E27FC236}">
-                <a16:creationId xmlns:a16="http://schemas.microsoft.com/office/drawing/2014/main" id="{9AD7FC58-79A9-204C-AD89-6376F216F76D}"/>
+                <a16:creationId xmlns:a16="http://schemas.microsoft.com/office/drawing/2014/main" id="{781D70BF-200A-FFA9-6ACE-8AD81198FF98}"/>
               </a:ext>
             </a:extLst>
           </p:cNvPr>
@@ -8370,8 +8371,8 @@
         </p:blipFill>
         <p:spPr>
           <a:xfrm>
-            <a:off x="276765" y="791063"/>
-            <a:ext cx="6772276" cy="3399383"/>
+            <a:off x="148076" y="1016024"/>
+            <a:ext cx="7753325" cy="3061047"/>
           </a:xfrm>
           <a:prstGeom prst="rect">
             <a:avLst/>
@@ -8650,12 +8651,50 @@
           </a:p>
         </p:txBody>
       </p:sp>
+      <p:sp>
+        <p:nvSpPr>
+          <p:cNvPr id="11" name="TextBox 10">
+            <a:extLst>
+              <a:ext uri="{FF2B5EF4-FFF2-40B4-BE49-F238E27FC236}">
+                <a16:creationId xmlns:a16="http://schemas.microsoft.com/office/drawing/2014/main" id="{7F7069DF-7952-A2B5-D09B-42662344A4FC}"/>
+              </a:ext>
+            </a:extLst>
+          </p:cNvPr>
+          <p:cNvSpPr txBox="1"/>
+          <p:nvPr/>
+        </p:nvSpPr>
+        <p:spPr>
+          <a:xfrm>
+            <a:off x="817468" y="6381328"/>
+            <a:ext cx="8204208" cy="461665"/>
+          </a:xfrm>
+          <a:prstGeom prst="rect">
+            <a:avLst/>
+          </a:prstGeom>
+          <a:noFill/>
+        </p:spPr>
+        <p:txBody>
+          <a:bodyPr wrap="square">
+            <a:spAutoFit/>
+          </a:bodyPr>
+          <a:lstStyle/>
+          <a:p>
+            <a:r>
+              <a:rPr lang="en-US" sz="2400" b="1" dirty="0">
+                <a:hlinkClick r:id="rId6"/>
+              </a:rPr>
+              <a:t>https://github.com/yasenstar/learn_scratch</a:t>
+            </a:r>
+            <a:endParaRPr lang="en-US" sz="2400" b="1" dirty="0"/>
+          </a:p>
+        </p:txBody>
+      </p:sp>
       <p:pic>
         <p:nvPicPr>
-          <p:cNvPr id="12" name="Picture 11">
+          <p:cNvPr id="16" name="Picture 15">
             <a:extLst>
               <a:ext uri="{FF2B5EF4-FFF2-40B4-BE49-F238E27FC236}">
-                <a16:creationId xmlns:a16="http://schemas.microsoft.com/office/drawing/2014/main" id="{2E5F9541-E2CA-3E4F-A0AB-486C59A70A71}"/>
+                <a16:creationId xmlns:a16="http://schemas.microsoft.com/office/drawing/2014/main" id="{67AC3C98-6D22-FF8E-9134-F27CD8B87634}"/>
               </a:ext>
             </a:extLst>
           </p:cNvPr>
@@ -8665,13 +8704,262 @@
           <p:nvPr/>
         </p:nvPicPr>
         <p:blipFill>
-          <a:blip r:embed="rId6">
+          <a:blip r:embed="rId7"/>
+          <a:stretch>
+            <a:fillRect/>
+          </a:stretch>
+        </p:blipFill>
+        <p:spPr>
+          <a:xfrm>
+            <a:off x="6096000" y="1293206"/>
+            <a:ext cx="1419225" cy="1085850"/>
+          </a:xfrm>
+          <a:prstGeom prst="rect">
+            <a:avLst/>
+          </a:prstGeom>
+          <a:ln>
+            <a:noFill/>
+          </a:ln>
+          <a:effectLst>
+            <a:softEdge rad="112500"/>
+          </a:effectLst>
+        </p:spPr>
+      </p:pic>
+    </p:spTree>
+    <p:extLst>
+      <p:ext uri="{BB962C8B-B14F-4D97-AF65-F5344CB8AC3E}">
+        <p14:creationId xmlns:p14="http://schemas.microsoft.com/office/powerpoint/2010/main" val="1003946043"/>
+      </p:ext>
+    </p:extLst>
+  </p:cSld>
+  <p:clrMapOvr>
+    <a:masterClrMapping/>
+  </p:clrMapOvr>
+  <mc:AlternateContent xmlns:mc="http://schemas.openxmlformats.org/markup-compatibility/2006">
+    <mc:Choice xmlns:p14="http://schemas.microsoft.com/office/powerpoint/2010/main" Requires="p14">
+      <p:transition spd="med" p14:dur="700">
+        <p:fade/>
+      </p:transition>
+    </mc:Choice>
+    <mc:Fallback>
+      <p:transition spd="med">
+        <p:fade/>
+      </p:transition>
+    </mc:Fallback>
+  </mc:AlternateContent>
+</p:sld>
+</file>
+
+<file path=ppt/slides/slide7.xml><?xml version="1.0" encoding="utf-8"?>
+<p:sld xmlns:a="http://schemas.openxmlformats.org/drawingml/2006/main" xmlns:r="http://schemas.openxmlformats.org/officeDocument/2006/relationships" xmlns:p="http://schemas.openxmlformats.org/presentationml/2006/main">
+  <p:cSld>
+    <p:spTree>
+      <p:nvGrpSpPr>
+        <p:cNvPr id="1" name=""/>
+        <p:cNvGrpSpPr/>
+        <p:nvPr/>
+      </p:nvGrpSpPr>
+      <p:grpSpPr>
+        <a:xfrm>
+          <a:off x="0" y="0"/>
+          <a:ext cx="0" cy="0"/>
+          <a:chOff x="0" y="0"/>
+          <a:chExt cx="0" cy="0"/>
+        </a:xfrm>
+      </p:grpSpPr>
+      <p:sp>
+        <p:nvSpPr>
+          <p:cNvPr id="2" name="Title 1"/>
+          <p:cNvSpPr>
+            <a:spLocks noGrp="1"/>
+          </p:cNvSpPr>
+          <p:nvPr>
+            <p:ph type="ctrTitle"/>
+          </p:nvPr>
+        </p:nvSpPr>
+        <p:spPr>
+          <a:xfrm>
+            <a:off x="1534803" y="101625"/>
+            <a:ext cx="6937461" cy="720080"/>
+          </a:xfrm>
+        </p:spPr>
+        <p:txBody>
+          <a:bodyPr anchor="ctr">
+            <a:normAutofit fontScale="90000"/>
+          </a:bodyPr>
+          <a:lstStyle/>
+          <a:p>
+            <a:r>
+              <a:rPr lang="en-US" sz="4800" dirty="0">
+                <a:latin typeface="ADLaM Display" panose="02010000000000000000" pitchFamily="2" charset="0"/>
+                <a:ea typeface="ADLaM Display" panose="02010000000000000000" pitchFamily="2" charset="0"/>
+                <a:cs typeface="ADLaM Display" panose="02010000000000000000" pitchFamily="2" charset="0"/>
+              </a:rPr>
+              <a:t>Scratch for Kids – Part 1</a:t>
+            </a:r>
+          </a:p>
+        </p:txBody>
+      </p:sp>
+      <p:pic>
+        <p:nvPicPr>
+          <p:cNvPr id="6" name="Picture 5" descr="A book cover with a cartoon character&#10;&#10;Description automatically generated">
+            <a:extLst>
+              <a:ext uri="{FF2B5EF4-FFF2-40B4-BE49-F238E27FC236}">
+                <a16:creationId xmlns:a16="http://schemas.microsoft.com/office/drawing/2014/main" id="{37058493-7DAE-6BF2-99F6-4940E3CECA62}"/>
+              </a:ext>
+            </a:extLst>
+          </p:cNvPr>
+          <p:cNvPicPr>
+            <a:picLocks noChangeAspect="1"/>
+          </p:cNvPicPr>
+          <p:nvPr/>
+        </p:nvPicPr>
+        <p:blipFill>
+          <a:blip r:embed="rId2"/>
+          <a:stretch>
+            <a:fillRect/>
+          </a:stretch>
+        </p:blipFill>
+        <p:spPr>
+          <a:xfrm>
+            <a:off x="8167262" y="43464"/>
+            <a:ext cx="2037751" cy="2512147"/>
+          </a:xfrm>
+          <a:prstGeom prst="roundRect">
+            <a:avLst>
+              <a:gd name="adj" fmla="val 8594"/>
+            </a:avLst>
+          </a:prstGeom>
+          <a:solidFill>
+            <a:srgbClr val="FFFFFF">
+              <a:shade val="85000"/>
+            </a:srgbClr>
+          </a:solidFill>
+          <a:ln>
+            <a:noFill/>
+          </a:ln>
+          <a:effectLst>
+            <a:reflection blurRad="12700" stA="38000" endPos="28000" dist="5000" dir="5400000" sy="-100000" algn="bl" rotWithShape="0"/>
+          </a:effectLst>
+        </p:spPr>
+      </p:pic>
+      <p:sp>
+        <p:nvSpPr>
+          <p:cNvPr id="4" name="TextBox 3">
+            <a:extLst>
+              <a:ext uri="{FF2B5EF4-FFF2-40B4-BE49-F238E27FC236}">
+                <a16:creationId xmlns:a16="http://schemas.microsoft.com/office/drawing/2014/main" id="{99B53E7E-A9ED-6942-DF80-3DF81B395749}"/>
+              </a:ext>
+            </a:extLst>
+          </p:cNvPr>
+          <p:cNvSpPr txBox="1"/>
+          <p:nvPr/>
+        </p:nvSpPr>
+        <p:spPr>
+          <a:xfrm>
+            <a:off x="0" y="0"/>
+            <a:ext cx="1367682" cy="923330"/>
+          </a:xfrm>
+          <a:prstGeom prst="rect">
+            <a:avLst/>
+          </a:prstGeom>
+          <a:noFill/>
+        </p:spPr>
+        <p:txBody>
+          <a:bodyPr wrap="none" rtlCol="0">
+            <a:spAutoFit/>
+          </a:bodyPr>
+          <a:lstStyle/>
+          <a:p>
+            <a:pPr algn="ctr"/>
+            <a:r>
+              <a:rPr lang="en-US" sz="5400" dirty="0">
+                <a:latin typeface="Bauhaus 93" panose="04030905020B02020C02" pitchFamily="82" charset="0"/>
+              </a:rPr>
+              <a:t>005</a:t>
+            </a:r>
+          </a:p>
+        </p:txBody>
+      </p:sp>
+      <p:pic>
+        <p:nvPicPr>
+          <p:cNvPr id="1026" name="Picture 2" descr="scratch logo PNG image with transparent background | TOPpng">
+            <a:extLst>
+              <a:ext uri="{FF2B5EF4-FFF2-40B4-BE49-F238E27FC236}">
+                <a16:creationId xmlns:a16="http://schemas.microsoft.com/office/drawing/2014/main" id="{1554103F-1ECA-8530-E162-3BE3F4FE9C16}"/>
+              </a:ext>
+            </a:extLst>
+          </p:cNvPr>
+          <p:cNvPicPr>
+            <a:picLocks noChangeAspect="1" noChangeArrowheads="1"/>
+          </p:cNvPicPr>
+          <p:nvPr/>
+        </p:nvPicPr>
+        <p:blipFill>
+          <a:blip r:embed="rId3">
             <a:clrChange>
               <a:clrFrom>
-                <a:srgbClr val="FFFFFF"/>
+                <a:srgbClr val="EFEFEF"/>
               </a:clrFrom>
               <a:clrTo>
-                <a:srgbClr val="FFFFFF">
+                <a:srgbClr val="EFEFEF">
+                  <a:alpha val="0"/>
+                </a:srgbClr>
+              </a:clrTo>
+            </a:clrChange>
+            <a:extLst>
+              <a:ext uri="{28A0092B-C50C-407E-A947-70E740481C1C}">
+                <a14:useLocalDpi xmlns:a14="http://schemas.microsoft.com/office/drawing/2010/main" val="0"/>
+              </a:ext>
+            </a:extLst>
+          </a:blip>
+          <a:srcRect/>
+          <a:stretch>
+            <a:fillRect/>
+          </a:stretch>
+        </p:blipFill>
+        <p:spPr bwMode="auto">
+          <a:xfrm>
+            <a:off x="10652079" y="8930"/>
+            <a:ext cx="895507" cy="914400"/>
+          </a:xfrm>
+          <a:prstGeom prst="rect">
+            <a:avLst/>
+          </a:prstGeom>
+          <a:noFill/>
+          <a:extLst>
+            <a:ext uri="{909E8E84-426E-40DD-AFC4-6F175D3DCCD1}">
+              <a14:hiddenFill xmlns:a14="http://schemas.microsoft.com/office/drawing/2010/main">
+                <a:solidFill>
+                  <a:srgbClr val="FFFFFF"/>
+                </a:solidFill>
+              </a14:hiddenFill>
+            </a:ext>
+          </a:extLst>
+        </p:spPr>
+      </p:pic>
+      <p:pic>
+        <p:nvPicPr>
+          <p:cNvPr id="7" name="Picture 6" descr="A cartoon owl wearing a graduation cap and glasses&#10;&#10;Description automatically generated">
+            <a:extLst>
+              <a:ext uri="{FF2B5EF4-FFF2-40B4-BE49-F238E27FC236}">
+                <a16:creationId xmlns:a16="http://schemas.microsoft.com/office/drawing/2014/main" id="{3AEA9986-B7C4-0E97-5BE2-8505E1692F4B}"/>
+              </a:ext>
+            </a:extLst>
+          </p:cNvPr>
+          <p:cNvPicPr>
+            <a:picLocks noChangeAspect="1"/>
+          </p:cNvPicPr>
+          <p:nvPr/>
+        </p:nvPicPr>
+        <p:blipFill>
+          <a:blip r:embed="rId4">
+            <a:clrChange>
+              <a:clrFrom>
+                <a:srgbClr val="DDEFF9"/>
+              </a:clrFrom>
+              <a:clrTo>
+                <a:srgbClr val="DDEFF9">
                   <a:alpha val="0"/>
                 </a:srgbClr>
               </a:clrTo>
@@ -8683,8 +8971,126 @@
         </p:blipFill>
         <p:spPr>
           <a:xfrm>
-            <a:off x="5735960" y="2924944"/>
-            <a:ext cx="952500" cy="742950"/>
+            <a:off x="33636" y="6226406"/>
+            <a:ext cx="603448" cy="603448"/>
+          </a:xfrm>
+          <a:prstGeom prst="rect">
+            <a:avLst/>
+          </a:prstGeom>
+        </p:spPr>
+      </p:pic>
+      <p:sp>
+        <p:nvSpPr>
+          <p:cNvPr id="3" name="Subtitle 2"/>
+          <p:cNvSpPr>
+            <a:spLocks noGrp="1"/>
+          </p:cNvSpPr>
+          <p:nvPr>
+            <p:ph type="subTitle" idx="1"/>
+          </p:nvPr>
+        </p:nvSpPr>
+        <p:spPr>
+          <a:xfrm>
+            <a:off x="3647728" y="4302389"/>
+            <a:ext cx="5472608" cy="1214844"/>
+          </a:xfrm>
+        </p:spPr>
+        <p:txBody>
+          <a:bodyPr>
+            <a:normAutofit fontScale="92500" lnSpcReduction="10000"/>
+          </a:bodyPr>
+          <a:lstStyle/>
+          <a:p>
+            <a:r>
+              <a:rPr lang="en-US" b="1" dirty="0">
+                <a:latin typeface="Aptos Black" panose="020F0502020204030204" pitchFamily="34" charset="0"/>
+              </a:rPr>
+              <a:t>Become a Scratch Designer</a:t>
+            </a:r>
+          </a:p>
+          <a:p>
+            <a:r>
+              <a:rPr lang="en-US" b="1" dirty="0">
+                <a:latin typeface="Aptos Black" panose="020F0502020204030204" pitchFamily="34" charset="0"/>
+              </a:rPr>
+              <a:t>Chapter 1: Getting Started with Scratch</a:t>
+            </a:r>
+          </a:p>
+          <a:p>
+            <a:r>
+              <a:rPr lang="en-US" b="1" dirty="0">
+                <a:latin typeface="Aptos Black" panose="020F0502020204030204" pitchFamily="34" charset="0"/>
+              </a:rPr>
+              <a:t>(5) Adjust Pipe Size and Location</a:t>
+            </a:r>
+            <a:endParaRPr lang="en-US" sz="2000" dirty="0">
+              <a:latin typeface="Aptos Black" panose="020F0502020204030204" pitchFamily="34" charset="0"/>
+            </a:endParaRPr>
+          </a:p>
+        </p:txBody>
+      </p:sp>
+      <p:sp>
+        <p:nvSpPr>
+          <p:cNvPr id="11" name="TextBox 10">
+            <a:extLst>
+              <a:ext uri="{FF2B5EF4-FFF2-40B4-BE49-F238E27FC236}">
+                <a16:creationId xmlns:a16="http://schemas.microsoft.com/office/drawing/2014/main" id="{7F7069DF-7952-A2B5-D09B-42662344A4FC}"/>
+              </a:ext>
+            </a:extLst>
+          </p:cNvPr>
+          <p:cNvSpPr txBox="1"/>
+          <p:nvPr/>
+        </p:nvSpPr>
+        <p:spPr>
+          <a:xfrm>
+            <a:off x="817468" y="6381328"/>
+            <a:ext cx="8204208" cy="461665"/>
+          </a:xfrm>
+          <a:prstGeom prst="rect">
+            <a:avLst/>
+          </a:prstGeom>
+          <a:noFill/>
+        </p:spPr>
+        <p:txBody>
+          <a:bodyPr wrap="square">
+            <a:spAutoFit/>
+          </a:bodyPr>
+          <a:lstStyle/>
+          <a:p>
+            <a:r>
+              <a:rPr lang="en-US" sz="2400" b="1" dirty="0">
+                <a:hlinkClick r:id="rId5"/>
+              </a:rPr>
+              <a:t>https://github.com/yasenstar/learn_scratch</a:t>
+            </a:r>
+            <a:endParaRPr lang="en-US" sz="2400" b="1" dirty="0"/>
+          </a:p>
+        </p:txBody>
+      </p:sp>
+      <p:pic>
+        <p:nvPicPr>
+          <p:cNvPr id="9" name="Picture 8">
+            <a:extLst>
+              <a:ext uri="{FF2B5EF4-FFF2-40B4-BE49-F238E27FC236}">
+                <a16:creationId xmlns:a16="http://schemas.microsoft.com/office/drawing/2014/main" id="{6EF23F6E-8BBA-9409-FC90-00C86EB5330C}"/>
+              </a:ext>
+            </a:extLst>
+          </p:cNvPr>
+          <p:cNvPicPr>
+            <a:picLocks noChangeAspect="1"/>
+          </p:cNvPicPr>
+          <p:nvPr/>
+        </p:nvPicPr>
+        <p:blipFill>
+          <a:blip r:embed="rId6"/>
+          <a:stretch>
+            <a:fillRect/>
+          </a:stretch>
+        </p:blipFill>
+        <p:spPr>
+          <a:xfrm>
+            <a:off x="228600" y="952500"/>
+            <a:ext cx="7573436" cy="3196580"/>
           </a:xfrm>
           <a:prstGeom prst="rect">
             <a:avLst/>
@@ -8701,48 +9107,46 @@
           </a:effectLst>
         </p:spPr>
       </p:pic>
-      <p:sp>
-        <p:nvSpPr>
-          <p:cNvPr id="11" name="TextBox 10">
+      <p:pic>
+        <p:nvPicPr>
+          <p:cNvPr id="10" name="Picture 9">
             <a:extLst>
               <a:ext uri="{FF2B5EF4-FFF2-40B4-BE49-F238E27FC236}">
-                <a16:creationId xmlns:a16="http://schemas.microsoft.com/office/drawing/2014/main" id="{7F7069DF-7952-A2B5-D09B-42662344A4FC}"/>
+                <a16:creationId xmlns:a16="http://schemas.microsoft.com/office/drawing/2014/main" id="{1A0F72D5-DE3A-AEFC-6A4D-E7760BCF8033}"/>
               </a:ext>
             </a:extLst>
           </p:cNvPr>
-          <p:cNvSpPr txBox="1"/>
+          <p:cNvPicPr>
+            <a:picLocks noChangeAspect="1"/>
+          </p:cNvPicPr>
           <p:nvPr/>
-        </p:nvSpPr>
-        <p:spPr>
-          <a:xfrm>
-            <a:off x="817468" y="6381328"/>
-            <a:ext cx="8204208" cy="461665"/>
+        </p:nvPicPr>
+        <p:blipFill>
+          <a:blip r:embed="rId7"/>
+          <a:stretch>
+            <a:fillRect/>
+          </a:stretch>
+        </p:blipFill>
+        <p:spPr>
+          <a:xfrm>
+            <a:off x="6096000" y="1293206"/>
+            <a:ext cx="1419225" cy="1085850"/>
           </a:xfrm>
           <a:prstGeom prst="rect">
             <a:avLst/>
           </a:prstGeom>
-          <a:noFill/>
-        </p:spPr>
-        <p:txBody>
-          <a:bodyPr wrap="square">
-            <a:spAutoFit/>
-          </a:bodyPr>
-          <a:lstStyle/>
-          <a:p>
-            <a:r>
-              <a:rPr lang="en-US" sz="2400" b="1" dirty="0">
-                <a:hlinkClick r:id="rId7"/>
-              </a:rPr>
-              <a:t>https://github.com/yasenstar/learn_scratch</a:t>
-            </a:r>
-            <a:endParaRPr lang="en-US" sz="2400" b="1" dirty="0"/>
-          </a:p>
-        </p:txBody>
-      </p:sp>
+          <a:ln>
+            <a:noFill/>
+          </a:ln>
+          <a:effectLst>
+            <a:softEdge rad="112500"/>
+          </a:effectLst>
+        </p:spPr>
+      </p:pic>
     </p:spTree>
     <p:extLst>
       <p:ext uri="{BB962C8B-B14F-4D97-AF65-F5344CB8AC3E}">
-        <p14:creationId xmlns:p14="http://schemas.microsoft.com/office/powerpoint/2010/main" val="1003946043"/>
+        <p14:creationId xmlns:p14="http://schemas.microsoft.com/office/powerpoint/2010/main" val="3901859459"/>
       </p:ext>
     </p:extLst>
   </p:cSld>

--- a/scratch4kids/Scratch4Kids.pptx
+++ b/scratch4kids/Scratch4Kids.pptx
@@ -5,10 +5,10 @@
     <p:sldMasterId id="2147483648" r:id="rId4"/>
   </p:sldMasterIdLst>
   <p:notesMasterIdLst>
-    <p:notesMasterId r:id="rId12"/>
+    <p:notesMasterId r:id="rId15"/>
   </p:notesMasterIdLst>
   <p:handoutMasterIdLst>
-    <p:handoutMasterId r:id="rId13"/>
+    <p:handoutMasterId r:id="rId16"/>
   </p:handoutMasterIdLst>
   <p:sldIdLst>
     <p:sldId id="257" r:id="rId5"/>
@@ -18,6 +18,9 @@
     <p:sldId id="261" r:id="rId9"/>
     <p:sldId id="262" r:id="rId10"/>
     <p:sldId id="263" r:id="rId11"/>
+    <p:sldId id="264" r:id="rId12"/>
+    <p:sldId id="265" r:id="rId13"/>
+    <p:sldId id="266" r:id="rId14"/>
   </p:sldIdLst>
   <p:sldSz cx="12192000" cy="6858000"/>
   <p:notesSz cx="6858000" cy="9144000"/>
@@ -209,7 +212,7 @@
           <a:p>
             <a:fld id="{FFBE2AAA-2CC7-4F9C-A8C6-8B9F2A3E9EF0}" type="datetimeFigureOut">
               <a:rPr lang="en-US" smtClean="0"/>
-              <a:t>3/24/2024</a:t>
+              <a:t>3/26/2024</a:t>
             </a:fld>
             <a:endParaRPr lang="en-US"/>
           </a:p>
@@ -374,7 +377,7 @@
           <a:p>
             <a:fld id="{2B37ADBA-1AC7-4CD6-8AFF-4E8087BA5487}" type="datetimeFigureOut">
               <a:rPr lang="en-US" smtClean="0"/>
-              <a:t>3/24/2024</a:t>
+              <a:t>3/26/2024</a:t>
             </a:fld>
             <a:endParaRPr lang="en-US"/>
           </a:p>
@@ -3575,7 +3578,7 @@
           <a:p>
             <a:fld id="{7FC8593D-7C47-471E-A8DF-97AC4FFD13F5}" type="datetimeFigureOut">
               <a:rPr lang="en-US" smtClean="0"/>
-              <a:t>3/24/2024</a:t>
+              <a:t>3/26/2024</a:t>
             </a:fld>
             <a:endParaRPr lang="en-US"/>
           </a:p>
@@ -3769,7 +3772,7 @@
           <a:p>
             <a:fld id="{7FC8593D-7C47-471E-A8DF-97AC4FFD13F5}" type="datetimeFigureOut">
               <a:rPr lang="en-US" smtClean="0"/>
-              <a:t>3/24/2024</a:t>
+              <a:t>3/26/2024</a:t>
             </a:fld>
             <a:endParaRPr lang="en-US"/>
           </a:p>
@@ -3952,7 +3955,7 @@
           <a:p>
             <a:fld id="{7FC8593D-7C47-471E-A8DF-97AC4FFD13F5}" type="datetimeFigureOut">
               <a:rPr lang="en-US" smtClean="0"/>
-              <a:t>3/24/2024</a:t>
+              <a:t>3/26/2024</a:t>
             </a:fld>
             <a:endParaRPr lang="en-US"/>
           </a:p>
@@ -4424,7 +4427,7 @@
           <a:p>
             <a:fld id="{7FC8593D-7C47-471E-A8DF-97AC4FFD13F5}" type="datetimeFigureOut">
               <a:rPr lang="en-US" smtClean="0"/>
-              <a:t>3/24/2024</a:t>
+              <a:t>3/26/2024</a:t>
             </a:fld>
             <a:endParaRPr lang="en-US"/>
           </a:p>
@@ -4824,7 +4827,7 @@
           <a:p>
             <a:fld id="{7FC8593D-7C47-471E-A8DF-97AC4FFD13F5}" type="datetimeFigureOut">
               <a:rPr lang="en-US" smtClean="0"/>
-              <a:t>3/24/2024</a:t>
+              <a:t>3/26/2024</a:t>
             </a:fld>
             <a:endParaRPr lang="en-US"/>
           </a:p>
@@ -4956,7 +4959,7 @@
           <a:p>
             <a:fld id="{7FC8593D-7C47-471E-A8DF-97AC4FFD13F5}" type="datetimeFigureOut">
               <a:rPr lang="en-US" smtClean="0"/>
-              <a:t>3/24/2024</a:t>
+              <a:t>3/26/2024</a:t>
             </a:fld>
             <a:endParaRPr lang="en-US"/>
           </a:p>
@@ -5066,7 +5069,7 @@
           <a:p>
             <a:fld id="{7FC8593D-7C47-471E-A8DF-97AC4FFD13F5}" type="datetimeFigureOut">
               <a:rPr lang="en-US" smtClean="0"/>
-              <a:t>3/24/2024</a:t>
+              <a:t>3/26/2024</a:t>
             </a:fld>
             <a:endParaRPr lang="en-US"/>
           </a:p>
@@ -5359,7 +5362,7 @@
           <a:p>
             <a:fld id="{7FC8593D-7C47-471E-A8DF-97AC4FFD13F5}" type="datetimeFigureOut">
               <a:rPr lang="en-US" smtClean="0"/>
-              <a:t>3/24/2024</a:t>
+              <a:t>3/26/2024</a:t>
             </a:fld>
             <a:endParaRPr lang="en-US"/>
           </a:p>
@@ -5810,7 +5813,7 @@
           <a:p>
             <a:fld id="{7FC8593D-7C47-471E-A8DF-97AC4FFD13F5}" type="datetimeFigureOut">
               <a:rPr lang="en-US" smtClean="0"/>
-              <a:t>3/24/2024</a:t>
+              <a:t>3/26/2024</a:t>
             </a:fld>
             <a:endParaRPr lang="en-US"/>
           </a:p>
@@ -6081,7 +6084,7 @@
             <a:fld id="{7FC8593D-7C47-471E-A8DF-97AC4FFD13F5}" type="datetimeFigureOut">
               <a:rPr lang="en-US" smtClean="0"/>
               <a:pPr/>
-              <a:t>3/24/2024</a:t>
+              <a:t>3/26/2024</a:t>
             </a:fld>
             <a:endParaRPr lang="en-US" dirty="0"/>
           </a:p>
@@ -6717,7 +6720,7 @@
 </p:sld>
 </file>
 
-<file path=ppt/slides/slide2.xml><?xml version="1.0" encoding="utf-8"?>
+<file path=ppt/slides/slide10.xml><?xml version="1.0" encoding="utf-8"?>
 <p:sld xmlns:a="http://schemas.openxmlformats.org/drawingml/2006/main" xmlns:r="http://schemas.openxmlformats.org/officeDocument/2006/relationships" xmlns:p="http://schemas.openxmlformats.org/presentationml/2006/main">
   <p:cSld>
     <p:spTree>
@@ -6746,13 +6749,13 @@
         </p:nvSpPr>
         <p:spPr>
           <a:xfrm>
-            <a:off x="551384" y="836712"/>
-            <a:ext cx="5190369" cy="1525488"/>
+            <a:off x="1534803" y="101625"/>
+            <a:ext cx="6937461" cy="720080"/>
           </a:xfrm>
         </p:spPr>
         <p:txBody>
           <a:bodyPr anchor="ctr">
-            <a:normAutofit/>
+            <a:normAutofit fontScale="90000"/>
           </a:bodyPr>
           <a:lstStyle/>
           <a:p>
@@ -6764,40 +6767,6 @@
               </a:rPr>
               <a:t>Scratch for Kids</a:t>
             </a:r>
-          </a:p>
-        </p:txBody>
-      </p:sp>
-      <p:sp>
-        <p:nvSpPr>
-          <p:cNvPr id="3" name="Subtitle 2"/>
-          <p:cNvSpPr>
-            <a:spLocks noGrp="1"/>
-          </p:cNvSpPr>
-          <p:nvPr>
-            <p:ph type="subTitle" idx="1"/>
-          </p:nvPr>
-        </p:nvSpPr>
-        <p:spPr>
-          <a:xfrm>
-            <a:off x="551384" y="2438400"/>
-            <a:ext cx="5190369" cy="914400"/>
-          </a:xfrm>
-        </p:spPr>
-        <p:txBody>
-          <a:bodyPr>
-            <a:normAutofit/>
-          </a:bodyPr>
-          <a:lstStyle/>
-          <a:p>
-            <a:r>
-              <a:rPr lang="en-US" sz="2800" b="1" dirty="0">
-                <a:latin typeface="Aptos Black" panose="020F0502020204030204" pitchFamily="34" charset="0"/>
-              </a:rPr>
-              <a:t>Opening and Introduction</a:t>
-            </a:r>
-            <a:endParaRPr lang="en-US" dirty="0">
-              <a:latin typeface="Aptos Black" panose="020F0502020204030204" pitchFamily="34" charset="0"/>
-            </a:endParaRPr>
           </a:p>
         </p:txBody>
       </p:sp>
@@ -6823,8 +6792,8 @@
         </p:blipFill>
         <p:spPr>
           <a:xfrm>
-            <a:off x="5741753" y="404664"/>
-            <a:ext cx="3563006" cy="4392488"/>
+            <a:off x="8167262" y="43464"/>
+            <a:ext cx="2037751" cy="2512147"/>
           </a:xfrm>
           <a:prstGeom prst="roundRect">
             <a:avLst>
@@ -6877,7 +6846,7 @@
               <a:rPr lang="en-US" sz="5400" dirty="0">
                 <a:latin typeface="Bauhaus 93" panose="04030905020B02020C02" pitchFamily="82" charset="0"/>
               </a:rPr>
-              <a:t>000</a:t>
+              <a:t>008</a:t>
             </a:r>
           </a:p>
         </p:txBody>
@@ -6921,8 +6890,8 @@
         </p:blipFill>
         <p:spPr bwMode="auto">
           <a:xfrm>
-            <a:off x="3575720" y="2895600"/>
-            <a:ext cx="2045864" cy="2089026"/>
+            <a:off x="10652079" y="8930"/>
+            <a:ext cx="895507" cy="914400"/>
           </a:xfrm>
           <a:prstGeom prst="rect">
             <a:avLst/>
@@ -6941,10 +6910,10 @@
       </p:pic>
       <p:pic>
         <p:nvPicPr>
-          <p:cNvPr id="5" name="Picture 4" descr="A cartoon owl wearing a graduation cap and glasses&#10;&#10;Description automatically generated">
+          <p:cNvPr id="7" name="Picture 6" descr="A cartoon owl wearing a graduation cap and glasses&#10;&#10;Description automatically generated">
             <a:extLst>
               <a:ext uri="{FF2B5EF4-FFF2-40B4-BE49-F238E27FC236}">
-                <a16:creationId xmlns:a16="http://schemas.microsoft.com/office/drawing/2014/main" id="{950FEEB9-939C-2128-F6EA-32286D9B969A}"/>
+                <a16:creationId xmlns:a16="http://schemas.microsoft.com/office/drawing/2014/main" id="{3AEA9986-B7C4-0E97-5BE2-8505E1692F4B}"/>
               </a:ext>
             </a:extLst>
           </p:cNvPr>
@@ -6980,12 +6949,106 @@
           </a:prstGeom>
         </p:spPr>
       </p:pic>
+      <p:sp>
+        <p:nvSpPr>
+          <p:cNvPr id="3" name="Subtitle 2"/>
+          <p:cNvSpPr>
+            <a:spLocks noGrp="1"/>
+          </p:cNvSpPr>
+          <p:nvPr>
+            <p:ph type="subTitle" idx="1"/>
+          </p:nvPr>
+        </p:nvSpPr>
+        <p:spPr>
+          <a:xfrm>
+            <a:off x="3647728" y="4302389"/>
+            <a:ext cx="5688632" cy="1214844"/>
+          </a:xfrm>
+        </p:spPr>
+        <p:txBody>
+          <a:bodyPr>
+            <a:normAutofit fontScale="85000" lnSpcReduction="10000"/>
+          </a:bodyPr>
+          <a:lstStyle/>
+          <a:p>
+            <a:r>
+              <a:rPr lang="en-US" sz="3000" b="1" dirty="0">
+                <a:latin typeface="Aptos Black" panose="020F0502020204030204" pitchFamily="34" charset="0"/>
+              </a:rPr>
+              <a:t>Part 1: Become a Scratch Designer</a:t>
+            </a:r>
+          </a:p>
+          <a:p>
+            <a:r>
+              <a:rPr lang="en-US" b="1" dirty="0">
+                <a:latin typeface="Aptos Black" panose="020F0502020204030204" pitchFamily="34" charset="0"/>
+              </a:rPr>
+              <a:t>Chapter 2: Create Your Own Comics</a:t>
+            </a:r>
+          </a:p>
+          <a:p>
+            <a:r>
+              <a:rPr lang="en-US" b="1" dirty="0">
+                <a:latin typeface="Aptos Black" panose="020F0502020204030204" pitchFamily="34" charset="0"/>
+              </a:rPr>
+              <a:t>(3) Tell Your </a:t>
+            </a:r>
+            <a:r>
+              <a:rPr lang="en-US" b="1">
+                <a:latin typeface="Aptos Black" panose="020F0502020204030204" pitchFamily="34" charset="0"/>
+              </a:rPr>
+              <a:t>Super Story</a:t>
+            </a:r>
+            <a:endParaRPr lang="en-US" sz="2000" dirty="0">
+              <a:latin typeface="Aptos Black" panose="020F0502020204030204" pitchFamily="34" charset="0"/>
+            </a:endParaRPr>
+          </a:p>
+        </p:txBody>
+      </p:sp>
+      <p:sp>
+        <p:nvSpPr>
+          <p:cNvPr id="11" name="TextBox 10">
+            <a:extLst>
+              <a:ext uri="{FF2B5EF4-FFF2-40B4-BE49-F238E27FC236}">
+                <a16:creationId xmlns:a16="http://schemas.microsoft.com/office/drawing/2014/main" id="{7F7069DF-7952-A2B5-D09B-42662344A4FC}"/>
+              </a:ext>
+            </a:extLst>
+          </p:cNvPr>
+          <p:cNvSpPr txBox="1"/>
+          <p:nvPr/>
+        </p:nvSpPr>
+        <p:spPr>
+          <a:xfrm>
+            <a:off x="817468" y="6381328"/>
+            <a:ext cx="8204208" cy="461665"/>
+          </a:xfrm>
+          <a:prstGeom prst="rect">
+            <a:avLst/>
+          </a:prstGeom>
+          <a:noFill/>
+        </p:spPr>
+        <p:txBody>
+          <a:bodyPr wrap="square">
+            <a:spAutoFit/>
+          </a:bodyPr>
+          <a:lstStyle/>
+          <a:p>
+            <a:r>
+              <a:rPr lang="en-US" sz="2400" b="1" dirty="0">
+                <a:hlinkClick r:id="rId5"/>
+              </a:rPr>
+              <a:t>https://github.com/yasenstar/learn_scratch</a:t>
+            </a:r>
+            <a:endParaRPr lang="en-US" sz="2400" b="1" dirty="0"/>
+          </a:p>
+        </p:txBody>
+      </p:sp>
       <p:pic>
         <p:nvPicPr>
           <p:cNvPr id="8" name="Picture 7">
             <a:extLst>
               <a:ext uri="{FF2B5EF4-FFF2-40B4-BE49-F238E27FC236}">
-                <a16:creationId xmlns:a16="http://schemas.microsoft.com/office/drawing/2014/main" id="{4EB93D2C-3084-80B7-8302-7AFAE8E00FB5}"/>
+                <a16:creationId xmlns:a16="http://schemas.microsoft.com/office/drawing/2014/main" id="{3292BA5B-FC8B-D40F-C1E8-79E408EEC1C5}"/>
               </a:ext>
             </a:extLst>
           </p:cNvPr>
@@ -6995,74 +7058,35 @@
           <p:nvPr/>
         </p:nvPicPr>
         <p:blipFill>
-          <a:blip r:embed="rId5">
-            <a:clrChange>
-              <a:clrFrom>
-                <a:srgbClr val="F9F9F8"/>
-              </a:clrFrom>
-              <a:clrTo>
-                <a:srgbClr val="F9F9F8">
-                  <a:alpha val="0"/>
-                </a:srgbClr>
-              </a:clrTo>
-            </a:clrChange>
-          </a:blip>
+          <a:blip r:embed="rId6"/>
           <a:stretch>
             <a:fillRect/>
           </a:stretch>
         </p:blipFill>
         <p:spPr>
           <a:xfrm>
-            <a:off x="5284802" y="4740828"/>
-            <a:ext cx="3991938" cy="2089026"/>
+            <a:off x="468602" y="851076"/>
+            <a:ext cx="7200800" cy="3311431"/>
           </a:xfrm>
           <a:prstGeom prst="rect">
             <a:avLst/>
           </a:prstGeom>
+          <a:ln>
+            <a:noFill/>
+          </a:ln>
+          <a:effectLst>
+            <a:outerShdw blurRad="292100" dist="139700" dir="2700000" algn="tl" rotWithShape="0">
+              <a:srgbClr val="333333">
+                <a:alpha val="65000"/>
+              </a:srgbClr>
+            </a:outerShdw>
+          </a:effectLst>
         </p:spPr>
       </p:pic>
-      <p:sp>
-        <p:nvSpPr>
-          <p:cNvPr id="10" name="TextBox 9">
-            <a:extLst>
-              <a:ext uri="{FF2B5EF4-FFF2-40B4-BE49-F238E27FC236}">
-                <a16:creationId xmlns:a16="http://schemas.microsoft.com/office/drawing/2014/main" id="{B7BD3B76-3904-6CC1-DF12-3BA4859C5167}"/>
-              </a:ext>
-            </a:extLst>
-          </p:cNvPr>
-          <p:cNvSpPr txBox="1"/>
-          <p:nvPr/>
-        </p:nvSpPr>
-        <p:spPr>
-          <a:xfrm>
-            <a:off x="817468" y="6460522"/>
-            <a:ext cx="4658199" cy="369332"/>
-          </a:xfrm>
-          <a:prstGeom prst="rect">
-            <a:avLst/>
-          </a:prstGeom>
-          <a:noFill/>
-        </p:spPr>
-        <p:txBody>
-          <a:bodyPr wrap="square">
-            <a:spAutoFit/>
-          </a:bodyPr>
-          <a:lstStyle/>
-          <a:p>
-            <a:r>
-              <a:rPr lang="en-US" dirty="0">
-                <a:hlinkClick r:id="rId6"/>
-              </a:rPr>
-              <a:t>https://github.com/yasenstar/learn_scratch</a:t>
-            </a:r>
-            <a:endParaRPr lang="en-US" dirty="0"/>
-          </a:p>
-        </p:txBody>
-      </p:sp>
     </p:spTree>
     <p:extLst>
       <p:ext uri="{BB962C8B-B14F-4D97-AF65-F5344CB8AC3E}">
-        <p14:creationId xmlns:p14="http://schemas.microsoft.com/office/powerpoint/2010/main" val="2228322088"/>
+        <p14:creationId xmlns:p14="http://schemas.microsoft.com/office/powerpoint/2010/main" val="1681357804"/>
       </p:ext>
     </p:extLst>
   </p:cSld>
@@ -7084,7 +7108,7 @@
 </p:sld>
 </file>
 
-<file path=ppt/slides/slide3.xml><?xml version="1.0" encoding="utf-8"?>
+<file path=ppt/slides/slide2.xml><?xml version="1.0" encoding="utf-8"?>
 <p:sld xmlns:a="http://schemas.openxmlformats.org/drawingml/2006/main" xmlns:r="http://schemas.openxmlformats.org/officeDocument/2006/relationships" xmlns:p="http://schemas.openxmlformats.org/presentationml/2006/main">
   <p:cSld>
     <p:spTree>
@@ -7113,13 +7137,13 @@
         </p:nvSpPr>
         <p:spPr>
           <a:xfrm>
-            <a:off x="1534803" y="101625"/>
-            <a:ext cx="6937461" cy="720080"/>
+            <a:off x="551384" y="836712"/>
+            <a:ext cx="5190369" cy="1525488"/>
           </a:xfrm>
         </p:spPr>
         <p:txBody>
           <a:bodyPr anchor="ctr">
-            <a:normAutofit fontScale="90000"/>
+            <a:normAutofit/>
           </a:bodyPr>
           <a:lstStyle/>
           <a:p>
@@ -7129,8 +7153,42 @@
                 <a:ea typeface="ADLaM Display" panose="02010000000000000000" pitchFamily="2" charset="0"/>
                 <a:cs typeface="ADLaM Display" panose="02010000000000000000" pitchFamily="2" charset="0"/>
               </a:rPr>
-              <a:t>Scratch for Kids – Part 1</a:t>
-            </a:r>
+              <a:t>Scratch for Kids</a:t>
+            </a:r>
+          </a:p>
+        </p:txBody>
+      </p:sp>
+      <p:sp>
+        <p:nvSpPr>
+          <p:cNvPr id="3" name="Subtitle 2"/>
+          <p:cNvSpPr>
+            <a:spLocks noGrp="1"/>
+          </p:cNvSpPr>
+          <p:nvPr>
+            <p:ph type="subTitle" idx="1"/>
+          </p:nvPr>
+        </p:nvSpPr>
+        <p:spPr>
+          <a:xfrm>
+            <a:off x="551384" y="2438400"/>
+            <a:ext cx="5190369" cy="914400"/>
+          </a:xfrm>
+        </p:spPr>
+        <p:txBody>
+          <a:bodyPr>
+            <a:normAutofit/>
+          </a:bodyPr>
+          <a:lstStyle/>
+          <a:p>
+            <a:r>
+              <a:rPr lang="en-US" sz="2800" b="1" dirty="0">
+                <a:latin typeface="Aptos Black" panose="020F0502020204030204" pitchFamily="34" charset="0"/>
+              </a:rPr>
+              <a:t>Opening and Introduction</a:t>
+            </a:r>
+            <a:endParaRPr lang="en-US" dirty="0">
+              <a:latin typeface="Aptos Black" panose="020F0502020204030204" pitchFamily="34" charset="0"/>
+            </a:endParaRPr>
           </a:p>
         </p:txBody>
       </p:sp>
@@ -7156,8 +7214,8 @@
         </p:blipFill>
         <p:spPr>
           <a:xfrm>
-            <a:off x="8943880" y="44788"/>
-            <a:ext cx="1693755" cy="2088067"/>
+            <a:off x="5741753" y="404664"/>
+            <a:ext cx="3563006" cy="4392488"/>
           </a:xfrm>
           <a:prstGeom prst="roundRect">
             <a:avLst>
@@ -7210,7 +7268,7 @@
               <a:rPr lang="en-US" sz="5400" dirty="0">
                 <a:latin typeface="Bauhaus 93" panose="04030905020B02020C02" pitchFamily="82" charset="0"/>
               </a:rPr>
-              <a:t>001</a:t>
+              <a:t>000</a:t>
             </a:r>
           </a:p>
         </p:txBody>
@@ -7254,8 +7312,8 @@
         </p:blipFill>
         <p:spPr bwMode="auto">
           <a:xfrm>
-            <a:off x="11064552" y="-92695"/>
-            <a:ext cx="895507" cy="914400"/>
+            <a:off x="3575720" y="2895600"/>
+            <a:ext cx="2045864" cy="2089026"/>
           </a:xfrm>
           <a:prstGeom prst="rect">
             <a:avLst/>
@@ -7274,10 +7332,10 @@
       </p:pic>
       <p:pic>
         <p:nvPicPr>
-          <p:cNvPr id="7" name="Picture 6" descr="A cartoon owl wearing a graduation cap and glasses&#10;&#10;Description automatically generated">
+          <p:cNvPr id="5" name="Picture 4" descr="A cartoon owl wearing a graduation cap and glasses&#10;&#10;Description automatically generated">
             <a:extLst>
               <a:ext uri="{FF2B5EF4-FFF2-40B4-BE49-F238E27FC236}">
-                <a16:creationId xmlns:a16="http://schemas.microsoft.com/office/drawing/2014/main" id="{3AEA9986-B7C4-0E97-5BE2-8505E1692F4B}"/>
+                <a16:creationId xmlns:a16="http://schemas.microsoft.com/office/drawing/2014/main" id="{950FEEB9-939C-2128-F6EA-32286D9B969A}"/>
               </a:ext>
             </a:extLst>
           </p:cNvPr>
@@ -7315,10 +7373,10 @@
       </p:pic>
       <p:pic>
         <p:nvPicPr>
-          <p:cNvPr id="9" name="Picture 8">
+          <p:cNvPr id="8" name="Picture 7">
             <a:extLst>
               <a:ext uri="{FF2B5EF4-FFF2-40B4-BE49-F238E27FC236}">
-                <a16:creationId xmlns:a16="http://schemas.microsoft.com/office/drawing/2014/main" id="{BAF97C13-F1E0-691C-1A65-22F1BA5D9C55}"/>
+                <a16:creationId xmlns:a16="http://schemas.microsoft.com/office/drawing/2014/main" id="{4EB93D2C-3084-80B7-8302-7AFAE8E00FB5}"/>
               </a:ext>
             </a:extLst>
           </p:cNvPr>
@@ -7328,87 +7386,38 @@
           <p:nvPr/>
         </p:nvPicPr>
         <p:blipFill>
-          <a:blip r:embed="rId5"/>
+          <a:blip r:embed="rId5">
+            <a:clrChange>
+              <a:clrFrom>
+                <a:srgbClr val="F9F9F8"/>
+              </a:clrFrom>
+              <a:clrTo>
+                <a:srgbClr val="F9F9F8">
+                  <a:alpha val="0"/>
+                </a:srgbClr>
+              </a:clrTo>
+            </a:clrChange>
+          </a:blip>
           <a:stretch>
             <a:fillRect/>
           </a:stretch>
         </p:blipFill>
         <p:spPr>
           <a:xfrm>
-            <a:off x="3647728" y="2348880"/>
-            <a:ext cx="5712296" cy="2408089"/>
+            <a:off x="5284802" y="4740828"/>
+            <a:ext cx="3991938" cy="2089026"/>
           </a:xfrm>
           <a:prstGeom prst="rect">
             <a:avLst/>
           </a:prstGeom>
-          <a:ln>
-            <a:noFill/>
-          </a:ln>
-          <a:effectLst>
-            <a:outerShdw blurRad="292100" dist="139700" dir="2700000" algn="tl" rotWithShape="0">
-              <a:srgbClr val="333333">
-                <a:alpha val="65000"/>
-              </a:srgbClr>
-            </a:outerShdw>
-          </a:effectLst>
         </p:spPr>
       </p:pic>
-      <p:sp>
-        <p:nvSpPr>
-          <p:cNvPr id="3" name="Subtitle 2"/>
-          <p:cNvSpPr>
-            <a:spLocks noGrp="1"/>
-          </p:cNvSpPr>
-          <p:nvPr>
-            <p:ph type="subTitle" idx="1"/>
-          </p:nvPr>
-        </p:nvSpPr>
-        <p:spPr>
-          <a:xfrm>
-            <a:off x="336195" y="923330"/>
-            <a:ext cx="9024664" cy="1440159"/>
-          </a:xfrm>
-        </p:spPr>
-        <p:txBody>
-          <a:bodyPr>
-            <a:normAutofit lnSpcReduction="10000"/>
-          </a:bodyPr>
-          <a:lstStyle/>
-          <a:p>
-            <a:r>
-              <a:rPr lang="en-US" sz="2800" b="1" dirty="0">
-                <a:latin typeface="Aptos Black" panose="020F0502020204030204" pitchFamily="34" charset="0"/>
-              </a:rPr>
-              <a:t>Become a Scratch Designer</a:t>
-            </a:r>
-          </a:p>
-          <a:p>
-            <a:r>
-              <a:rPr lang="en-US" sz="2800" b="1" dirty="0">
-                <a:latin typeface="Aptos Black" panose="020F0502020204030204" pitchFamily="34" charset="0"/>
-              </a:rPr>
-              <a:t>Chapter 1: Getting Started with Scratch</a:t>
-            </a:r>
-          </a:p>
-          <a:p>
-            <a:r>
-              <a:rPr lang="en-US" sz="2800" b="1" dirty="0">
-                <a:latin typeface="Aptos Black" panose="020F0502020204030204" pitchFamily="34" charset="0"/>
-              </a:rPr>
-              <a:t>(1) Access Scratch on Your Computer</a:t>
-            </a:r>
-            <a:endParaRPr lang="en-US" dirty="0">
-              <a:latin typeface="Aptos Black" panose="020F0502020204030204" pitchFamily="34" charset="0"/>
-            </a:endParaRPr>
-          </a:p>
-        </p:txBody>
-      </p:sp>
       <p:sp>
         <p:nvSpPr>
           <p:cNvPr id="10" name="TextBox 9">
             <a:extLst>
               <a:ext uri="{FF2B5EF4-FFF2-40B4-BE49-F238E27FC236}">
-                <a16:creationId xmlns:a16="http://schemas.microsoft.com/office/drawing/2014/main" id="{3D739D02-62D0-6003-80A0-EB3C38FACFE1}"/>
+                <a16:creationId xmlns:a16="http://schemas.microsoft.com/office/drawing/2014/main" id="{B7BD3B76-3904-6CC1-DF12-3BA4859C5167}"/>
               </a:ext>
             </a:extLst>
           </p:cNvPr>
@@ -7444,20 +7453,20 @@
     </p:spTree>
     <p:extLst>
       <p:ext uri="{BB962C8B-B14F-4D97-AF65-F5344CB8AC3E}">
-        <p14:creationId xmlns:p14="http://schemas.microsoft.com/office/powerpoint/2010/main" val="436358136"/>
+        <p14:creationId xmlns:p14="http://schemas.microsoft.com/office/powerpoint/2010/main" val="2228322088"/>
       </p:ext>
     </p:extLst>
   </p:cSld>
   <p:clrMapOvr>
     <a:masterClrMapping/>
   </p:clrMapOvr>
-  <mc:AlternateContent xmlns:mc="http://schemas.openxmlformats.org/markup-compatibility/2006">
-    <mc:Choice xmlns:p14="http://schemas.microsoft.com/office/powerpoint/2010/main" Requires="p14">
+  <mc:AlternateContent xmlns:mc="http://schemas.openxmlformats.org/markup-compatibility/2006" xmlns:p14="http://schemas.microsoft.com/office/powerpoint/2010/main">
+    <mc:Choice Requires="p14">
       <p:transition spd="med" p14:dur="700">
         <p:fade/>
       </p:transition>
     </mc:Choice>
-    <mc:Fallback>
+    <mc:Fallback xmlns="">
       <p:transition spd="med">
         <p:fade/>
       </p:transition>
@@ -7466,7 +7475,7 @@
 </p:sld>
 </file>
 
-<file path=ppt/slides/slide4.xml><?xml version="1.0" encoding="utf-8"?>
+<file path=ppt/slides/slide3.xml><?xml version="1.0" encoding="utf-8"?>
 <p:sld xmlns:a="http://schemas.openxmlformats.org/drawingml/2006/main" xmlns:r="http://schemas.openxmlformats.org/officeDocument/2006/relationships" xmlns:p="http://schemas.openxmlformats.org/presentationml/2006/main">
   <p:cSld>
     <p:spTree>
@@ -7538,8 +7547,8 @@
         </p:blipFill>
         <p:spPr>
           <a:xfrm>
-            <a:off x="9021676" y="90189"/>
-            <a:ext cx="1494418" cy="1842324"/>
+            <a:off x="8943880" y="44788"/>
+            <a:ext cx="1693755" cy="2088067"/>
           </a:xfrm>
           <a:prstGeom prst="roundRect">
             <a:avLst>
@@ -7592,7 +7601,7 @@
               <a:rPr lang="en-US" sz="5400" dirty="0">
                 <a:latin typeface="Bauhaus 93" panose="04030905020B02020C02" pitchFamily="82" charset="0"/>
               </a:rPr>
-              <a:t>002</a:t>
+              <a:t>001</a:t>
             </a:r>
           </a:p>
         </p:txBody>
@@ -7695,6 +7704,388 @@
           </a:prstGeom>
         </p:spPr>
       </p:pic>
+      <p:pic>
+        <p:nvPicPr>
+          <p:cNvPr id="9" name="Picture 8">
+            <a:extLst>
+              <a:ext uri="{FF2B5EF4-FFF2-40B4-BE49-F238E27FC236}">
+                <a16:creationId xmlns:a16="http://schemas.microsoft.com/office/drawing/2014/main" id="{BAF97C13-F1E0-691C-1A65-22F1BA5D9C55}"/>
+              </a:ext>
+            </a:extLst>
+          </p:cNvPr>
+          <p:cNvPicPr>
+            <a:picLocks noChangeAspect="1"/>
+          </p:cNvPicPr>
+          <p:nvPr/>
+        </p:nvPicPr>
+        <p:blipFill>
+          <a:blip r:embed="rId5"/>
+          <a:stretch>
+            <a:fillRect/>
+          </a:stretch>
+        </p:blipFill>
+        <p:spPr>
+          <a:xfrm>
+            <a:off x="3647728" y="2348880"/>
+            <a:ext cx="5712296" cy="2408089"/>
+          </a:xfrm>
+          <a:prstGeom prst="rect">
+            <a:avLst/>
+          </a:prstGeom>
+          <a:ln>
+            <a:noFill/>
+          </a:ln>
+          <a:effectLst>
+            <a:outerShdw blurRad="292100" dist="139700" dir="2700000" algn="tl" rotWithShape="0">
+              <a:srgbClr val="333333">
+                <a:alpha val="65000"/>
+              </a:srgbClr>
+            </a:outerShdw>
+          </a:effectLst>
+        </p:spPr>
+      </p:pic>
+      <p:sp>
+        <p:nvSpPr>
+          <p:cNvPr id="3" name="Subtitle 2"/>
+          <p:cNvSpPr>
+            <a:spLocks noGrp="1"/>
+          </p:cNvSpPr>
+          <p:nvPr>
+            <p:ph type="subTitle" idx="1"/>
+          </p:nvPr>
+        </p:nvSpPr>
+        <p:spPr>
+          <a:xfrm>
+            <a:off x="336195" y="923330"/>
+            <a:ext cx="9024664" cy="1440159"/>
+          </a:xfrm>
+        </p:spPr>
+        <p:txBody>
+          <a:bodyPr>
+            <a:normAutofit lnSpcReduction="10000"/>
+          </a:bodyPr>
+          <a:lstStyle/>
+          <a:p>
+            <a:r>
+              <a:rPr lang="en-US" sz="2800" b="1" dirty="0">
+                <a:latin typeface="Aptos Black" panose="020F0502020204030204" pitchFamily="34" charset="0"/>
+              </a:rPr>
+              <a:t>Become a Scratch Designer</a:t>
+            </a:r>
+          </a:p>
+          <a:p>
+            <a:r>
+              <a:rPr lang="en-US" sz="2800" b="1" dirty="0">
+                <a:latin typeface="Aptos Black" panose="020F0502020204030204" pitchFamily="34" charset="0"/>
+              </a:rPr>
+              <a:t>Chapter 1: Getting Started with Scratch</a:t>
+            </a:r>
+          </a:p>
+          <a:p>
+            <a:r>
+              <a:rPr lang="en-US" sz="2800" b="1" dirty="0">
+                <a:latin typeface="Aptos Black" panose="020F0502020204030204" pitchFamily="34" charset="0"/>
+              </a:rPr>
+              <a:t>(1) Access Scratch on Your Computer</a:t>
+            </a:r>
+            <a:endParaRPr lang="en-US" dirty="0">
+              <a:latin typeface="Aptos Black" panose="020F0502020204030204" pitchFamily="34" charset="0"/>
+            </a:endParaRPr>
+          </a:p>
+        </p:txBody>
+      </p:sp>
+      <p:sp>
+        <p:nvSpPr>
+          <p:cNvPr id="10" name="TextBox 9">
+            <a:extLst>
+              <a:ext uri="{FF2B5EF4-FFF2-40B4-BE49-F238E27FC236}">
+                <a16:creationId xmlns:a16="http://schemas.microsoft.com/office/drawing/2014/main" id="{3D739D02-62D0-6003-80A0-EB3C38FACFE1}"/>
+              </a:ext>
+            </a:extLst>
+          </p:cNvPr>
+          <p:cNvSpPr txBox="1"/>
+          <p:nvPr/>
+        </p:nvSpPr>
+        <p:spPr>
+          <a:xfrm>
+            <a:off x="817468" y="6460522"/>
+            <a:ext cx="4658199" cy="369332"/>
+          </a:xfrm>
+          <a:prstGeom prst="rect">
+            <a:avLst/>
+          </a:prstGeom>
+          <a:noFill/>
+        </p:spPr>
+        <p:txBody>
+          <a:bodyPr wrap="square">
+            <a:spAutoFit/>
+          </a:bodyPr>
+          <a:lstStyle/>
+          <a:p>
+            <a:r>
+              <a:rPr lang="en-US" dirty="0">
+                <a:hlinkClick r:id="rId6"/>
+              </a:rPr>
+              <a:t>https://github.com/yasenstar/learn_scratch</a:t>
+            </a:r>
+            <a:endParaRPr lang="en-US" dirty="0"/>
+          </a:p>
+        </p:txBody>
+      </p:sp>
+    </p:spTree>
+    <p:extLst>
+      <p:ext uri="{BB962C8B-B14F-4D97-AF65-F5344CB8AC3E}">
+        <p14:creationId xmlns:p14="http://schemas.microsoft.com/office/powerpoint/2010/main" val="436358136"/>
+      </p:ext>
+    </p:extLst>
+  </p:cSld>
+  <p:clrMapOvr>
+    <a:masterClrMapping/>
+  </p:clrMapOvr>
+  <mc:AlternateContent xmlns:mc="http://schemas.openxmlformats.org/markup-compatibility/2006" xmlns:p14="http://schemas.microsoft.com/office/powerpoint/2010/main">
+    <mc:Choice Requires="p14">
+      <p:transition spd="med" p14:dur="700">
+        <p:fade/>
+      </p:transition>
+    </mc:Choice>
+    <mc:Fallback xmlns="">
+      <p:transition spd="med">
+        <p:fade/>
+      </p:transition>
+    </mc:Fallback>
+  </mc:AlternateContent>
+</p:sld>
+</file>
+
+<file path=ppt/slides/slide4.xml><?xml version="1.0" encoding="utf-8"?>
+<p:sld xmlns:a="http://schemas.openxmlformats.org/drawingml/2006/main" xmlns:r="http://schemas.openxmlformats.org/officeDocument/2006/relationships" xmlns:p="http://schemas.openxmlformats.org/presentationml/2006/main">
+  <p:cSld>
+    <p:spTree>
+      <p:nvGrpSpPr>
+        <p:cNvPr id="1" name=""/>
+        <p:cNvGrpSpPr/>
+        <p:nvPr/>
+      </p:nvGrpSpPr>
+      <p:grpSpPr>
+        <a:xfrm>
+          <a:off x="0" y="0"/>
+          <a:ext cx="0" cy="0"/>
+          <a:chOff x="0" y="0"/>
+          <a:chExt cx="0" cy="0"/>
+        </a:xfrm>
+      </p:grpSpPr>
+      <p:sp>
+        <p:nvSpPr>
+          <p:cNvPr id="2" name="Title 1"/>
+          <p:cNvSpPr>
+            <a:spLocks noGrp="1"/>
+          </p:cNvSpPr>
+          <p:nvPr>
+            <p:ph type="ctrTitle"/>
+          </p:nvPr>
+        </p:nvSpPr>
+        <p:spPr>
+          <a:xfrm>
+            <a:off x="1534803" y="101625"/>
+            <a:ext cx="6937461" cy="720080"/>
+          </a:xfrm>
+        </p:spPr>
+        <p:txBody>
+          <a:bodyPr anchor="ctr">
+            <a:normAutofit fontScale="90000"/>
+          </a:bodyPr>
+          <a:lstStyle/>
+          <a:p>
+            <a:r>
+              <a:rPr lang="en-US" sz="4800" dirty="0">
+                <a:latin typeface="ADLaM Display" panose="02010000000000000000" pitchFamily="2" charset="0"/>
+                <a:ea typeface="ADLaM Display" panose="02010000000000000000" pitchFamily="2" charset="0"/>
+                <a:cs typeface="ADLaM Display" panose="02010000000000000000" pitchFamily="2" charset="0"/>
+              </a:rPr>
+              <a:t>Scratch for Kids – Part 1</a:t>
+            </a:r>
+          </a:p>
+        </p:txBody>
+      </p:sp>
+      <p:pic>
+        <p:nvPicPr>
+          <p:cNvPr id="6" name="Picture 5" descr="A book cover with a cartoon character&#10;&#10;Description automatically generated">
+            <a:extLst>
+              <a:ext uri="{FF2B5EF4-FFF2-40B4-BE49-F238E27FC236}">
+                <a16:creationId xmlns:a16="http://schemas.microsoft.com/office/drawing/2014/main" id="{37058493-7DAE-6BF2-99F6-4940E3CECA62}"/>
+              </a:ext>
+            </a:extLst>
+          </p:cNvPr>
+          <p:cNvPicPr>
+            <a:picLocks noChangeAspect="1"/>
+          </p:cNvPicPr>
+          <p:nvPr/>
+        </p:nvPicPr>
+        <p:blipFill>
+          <a:blip r:embed="rId2"/>
+          <a:stretch>
+            <a:fillRect/>
+          </a:stretch>
+        </p:blipFill>
+        <p:spPr>
+          <a:xfrm>
+            <a:off x="9021676" y="90189"/>
+            <a:ext cx="1494418" cy="1842324"/>
+          </a:xfrm>
+          <a:prstGeom prst="roundRect">
+            <a:avLst>
+              <a:gd name="adj" fmla="val 8594"/>
+            </a:avLst>
+          </a:prstGeom>
+          <a:solidFill>
+            <a:srgbClr val="FFFFFF">
+              <a:shade val="85000"/>
+            </a:srgbClr>
+          </a:solidFill>
+          <a:ln>
+            <a:noFill/>
+          </a:ln>
+          <a:effectLst>
+            <a:reflection blurRad="12700" stA="38000" endPos="28000" dist="5000" dir="5400000" sy="-100000" algn="bl" rotWithShape="0"/>
+          </a:effectLst>
+        </p:spPr>
+      </p:pic>
+      <p:sp>
+        <p:nvSpPr>
+          <p:cNvPr id="4" name="TextBox 3">
+            <a:extLst>
+              <a:ext uri="{FF2B5EF4-FFF2-40B4-BE49-F238E27FC236}">
+                <a16:creationId xmlns:a16="http://schemas.microsoft.com/office/drawing/2014/main" id="{99B53E7E-A9ED-6942-DF80-3DF81B395749}"/>
+              </a:ext>
+            </a:extLst>
+          </p:cNvPr>
+          <p:cNvSpPr txBox="1"/>
+          <p:nvPr/>
+        </p:nvSpPr>
+        <p:spPr>
+          <a:xfrm>
+            <a:off x="0" y="0"/>
+            <a:ext cx="1367682" cy="923330"/>
+          </a:xfrm>
+          <a:prstGeom prst="rect">
+            <a:avLst/>
+          </a:prstGeom>
+          <a:noFill/>
+        </p:spPr>
+        <p:txBody>
+          <a:bodyPr wrap="none" rtlCol="0">
+            <a:spAutoFit/>
+          </a:bodyPr>
+          <a:lstStyle/>
+          <a:p>
+            <a:pPr algn="ctr"/>
+            <a:r>
+              <a:rPr lang="en-US" sz="5400" dirty="0">
+                <a:latin typeface="Bauhaus 93" panose="04030905020B02020C02" pitchFamily="82" charset="0"/>
+              </a:rPr>
+              <a:t>002</a:t>
+            </a:r>
+          </a:p>
+        </p:txBody>
+      </p:sp>
+      <p:pic>
+        <p:nvPicPr>
+          <p:cNvPr id="1026" name="Picture 2" descr="scratch logo PNG image with transparent background | TOPpng">
+            <a:extLst>
+              <a:ext uri="{FF2B5EF4-FFF2-40B4-BE49-F238E27FC236}">
+                <a16:creationId xmlns:a16="http://schemas.microsoft.com/office/drawing/2014/main" id="{1554103F-1ECA-8530-E162-3BE3F4FE9C16}"/>
+              </a:ext>
+            </a:extLst>
+          </p:cNvPr>
+          <p:cNvPicPr>
+            <a:picLocks noChangeAspect="1" noChangeArrowheads="1"/>
+          </p:cNvPicPr>
+          <p:nvPr/>
+        </p:nvPicPr>
+        <p:blipFill>
+          <a:blip r:embed="rId3">
+            <a:clrChange>
+              <a:clrFrom>
+                <a:srgbClr val="EFEFEF"/>
+              </a:clrFrom>
+              <a:clrTo>
+                <a:srgbClr val="EFEFEF">
+                  <a:alpha val="0"/>
+                </a:srgbClr>
+              </a:clrTo>
+            </a:clrChange>
+            <a:extLst>
+              <a:ext uri="{28A0092B-C50C-407E-A947-70E740481C1C}">
+                <a14:useLocalDpi xmlns:a14="http://schemas.microsoft.com/office/drawing/2010/main" val="0"/>
+              </a:ext>
+            </a:extLst>
+          </a:blip>
+          <a:srcRect/>
+          <a:stretch>
+            <a:fillRect/>
+          </a:stretch>
+        </p:blipFill>
+        <p:spPr bwMode="auto">
+          <a:xfrm>
+            <a:off x="11064552" y="-92695"/>
+            <a:ext cx="895507" cy="914400"/>
+          </a:xfrm>
+          <a:prstGeom prst="rect">
+            <a:avLst/>
+          </a:prstGeom>
+          <a:noFill/>
+          <a:extLst>
+            <a:ext uri="{909E8E84-426E-40DD-AFC4-6F175D3DCCD1}">
+              <a14:hiddenFill xmlns:a14="http://schemas.microsoft.com/office/drawing/2010/main">
+                <a:solidFill>
+                  <a:srgbClr val="FFFFFF"/>
+                </a:solidFill>
+              </a14:hiddenFill>
+            </a:ext>
+          </a:extLst>
+        </p:spPr>
+      </p:pic>
+      <p:pic>
+        <p:nvPicPr>
+          <p:cNvPr id="7" name="Picture 6" descr="A cartoon owl wearing a graduation cap and glasses&#10;&#10;Description automatically generated">
+            <a:extLst>
+              <a:ext uri="{FF2B5EF4-FFF2-40B4-BE49-F238E27FC236}">
+                <a16:creationId xmlns:a16="http://schemas.microsoft.com/office/drawing/2014/main" id="{3AEA9986-B7C4-0E97-5BE2-8505E1692F4B}"/>
+              </a:ext>
+            </a:extLst>
+          </p:cNvPr>
+          <p:cNvPicPr>
+            <a:picLocks noChangeAspect="1"/>
+          </p:cNvPicPr>
+          <p:nvPr/>
+        </p:nvPicPr>
+        <p:blipFill>
+          <a:blip r:embed="rId4">
+            <a:clrChange>
+              <a:clrFrom>
+                <a:srgbClr val="DDEFF9"/>
+              </a:clrFrom>
+              <a:clrTo>
+                <a:srgbClr val="DDEFF9">
+                  <a:alpha val="0"/>
+                </a:srgbClr>
+              </a:clrTo>
+            </a:clrChange>
+          </a:blip>
+          <a:stretch>
+            <a:fillRect/>
+          </a:stretch>
+        </p:blipFill>
+        <p:spPr>
+          <a:xfrm>
+            <a:off x="33636" y="6226406"/>
+            <a:ext cx="603448" cy="603448"/>
+          </a:xfrm>
+          <a:prstGeom prst="rect">
+            <a:avLst/>
+          </a:prstGeom>
+        </p:spPr>
+      </p:pic>
       <p:sp>
         <p:nvSpPr>
           <p:cNvPr id="3" name="Subtitle 2"/>
@@ -7884,13 +8275,13 @@
   <p:clrMapOvr>
     <a:masterClrMapping/>
   </p:clrMapOvr>
-  <mc:AlternateContent xmlns:mc="http://schemas.openxmlformats.org/markup-compatibility/2006">
-    <mc:Choice xmlns:p14="http://schemas.microsoft.com/office/powerpoint/2010/main" Requires="p14">
+  <mc:AlternateContent xmlns:mc="http://schemas.openxmlformats.org/markup-compatibility/2006" xmlns:p14="http://schemas.microsoft.com/office/powerpoint/2010/main">
+    <mc:Choice Requires="p14">
       <p:transition spd="med" p14:dur="700">
         <p:fade/>
       </p:transition>
     </mc:Choice>
-    <mc:Fallback>
+    <mc:Fallback xmlns="">
       <p:transition spd="med">
         <p:fade/>
       </p:transition>
@@ -8317,13 +8708,13 @@
   <p:clrMapOvr>
     <a:masterClrMapping/>
   </p:clrMapOvr>
-  <mc:AlternateContent xmlns:mc="http://schemas.openxmlformats.org/markup-compatibility/2006">
-    <mc:Choice xmlns:p14="http://schemas.microsoft.com/office/powerpoint/2010/main" Requires="p14">
+  <mc:AlternateContent xmlns:mc="http://schemas.openxmlformats.org/markup-compatibility/2006" xmlns:p14="http://schemas.microsoft.com/office/powerpoint/2010/main">
+    <mc:Choice Requires="p14">
       <p:transition spd="med" p14:dur="700">
         <p:fade/>
       </p:transition>
     </mc:Choice>
-    <mc:Fallback>
+    <mc:Fallback xmlns="">
       <p:transition spd="med">
         <p:fade/>
       </p:transition>
@@ -8735,13 +9126,13 @@
   <p:clrMapOvr>
     <a:masterClrMapping/>
   </p:clrMapOvr>
-  <mc:AlternateContent xmlns:mc="http://schemas.openxmlformats.org/markup-compatibility/2006">
-    <mc:Choice xmlns:p14="http://schemas.microsoft.com/office/powerpoint/2010/main" Requires="p14">
+  <mc:AlternateContent xmlns:mc="http://schemas.openxmlformats.org/markup-compatibility/2006" xmlns:p14="http://schemas.microsoft.com/office/powerpoint/2010/main">
+    <mc:Choice Requires="p14">
       <p:transition spd="med" p14:dur="700">
         <p:fade/>
       </p:transition>
     </mc:Choice>
-    <mc:Fallback>
+    <mc:Fallback xmlns="">
       <p:transition spd="med">
         <p:fade/>
       </p:transition>
@@ -9147,6 +9538,770 @@
     <p:extLst>
       <p:ext uri="{BB962C8B-B14F-4D97-AF65-F5344CB8AC3E}">
         <p14:creationId xmlns:p14="http://schemas.microsoft.com/office/powerpoint/2010/main" val="3901859459"/>
+      </p:ext>
+    </p:extLst>
+  </p:cSld>
+  <p:clrMapOvr>
+    <a:masterClrMapping/>
+  </p:clrMapOvr>
+  <mc:AlternateContent xmlns:mc="http://schemas.openxmlformats.org/markup-compatibility/2006" xmlns:p14="http://schemas.microsoft.com/office/powerpoint/2010/main">
+    <mc:Choice Requires="p14">
+      <p:transition spd="med" p14:dur="700">
+        <p:fade/>
+      </p:transition>
+    </mc:Choice>
+    <mc:Fallback xmlns="">
+      <p:transition spd="med">
+        <p:fade/>
+      </p:transition>
+    </mc:Fallback>
+  </mc:AlternateContent>
+</p:sld>
+</file>
+
+<file path=ppt/slides/slide8.xml><?xml version="1.0" encoding="utf-8"?>
+<p:sld xmlns:a="http://schemas.openxmlformats.org/drawingml/2006/main" xmlns:r="http://schemas.openxmlformats.org/officeDocument/2006/relationships" xmlns:p="http://schemas.openxmlformats.org/presentationml/2006/main">
+  <p:cSld>
+    <p:spTree>
+      <p:nvGrpSpPr>
+        <p:cNvPr id="1" name=""/>
+        <p:cNvGrpSpPr/>
+        <p:nvPr/>
+      </p:nvGrpSpPr>
+      <p:grpSpPr>
+        <a:xfrm>
+          <a:off x="0" y="0"/>
+          <a:ext cx="0" cy="0"/>
+          <a:chOff x="0" y="0"/>
+          <a:chExt cx="0" cy="0"/>
+        </a:xfrm>
+      </p:grpSpPr>
+      <p:sp>
+        <p:nvSpPr>
+          <p:cNvPr id="2" name="Title 1"/>
+          <p:cNvSpPr>
+            <a:spLocks noGrp="1"/>
+          </p:cNvSpPr>
+          <p:nvPr>
+            <p:ph type="ctrTitle"/>
+          </p:nvPr>
+        </p:nvSpPr>
+        <p:spPr>
+          <a:xfrm>
+            <a:off x="1534803" y="101625"/>
+            <a:ext cx="6937461" cy="720080"/>
+          </a:xfrm>
+        </p:spPr>
+        <p:txBody>
+          <a:bodyPr anchor="ctr">
+            <a:normAutofit fontScale="90000"/>
+          </a:bodyPr>
+          <a:lstStyle/>
+          <a:p>
+            <a:r>
+              <a:rPr lang="en-US" sz="4800" dirty="0">
+                <a:latin typeface="ADLaM Display" panose="02010000000000000000" pitchFamily="2" charset="0"/>
+                <a:ea typeface="ADLaM Display" panose="02010000000000000000" pitchFamily="2" charset="0"/>
+                <a:cs typeface="ADLaM Display" panose="02010000000000000000" pitchFamily="2" charset="0"/>
+              </a:rPr>
+              <a:t>Scratch for Kids</a:t>
+            </a:r>
+          </a:p>
+        </p:txBody>
+      </p:sp>
+      <p:pic>
+        <p:nvPicPr>
+          <p:cNvPr id="6" name="Picture 5" descr="A book cover with a cartoon character&#10;&#10;Description automatically generated">
+            <a:extLst>
+              <a:ext uri="{FF2B5EF4-FFF2-40B4-BE49-F238E27FC236}">
+                <a16:creationId xmlns:a16="http://schemas.microsoft.com/office/drawing/2014/main" id="{37058493-7DAE-6BF2-99F6-4940E3CECA62}"/>
+              </a:ext>
+            </a:extLst>
+          </p:cNvPr>
+          <p:cNvPicPr>
+            <a:picLocks noChangeAspect="1"/>
+          </p:cNvPicPr>
+          <p:nvPr/>
+        </p:nvPicPr>
+        <p:blipFill>
+          <a:blip r:embed="rId2"/>
+          <a:stretch>
+            <a:fillRect/>
+          </a:stretch>
+        </p:blipFill>
+        <p:spPr>
+          <a:xfrm>
+            <a:off x="8167262" y="43464"/>
+            <a:ext cx="2037751" cy="2512147"/>
+          </a:xfrm>
+          <a:prstGeom prst="roundRect">
+            <a:avLst>
+              <a:gd name="adj" fmla="val 8594"/>
+            </a:avLst>
+          </a:prstGeom>
+          <a:solidFill>
+            <a:srgbClr val="FFFFFF">
+              <a:shade val="85000"/>
+            </a:srgbClr>
+          </a:solidFill>
+          <a:ln>
+            <a:noFill/>
+          </a:ln>
+          <a:effectLst>
+            <a:reflection blurRad="12700" stA="38000" endPos="28000" dist="5000" dir="5400000" sy="-100000" algn="bl" rotWithShape="0"/>
+          </a:effectLst>
+        </p:spPr>
+      </p:pic>
+      <p:sp>
+        <p:nvSpPr>
+          <p:cNvPr id="4" name="TextBox 3">
+            <a:extLst>
+              <a:ext uri="{FF2B5EF4-FFF2-40B4-BE49-F238E27FC236}">
+                <a16:creationId xmlns:a16="http://schemas.microsoft.com/office/drawing/2014/main" id="{99B53E7E-A9ED-6942-DF80-3DF81B395749}"/>
+              </a:ext>
+            </a:extLst>
+          </p:cNvPr>
+          <p:cNvSpPr txBox="1"/>
+          <p:nvPr/>
+        </p:nvSpPr>
+        <p:spPr>
+          <a:xfrm>
+            <a:off x="0" y="0"/>
+            <a:ext cx="1367682" cy="923330"/>
+          </a:xfrm>
+          <a:prstGeom prst="rect">
+            <a:avLst/>
+          </a:prstGeom>
+          <a:noFill/>
+        </p:spPr>
+        <p:txBody>
+          <a:bodyPr wrap="none" rtlCol="0">
+            <a:spAutoFit/>
+          </a:bodyPr>
+          <a:lstStyle/>
+          <a:p>
+            <a:pPr algn="ctr"/>
+            <a:r>
+              <a:rPr lang="en-US" sz="5400" dirty="0">
+                <a:latin typeface="Bauhaus 93" panose="04030905020B02020C02" pitchFamily="82" charset="0"/>
+              </a:rPr>
+              <a:t>006</a:t>
+            </a:r>
+          </a:p>
+        </p:txBody>
+      </p:sp>
+      <p:pic>
+        <p:nvPicPr>
+          <p:cNvPr id="1026" name="Picture 2" descr="scratch logo PNG image with transparent background | TOPpng">
+            <a:extLst>
+              <a:ext uri="{FF2B5EF4-FFF2-40B4-BE49-F238E27FC236}">
+                <a16:creationId xmlns:a16="http://schemas.microsoft.com/office/drawing/2014/main" id="{1554103F-1ECA-8530-E162-3BE3F4FE9C16}"/>
+              </a:ext>
+            </a:extLst>
+          </p:cNvPr>
+          <p:cNvPicPr>
+            <a:picLocks noChangeAspect="1" noChangeArrowheads="1"/>
+          </p:cNvPicPr>
+          <p:nvPr/>
+        </p:nvPicPr>
+        <p:blipFill>
+          <a:blip r:embed="rId3">
+            <a:clrChange>
+              <a:clrFrom>
+                <a:srgbClr val="EFEFEF"/>
+              </a:clrFrom>
+              <a:clrTo>
+                <a:srgbClr val="EFEFEF">
+                  <a:alpha val="0"/>
+                </a:srgbClr>
+              </a:clrTo>
+            </a:clrChange>
+            <a:extLst>
+              <a:ext uri="{28A0092B-C50C-407E-A947-70E740481C1C}">
+                <a14:useLocalDpi xmlns:a14="http://schemas.microsoft.com/office/drawing/2010/main" val="0"/>
+              </a:ext>
+            </a:extLst>
+          </a:blip>
+          <a:srcRect/>
+          <a:stretch>
+            <a:fillRect/>
+          </a:stretch>
+        </p:blipFill>
+        <p:spPr bwMode="auto">
+          <a:xfrm>
+            <a:off x="10652079" y="8930"/>
+            <a:ext cx="895507" cy="914400"/>
+          </a:xfrm>
+          <a:prstGeom prst="rect">
+            <a:avLst/>
+          </a:prstGeom>
+          <a:noFill/>
+          <a:extLst>
+            <a:ext uri="{909E8E84-426E-40DD-AFC4-6F175D3DCCD1}">
+              <a14:hiddenFill xmlns:a14="http://schemas.microsoft.com/office/drawing/2010/main">
+                <a:solidFill>
+                  <a:srgbClr val="FFFFFF"/>
+                </a:solidFill>
+              </a14:hiddenFill>
+            </a:ext>
+          </a:extLst>
+        </p:spPr>
+      </p:pic>
+      <p:pic>
+        <p:nvPicPr>
+          <p:cNvPr id="7" name="Picture 6" descr="A cartoon owl wearing a graduation cap and glasses&#10;&#10;Description automatically generated">
+            <a:extLst>
+              <a:ext uri="{FF2B5EF4-FFF2-40B4-BE49-F238E27FC236}">
+                <a16:creationId xmlns:a16="http://schemas.microsoft.com/office/drawing/2014/main" id="{3AEA9986-B7C4-0E97-5BE2-8505E1692F4B}"/>
+              </a:ext>
+            </a:extLst>
+          </p:cNvPr>
+          <p:cNvPicPr>
+            <a:picLocks noChangeAspect="1"/>
+          </p:cNvPicPr>
+          <p:nvPr/>
+        </p:nvPicPr>
+        <p:blipFill>
+          <a:blip r:embed="rId4">
+            <a:clrChange>
+              <a:clrFrom>
+                <a:srgbClr val="DDEFF9"/>
+              </a:clrFrom>
+              <a:clrTo>
+                <a:srgbClr val="DDEFF9">
+                  <a:alpha val="0"/>
+                </a:srgbClr>
+              </a:clrTo>
+            </a:clrChange>
+          </a:blip>
+          <a:stretch>
+            <a:fillRect/>
+          </a:stretch>
+        </p:blipFill>
+        <p:spPr>
+          <a:xfrm>
+            <a:off x="33636" y="6226406"/>
+            <a:ext cx="603448" cy="603448"/>
+          </a:xfrm>
+          <a:prstGeom prst="rect">
+            <a:avLst/>
+          </a:prstGeom>
+        </p:spPr>
+      </p:pic>
+      <p:sp>
+        <p:nvSpPr>
+          <p:cNvPr id="3" name="Subtitle 2"/>
+          <p:cNvSpPr>
+            <a:spLocks noGrp="1"/>
+          </p:cNvSpPr>
+          <p:nvPr>
+            <p:ph type="subTitle" idx="1"/>
+          </p:nvPr>
+        </p:nvSpPr>
+        <p:spPr>
+          <a:xfrm>
+            <a:off x="3647728" y="4302389"/>
+            <a:ext cx="5688632" cy="1214844"/>
+          </a:xfrm>
+        </p:spPr>
+        <p:txBody>
+          <a:bodyPr>
+            <a:normAutofit fontScale="85000" lnSpcReduction="10000"/>
+          </a:bodyPr>
+          <a:lstStyle/>
+          <a:p>
+            <a:r>
+              <a:rPr lang="en-US" sz="3000" b="1" dirty="0">
+                <a:latin typeface="Aptos Black" panose="020F0502020204030204" pitchFamily="34" charset="0"/>
+              </a:rPr>
+              <a:t>Part 1: Become a Scratch Designer</a:t>
+            </a:r>
+          </a:p>
+          <a:p>
+            <a:r>
+              <a:rPr lang="en-US" b="1" dirty="0">
+                <a:latin typeface="Aptos Black" panose="020F0502020204030204" pitchFamily="34" charset="0"/>
+              </a:rPr>
+              <a:t>Chapter 2: Create Your Own Comics</a:t>
+            </a:r>
+          </a:p>
+          <a:p>
+            <a:r>
+              <a:rPr lang="en-US" b="1" dirty="0">
+                <a:latin typeface="Aptos Black" panose="020F0502020204030204" pitchFamily="34" charset="0"/>
+              </a:rPr>
+              <a:t>(1) Modify Sprites from the Library</a:t>
+            </a:r>
+            <a:endParaRPr lang="en-US" sz="2000" dirty="0">
+              <a:latin typeface="Aptos Black" panose="020F0502020204030204" pitchFamily="34" charset="0"/>
+            </a:endParaRPr>
+          </a:p>
+        </p:txBody>
+      </p:sp>
+      <p:sp>
+        <p:nvSpPr>
+          <p:cNvPr id="11" name="TextBox 10">
+            <a:extLst>
+              <a:ext uri="{FF2B5EF4-FFF2-40B4-BE49-F238E27FC236}">
+                <a16:creationId xmlns:a16="http://schemas.microsoft.com/office/drawing/2014/main" id="{7F7069DF-7952-A2B5-D09B-42662344A4FC}"/>
+              </a:ext>
+            </a:extLst>
+          </p:cNvPr>
+          <p:cNvSpPr txBox="1"/>
+          <p:nvPr/>
+        </p:nvSpPr>
+        <p:spPr>
+          <a:xfrm>
+            <a:off x="817468" y="6381328"/>
+            <a:ext cx="8204208" cy="461665"/>
+          </a:xfrm>
+          <a:prstGeom prst="rect">
+            <a:avLst/>
+          </a:prstGeom>
+          <a:noFill/>
+        </p:spPr>
+        <p:txBody>
+          <a:bodyPr wrap="square">
+            <a:spAutoFit/>
+          </a:bodyPr>
+          <a:lstStyle/>
+          <a:p>
+            <a:r>
+              <a:rPr lang="en-US" sz="2400" b="1" dirty="0">
+                <a:hlinkClick r:id="rId5"/>
+              </a:rPr>
+              <a:t>https://github.com/yasenstar/learn_scratch</a:t>
+            </a:r>
+            <a:endParaRPr lang="en-US" sz="2400" b="1" dirty="0"/>
+          </a:p>
+        </p:txBody>
+      </p:sp>
+      <p:pic>
+        <p:nvPicPr>
+          <p:cNvPr id="8" name="Picture 7">
+            <a:extLst>
+              <a:ext uri="{FF2B5EF4-FFF2-40B4-BE49-F238E27FC236}">
+                <a16:creationId xmlns:a16="http://schemas.microsoft.com/office/drawing/2014/main" id="{DFAAF5A7-B891-8170-D818-F8EAB3670301}"/>
+              </a:ext>
+            </a:extLst>
+          </p:cNvPr>
+          <p:cNvPicPr>
+            <a:picLocks noChangeAspect="1"/>
+          </p:cNvPicPr>
+          <p:nvPr/>
+        </p:nvPicPr>
+        <p:blipFill>
+          <a:blip r:embed="rId6"/>
+          <a:stretch>
+            <a:fillRect/>
+          </a:stretch>
+        </p:blipFill>
+        <p:spPr>
+          <a:xfrm>
+            <a:off x="103941" y="883308"/>
+            <a:ext cx="7896200" cy="3274034"/>
+          </a:xfrm>
+          <a:prstGeom prst="rect">
+            <a:avLst/>
+          </a:prstGeom>
+          <a:ln>
+            <a:noFill/>
+          </a:ln>
+          <a:effectLst>
+            <a:outerShdw blurRad="292100" dist="139700" dir="2700000" algn="tl" rotWithShape="0">
+              <a:srgbClr val="333333">
+                <a:alpha val="65000"/>
+              </a:srgbClr>
+            </a:outerShdw>
+          </a:effectLst>
+        </p:spPr>
+      </p:pic>
+    </p:spTree>
+    <p:extLst>
+      <p:ext uri="{BB962C8B-B14F-4D97-AF65-F5344CB8AC3E}">
+        <p14:creationId xmlns:p14="http://schemas.microsoft.com/office/powerpoint/2010/main" val="297523438"/>
+      </p:ext>
+    </p:extLst>
+  </p:cSld>
+  <p:clrMapOvr>
+    <a:masterClrMapping/>
+  </p:clrMapOvr>
+  <mc:AlternateContent xmlns:mc="http://schemas.openxmlformats.org/markup-compatibility/2006">
+    <mc:Choice xmlns:p14="http://schemas.microsoft.com/office/powerpoint/2010/main" Requires="p14">
+      <p:transition spd="med" p14:dur="700">
+        <p:fade/>
+      </p:transition>
+    </mc:Choice>
+    <mc:Fallback>
+      <p:transition spd="med">
+        <p:fade/>
+      </p:transition>
+    </mc:Fallback>
+  </mc:AlternateContent>
+</p:sld>
+</file>
+
+<file path=ppt/slides/slide9.xml><?xml version="1.0" encoding="utf-8"?>
+<p:sld xmlns:a="http://schemas.openxmlformats.org/drawingml/2006/main" xmlns:r="http://schemas.openxmlformats.org/officeDocument/2006/relationships" xmlns:p="http://schemas.openxmlformats.org/presentationml/2006/main">
+  <p:cSld>
+    <p:spTree>
+      <p:nvGrpSpPr>
+        <p:cNvPr id="1" name=""/>
+        <p:cNvGrpSpPr/>
+        <p:nvPr/>
+      </p:nvGrpSpPr>
+      <p:grpSpPr>
+        <a:xfrm>
+          <a:off x="0" y="0"/>
+          <a:ext cx="0" cy="0"/>
+          <a:chOff x="0" y="0"/>
+          <a:chExt cx="0" cy="0"/>
+        </a:xfrm>
+      </p:grpSpPr>
+      <p:sp>
+        <p:nvSpPr>
+          <p:cNvPr id="2" name="Title 1"/>
+          <p:cNvSpPr>
+            <a:spLocks noGrp="1"/>
+          </p:cNvSpPr>
+          <p:nvPr>
+            <p:ph type="ctrTitle"/>
+          </p:nvPr>
+        </p:nvSpPr>
+        <p:spPr>
+          <a:xfrm>
+            <a:off x="1534803" y="101625"/>
+            <a:ext cx="6937461" cy="720080"/>
+          </a:xfrm>
+        </p:spPr>
+        <p:txBody>
+          <a:bodyPr anchor="ctr">
+            <a:normAutofit fontScale="90000"/>
+          </a:bodyPr>
+          <a:lstStyle/>
+          <a:p>
+            <a:r>
+              <a:rPr lang="en-US" sz="4800" dirty="0">
+                <a:latin typeface="ADLaM Display" panose="02010000000000000000" pitchFamily="2" charset="0"/>
+                <a:ea typeface="ADLaM Display" panose="02010000000000000000" pitchFamily="2" charset="0"/>
+                <a:cs typeface="ADLaM Display" panose="02010000000000000000" pitchFamily="2" charset="0"/>
+              </a:rPr>
+              <a:t>Scratch for Kids</a:t>
+            </a:r>
+          </a:p>
+        </p:txBody>
+      </p:sp>
+      <p:pic>
+        <p:nvPicPr>
+          <p:cNvPr id="6" name="Picture 5" descr="A book cover with a cartoon character&#10;&#10;Description automatically generated">
+            <a:extLst>
+              <a:ext uri="{FF2B5EF4-FFF2-40B4-BE49-F238E27FC236}">
+                <a16:creationId xmlns:a16="http://schemas.microsoft.com/office/drawing/2014/main" id="{37058493-7DAE-6BF2-99F6-4940E3CECA62}"/>
+              </a:ext>
+            </a:extLst>
+          </p:cNvPr>
+          <p:cNvPicPr>
+            <a:picLocks noChangeAspect="1"/>
+          </p:cNvPicPr>
+          <p:nvPr/>
+        </p:nvPicPr>
+        <p:blipFill>
+          <a:blip r:embed="rId2"/>
+          <a:stretch>
+            <a:fillRect/>
+          </a:stretch>
+        </p:blipFill>
+        <p:spPr>
+          <a:xfrm>
+            <a:off x="8167262" y="43464"/>
+            <a:ext cx="2037751" cy="2512147"/>
+          </a:xfrm>
+          <a:prstGeom prst="roundRect">
+            <a:avLst>
+              <a:gd name="adj" fmla="val 8594"/>
+            </a:avLst>
+          </a:prstGeom>
+          <a:solidFill>
+            <a:srgbClr val="FFFFFF">
+              <a:shade val="85000"/>
+            </a:srgbClr>
+          </a:solidFill>
+          <a:ln>
+            <a:noFill/>
+          </a:ln>
+          <a:effectLst>
+            <a:reflection blurRad="12700" stA="38000" endPos="28000" dist="5000" dir="5400000" sy="-100000" algn="bl" rotWithShape="0"/>
+          </a:effectLst>
+        </p:spPr>
+      </p:pic>
+      <p:sp>
+        <p:nvSpPr>
+          <p:cNvPr id="4" name="TextBox 3">
+            <a:extLst>
+              <a:ext uri="{FF2B5EF4-FFF2-40B4-BE49-F238E27FC236}">
+                <a16:creationId xmlns:a16="http://schemas.microsoft.com/office/drawing/2014/main" id="{99B53E7E-A9ED-6942-DF80-3DF81B395749}"/>
+              </a:ext>
+            </a:extLst>
+          </p:cNvPr>
+          <p:cNvSpPr txBox="1"/>
+          <p:nvPr/>
+        </p:nvSpPr>
+        <p:spPr>
+          <a:xfrm>
+            <a:off x="0" y="0"/>
+            <a:ext cx="1367682" cy="923330"/>
+          </a:xfrm>
+          <a:prstGeom prst="rect">
+            <a:avLst/>
+          </a:prstGeom>
+          <a:noFill/>
+        </p:spPr>
+        <p:txBody>
+          <a:bodyPr wrap="none" rtlCol="0">
+            <a:spAutoFit/>
+          </a:bodyPr>
+          <a:lstStyle/>
+          <a:p>
+            <a:pPr algn="ctr"/>
+            <a:r>
+              <a:rPr lang="en-US" sz="5400" dirty="0">
+                <a:latin typeface="Bauhaus 93" panose="04030905020B02020C02" pitchFamily="82" charset="0"/>
+              </a:rPr>
+              <a:t>007</a:t>
+            </a:r>
+          </a:p>
+        </p:txBody>
+      </p:sp>
+      <p:pic>
+        <p:nvPicPr>
+          <p:cNvPr id="1026" name="Picture 2" descr="scratch logo PNG image with transparent background | TOPpng">
+            <a:extLst>
+              <a:ext uri="{FF2B5EF4-FFF2-40B4-BE49-F238E27FC236}">
+                <a16:creationId xmlns:a16="http://schemas.microsoft.com/office/drawing/2014/main" id="{1554103F-1ECA-8530-E162-3BE3F4FE9C16}"/>
+              </a:ext>
+            </a:extLst>
+          </p:cNvPr>
+          <p:cNvPicPr>
+            <a:picLocks noChangeAspect="1" noChangeArrowheads="1"/>
+          </p:cNvPicPr>
+          <p:nvPr/>
+        </p:nvPicPr>
+        <p:blipFill>
+          <a:blip r:embed="rId3">
+            <a:clrChange>
+              <a:clrFrom>
+                <a:srgbClr val="EFEFEF"/>
+              </a:clrFrom>
+              <a:clrTo>
+                <a:srgbClr val="EFEFEF">
+                  <a:alpha val="0"/>
+                </a:srgbClr>
+              </a:clrTo>
+            </a:clrChange>
+            <a:extLst>
+              <a:ext uri="{28A0092B-C50C-407E-A947-70E740481C1C}">
+                <a14:useLocalDpi xmlns:a14="http://schemas.microsoft.com/office/drawing/2010/main" val="0"/>
+              </a:ext>
+            </a:extLst>
+          </a:blip>
+          <a:srcRect/>
+          <a:stretch>
+            <a:fillRect/>
+          </a:stretch>
+        </p:blipFill>
+        <p:spPr bwMode="auto">
+          <a:xfrm>
+            <a:off x="10652079" y="8930"/>
+            <a:ext cx="895507" cy="914400"/>
+          </a:xfrm>
+          <a:prstGeom prst="rect">
+            <a:avLst/>
+          </a:prstGeom>
+          <a:noFill/>
+          <a:extLst>
+            <a:ext uri="{909E8E84-426E-40DD-AFC4-6F175D3DCCD1}">
+              <a14:hiddenFill xmlns:a14="http://schemas.microsoft.com/office/drawing/2010/main">
+                <a:solidFill>
+                  <a:srgbClr val="FFFFFF"/>
+                </a:solidFill>
+              </a14:hiddenFill>
+            </a:ext>
+          </a:extLst>
+        </p:spPr>
+      </p:pic>
+      <p:pic>
+        <p:nvPicPr>
+          <p:cNvPr id="7" name="Picture 6" descr="A cartoon owl wearing a graduation cap and glasses&#10;&#10;Description automatically generated">
+            <a:extLst>
+              <a:ext uri="{FF2B5EF4-FFF2-40B4-BE49-F238E27FC236}">
+                <a16:creationId xmlns:a16="http://schemas.microsoft.com/office/drawing/2014/main" id="{3AEA9986-B7C4-0E97-5BE2-8505E1692F4B}"/>
+              </a:ext>
+            </a:extLst>
+          </p:cNvPr>
+          <p:cNvPicPr>
+            <a:picLocks noChangeAspect="1"/>
+          </p:cNvPicPr>
+          <p:nvPr/>
+        </p:nvPicPr>
+        <p:blipFill>
+          <a:blip r:embed="rId4">
+            <a:clrChange>
+              <a:clrFrom>
+                <a:srgbClr val="DDEFF9"/>
+              </a:clrFrom>
+              <a:clrTo>
+                <a:srgbClr val="DDEFF9">
+                  <a:alpha val="0"/>
+                </a:srgbClr>
+              </a:clrTo>
+            </a:clrChange>
+          </a:blip>
+          <a:stretch>
+            <a:fillRect/>
+          </a:stretch>
+        </p:blipFill>
+        <p:spPr>
+          <a:xfrm>
+            <a:off x="33636" y="6226406"/>
+            <a:ext cx="603448" cy="603448"/>
+          </a:xfrm>
+          <a:prstGeom prst="rect">
+            <a:avLst/>
+          </a:prstGeom>
+        </p:spPr>
+      </p:pic>
+      <p:sp>
+        <p:nvSpPr>
+          <p:cNvPr id="3" name="Subtitle 2"/>
+          <p:cNvSpPr>
+            <a:spLocks noGrp="1"/>
+          </p:cNvSpPr>
+          <p:nvPr>
+            <p:ph type="subTitle" idx="1"/>
+          </p:nvPr>
+        </p:nvSpPr>
+        <p:spPr>
+          <a:xfrm>
+            <a:off x="3647728" y="4302389"/>
+            <a:ext cx="5688632" cy="1214844"/>
+          </a:xfrm>
+        </p:spPr>
+        <p:txBody>
+          <a:bodyPr>
+            <a:normAutofit fontScale="85000" lnSpcReduction="10000"/>
+          </a:bodyPr>
+          <a:lstStyle/>
+          <a:p>
+            <a:r>
+              <a:rPr lang="en-US" sz="3000" b="1" dirty="0">
+                <a:latin typeface="Aptos Black" panose="020F0502020204030204" pitchFamily="34" charset="0"/>
+              </a:rPr>
+              <a:t>Part 1: Become a Scratch Designer</a:t>
+            </a:r>
+          </a:p>
+          <a:p>
+            <a:r>
+              <a:rPr lang="en-US" b="1" dirty="0">
+                <a:latin typeface="Aptos Black" panose="020F0502020204030204" pitchFamily="34" charset="0"/>
+              </a:rPr>
+              <a:t>Chapter 2: Create Your Own Comics</a:t>
+            </a:r>
+          </a:p>
+          <a:p>
+            <a:r>
+              <a:rPr lang="en-US" b="1" dirty="0">
+                <a:latin typeface="Aptos Black" panose="020F0502020204030204" pitchFamily="34" charset="0"/>
+              </a:rPr>
+              <a:t>(2) Modify Scratch Characters</a:t>
+            </a:r>
+            <a:endParaRPr lang="en-US" sz="2000" dirty="0">
+              <a:latin typeface="Aptos Black" panose="020F0502020204030204" pitchFamily="34" charset="0"/>
+            </a:endParaRPr>
+          </a:p>
+        </p:txBody>
+      </p:sp>
+      <p:sp>
+        <p:nvSpPr>
+          <p:cNvPr id="11" name="TextBox 10">
+            <a:extLst>
+              <a:ext uri="{FF2B5EF4-FFF2-40B4-BE49-F238E27FC236}">
+                <a16:creationId xmlns:a16="http://schemas.microsoft.com/office/drawing/2014/main" id="{7F7069DF-7952-A2B5-D09B-42662344A4FC}"/>
+              </a:ext>
+            </a:extLst>
+          </p:cNvPr>
+          <p:cNvSpPr txBox="1"/>
+          <p:nvPr/>
+        </p:nvSpPr>
+        <p:spPr>
+          <a:xfrm>
+            <a:off x="817468" y="6381328"/>
+            <a:ext cx="8204208" cy="461665"/>
+          </a:xfrm>
+          <a:prstGeom prst="rect">
+            <a:avLst/>
+          </a:prstGeom>
+          <a:noFill/>
+        </p:spPr>
+        <p:txBody>
+          <a:bodyPr wrap="square">
+            <a:spAutoFit/>
+          </a:bodyPr>
+          <a:lstStyle/>
+          <a:p>
+            <a:r>
+              <a:rPr lang="en-US" sz="2400" b="1" dirty="0">
+                <a:hlinkClick r:id="rId5"/>
+              </a:rPr>
+              <a:t>https://github.com/yasenstar/learn_scratch</a:t>
+            </a:r>
+            <a:endParaRPr lang="en-US" sz="2400" b="1" dirty="0"/>
+          </a:p>
+        </p:txBody>
+      </p:sp>
+      <p:pic>
+        <p:nvPicPr>
+          <p:cNvPr id="9" name="Picture 8">
+            <a:extLst>
+              <a:ext uri="{FF2B5EF4-FFF2-40B4-BE49-F238E27FC236}">
+                <a16:creationId xmlns:a16="http://schemas.microsoft.com/office/drawing/2014/main" id="{2053AE08-E640-A641-A82B-1F4283294DB7}"/>
+              </a:ext>
+            </a:extLst>
+          </p:cNvPr>
+          <p:cNvPicPr>
+            <a:picLocks noChangeAspect="1"/>
+          </p:cNvPicPr>
+          <p:nvPr/>
+        </p:nvPicPr>
+        <p:blipFill>
+          <a:blip r:embed="rId6"/>
+          <a:stretch>
+            <a:fillRect/>
+          </a:stretch>
+        </p:blipFill>
+        <p:spPr>
+          <a:xfrm>
+            <a:off x="683841" y="879158"/>
+            <a:ext cx="6456040" cy="3211996"/>
+          </a:xfrm>
+          <a:prstGeom prst="rect">
+            <a:avLst/>
+          </a:prstGeom>
+          <a:ln>
+            <a:noFill/>
+          </a:ln>
+          <a:effectLst>
+            <a:outerShdw blurRad="292100" dist="139700" dir="2700000" algn="tl" rotWithShape="0">
+              <a:srgbClr val="333333">
+                <a:alpha val="65000"/>
+              </a:srgbClr>
+            </a:outerShdw>
+          </a:effectLst>
+        </p:spPr>
+      </p:pic>
+    </p:spTree>
+    <p:extLst>
+      <p:ext uri="{BB962C8B-B14F-4D97-AF65-F5344CB8AC3E}">
+        <p14:creationId xmlns:p14="http://schemas.microsoft.com/office/powerpoint/2010/main" val="3498749156"/>
       </p:ext>
     </p:extLst>
   </p:cSld>
@@ -10133,6 +11288,15 @@
 </file>
 
 <file path=customXml/item2.xml><?xml version="1.0" encoding="utf-8"?>
+<?mso-contentType ?>
+<FormTemplates xmlns="http://schemas.microsoft.com/sharepoint/v3/contenttype/forms">
+  <Display>DocumentLibraryForm</Display>
+  <Edit>DocumentLibraryForm</Edit>
+  <New>DocumentLibraryForm</New>
+</FormTemplates>
+</file>
+
+<file path=customXml/item3.xml><?xml version="1.0" encoding="utf-8"?>
 <p:properties xmlns:p="http://schemas.microsoft.com/office/2006/metadata/properties" xmlns:xsi="http://www.w3.org/2001/XMLSchema-instance" xmlns:pc="http://schemas.microsoft.com/office/infopath/2007/PartnerControls">
   <documentManagement>
     <VSO_x0020_item_x0020_id xmlns="40262f94-9f35-4ac3-9a90-690165a166b7" xsi:nil="true"/>
@@ -10141,15 +11305,6 @@
     <Template_x0020_details xmlns="40262f94-9f35-4ac3-9a90-690165a166b7" xsi:nil="true"/>
   </documentManagement>
 </p:properties>
-</file>
-
-<file path=customXml/item3.xml><?xml version="1.0" encoding="utf-8"?>
-<?mso-contentType ?>
-<FormTemplates xmlns="http://schemas.microsoft.com/sharepoint/v3/contenttype/forms">
-  <Display>DocumentLibraryForm</Display>
-  <Edit>DocumentLibraryForm</Edit>
-  <New>DocumentLibraryForm</New>
-</FormTemplates>
 </file>
 
 <file path=customXml/itemProps1.xml><?xml version="1.0" encoding="utf-8"?>
@@ -10172,6 +11327,14 @@
 </file>
 
 <file path=customXml/itemProps2.xml><?xml version="1.0" encoding="utf-8"?>
+<ds:datastoreItem xmlns:ds="http://schemas.openxmlformats.org/officeDocument/2006/customXml" ds:itemID="{9EDF6667-B669-49A4-BBE6-2132BA71C0C7}">
+  <ds:schemaRefs>
+    <ds:schemaRef ds:uri="http://schemas.microsoft.com/sharepoint/v3/contenttype/forms"/>
+  </ds:schemaRefs>
+</ds:datastoreItem>
+</file>
+
+<file path=customXml/itemProps3.xml><?xml version="1.0" encoding="utf-8"?>
 <ds:datastoreItem xmlns:ds="http://schemas.openxmlformats.org/officeDocument/2006/customXml" ds:itemID="{1DA15C6C-6BB6-4DB6-B7D6-7F14EAB2CC5C}">
   <ds:schemaRefs>
     <ds:schemaRef ds:uri="http://purl.org/dc/elements/1.1/"/>
@@ -10186,12 +11349,4 @@
     <ds:schemaRef ds:uri="http://purl.org/dc/dcmitype/"/>
   </ds:schemaRefs>
 </ds:datastoreItem>
-</file>
-
-<file path=customXml/itemProps3.xml><?xml version="1.0" encoding="utf-8"?>
-<ds:datastoreItem xmlns:ds="http://schemas.openxmlformats.org/officeDocument/2006/customXml" ds:itemID="{9EDF6667-B669-49A4-BBE6-2132BA71C0C7}">
-  <ds:schemaRefs>
-    <ds:schemaRef ds:uri="http://schemas.microsoft.com/sharepoint/v3/contenttype/forms"/>
-  </ds:schemaRefs>
-</ds:datastoreItem>
 </file>
--- a/scratch4kids/Scratch4Kids.pptx
+++ b/scratch4kids/Scratch4Kids.pptx
@@ -5,10 +5,10 @@
     <p:sldMasterId id="2147483648" r:id="rId4"/>
   </p:sldMasterIdLst>
   <p:notesMasterIdLst>
-    <p:notesMasterId r:id="rId15"/>
+    <p:notesMasterId r:id="rId19"/>
   </p:notesMasterIdLst>
   <p:handoutMasterIdLst>
-    <p:handoutMasterId r:id="rId16"/>
+    <p:handoutMasterId r:id="rId20"/>
   </p:handoutMasterIdLst>
   <p:sldIdLst>
     <p:sldId id="257" r:id="rId5"/>
@@ -21,6 +21,10 @@
     <p:sldId id="264" r:id="rId12"/>
     <p:sldId id="265" r:id="rId13"/>
     <p:sldId id="266" r:id="rId14"/>
+    <p:sldId id="267" r:id="rId15"/>
+    <p:sldId id="268" r:id="rId16"/>
+    <p:sldId id="269" r:id="rId17"/>
+    <p:sldId id="270" r:id="rId18"/>
   </p:sldIdLst>
   <p:sldSz cx="12192000" cy="6858000"/>
   <p:notesSz cx="6858000" cy="9144000"/>
@@ -6991,13 +6995,7 @@
               <a:rPr lang="en-US" b="1" dirty="0">
                 <a:latin typeface="Aptos Black" panose="020F0502020204030204" pitchFamily="34" charset="0"/>
               </a:rPr>
-              <a:t>(3) Tell Your </a:t>
-            </a:r>
-            <a:r>
-              <a:rPr lang="en-US" b="1">
-                <a:latin typeface="Aptos Black" panose="020F0502020204030204" pitchFamily="34" charset="0"/>
-              </a:rPr>
-              <a:t>Super Story</a:t>
+              <a:t>(3) Tell Your Super Story</a:t>
             </a:r>
             <a:endParaRPr lang="en-US" sz="2000" dirty="0">
               <a:latin typeface="Aptos Black" panose="020F0502020204030204" pitchFamily="34" charset="0"/>
@@ -7087,6 +7085,1539 @@
     <p:extLst>
       <p:ext uri="{BB962C8B-B14F-4D97-AF65-F5344CB8AC3E}">
         <p14:creationId xmlns:p14="http://schemas.microsoft.com/office/powerpoint/2010/main" val="1681357804"/>
+      </p:ext>
+    </p:extLst>
+  </p:cSld>
+  <p:clrMapOvr>
+    <a:masterClrMapping/>
+  </p:clrMapOvr>
+  <mc:AlternateContent xmlns:mc="http://schemas.openxmlformats.org/markup-compatibility/2006">
+    <mc:Choice xmlns:p14="http://schemas.microsoft.com/office/powerpoint/2010/main" Requires="p14">
+      <p:transition spd="med" p14:dur="700">
+        <p:fade/>
+      </p:transition>
+    </mc:Choice>
+    <mc:Fallback>
+      <p:transition spd="med">
+        <p:fade/>
+      </p:transition>
+    </mc:Fallback>
+  </mc:AlternateContent>
+</p:sld>
+</file>
+
+<file path=ppt/slides/slide11.xml><?xml version="1.0" encoding="utf-8"?>
+<p:sld xmlns:a="http://schemas.openxmlformats.org/drawingml/2006/main" xmlns:r="http://schemas.openxmlformats.org/officeDocument/2006/relationships" xmlns:p="http://schemas.openxmlformats.org/presentationml/2006/main">
+  <p:cSld>
+    <p:spTree>
+      <p:nvGrpSpPr>
+        <p:cNvPr id="1" name=""/>
+        <p:cNvGrpSpPr/>
+        <p:nvPr/>
+      </p:nvGrpSpPr>
+      <p:grpSpPr>
+        <a:xfrm>
+          <a:off x="0" y="0"/>
+          <a:ext cx="0" cy="0"/>
+          <a:chOff x="0" y="0"/>
+          <a:chExt cx="0" cy="0"/>
+        </a:xfrm>
+      </p:grpSpPr>
+      <p:pic>
+        <p:nvPicPr>
+          <p:cNvPr id="9" name="Picture 8">
+            <a:extLst>
+              <a:ext uri="{FF2B5EF4-FFF2-40B4-BE49-F238E27FC236}">
+                <a16:creationId xmlns:a16="http://schemas.microsoft.com/office/drawing/2014/main" id="{34267ACD-5845-C66D-A957-91A56C16990F}"/>
+              </a:ext>
+            </a:extLst>
+          </p:cNvPr>
+          <p:cNvPicPr>
+            <a:picLocks noChangeAspect="1"/>
+          </p:cNvPicPr>
+          <p:nvPr/>
+        </p:nvPicPr>
+        <p:blipFill>
+          <a:blip r:embed="rId2"/>
+          <a:stretch>
+            <a:fillRect/>
+          </a:stretch>
+        </p:blipFill>
+        <p:spPr>
+          <a:xfrm>
+            <a:off x="119335" y="958771"/>
+            <a:ext cx="7867885" cy="3118301"/>
+          </a:xfrm>
+          <a:prstGeom prst="rect">
+            <a:avLst/>
+          </a:prstGeom>
+          <a:ln>
+            <a:noFill/>
+          </a:ln>
+          <a:effectLst>
+            <a:outerShdw blurRad="292100" dist="139700" dir="2700000" algn="tl" rotWithShape="0">
+              <a:srgbClr val="333333">
+                <a:alpha val="65000"/>
+              </a:srgbClr>
+            </a:outerShdw>
+          </a:effectLst>
+        </p:spPr>
+      </p:pic>
+      <p:sp>
+        <p:nvSpPr>
+          <p:cNvPr id="2" name="Title 1"/>
+          <p:cNvSpPr>
+            <a:spLocks noGrp="1"/>
+          </p:cNvSpPr>
+          <p:nvPr>
+            <p:ph type="ctrTitle"/>
+          </p:nvPr>
+        </p:nvSpPr>
+        <p:spPr>
+          <a:xfrm>
+            <a:off x="1534803" y="101625"/>
+            <a:ext cx="6937461" cy="720080"/>
+          </a:xfrm>
+        </p:spPr>
+        <p:txBody>
+          <a:bodyPr anchor="ctr">
+            <a:normAutofit fontScale="90000"/>
+          </a:bodyPr>
+          <a:lstStyle/>
+          <a:p>
+            <a:r>
+              <a:rPr lang="en-US" sz="4800" dirty="0">
+                <a:latin typeface="ADLaM Display" panose="02010000000000000000" pitchFamily="2" charset="0"/>
+                <a:ea typeface="ADLaM Display" panose="02010000000000000000" pitchFamily="2" charset="0"/>
+                <a:cs typeface="ADLaM Display" panose="02010000000000000000" pitchFamily="2" charset="0"/>
+              </a:rPr>
+              <a:t>Scratch for Kids</a:t>
+            </a:r>
+          </a:p>
+        </p:txBody>
+      </p:sp>
+      <p:pic>
+        <p:nvPicPr>
+          <p:cNvPr id="6" name="Picture 5" descr="A book cover with a cartoon character&#10;&#10;Description automatically generated">
+            <a:extLst>
+              <a:ext uri="{FF2B5EF4-FFF2-40B4-BE49-F238E27FC236}">
+                <a16:creationId xmlns:a16="http://schemas.microsoft.com/office/drawing/2014/main" id="{37058493-7DAE-6BF2-99F6-4940E3CECA62}"/>
+              </a:ext>
+            </a:extLst>
+          </p:cNvPr>
+          <p:cNvPicPr>
+            <a:picLocks noChangeAspect="1"/>
+          </p:cNvPicPr>
+          <p:nvPr/>
+        </p:nvPicPr>
+        <p:blipFill>
+          <a:blip r:embed="rId3"/>
+          <a:stretch>
+            <a:fillRect/>
+          </a:stretch>
+        </p:blipFill>
+        <p:spPr>
+          <a:xfrm>
+            <a:off x="8167262" y="43464"/>
+            <a:ext cx="2037751" cy="2512147"/>
+          </a:xfrm>
+          <a:prstGeom prst="roundRect">
+            <a:avLst>
+              <a:gd name="adj" fmla="val 8594"/>
+            </a:avLst>
+          </a:prstGeom>
+          <a:solidFill>
+            <a:srgbClr val="FFFFFF">
+              <a:shade val="85000"/>
+            </a:srgbClr>
+          </a:solidFill>
+          <a:ln>
+            <a:noFill/>
+          </a:ln>
+          <a:effectLst>
+            <a:reflection blurRad="12700" stA="38000" endPos="28000" dist="5000" dir="5400000" sy="-100000" algn="bl" rotWithShape="0"/>
+          </a:effectLst>
+        </p:spPr>
+      </p:pic>
+      <p:sp>
+        <p:nvSpPr>
+          <p:cNvPr id="4" name="TextBox 3">
+            <a:extLst>
+              <a:ext uri="{FF2B5EF4-FFF2-40B4-BE49-F238E27FC236}">
+                <a16:creationId xmlns:a16="http://schemas.microsoft.com/office/drawing/2014/main" id="{99B53E7E-A9ED-6942-DF80-3DF81B395749}"/>
+              </a:ext>
+            </a:extLst>
+          </p:cNvPr>
+          <p:cNvSpPr txBox="1"/>
+          <p:nvPr/>
+        </p:nvSpPr>
+        <p:spPr>
+          <a:xfrm>
+            <a:off x="0" y="0"/>
+            <a:ext cx="1367682" cy="923330"/>
+          </a:xfrm>
+          <a:prstGeom prst="rect">
+            <a:avLst/>
+          </a:prstGeom>
+          <a:noFill/>
+        </p:spPr>
+        <p:txBody>
+          <a:bodyPr wrap="none" rtlCol="0">
+            <a:spAutoFit/>
+          </a:bodyPr>
+          <a:lstStyle/>
+          <a:p>
+            <a:pPr algn="ctr"/>
+            <a:r>
+              <a:rPr lang="en-US" sz="5400" dirty="0">
+                <a:latin typeface="Bauhaus 93" panose="04030905020B02020C02" pitchFamily="82" charset="0"/>
+              </a:rPr>
+              <a:t>009</a:t>
+            </a:r>
+          </a:p>
+        </p:txBody>
+      </p:sp>
+      <p:pic>
+        <p:nvPicPr>
+          <p:cNvPr id="1026" name="Picture 2" descr="scratch logo PNG image with transparent background | TOPpng">
+            <a:extLst>
+              <a:ext uri="{FF2B5EF4-FFF2-40B4-BE49-F238E27FC236}">
+                <a16:creationId xmlns:a16="http://schemas.microsoft.com/office/drawing/2014/main" id="{1554103F-1ECA-8530-E162-3BE3F4FE9C16}"/>
+              </a:ext>
+            </a:extLst>
+          </p:cNvPr>
+          <p:cNvPicPr>
+            <a:picLocks noChangeAspect="1" noChangeArrowheads="1"/>
+          </p:cNvPicPr>
+          <p:nvPr/>
+        </p:nvPicPr>
+        <p:blipFill>
+          <a:blip r:embed="rId4">
+            <a:clrChange>
+              <a:clrFrom>
+                <a:srgbClr val="EFEFEF"/>
+              </a:clrFrom>
+              <a:clrTo>
+                <a:srgbClr val="EFEFEF">
+                  <a:alpha val="0"/>
+                </a:srgbClr>
+              </a:clrTo>
+            </a:clrChange>
+            <a:extLst>
+              <a:ext uri="{28A0092B-C50C-407E-A947-70E740481C1C}">
+                <a14:useLocalDpi xmlns:a14="http://schemas.microsoft.com/office/drawing/2010/main" val="0"/>
+              </a:ext>
+            </a:extLst>
+          </a:blip>
+          <a:srcRect/>
+          <a:stretch>
+            <a:fillRect/>
+          </a:stretch>
+        </p:blipFill>
+        <p:spPr bwMode="auto">
+          <a:xfrm>
+            <a:off x="10652079" y="8930"/>
+            <a:ext cx="895507" cy="914400"/>
+          </a:xfrm>
+          <a:prstGeom prst="rect">
+            <a:avLst/>
+          </a:prstGeom>
+          <a:noFill/>
+          <a:extLst>
+            <a:ext uri="{909E8E84-426E-40DD-AFC4-6F175D3DCCD1}">
+              <a14:hiddenFill xmlns:a14="http://schemas.microsoft.com/office/drawing/2010/main">
+                <a:solidFill>
+                  <a:srgbClr val="FFFFFF"/>
+                </a:solidFill>
+              </a14:hiddenFill>
+            </a:ext>
+          </a:extLst>
+        </p:spPr>
+      </p:pic>
+      <p:pic>
+        <p:nvPicPr>
+          <p:cNvPr id="7" name="Picture 6" descr="A cartoon owl wearing a graduation cap and glasses&#10;&#10;Description automatically generated">
+            <a:extLst>
+              <a:ext uri="{FF2B5EF4-FFF2-40B4-BE49-F238E27FC236}">
+                <a16:creationId xmlns:a16="http://schemas.microsoft.com/office/drawing/2014/main" id="{3AEA9986-B7C4-0E97-5BE2-8505E1692F4B}"/>
+              </a:ext>
+            </a:extLst>
+          </p:cNvPr>
+          <p:cNvPicPr>
+            <a:picLocks noChangeAspect="1"/>
+          </p:cNvPicPr>
+          <p:nvPr/>
+        </p:nvPicPr>
+        <p:blipFill>
+          <a:blip r:embed="rId5">
+            <a:clrChange>
+              <a:clrFrom>
+                <a:srgbClr val="DDEFF9"/>
+              </a:clrFrom>
+              <a:clrTo>
+                <a:srgbClr val="DDEFF9">
+                  <a:alpha val="0"/>
+                </a:srgbClr>
+              </a:clrTo>
+            </a:clrChange>
+          </a:blip>
+          <a:stretch>
+            <a:fillRect/>
+          </a:stretch>
+        </p:blipFill>
+        <p:spPr>
+          <a:xfrm>
+            <a:off x="33636" y="6226406"/>
+            <a:ext cx="603448" cy="603448"/>
+          </a:xfrm>
+          <a:prstGeom prst="rect">
+            <a:avLst/>
+          </a:prstGeom>
+        </p:spPr>
+      </p:pic>
+      <p:sp>
+        <p:nvSpPr>
+          <p:cNvPr id="3" name="Subtitle 2"/>
+          <p:cNvSpPr>
+            <a:spLocks noGrp="1"/>
+          </p:cNvSpPr>
+          <p:nvPr>
+            <p:ph type="subTitle" idx="1"/>
+          </p:nvPr>
+        </p:nvSpPr>
+        <p:spPr>
+          <a:xfrm>
+            <a:off x="3647728" y="4302389"/>
+            <a:ext cx="5688632" cy="1214844"/>
+          </a:xfrm>
+        </p:spPr>
+        <p:txBody>
+          <a:bodyPr>
+            <a:normAutofit fontScale="85000" lnSpcReduction="20000"/>
+          </a:bodyPr>
+          <a:lstStyle/>
+          <a:p>
+            <a:r>
+              <a:rPr lang="en-US" sz="3000" b="1" dirty="0">
+                <a:latin typeface="Aptos Black" panose="020F0502020204030204" pitchFamily="34" charset="0"/>
+              </a:rPr>
+              <a:t>Part 1: Become a Scratch Designer</a:t>
+            </a:r>
+          </a:p>
+          <a:p>
+            <a:r>
+              <a:rPr lang="en-US" b="1" dirty="0">
+                <a:latin typeface="Aptos Black" panose="020F0502020204030204" pitchFamily="34" charset="0"/>
+              </a:rPr>
+              <a:t>Chapter 3: Design Scratch Animals</a:t>
+            </a:r>
+          </a:p>
+          <a:p>
+            <a:r>
+              <a:rPr lang="en-US" sz="2800" b="1" dirty="0">
+                <a:latin typeface="Aptos Black" panose="020F0502020204030204" pitchFamily="34" charset="0"/>
+              </a:rPr>
+              <a:t>(1) Create a Great Turtle</a:t>
+            </a:r>
+            <a:endParaRPr lang="en-US" sz="2100" dirty="0">
+              <a:latin typeface="Aptos Black" panose="020F0502020204030204" pitchFamily="34" charset="0"/>
+            </a:endParaRPr>
+          </a:p>
+        </p:txBody>
+      </p:sp>
+      <p:sp>
+        <p:nvSpPr>
+          <p:cNvPr id="11" name="TextBox 10">
+            <a:extLst>
+              <a:ext uri="{FF2B5EF4-FFF2-40B4-BE49-F238E27FC236}">
+                <a16:creationId xmlns:a16="http://schemas.microsoft.com/office/drawing/2014/main" id="{7F7069DF-7952-A2B5-D09B-42662344A4FC}"/>
+              </a:ext>
+            </a:extLst>
+          </p:cNvPr>
+          <p:cNvSpPr txBox="1"/>
+          <p:nvPr/>
+        </p:nvSpPr>
+        <p:spPr>
+          <a:xfrm>
+            <a:off x="817468" y="6381328"/>
+            <a:ext cx="8204208" cy="461665"/>
+          </a:xfrm>
+          <a:prstGeom prst="rect">
+            <a:avLst/>
+          </a:prstGeom>
+          <a:noFill/>
+        </p:spPr>
+        <p:txBody>
+          <a:bodyPr wrap="square">
+            <a:spAutoFit/>
+          </a:bodyPr>
+          <a:lstStyle/>
+          <a:p>
+            <a:r>
+              <a:rPr lang="en-US" sz="2400" b="1" dirty="0">
+                <a:hlinkClick r:id="rId6"/>
+              </a:rPr>
+              <a:t>https://github.com/yasenstar/learn_scratch</a:t>
+            </a:r>
+            <a:endParaRPr lang="en-US" sz="2400" b="1" dirty="0"/>
+          </a:p>
+        </p:txBody>
+      </p:sp>
+    </p:spTree>
+    <p:extLst>
+      <p:ext uri="{BB962C8B-B14F-4D97-AF65-F5344CB8AC3E}">
+        <p14:creationId xmlns:p14="http://schemas.microsoft.com/office/powerpoint/2010/main" val="3337945388"/>
+      </p:ext>
+    </p:extLst>
+  </p:cSld>
+  <p:clrMapOvr>
+    <a:masterClrMapping/>
+  </p:clrMapOvr>
+  <mc:AlternateContent xmlns:mc="http://schemas.openxmlformats.org/markup-compatibility/2006">
+    <mc:Choice xmlns:p14="http://schemas.microsoft.com/office/powerpoint/2010/main" Requires="p14">
+      <p:transition spd="med" p14:dur="700">
+        <p:fade/>
+      </p:transition>
+    </mc:Choice>
+    <mc:Fallback>
+      <p:transition spd="med">
+        <p:fade/>
+      </p:transition>
+    </mc:Fallback>
+  </mc:AlternateContent>
+</p:sld>
+</file>
+
+<file path=ppt/slides/slide12.xml><?xml version="1.0" encoding="utf-8"?>
+<p:sld xmlns:a="http://schemas.openxmlformats.org/drawingml/2006/main" xmlns:r="http://schemas.openxmlformats.org/officeDocument/2006/relationships" xmlns:p="http://schemas.openxmlformats.org/presentationml/2006/main">
+  <p:cSld>
+    <p:spTree>
+      <p:nvGrpSpPr>
+        <p:cNvPr id="1" name=""/>
+        <p:cNvGrpSpPr/>
+        <p:nvPr/>
+      </p:nvGrpSpPr>
+      <p:grpSpPr>
+        <a:xfrm>
+          <a:off x="0" y="0"/>
+          <a:ext cx="0" cy="0"/>
+          <a:chOff x="0" y="0"/>
+          <a:chExt cx="0" cy="0"/>
+        </a:xfrm>
+      </p:grpSpPr>
+      <p:pic>
+        <p:nvPicPr>
+          <p:cNvPr id="8" name="Picture 7">
+            <a:extLst>
+              <a:ext uri="{FF2B5EF4-FFF2-40B4-BE49-F238E27FC236}">
+                <a16:creationId xmlns:a16="http://schemas.microsoft.com/office/drawing/2014/main" id="{8D231DFF-CEEA-2B29-70F8-4D2B6EB7855B}"/>
+              </a:ext>
+            </a:extLst>
+          </p:cNvPr>
+          <p:cNvPicPr>
+            <a:picLocks noChangeAspect="1"/>
+          </p:cNvPicPr>
+          <p:nvPr/>
+        </p:nvPicPr>
+        <p:blipFill>
+          <a:blip r:embed="rId2"/>
+          <a:stretch>
+            <a:fillRect/>
+          </a:stretch>
+        </p:blipFill>
+        <p:spPr>
+          <a:xfrm>
+            <a:off x="333048" y="844318"/>
+            <a:ext cx="7113024" cy="3232753"/>
+          </a:xfrm>
+          <a:prstGeom prst="rect">
+            <a:avLst/>
+          </a:prstGeom>
+          <a:ln>
+            <a:noFill/>
+          </a:ln>
+          <a:effectLst>
+            <a:outerShdw blurRad="292100" dist="139700" dir="2700000" algn="tl" rotWithShape="0">
+              <a:srgbClr val="333333">
+                <a:alpha val="65000"/>
+              </a:srgbClr>
+            </a:outerShdw>
+          </a:effectLst>
+        </p:spPr>
+      </p:pic>
+      <p:sp>
+        <p:nvSpPr>
+          <p:cNvPr id="2" name="Title 1"/>
+          <p:cNvSpPr>
+            <a:spLocks noGrp="1"/>
+          </p:cNvSpPr>
+          <p:nvPr>
+            <p:ph type="ctrTitle"/>
+          </p:nvPr>
+        </p:nvSpPr>
+        <p:spPr>
+          <a:xfrm>
+            <a:off x="1534803" y="101625"/>
+            <a:ext cx="6937461" cy="720080"/>
+          </a:xfrm>
+        </p:spPr>
+        <p:txBody>
+          <a:bodyPr anchor="ctr">
+            <a:normAutofit fontScale="90000"/>
+          </a:bodyPr>
+          <a:lstStyle/>
+          <a:p>
+            <a:r>
+              <a:rPr lang="en-US" sz="4800" dirty="0">
+                <a:latin typeface="ADLaM Display" panose="02010000000000000000" pitchFamily="2" charset="0"/>
+                <a:ea typeface="ADLaM Display" panose="02010000000000000000" pitchFamily="2" charset="0"/>
+                <a:cs typeface="ADLaM Display" panose="02010000000000000000" pitchFamily="2" charset="0"/>
+              </a:rPr>
+              <a:t>Scratch for Kids</a:t>
+            </a:r>
+          </a:p>
+        </p:txBody>
+      </p:sp>
+      <p:pic>
+        <p:nvPicPr>
+          <p:cNvPr id="6" name="Picture 5" descr="A book cover with a cartoon character&#10;&#10;Description automatically generated">
+            <a:extLst>
+              <a:ext uri="{FF2B5EF4-FFF2-40B4-BE49-F238E27FC236}">
+                <a16:creationId xmlns:a16="http://schemas.microsoft.com/office/drawing/2014/main" id="{37058493-7DAE-6BF2-99F6-4940E3CECA62}"/>
+              </a:ext>
+            </a:extLst>
+          </p:cNvPr>
+          <p:cNvPicPr>
+            <a:picLocks noChangeAspect="1"/>
+          </p:cNvPicPr>
+          <p:nvPr/>
+        </p:nvPicPr>
+        <p:blipFill>
+          <a:blip r:embed="rId3"/>
+          <a:stretch>
+            <a:fillRect/>
+          </a:stretch>
+        </p:blipFill>
+        <p:spPr>
+          <a:xfrm>
+            <a:off x="8167262" y="43464"/>
+            <a:ext cx="2037751" cy="2512147"/>
+          </a:xfrm>
+          <a:prstGeom prst="roundRect">
+            <a:avLst>
+              <a:gd name="adj" fmla="val 8594"/>
+            </a:avLst>
+          </a:prstGeom>
+          <a:solidFill>
+            <a:srgbClr val="FFFFFF">
+              <a:shade val="85000"/>
+            </a:srgbClr>
+          </a:solidFill>
+          <a:ln>
+            <a:noFill/>
+          </a:ln>
+          <a:effectLst>
+            <a:reflection blurRad="12700" stA="38000" endPos="28000" dist="5000" dir="5400000" sy="-100000" algn="bl" rotWithShape="0"/>
+          </a:effectLst>
+        </p:spPr>
+      </p:pic>
+      <p:sp>
+        <p:nvSpPr>
+          <p:cNvPr id="4" name="TextBox 3">
+            <a:extLst>
+              <a:ext uri="{FF2B5EF4-FFF2-40B4-BE49-F238E27FC236}">
+                <a16:creationId xmlns:a16="http://schemas.microsoft.com/office/drawing/2014/main" id="{99B53E7E-A9ED-6942-DF80-3DF81B395749}"/>
+              </a:ext>
+            </a:extLst>
+          </p:cNvPr>
+          <p:cNvSpPr txBox="1"/>
+          <p:nvPr/>
+        </p:nvSpPr>
+        <p:spPr>
+          <a:xfrm>
+            <a:off x="0" y="0"/>
+            <a:ext cx="1367682" cy="923330"/>
+          </a:xfrm>
+          <a:prstGeom prst="rect">
+            <a:avLst/>
+          </a:prstGeom>
+          <a:noFill/>
+        </p:spPr>
+        <p:txBody>
+          <a:bodyPr wrap="none" rtlCol="0">
+            <a:spAutoFit/>
+          </a:bodyPr>
+          <a:lstStyle/>
+          <a:p>
+            <a:pPr algn="ctr"/>
+            <a:r>
+              <a:rPr lang="en-US" sz="5400" dirty="0">
+                <a:latin typeface="Bauhaus 93" panose="04030905020B02020C02" pitchFamily="82" charset="0"/>
+              </a:rPr>
+              <a:t>010</a:t>
+            </a:r>
+          </a:p>
+        </p:txBody>
+      </p:sp>
+      <p:pic>
+        <p:nvPicPr>
+          <p:cNvPr id="1026" name="Picture 2" descr="scratch logo PNG image with transparent background | TOPpng">
+            <a:extLst>
+              <a:ext uri="{FF2B5EF4-FFF2-40B4-BE49-F238E27FC236}">
+                <a16:creationId xmlns:a16="http://schemas.microsoft.com/office/drawing/2014/main" id="{1554103F-1ECA-8530-E162-3BE3F4FE9C16}"/>
+              </a:ext>
+            </a:extLst>
+          </p:cNvPr>
+          <p:cNvPicPr>
+            <a:picLocks noChangeAspect="1" noChangeArrowheads="1"/>
+          </p:cNvPicPr>
+          <p:nvPr/>
+        </p:nvPicPr>
+        <p:blipFill>
+          <a:blip r:embed="rId4">
+            <a:clrChange>
+              <a:clrFrom>
+                <a:srgbClr val="EFEFEF"/>
+              </a:clrFrom>
+              <a:clrTo>
+                <a:srgbClr val="EFEFEF">
+                  <a:alpha val="0"/>
+                </a:srgbClr>
+              </a:clrTo>
+            </a:clrChange>
+            <a:extLst>
+              <a:ext uri="{28A0092B-C50C-407E-A947-70E740481C1C}">
+                <a14:useLocalDpi xmlns:a14="http://schemas.microsoft.com/office/drawing/2010/main" val="0"/>
+              </a:ext>
+            </a:extLst>
+          </a:blip>
+          <a:srcRect/>
+          <a:stretch>
+            <a:fillRect/>
+          </a:stretch>
+        </p:blipFill>
+        <p:spPr bwMode="auto">
+          <a:xfrm>
+            <a:off x="10652079" y="8930"/>
+            <a:ext cx="895507" cy="914400"/>
+          </a:xfrm>
+          <a:prstGeom prst="rect">
+            <a:avLst/>
+          </a:prstGeom>
+          <a:noFill/>
+          <a:extLst>
+            <a:ext uri="{909E8E84-426E-40DD-AFC4-6F175D3DCCD1}">
+              <a14:hiddenFill xmlns:a14="http://schemas.microsoft.com/office/drawing/2010/main">
+                <a:solidFill>
+                  <a:srgbClr val="FFFFFF"/>
+                </a:solidFill>
+              </a14:hiddenFill>
+            </a:ext>
+          </a:extLst>
+        </p:spPr>
+      </p:pic>
+      <p:pic>
+        <p:nvPicPr>
+          <p:cNvPr id="7" name="Picture 6" descr="A cartoon owl wearing a graduation cap and glasses&#10;&#10;Description automatically generated">
+            <a:extLst>
+              <a:ext uri="{FF2B5EF4-FFF2-40B4-BE49-F238E27FC236}">
+                <a16:creationId xmlns:a16="http://schemas.microsoft.com/office/drawing/2014/main" id="{3AEA9986-B7C4-0E97-5BE2-8505E1692F4B}"/>
+              </a:ext>
+            </a:extLst>
+          </p:cNvPr>
+          <p:cNvPicPr>
+            <a:picLocks noChangeAspect="1"/>
+          </p:cNvPicPr>
+          <p:nvPr/>
+        </p:nvPicPr>
+        <p:blipFill>
+          <a:blip r:embed="rId5">
+            <a:clrChange>
+              <a:clrFrom>
+                <a:srgbClr val="DDEFF9"/>
+              </a:clrFrom>
+              <a:clrTo>
+                <a:srgbClr val="DDEFF9">
+                  <a:alpha val="0"/>
+                </a:srgbClr>
+              </a:clrTo>
+            </a:clrChange>
+          </a:blip>
+          <a:stretch>
+            <a:fillRect/>
+          </a:stretch>
+        </p:blipFill>
+        <p:spPr>
+          <a:xfrm>
+            <a:off x="33636" y="6226406"/>
+            <a:ext cx="603448" cy="603448"/>
+          </a:xfrm>
+          <a:prstGeom prst="rect">
+            <a:avLst/>
+          </a:prstGeom>
+        </p:spPr>
+      </p:pic>
+      <p:sp>
+        <p:nvSpPr>
+          <p:cNvPr id="3" name="Subtitle 2"/>
+          <p:cNvSpPr>
+            <a:spLocks noGrp="1"/>
+          </p:cNvSpPr>
+          <p:nvPr>
+            <p:ph type="subTitle" idx="1"/>
+          </p:nvPr>
+        </p:nvSpPr>
+        <p:spPr>
+          <a:xfrm>
+            <a:off x="3647728" y="4302389"/>
+            <a:ext cx="5688632" cy="1214844"/>
+          </a:xfrm>
+        </p:spPr>
+        <p:txBody>
+          <a:bodyPr>
+            <a:normAutofit fontScale="85000" lnSpcReduction="20000"/>
+          </a:bodyPr>
+          <a:lstStyle/>
+          <a:p>
+            <a:r>
+              <a:rPr lang="en-US" sz="3000" b="1" dirty="0">
+                <a:latin typeface="Aptos Black" panose="020F0502020204030204" pitchFamily="34" charset="0"/>
+              </a:rPr>
+              <a:t>Part 1: Become a Scratch Designer</a:t>
+            </a:r>
+          </a:p>
+          <a:p>
+            <a:r>
+              <a:rPr lang="en-US" b="1" dirty="0">
+                <a:latin typeface="Aptos Black" panose="020F0502020204030204" pitchFamily="34" charset="0"/>
+              </a:rPr>
+              <a:t>Chapter 3: Design Scratch Animals</a:t>
+            </a:r>
+          </a:p>
+          <a:p>
+            <a:r>
+              <a:rPr lang="en-US" sz="2800" b="1" dirty="0">
+                <a:latin typeface="Aptos Black" panose="020F0502020204030204" pitchFamily="34" charset="0"/>
+              </a:rPr>
+              <a:t>(2) Add Code to Animate the Turtle</a:t>
+            </a:r>
+            <a:endParaRPr lang="en-US" sz="2100" dirty="0">
+              <a:latin typeface="Aptos Black" panose="020F0502020204030204" pitchFamily="34" charset="0"/>
+            </a:endParaRPr>
+          </a:p>
+        </p:txBody>
+      </p:sp>
+      <p:sp>
+        <p:nvSpPr>
+          <p:cNvPr id="11" name="TextBox 10">
+            <a:extLst>
+              <a:ext uri="{FF2B5EF4-FFF2-40B4-BE49-F238E27FC236}">
+                <a16:creationId xmlns:a16="http://schemas.microsoft.com/office/drawing/2014/main" id="{7F7069DF-7952-A2B5-D09B-42662344A4FC}"/>
+              </a:ext>
+            </a:extLst>
+          </p:cNvPr>
+          <p:cNvSpPr txBox="1"/>
+          <p:nvPr/>
+        </p:nvSpPr>
+        <p:spPr>
+          <a:xfrm>
+            <a:off x="817468" y="6381328"/>
+            <a:ext cx="8204208" cy="461665"/>
+          </a:xfrm>
+          <a:prstGeom prst="rect">
+            <a:avLst/>
+          </a:prstGeom>
+          <a:noFill/>
+        </p:spPr>
+        <p:txBody>
+          <a:bodyPr wrap="square">
+            <a:spAutoFit/>
+          </a:bodyPr>
+          <a:lstStyle/>
+          <a:p>
+            <a:r>
+              <a:rPr lang="en-US" sz="2400" b="1" dirty="0">
+                <a:hlinkClick r:id="rId6"/>
+              </a:rPr>
+              <a:t>https://github.com/yasenstar/learn_scratch</a:t>
+            </a:r>
+            <a:endParaRPr lang="en-US" sz="2400" b="1" dirty="0"/>
+          </a:p>
+        </p:txBody>
+      </p:sp>
+    </p:spTree>
+    <p:extLst>
+      <p:ext uri="{BB962C8B-B14F-4D97-AF65-F5344CB8AC3E}">
+        <p14:creationId xmlns:p14="http://schemas.microsoft.com/office/powerpoint/2010/main" val="822956317"/>
+      </p:ext>
+    </p:extLst>
+  </p:cSld>
+  <p:clrMapOvr>
+    <a:masterClrMapping/>
+  </p:clrMapOvr>
+  <mc:AlternateContent xmlns:mc="http://schemas.openxmlformats.org/markup-compatibility/2006">
+    <mc:Choice xmlns:p14="http://schemas.microsoft.com/office/powerpoint/2010/main" Requires="p14">
+      <p:transition spd="med" p14:dur="700">
+        <p:fade/>
+      </p:transition>
+    </mc:Choice>
+    <mc:Fallback>
+      <p:transition spd="med">
+        <p:fade/>
+      </p:transition>
+    </mc:Fallback>
+  </mc:AlternateContent>
+</p:sld>
+</file>
+
+<file path=ppt/slides/slide13.xml><?xml version="1.0" encoding="utf-8"?>
+<p:sld xmlns:a="http://schemas.openxmlformats.org/drawingml/2006/main" xmlns:r="http://schemas.openxmlformats.org/officeDocument/2006/relationships" xmlns:p="http://schemas.openxmlformats.org/presentationml/2006/main">
+  <p:cSld>
+    <p:spTree>
+      <p:nvGrpSpPr>
+        <p:cNvPr id="1" name=""/>
+        <p:cNvGrpSpPr/>
+        <p:nvPr/>
+      </p:nvGrpSpPr>
+      <p:grpSpPr>
+        <a:xfrm>
+          <a:off x="0" y="0"/>
+          <a:ext cx="0" cy="0"/>
+          <a:chOff x="0" y="0"/>
+          <a:chExt cx="0" cy="0"/>
+        </a:xfrm>
+      </p:grpSpPr>
+      <p:pic>
+        <p:nvPicPr>
+          <p:cNvPr id="9" name="Picture 8">
+            <a:extLst>
+              <a:ext uri="{FF2B5EF4-FFF2-40B4-BE49-F238E27FC236}">
+                <a16:creationId xmlns:a16="http://schemas.microsoft.com/office/drawing/2014/main" id="{8BAC93E1-CFBF-5CFE-5AD9-BF8FD9E3659E}"/>
+              </a:ext>
+            </a:extLst>
+          </p:cNvPr>
+          <p:cNvPicPr>
+            <a:picLocks noChangeAspect="1"/>
+          </p:cNvPicPr>
+          <p:nvPr/>
+        </p:nvPicPr>
+        <p:blipFill>
+          <a:blip r:embed="rId2"/>
+          <a:stretch>
+            <a:fillRect/>
+          </a:stretch>
+        </p:blipFill>
+        <p:spPr>
+          <a:xfrm>
+            <a:off x="544076" y="821705"/>
+            <a:ext cx="7176120" cy="3382683"/>
+          </a:xfrm>
+          <a:prstGeom prst="rect">
+            <a:avLst/>
+          </a:prstGeom>
+          <a:ln>
+            <a:noFill/>
+          </a:ln>
+          <a:effectLst>
+            <a:outerShdw blurRad="292100" dist="139700" dir="2700000" algn="tl" rotWithShape="0">
+              <a:srgbClr val="333333">
+                <a:alpha val="65000"/>
+              </a:srgbClr>
+            </a:outerShdw>
+          </a:effectLst>
+        </p:spPr>
+      </p:pic>
+      <p:sp>
+        <p:nvSpPr>
+          <p:cNvPr id="2" name="Title 1"/>
+          <p:cNvSpPr>
+            <a:spLocks noGrp="1"/>
+          </p:cNvSpPr>
+          <p:nvPr>
+            <p:ph type="ctrTitle"/>
+          </p:nvPr>
+        </p:nvSpPr>
+        <p:spPr>
+          <a:xfrm>
+            <a:off x="1534803" y="101625"/>
+            <a:ext cx="6937461" cy="720080"/>
+          </a:xfrm>
+        </p:spPr>
+        <p:txBody>
+          <a:bodyPr anchor="ctr">
+            <a:normAutofit fontScale="90000"/>
+          </a:bodyPr>
+          <a:lstStyle/>
+          <a:p>
+            <a:r>
+              <a:rPr lang="en-US" sz="4800" dirty="0">
+                <a:latin typeface="ADLaM Display" panose="02010000000000000000" pitchFamily="2" charset="0"/>
+                <a:ea typeface="ADLaM Display" panose="02010000000000000000" pitchFamily="2" charset="0"/>
+                <a:cs typeface="ADLaM Display" panose="02010000000000000000" pitchFamily="2" charset="0"/>
+              </a:rPr>
+              <a:t>Scratch for Kids</a:t>
+            </a:r>
+          </a:p>
+        </p:txBody>
+      </p:sp>
+      <p:pic>
+        <p:nvPicPr>
+          <p:cNvPr id="6" name="Picture 5" descr="A book cover with a cartoon character&#10;&#10;Description automatically generated">
+            <a:extLst>
+              <a:ext uri="{FF2B5EF4-FFF2-40B4-BE49-F238E27FC236}">
+                <a16:creationId xmlns:a16="http://schemas.microsoft.com/office/drawing/2014/main" id="{37058493-7DAE-6BF2-99F6-4940E3CECA62}"/>
+              </a:ext>
+            </a:extLst>
+          </p:cNvPr>
+          <p:cNvPicPr>
+            <a:picLocks noChangeAspect="1"/>
+          </p:cNvPicPr>
+          <p:nvPr/>
+        </p:nvPicPr>
+        <p:blipFill>
+          <a:blip r:embed="rId3"/>
+          <a:stretch>
+            <a:fillRect/>
+          </a:stretch>
+        </p:blipFill>
+        <p:spPr>
+          <a:xfrm>
+            <a:off x="8167262" y="43464"/>
+            <a:ext cx="2037751" cy="2512147"/>
+          </a:xfrm>
+          <a:prstGeom prst="roundRect">
+            <a:avLst>
+              <a:gd name="adj" fmla="val 8594"/>
+            </a:avLst>
+          </a:prstGeom>
+          <a:solidFill>
+            <a:srgbClr val="FFFFFF">
+              <a:shade val="85000"/>
+            </a:srgbClr>
+          </a:solidFill>
+          <a:ln>
+            <a:noFill/>
+          </a:ln>
+          <a:effectLst>
+            <a:reflection blurRad="12700" stA="38000" endPos="28000" dist="5000" dir="5400000" sy="-100000" algn="bl" rotWithShape="0"/>
+          </a:effectLst>
+        </p:spPr>
+      </p:pic>
+      <p:sp>
+        <p:nvSpPr>
+          <p:cNvPr id="4" name="TextBox 3">
+            <a:extLst>
+              <a:ext uri="{FF2B5EF4-FFF2-40B4-BE49-F238E27FC236}">
+                <a16:creationId xmlns:a16="http://schemas.microsoft.com/office/drawing/2014/main" id="{99B53E7E-A9ED-6942-DF80-3DF81B395749}"/>
+              </a:ext>
+            </a:extLst>
+          </p:cNvPr>
+          <p:cNvSpPr txBox="1"/>
+          <p:nvPr/>
+        </p:nvSpPr>
+        <p:spPr>
+          <a:xfrm>
+            <a:off x="0" y="0"/>
+            <a:ext cx="1367682" cy="923330"/>
+          </a:xfrm>
+          <a:prstGeom prst="rect">
+            <a:avLst/>
+          </a:prstGeom>
+          <a:noFill/>
+        </p:spPr>
+        <p:txBody>
+          <a:bodyPr wrap="none" rtlCol="0">
+            <a:spAutoFit/>
+          </a:bodyPr>
+          <a:lstStyle/>
+          <a:p>
+            <a:pPr algn="ctr"/>
+            <a:r>
+              <a:rPr lang="en-US" sz="5400" dirty="0">
+                <a:latin typeface="Bauhaus 93" panose="04030905020B02020C02" pitchFamily="82" charset="0"/>
+              </a:rPr>
+              <a:t>011</a:t>
+            </a:r>
+          </a:p>
+        </p:txBody>
+      </p:sp>
+      <p:pic>
+        <p:nvPicPr>
+          <p:cNvPr id="1026" name="Picture 2" descr="scratch logo PNG image with transparent background | TOPpng">
+            <a:extLst>
+              <a:ext uri="{FF2B5EF4-FFF2-40B4-BE49-F238E27FC236}">
+                <a16:creationId xmlns:a16="http://schemas.microsoft.com/office/drawing/2014/main" id="{1554103F-1ECA-8530-E162-3BE3F4FE9C16}"/>
+              </a:ext>
+            </a:extLst>
+          </p:cNvPr>
+          <p:cNvPicPr>
+            <a:picLocks noChangeAspect="1" noChangeArrowheads="1"/>
+          </p:cNvPicPr>
+          <p:nvPr/>
+        </p:nvPicPr>
+        <p:blipFill>
+          <a:blip r:embed="rId4">
+            <a:clrChange>
+              <a:clrFrom>
+                <a:srgbClr val="EFEFEF"/>
+              </a:clrFrom>
+              <a:clrTo>
+                <a:srgbClr val="EFEFEF">
+                  <a:alpha val="0"/>
+                </a:srgbClr>
+              </a:clrTo>
+            </a:clrChange>
+            <a:extLst>
+              <a:ext uri="{28A0092B-C50C-407E-A947-70E740481C1C}">
+                <a14:useLocalDpi xmlns:a14="http://schemas.microsoft.com/office/drawing/2010/main" val="0"/>
+              </a:ext>
+            </a:extLst>
+          </a:blip>
+          <a:srcRect/>
+          <a:stretch>
+            <a:fillRect/>
+          </a:stretch>
+        </p:blipFill>
+        <p:spPr bwMode="auto">
+          <a:xfrm>
+            <a:off x="10652079" y="8930"/>
+            <a:ext cx="895507" cy="914400"/>
+          </a:xfrm>
+          <a:prstGeom prst="rect">
+            <a:avLst/>
+          </a:prstGeom>
+          <a:noFill/>
+          <a:extLst>
+            <a:ext uri="{909E8E84-426E-40DD-AFC4-6F175D3DCCD1}">
+              <a14:hiddenFill xmlns:a14="http://schemas.microsoft.com/office/drawing/2010/main">
+                <a:solidFill>
+                  <a:srgbClr val="FFFFFF"/>
+                </a:solidFill>
+              </a14:hiddenFill>
+            </a:ext>
+          </a:extLst>
+        </p:spPr>
+      </p:pic>
+      <p:pic>
+        <p:nvPicPr>
+          <p:cNvPr id="7" name="Picture 6" descr="A cartoon owl wearing a graduation cap and glasses&#10;&#10;Description automatically generated">
+            <a:extLst>
+              <a:ext uri="{FF2B5EF4-FFF2-40B4-BE49-F238E27FC236}">
+                <a16:creationId xmlns:a16="http://schemas.microsoft.com/office/drawing/2014/main" id="{3AEA9986-B7C4-0E97-5BE2-8505E1692F4B}"/>
+              </a:ext>
+            </a:extLst>
+          </p:cNvPr>
+          <p:cNvPicPr>
+            <a:picLocks noChangeAspect="1"/>
+          </p:cNvPicPr>
+          <p:nvPr/>
+        </p:nvPicPr>
+        <p:blipFill>
+          <a:blip r:embed="rId5">
+            <a:clrChange>
+              <a:clrFrom>
+                <a:srgbClr val="DDEFF9"/>
+              </a:clrFrom>
+              <a:clrTo>
+                <a:srgbClr val="DDEFF9">
+                  <a:alpha val="0"/>
+                </a:srgbClr>
+              </a:clrTo>
+            </a:clrChange>
+          </a:blip>
+          <a:stretch>
+            <a:fillRect/>
+          </a:stretch>
+        </p:blipFill>
+        <p:spPr>
+          <a:xfrm>
+            <a:off x="33636" y="6226406"/>
+            <a:ext cx="603448" cy="603448"/>
+          </a:xfrm>
+          <a:prstGeom prst="rect">
+            <a:avLst/>
+          </a:prstGeom>
+        </p:spPr>
+      </p:pic>
+      <p:sp>
+        <p:nvSpPr>
+          <p:cNvPr id="3" name="Subtitle 2"/>
+          <p:cNvSpPr>
+            <a:spLocks noGrp="1"/>
+          </p:cNvSpPr>
+          <p:nvPr>
+            <p:ph type="subTitle" idx="1"/>
+          </p:nvPr>
+        </p:nvSpPr>
+        <p:spPr>
+          <a:xfrm>
+            <a:off x="3647728" y="4302389"/>
+            <a:ext cx="5688632" cy="1214844"/>
+          </a:xfrm>
+        </p:spPr>
+        <p:txBody>
+          <a:bodyPr>
+            <a:normAutofit fontScale="85000" lnSpcReduction="20000"/>
+          </a:bodyPr>
+          <a:lstStyle/>
+          <a:p>
+            <a:r>
+              <a:rPr lang="en-US" sz="3000" b="1" dirty="0">
+                <a:latin typeface="Aptos Black" panose="020F0502020204030204" pitchFamily="34" charset="0"/>
+              </a:rPr>
+              <a:t>Part 1: Become a Scratch Designer</a:t>
+            </a:r>
+          </a:p>
+          <a:p>
+            <a:r>
+              <a:rPr lang="en-US" b="1" dirty="0">
+                <a:latin typeface="Aptos Black" panose="020F0502020204030204" pitchFamily="34" charset="0"/>
+              </a:rPr>
+              <a:t>Chapter 3: Design Scratch Animals</a:t>
+            </a:r>
+          </a:p>
+          <a:p>
+            <a:r>
+              <a:rPr lang="en-US" sz="2800" b="1" dirty="0">
+                <a:latin typeface="Aptos Black" panose="020F0502020204030204" pitchFamily="34" charset="0"/>
+              </a:rPr>
+              <a:t>(3) I Want a Wild Hippogriff!</a:t>
+            </a:r>
+            <a:endParaRPr lang="en-US" sz="2000" dirty="0">
+              <a:latin typeface="Aptos Black" panose="020F0502020204030204" pitchFamily="34" charset="0"/>
+            </a:endParaRPr>
+          </a:p>
+        </p:txBody>
+      </p:sp>
+      <p:sp>
+        <p:nvSpPr>
+          <p:cNvPr id="11" name="TextBox 10">
+            <a:extLst>
+              <a:ext uri="{FF2B5EF4-FFF2-40B4-BE49-F238E27FC236}">
+                <a16:creationId xmlns:a16="http://schemas.microsoft.com/office/drawing/2014/main" id="{7F7069DF-7952-A2B5-D09B-42662344A4FC}"/>
+              </a:ext>
+            </a:extLst>
+          </p:cNvPr>
+          <p:cNvSpPr txBox="1"/>
+          <p:nvPr/>
+        </p:nvSpPr>
+        <p:spPr>
+          <a:xfrm>
+            <a:off x="817468" y="6381328"/>
+            <a:ext cx="8204208" cy="461665"/>
+          </a:xfrm>
+          <a:prstGeom prst="rect">
+            <a:avLst/>
+          </a:prstGeom>
+          <a:noFill/>
+        </p:spPr>
+        <p:txBody>
+          <a:bodyPr wrap="square">
+            <a:spAutoFit/>
+          </a:bodyPr>
+          <a:lstStyle/>
+          <a:p>
+            <a:r>
+              <a:rPr lang="en-US" sz="2400" b="1" dirty="0">
+                <a:hlinkClick r:id="rId6"/>
+              </a:rPr>
+              <a:t>https://github.com/yasenstar/learn_scratch</a:t>
+            </a:r>
+            <a:endParaRPr lang="en-US" sz="2400" b="1" dirty="0"/>
+          </a:p>
+        </p:txBody>
+      </p:sp>
+    </p:spTree>
+    <p:extLst>
+      <p:ext uri="{BB962C8B-B14F-4D97-AF65-F5344CB8AC3E}">
+        <p14:creationId xmlns:p14="http://schemas.microsoft.com/office/powerpoint/2010/main" val="1927562135"/>
+      </p:ext>
+    </p:extLst>
+  </p:cSld>
+  <p:clrMapOvr>
+    <a:masterClrMapping/>
+  </p:clrMapOvr>
+  <mc:AlternateContent xmlns:mc="http://schemas.openxmlformats.org/markup-compatibility/2006">
+    <mc:Choice xmlns:p14="http://schemas.microsoft.com/office/powerpoint/2010/main" Requires="p14">
+      <p:transition spd="med" p14:dur="700">
+        <p:fade/>
+      </p:transition>
+    </mc:Choice>
+    <mc:Fallback>
+      <p:transition spd="med">
+        <p:fade/>
+      </p:transition>
+    </mc:Fallback>
+  </mc:AlternateContent>
+</p:sld>
+</file>
+
+<file path=ppt/slides/slide14.xml><?xml version="1.0" encoding="utf-8"?>
+<p:sld xmlns:a="http://schemas.openxmlformats.org/drawingml/2006/main" xmlns:r="http://schemas.openxmlformats.org/officeDocument/2006/relationships" xmlns:p="http://schemas.openxmlformats.org/presentationml/2006/main">
+  <p:cSld>
+    <p:spTree>
+      <p:nvGrpSpPr>
+        <p:cNvPr id="1" name=""/>
+        <p:cNvGrpSpPr/>
+        <p:nvPr/>
+      </p:nvGrpSpPr>
+      <p:grpSpPr>
+        <a:xfrm>
+          <a:off x="0" y="0"/>
+          <a:ext cx="0" cy="0"/>
+          <a:chOff x="0" y="0"/>
+          <a:chExt cx="0" cy="0"/>
+        </a:xfrm>
+      </p:grpSpPr>
+      <p:pic>
+        <p:nvPicPr>
+          <p:cNvPr id="8" name="Picture 7">
+            <a:extLst>
+              <a:ext uri="{FF2B5EF4-FFF2-40B4-BE49-F238E27FC236}">
+                <a16:creationId xmlns:a16="http://schemas.microsoft.com/office/drawing/2014/main" id="{32509263-5B39-E52C-55E1-6A0833D59634}"/>
+              </a:ext>
+            </a:extLst>
+          </p:cNvPr>
+          <p:cNvPicPr>
+            <a:picLocks noChangeAspect="1"/>
+          </p:cNvPicPr>
+          <p:nvPr/>
+        </p:nvPicPr>
+        <p:blipFill>
+          <a:blip r:embed="rId2"/>
+          <a:stretch>
+            <a:fillRect/>
+          </a:stretch>
+        </p:blipFill>
+        <p:spPr>
+          <a:xfrm>
+            <a:off x="471565" y="828776"/>
+            <a:ext cx="6595484" cy="3104280"/>
+          </a:xfrm>
+          <a:prstGeom prst="rect">
+            <a:avLst/>
+          </a:prstGeom>
+          <a:ln>
+            <a:noFill/>
+          </a:ln>
+          <a:effectLst>
+            <a:outerShdw blurRad="292100" dist="139700" dir="2700000" algn="tl" rotWithShape="0">
+              <a:srgbClr val="333333">
+                <a:alpha val="65000"/>
+              </a:srgbClr>
+            </a:outerShdw>
+          </a:effectLst>
+        </p:spPr>
+      </p:pic>
+      <p:sp>
+        <p:nvSpPr>
+          <p:cNvPr id="2" name="Title 1"/>
+          <p:cNvSpPr>
+            <a:spLocks noGrp="1"/>
+          </p:cNvSpPr>
+          <p:nvPr>
+            <p:ph type="ctrTitle"/>
+          </p:nvPr>
+        </p:nvSpPr>
+        <p:spPr>
+          <a:xfrm>
+            <a:off x="1534803" y="101625"/>
+            <a:ext cx="6937461" cy="720080"/>
+          </a:xfrm>
+        </p:spPr>
+        <p:txBody>
+          <a:bodyPr anchor="ctr">
+            <a:normAutofit fontScale="90000"/>
+          </a:bodyPr>
+          <a:lstStyle/>
+          <a:p>
+            <a:r>
+              <a:rPr lang="en-US" sz="4800" dirty="0">
+                <a:latin typeface="ADLaM Display" panose="02010000000000000000" pitchFamily="2" charset="0"/>
+                <a:ea typeface="ADLaM Display" panose="02010000000000000000" pitchFamily="2" charset="0"/>
+                <a:cs typeface="ADLaM Display" panose="02010000000000000000" pitchFamily="2" charset="0"/>
+              </a:rPr>
+              <a:t>Scratch for Kids</a:t>
+            </a:r>
+          </a:p>
+        </p:txBody>
+      </p:sp>
+      <p:pic>
+        <p:nvPicPr>
+          <p:cNvPr id="6" name="Picture 5" descr="A book cover with a cartoon character&#10;&#10;Description automatically generated">
+            <a:extLst>
+              <a:ext uri="{FF2B5EF4-FFF2-40B4-BE49-F238E27FC236}">
+                <a16:creationId xmlns:a16="http://schemas.microsoft.com/office/drawing/2014/main" id="{37058493-7DAE-6BF2-99F6-4940E3CECA62}"/>
+              </a:ext>
+            </a:extLst>
+          </p:cNvPr>
+          <p:cNvPicPr>
+            <a:picLocks noChangeAspect="1"/>
+          </p:cNvPicPr>
+          <p:nvPr/>
+        </p:nvPicPr>
+        <p:blipFill>
+          <a:blip r:embed="rId3"/>
+          <a:stretch>
+            <a:fillRect/>
+          </a:stretch>
+        </p:blipFill>
+        <p:spPr>
+          <a:xfrm>
+            <a:off x="8167262" y="43464"/>
+            <a:ext cx="2037751" cy="2512147"/>
+          </a:xfrm>
+          <a:prstGeom prst="roundRect">
+            <a:avLst>
+              <a:gd name="adj" fmla="val 8594"/>
+            </a:avLst>
+          </a:prstGeom>
+          <a:solidFill>
+            <a:srgbClr val="FFFFFF">
+              <a:shade val="85000"/>
+            </a:srgbClr>
+          </a:solidFill>
+          <a:ln>
+            <a:noFill/>
+          </a:ln>
+          <a:effectLst>
+            <a:reflection blurRad="12700" stA="38000" endPos="28000" dist="5000" dir="5400000" sy="-100000" algn="bl" rotWithShape="0"/>
+          </a:effectLst>
+        </p:spPr>
+      </p:pic>
+      <p:sp>
+        <p:nvSpPr>
+          <p:cNvPr id="4" name="TextBox 3">
+            <a:extLst>
+              <a:ext uri="{FF2B5EF4-FFF2-40B4-BE49-F238E27FC236}">
+                <a16:creationId xmlns:a16="http://schemas.microsoft.com/office/drawing/2014/main" id="{99B53E7E-A9ED-6942-DF80-3DF81B395749}"/>
+              </a:ext>
+            </a:extLst>
+          </p:cNvPr>
+          <p:cNvSpPr txBox="1"/>
+          <p:nvPr/>
+        </p:nvSpPr>
+        <p:spPr>
+          <a:xfrm>
+            <a:off x="0" y="0"/>
+            <a:ext cx="1367682" cy="923330"/>
+          </a:xfrm>
+          <a:prstGeom prst="rect">
+            <a:avLst/>
+          </a:prstGeom>
+          <a:noFill/>
+        </p:spPr>
+        <p:txBody>
+          <a:bodyPr wrap="none" rtlCol="0">
+            <a:spAutoFit/>
+          </a:bodyPr>
+          <a:lstStyle/>
+          <a:p>
+            <a:pPr algn="ctr"/>
+            <a:r>
+              <a:rPr lang="en-US" sz="5400" dirty="0">
+                <a:latin typeface="Bauhaus 93" panose="04030905020B02020C02" pitchFamily="82" charset="0"/>
+              </a:rPr>
+              <a:t>012</a:t>
+            </a:r>
+          </a:p>
+        </p:txBody>
+      </p:sp>
+      <p:pic>
+        <p:nvPicPr>
+          <p:cNvPr id="1026" name="Picture 2" descr="scratch logo PNG image with transparent background | TOPpng">
+            <a:extLst>
+              <a:ext uri="{FF2B5EF4-FFF2-40B4-BE49-F238E27FC236}">
+                <a16:creationId xmlns:a16="http://schemas.microsoft.com/office/drawing/2014/main" id="{1554103F-1ECA-8530-E162-3BE3F4FE9C16}"/>
+              </a:ext>
+            </a:extLst>
+          </p:cNvPr>
+          <p:cNvPicPr>
+            <a:picLocks noChangeAspect="1" noChangeArrowheads="1"/>
+          </p:cNvPicPr>
+          <p:nvPr/>
+        </p:nvPicPr>
+        <p:blipFill>
+          <a:blip r:embed="rId4">
+            <a:clrChange>
+              <a:clrFrom>
+                <a:srgbClr val="EFEFEF"/>
+              </a:clrFrom>
+              <a:clrTo>
+                <a:srgbClr val="EFEFEF">
+                  <a:alpha val="0"/>
+                </a:srgbClr>
+              </a:clrTo>
+            </a:clrChange>
+            <a:extLst>
+              <a:ext uri="{28A0092B-C50C-407E-A947-70E740481C1C}">
+                <a14:useLocalDpi xmlns:a14="http://schemas.microsoft.com/office/drawing/2010/main" val="0"/>
+              </a:ext>
+            </a:extLst>
+          </a:blip>
+          <a:srcRect/>
+          <a:stretch>
+            <a:fillRect/>
+          </a:stretch>
+        </p:blipFill>
+        <p:spPr bwMode="auto">
+          <a:xfrm>
+            <a:off x="10652079" y="8930"/>
+            <a:ext cx="895507" cy="914400"/>
+          </a:xfrm>
+          <a:prstGeom prst="rect">
+            <a:avLst/>
+          </a:prstGeom>
+          <a:noFill/>
+          <a:extLst>
+            <a:ext uri="{909E8E84-426E-40DD-AFC4-6F175D3DCCD1}">
+              <a14:hiddenFill xmlns:a14="http://schemas.microsoft.com/office/drawing/2010/main">
+                <a:solidFill>
+                  <a:srgbClr val="FFFFFF"/>
+                </a:solidFill>
+              </a14:hiddenFill>
+            </a:ext>
+          </a:extLst>
+        </p:spPr>
+      </p:pic>
+      <p:pic>
+        <p:nvPicPr>
+          <p:cNvPr id="7" name="Picture 6" descr="A cartoon owl wearing a graduation cap and glasses&#10;&#10;Description automatically generated">
+            <a:extLst>
+              <a:ext uri="{FF2B5EF4-FFF2-40B4-BE49-F238E27FC236}">
+                <a16:creationId xmlns:a16="http://schemas.microsoft.com/office/drawing/2014/main" id="{3AEA9986-B7C4-0E97-5BE2-8505E1692F4B}"/>
+              </a:ext>
+            </a:extLst>
+          </p:cNvPr>
+          <p:cNvPicPr>
+            <a:picLocks noChangeAspect="1"/>
+          </p:cNvPicPr>
+          <p:nvPr/>
+        </p:nvPicPr>
+        <p:blipFill>
+          <a:blip r:embed="rId5">
+            <a:clrChange>
+              <a:clrFrom>
+                <a:srgbClr val="DDEFF9"/>
+              </a:clrFrom>
+              <a:clrTo>
+                <a:srgbClr val="DDEFF9">
+                  <a:alpha val="0"/>
+                </a:srgbClr>
+              </a:clrTo>
+            </a:clrChange>
+          </a:blip>
+          <a:stretch>
+            <a:fillRect/>
+          </a:stretch>
+        </p:blipFill>
+        <p:spPr>
+          <a:xfrm>
+            <a:off x="33636" y="6226406"/>
+            <a:ext cx="603448" cy="603448"/>
+          </a:xfrm>
+          <a:prstGeom prst="rect">
+            <a:avLst/>
+          </a:prstGeom>
+        </p:spPr>
+      </p:pic>
+      <p:sp>
+        <p:nvSpPr>
+          <p:cNvPr id="3" name="Subtitle 2"/>
+          <p:cNvSpPr>
+            <a:spLocks noGrp="1"/>
+          </p:cNvSpPr>
+          <p:nvPr>
+            <p:ph type="subTitle" idx="1"/>
+          </p:nvPr>
+        </p:nvSpPr>
+        <p:spPr>
+          <a:xfrm>
+            <a:off x="3647728" y="3971842"/>
+            <a:ext cx="5688632" cy="1545391"/>
+          </a:xfrm>
+        </p:spPr>
+        <p:txBody>
+          <a:bodyPr>
+            <a:normAutofit fontScale="70000" lnSpcReduction="20000"/>
+          </a:bodyPr>
+          <a:lstStyle/>
+          <a:p>
+            <a:r>
+              <a:rPr lang="en-US" sz="3000" b="1" dirty="0">
+                <a:latin typeface="Aptos Black" panose="020F0502020204030204" pitchFamily="34" charset="0"/>
+              </a:rPr>
+              <a:t>Part 1: Become a Scratch Designer</a:t>
+            </a:r>
+          </a:p>
+          <a:p>
+            <a:r>
+              <a:rPr lang="en-US" b="1" dirty="0">
+                <a:latin typeface="Aptos Black" panose="020F0502020204030204" pitchFamily="34" charset="0"/>
+              </a:rPr>
+              <a:t>Chapter 3: Design Scratch Animals</a:t>
+            </a:r>
+          </a:p>
+          <a:p>
+            <a:r>
+              <a:rPr lang="en-US" sz="2900" b="1" dirty="0">
+                <a:latin typeface="Aptos Black" panose="020F0502020204030204" pitchFamily="34" charset="0"/>
+              </a:rPr>
+              <a:t>(3) I Want a Wild Hippogriff!</a:t>
+            </a:r>
+          </a:p>
+          <a:p>
+            <a:r>
+              <a:rPr lang="en-US" sz="2900" dirty="0">
+                <a:latin typeface="Aptos Black" panose="020F0502020204030204" pitchFamily="34" charset="0"/>
+              </a:rPr>
+              <a:t>(4) Adding Code for the Hippogriff’s Whinny</a:t>
+            </a:r>
+          </a:p>
+        </p:txBody>
+      </p:sp>
+      <p:sp>
+        <p:nvSpPr>
+          <p:cNvPr id="11" name="TextBox 10">
+            <a:extLst>
+              <a:ext uri="{FF2B5EF4-FFF2-40B4-BE49-F238E27FC236}">
+                <a16:creationId xmlns:a16="http://schemas.microsoft.com/office/drawing/2014/main" id="{7F7069DF-7952-A2B5-D09B-42662344A4FC}"/>
+              </a:ext>
+            </a:extLst>
+          </p:cNvPr>
+          <p:cNvSpPr txBox="1"/>
+          <p:nvPr/>
+        </p:nvSpPr>
+        <p:spPr>
+          <a:xfrm>
+            <a:off x="817468" y="6381328"/>
+            <a:ext cx="8204208" cy="461665"/>
+          </a:xfrm>
+          <a:prstGeom prst="rect">
+            <a:avLst/>
+          </a:prstGeom>
+          <a:noFill/>
+        </p:spPr>
+        <p:txBody>
+          <a:bodyPr wrap="square">
+            <a:spAutoFit/>
+          </a:bodyPr>
+          <a:lstStyle/>
+          <a:p>
+            <a:r>
+              <a:rPr lang="en-US" sz="2400" b="1" dirty="0">
+                <a:hlinkClick r:id="rId6"/>
+              </a:rPr>
+              <a:t>https://github.com/yasenstar/learn_scratch</a:t>
+            </a:r>
+            <a:endParaRPr lang="en-US" sz="2400" b="1" dirty="0"/>
+          </a:p>
+        </p:txBody>
+      </p:sp>
+    </p:spTree>
+    <p:extLst>
+      <p:ext uri="{BB962C8B-B14F-4D97-AF65-F5344CB8AC3E}">
+        <p14:creationId xmlns:p14="http://schemas.microsoft.com/office/powerpoint/2010/main" val="387600239"/>
       </p:ext>
     </p:extLst>
   </p:cSld>

--- a/scratch4kids/Scratch4Kids.pptx
+++ b/scratch4kids/Scratch4Kids.pptx
@@ -216,7 +216,7 @@
           <a:p>
             <a:fld id="{FFBE2AAA-2CC7-4F9C-A8C6-8B9F2A3E9EF0}" type="datetimeFigureOut">
               <a:rPr lang="en-US" smtClean="0"/>
-              <a:t>3/26/2024</a:t>
+              <a:t>3/31/2024</a:t>
             </a:fld>
             <a:endParaRPr lang="en-US"/>
           </a:p>
@@ -381,7 +381,7 @@
           <a:p>
             <a:fld id="{2B37ADBA-1AC7-4CD6-8AFF-4E8087BA5487}" type="datetimeFigureOut">
               <a:rPr lang="en-US" smtClean="0"/>
-              <a:t>3/26/2024</a:t>
+              <a:t>3/31/2024</a:t>
             </a:fld>
             <a:endParaRPr lang="en-US"/>
           </a:p>
@@ -3582,7 +3582,7 @@
           <a:p>
             <a:fld id="{7FC8593D-7C47-471E-A8DF-97AC4FFD13F5}" type="datetimeFigureOut">
               <a:rPr lang="en-US" smtClean="0"/>
-              <a:t>3/26/2024</a:t>
+              <a:t>3/31/2024</a:t>
             </a:fld>
             <a:endParaRPr lang="en-US"/>
           </a:p>
@@ -3776,7 +3776,7 @@
           <a:p>
             <a:fld id="{7FC8593D-7C47-471E-A8DF-97AC4FFD13F5}" type="datetimeFigureOut">
               <a:rPr lang="en-US" smtClean="0"/>
-              <a:t>3/26/2024</a:t>
+              <a:t>3/31/2024</a:t>
             </a:fld>
             <a:endParaRPr lang="en-US"/>
           </a:p>
@@ -3959,7 +3959,7 @@
           <a:p>
             <a:fld id="{7FC8593D-7C47-471E-A8DF-97AC4FFD13F5}" type="datetimeFigureOut">
               <a:rPr lang="en-US" smtClean="0"/>
-              <a:t>3/26/2024</a:t>
+              <a:t>3/31/2024</a:t>
             </a:fld>
             <a:endParaRPr lang="en-US"/>
           </a:p>
@@ -4431,7 +4431,7 @@
           <a:p>
             <a:fld id="{7FC8593D-7C47-471E-A8DF-97AC4FFD13F5}" type="datetimeFigureOut">
               <a:rPr lang="en-US" smtClean="0"/>
-              <a:t>3/26/2024</a:t>
+              <a:t>3/31/2024</a:t>
             </a:fld>
             <a:endParaRPr lang="en-US"/>
           </a:p>
@@ -4831,7 +4831,7 @@
           <a:p>
             <a:fld id="{7FC8593D-7C47-471E-A8DF-97AC4FFD13F5}" type="datetimeFigureOut">
               <a:rPr lang="en-US" smtClean="0"/>
-              <a:t>3/26/2024</a:t>
+              <a:t>3/31/2024</a:t>
             </a:fld>
             <a:endParaRPr lang="en-US"/>
           </a:p>
@@ -4963,7 +4963,7 @@
           <a:p>
             <a:fld id="{7FC8593D-7C47-471E-A8DF-97AC4FFD13F5}" type="datetimeFigureOut">
               <a:rPr lang="en-US" smtClean="0"/>
-              <a:t>3/26/2024</a:t>
+              <a:t>3/31/2024</a:t>
             </a:fld>
             <a:endParaRPr lang="en-US"/>
           </a:p>
@@ -5073,7 +5073,7 @@
           <a:p>
             <a:fld id="{7FC8593D-7C47-471E-A8DF-97AC4FFD13F5}" type="datetimeFigureOut">
               <a:rPr lang="en-US" smtClean="0"/>
-              <a:t>3/26/2024</a:t>
+              <a:t>3/31/2024</a:t>
             </a:fld>
             <a:endParaRPr lang="en-US"/>
           </a:p>
@@ -5366,7 +5366,7 @@
           <a:p>
             <a:fld id="{7FC8593D-7C47-471E-A8DF-97AC4FFD13F5}" type="datetimeFigureOut">
               <a:rPr lang="en-US" smtClean="0"/>
-              <a:t>3/26/2024</a:t>
+              <a:t>3/31/2024</a:t>
             </a:fld>
             <a:endParaRPr lang="en-US"/>
           </a:p>
@@ -5817,7 +5817,7 @@
           <a:p>
             <a:fld id="{7FC8593D-7C47-471E-A8DF-97AC4FFD13F5}" type="datetimeFigureOut">
               <a:rPr lang="en-US" smtClean="0"/>
-              <a:t>3/26/2024</a:t>
+              <a:t>3/31/2024</a:t>
             </a:fld>
             <a:endParaRPr lang="en-US"/>
           </a:p>
@@ -6088,7 +6088,7 @@
             <a:fld id="{7FC8593D-7C47-471E-A8DF-97AC4FFD13F5}" type="datetimeFigureOut">
               <a:rPr lang="en-US" smtClean="0"/>
               <a:pPr/>
-              <a:t>3/26/2024</a:t>
+              <a:t>3/31/2024</a:t>
             </a:fld>
             <a:endParaRPr lang="en-US" dirty="0"/>
           </a:p>
@@ -7091,13 +7091,13 @@
   <p:clrMapOvr>
     <a:masterClrMapping/>
   </p:clrMapOvr>
-  <mc:AlternateContent xmlns:mc="http://schemas.openxmlformats.org/markup-compatibility/2006">
-    <mc:Choice xmlns:p14="http://schemas.microsoft.com/office/powerpoint/2010/main" Requires="p14">
+  <mc:AlternateContent xmlns:mc="http://schemas.openxmlformats.org/markup-compatibility/2006" xmlns:p14="http://schemas.microsoft.com/office/powerpoint/2010/main">
+    <mc:Choice Requires="p14">
       <p:transition spd="med" p14:dur="700">
         <p:fade/>
       </p:transition>
     </mc:Choice>
-    <mc:Fallback>
+    <mc:Fallback xmlns="">
       <p:transition spd="med">
         <p:fade/>
       </p:transition>
@@ -7473,13 +7473,13 @@
   <p:clrMapOvr>
     <a:masterClrMapping/>
   </p:clrMapOvr>
-  <mc:AlternateContent xmlns:mc="http://schemas.openxmlformats.org/markup-compatibility/2006">
-    <mc:Choice xmlns:p14="http://schemas.microsoft.com/office/powerpoint/2010/main" Requires="p14">
+  <mc:AlternateContent xmlns:mc="http://schemas.openxmlformats.org/markup-compatibility/2006" xmlns:p14="http://schemas.microsoft.com/office/powerpoint/2010/main">
+    <mc:Choice Requires="p14">
       <p:transition spd="med" p14:dur="700">
         <p:fade/>
       </p:transition>
     </mc:Choice>
-    <mc:Fallback>
+    <mc:Fallback xmlns="">
       <p:transition spd="med">
         <p:fade/>
       </p:transition>
@@ -7855,13 +7855,13 @@
   <p:clrMapOvr>
     <a:masterClrMapping/>
   </p:clrMapOvr>
-  <mc:AlternateContent xmlns:mc="http://schemas.openxmlformats.org/markup-compatibility/2006">
-    <mc:Choice xmlns:p14="http://schemas.microsoft.com/office/powerpoint/2010/main" Requires="p14">
+  <mc:AlternateContent xmlns:mc="http://schemas.openxmlformats.org/markup-compatibility/2006" xmlns:p14="http://schemas.microsoft.com/office/powerpoint/2010/main">
+    <mc:Choice Requires="p14">
       <p:transition spd="med" p14:dur="700">
         <p:fade/>
       </p:transition>
     </mc:Choice>
-    <mc:Fallback>
+    <mc:Fallback xmlns="">
       <p:transition spd="med">
         <p:fade/>
       </p:transition>
@@ -8237,13 +8237,13 @@
   <p:clrMapOvr>
     <a:masterClrMapping/>
   </p:clrMapOvr>
-  <mc:AlternateContent xmlns:mc="http://schemas.openxmlformats.org/markup-compatibility/2006">
-    <mc:Choice xmlns:p14="http://schemas.microsoft.com/office/powerpoint/2010/main" Requires="p14">
+  <mc:AlternateContent xmlns:mc="http://schemas.openxmlformats.org/markup-compatibility/2006" xmlns:p14="http://schemas.microsoft.com/office/powerpoint/2010/main">
+    <mc:Choice Requires="p14">
       <p:transition spd="med" p14:dur="700">
         <p:fade/>
       </p:transition>
     </mc:Choice>
-    <mc:Fallback>
+    <mc:Fallback xmlns="">
       <p:transition spd="med">
         <p:fade/>
       </p:transition>
@@ -8539,7 +8539,7 @@
         </p:spPr>
         <p:txBody>
           <a:bodyPr>
-            <a:normAutofit fontScale="70000" lnSpcReduction="20000"/>
+            <a:normAutofit fontScale="85000" lnSpcReduction="20000"/>
           </a:bodyPr>
           <a:lstStyle/>
           <a:p>
@@ -8556,14 +8556,6 @@
                 <a:latin typeface="Aptos Black" panose="020F0502020204030204" pitchFamily="34" charset="0"/>
               </a:rPr>
               <a:t>Chapter 3: Design Scratch Animals</a:t>
-            </a:r>
-          </a:p>
-          <a:p>
-            <a:r>
-              <a:rPr lang="en-US" sz="2900" b="1" dirty="0">
-                <a:latin typeface="Aptos Black" panose="020F0502020204030204" pitchFamily="34" charset="0"/>
-              </a:rPr>
-              <a:t>(3) I Want a Wild Hippogriff!</a:t>
             </a:r>
           </a:p>
           <a:p>
@@ -8624,13 +8616,13 @@
   <p:clrMapOvr>
     <a:masterClrMapping/>
   </p:clrMapOvr>
-  <mc:AlternateContent xmlns:mc="http://schemas.openxmlformats.org/markup-compatibility/2006">
-    <mc:Choice xmlns:p14="http://schemas.microsoft.com/office/powerpoint/2010/main" Requires="p14">
+  <mc:AlternateContent xmlns:mc="http://schemas.openxmlformats.org/markup-compatibility/2006" xmlns:p14="http://schemas.microsoft.com/office/powerpoint/2010/main">
+    <mc:Choice Requires="p14">
       <p:transition spd="med" p14:dur="700">
         <p:fade/>
       </p:transition>
     </mc:Choice>
-    <mc:Fallback>
+    <mc:Fallback xmlns="">
       <p:transition spd="med">
         <p:fade/>
       </p:transition>
@@ -11457,13 +11449,13 @@
   <p:clrMapOvr>
     <a:masterClrMapping/>
   </p:clrMapOvr>
-  <mc:AlternateContent xmlns:mc="http://schemas.openxmlformats.org/markup-compatibility/2006">
-    <mc:Choice xmlns:p14="http://schemas.microsoft.com/office/powerpoint/2010/main" Requires="p14">
+  <mc:AlternateContent xmlns:mc="http://schemas.openxmlformats.org/markup-compatibility/2006" xmlns:p14="http://schemas.microsoft.com/office/powerpoint/2010/main">
+    <mc:Choice Requires="p14">
       <p:transition spd="med" p14:dur="700">
         <p:fade/>
       </p:transition>
     </mc:Choice>
-    <mc:Fallback>
+    <mc:Fallback xmlns="">
       <p:transition spd="med">
         <p:fade/>
       </p:transition>
@@ -11839,13 +11831,13 @@
   <p:clrMapOvr>
     <a:masterClrMapping/>
   </p:clrMapOvr>
-  <mc:AlternateContent xmlns:mc="http://schemas.openxmlformats.org/markup-compatibility/2006">
-    <mc:Choice xmlns:p14="http://schemas.microsoft.com/office/powerpoint/2010/main" Requires="p14">
+  <mc:AlternateContent xmlns:mc="http://schemas.openxmlformats.org/markup-compatibility/2006" xmlns:p14="http://schemas.microsoft.com/office/powerpoint/2010/main">
+    <mc:Choice Requires="p14">
       <p:transition spd="med" p14:dur="700">
         <p:fade/>
       </p:transition>
     </mc:Choice>
-    <mc:Fallback>
+    <mc:Fallback xmlns="">
       <p:transition spd="med">
         <p:fade/>
       </p:transition>
@@ -12638,6 +12630,26 @@
 </file>
 
 <file path=customXml/item1.xml><?xml version="1.0" encoding="utf-8"?>
+<p:properties xmlns:p="http://schemas.microsoft.com/office/2006/metadata/properties" xmlns:xsi="http://www.w3.org/2001/XMLSchema-instance" xmlns:pc="http://schemas.microsoft.com/office/infopath/2007/PartnerControls">
+  <documentManagement>
+    <VSO_x0020_item_x0020_id xmlns="40262f94-9f35-4ac3-9a90-690165a166b7" xsi:nil="true"/>
+    <Assetid_x0020_ xmlns="40262f94-9f35-4ac3-9a90-690165a166b7" xsi:nil="true"/>
+    <Item_x0020_Details xmlns="40262f94-9f35-4ac3-9a90-690165a166b7" xsi:nil="true"/>
+    <Template_x0020_details xmlns="40262f94-9f35-4ac3-9a90-690165a166b7" xsi:nil="true"/>
+  </documentManagement>
+</p:properties>
+</file>
+
+<file path=customXml/item2.xml><?xml version="1.0" encoding="utf-8"?>
+<?mso-contentType ?>
+<FormTemplates xmlns="http://schemas.microsoft.com/sharepoint/v3/contenttype/forms">
+  <Display>DocumentLibraryForm</Display>
+  <Edit>DocumentLibraryForm</Edit>
+  <New>DocumentLibraryForm</New>
+</FormTemplates>
+</file>
+
+<file path=customXml/item3.xml><?xml version="1.0" encoding="utf-8"?>
 <ct:contentTypeSchema xmlns:ct="http://schemas.microsoft.com/office/2006/metadata/contentType" xmlns:ma="http://schemas.microsoft.com/office/2006/metadata/properties/metaAttributes" ct:_="" ma:_="" ma:contentTypeName="Document" ma:contentTypeID="0x010100AA3F7D94069FF64A86F7DFF56D60E3BE" ma:contentTypeVersion="6" ma:contentTypeDescription="Create a new document." ma:contentTypeScope="" ma:versionID="c32302c77d4085ecf495bdddb7f5e889">
   <xsd:schema xmlns:xsd="http://www.w3.org/2001/XMLSchema" xmlns:xs="http://www.w3.org/2001/XMLSchema" xmlns:p="http://schemas.microsoft.com/office/2006/metadata/properties" xmlns:ns2="a4f35948-e619-41b3-aa29-22878b09cfd2" xmlns:ns3="40262f94-9f35-4ac3-9a90-690165a166b7" targetNamespace="http://schemas.microsoft.com/office/2006/metadata/properties" ma:root="true" ma:fieldsID="4ab5ae46be95f9d0be6107e8200be7a2" ns2:_="" ns3:_="">
     <xsd:import namespace="a4f35948-e619-41b3-aa29-22878b09cfd2"/>
@@ -12818,27 +12830,32 @@
 </ct:contentTypeSchema>
 </file>
 
-<file path=customXml/item2.xml><?xml version="1.0" encoding="utf-8"?>
-<?mso-contentType ?>
-<FormTemplates xmlns="http://schemas.microsoft.com/sharepoint/v3/contenttype/forms">
-  <Display>DocumentLibraryForm</Display>
-  <Edit>DocumentLibraryForm</Edit>
-  <New>DocumentLibraryForm</New>
-</FormTemplates>
+<file path=customXml/itemProps1.xml><?xml version="1.0" encoding="utf-8"?>
+<ds:datastoreItem xmlns:ds="http://schemas.openxmlformats.org/officeDocument/2006/customXml" ds:itemID="{1DA15C6C-6BB6-4DB6-B7D6-7F14EAB2CC5C}">
+  <ds:schemaRefs>
+    <ds:schemaRef ds:uri="http://purl.org/dc/elements/1.1/"/>
+    <ds:schemaRef ds:uri="http://schemas.microsoft.com/office/infopath/2007/PartnerControls"/>
+    <ds:schemaRef ds:uri="http://schemas.microsoft.com/office/2006/metadata/properties"/>
+    <ds:schemaRef ds:uri="http://purl.org/dc/terms/"/>
+    <ds:schemaRef ds:uri="http://schemas.microsoft.com/office/2006/documentManagement/types"/>
+    <ds:schemaRef ds:uri="http://schemas.openxmlformats.org/package/2006/metadata/core-properties"/>
+    <ds:schemaRef ds:uri="40262f94-9f35-4ac3-9a90-690165a166b7"/>
+    <ds:schemaRef ds:uri="a4f35948-e619-41b3-aa29-22878b09cfd2"/>
+    <ds:schemaRef ds:uri="http://www.w3.org/XML/1998/namespace"/>
+    <ds:schemaRef ds:uri="http://purl.org/dc/dcmitype/"/>
+  </ds:schemaRefs>
+</ds:datastoreItem>
 </file>
 
-<file path=customXml/item3.xml><?xml version="1.0" encoding="utf-8"?>
-<p:properties xmlns:p="http://schemas.microsoft.com/office/2006/metadata/properties" xmlns:xsi="http://www.w3.org/2001/XMLSchema-instance" xmlns:pc="http://schemas.microsoft.com/office/infopath/2007/PartnerControls">
-  <documentManagement>
-    <VSO_x0020_item_x0020_id xmlns="40262f94-9f35-4ac3-9a90-690165a166b7" xsi:nil="true"/>
-    <Assetid_x0020_ xmlns="40262f94-9f35-4ac3-9a90-690165a166b7" xsi:nil="true"/>
-    <Item_x0020_Details xmlns="40262f94-9f35-4ac3-9a90-690165a166b7" xsi:nil="true"/>
-    <Template_x0020_details xmlns="40262f94-9f35-4ac3-9a90-690165a166b7" xsi:nil="true"/>
-  </documentManagement>
-</p:properties>
+<file path=customXml/itemProps2.xml><?xml version="1.0" encoding="utf-8"?>
+<ds:datastoreItem xmlns:ds="http://schemas.openxmlformats.org/officeDocument/2006/customXml" ds:itemID="{9EDF6667-B669-49A4-BBE6-2132BA71C0C7}">
+  <ds:schemaRefs>
+    <ds:schemaRef ds:uri="http://schemas.microsoft.com/sharepoint/v3/contenttype/forms"/>
+  </ds:schemaRefs>
+</ds:datastoreItem>
 </file>
 
-<file path=customXml/itemProps1.xml><?xml version="1.0" encoding="utf-8"?>
+<file path=customXml/itemProps3.xml><?xml version="1.0" encoding="utf-8"?>
 <ds:datastoreItem xmlns:ds="http://schemas.openxmlformats.org/officeDocument/2006/customXml" ds:itemID="{4A369AEE-D726-45B1-ACA9-0D6048C368C2}">
   <ds:schemaRefs>
     <ds:schemaRef ds:uri="http://schemas.microsoft.com/office/2006/metadata/contentType"/>
@@ -12855,29 +12872,4 @@
     <ds:schemaRef ds:uri="http://schemas.microsoft.com/internal/obd"/>
   </ds:schemaRefs>
 </ds:datastoreItem>
-</file>
-
-<file path=customXml/itemProps2.xml><?xml version="1.0" encoding="utf-8"?>
-<ds:datastoreItem xmlns:ds="http://schemas.openxmlformats.org/officeDocument/2006/customXml" ds:itemID="{9EDF6667-B669-49A4-BBE6-2132BA71C0C7}">
-  <ds:schemaRefs>
-    <ds:schemaRef ds:uri="http://schemas.microsoft.com/sharepoint/v3/contenttype/forms"/>
-  </ds:schemaRefs>
-</ds:datastoreItem>
-</file>
-
-<file path=customXml/itemProps3.xml><?xml version="1.0" encoding="utf-8"?>
-<ds:datastoreItem xmlns:ds="http://schemas.openxmlformats.org/officeDocument/2006/customXml" ds:itemID="{1DA15C6C-6BB6-4DB6-B7D6-7F14EAB2CC5C}">
-  <ds:schemaRefs>
-    <ds:schemaRef ds:uri="http://purl.org/dc/elements/1.1/"/>
-    <ds:schemaRef ds:uri="http://schemas.microsoft.com/office/infopath/2007/PartnerControls"/>
-    <ds:schemaRef ds:uri="http://schemas.microsoft.com/office/2006/metadata/properties"/>
-    <ds:schemaRef ds:uri="http://purl.org/dc/terms/"/>
-    <ds:schemaRef ds:uri="http://schemas.microsoft.com/office/2006/documentManagement/types"/>
-    <ds:schemaRef ds:uri="http://schemas.openxmlformats.org/package/2006/metadata/core-properties"/>
-    <ds:schemaRef ds:uri="40262f94-9f35-4ac3-9a90-690165a166b7"/>
-    <ds:schemaRef ds:uri="a4f35948-e619-41b3-aa29-22878b09cfd2"/>
-    <ds:schemaRef ds:uri="http://www.w3.org/XML/1998/namespace"/>
-    <ds:schemaRef ds:uri="http://purl.org/dc/dcmitype/"/>
-  </ds:schemaRefs>
-</ds:datastoreItem>
 </file>
--- a/scratch4kids/Scratch4Kids.pptx
+++ b/scratch4kids/Scratch4Kids.pptx
@@ -5,10 +5,10 @@
     <p:sldMasterId id="2147483648" r:id="rId4"/>
   </p:sldMasterIdLst>
   <p:notesMasterIdLst>
-    <p:notesMasterId r:id="rId19"/>
+    <p:notesMasterId r:id="rId22"/>
   </p:notesMasterIdLst>
   <p:handoutMasterIdLst>
-    <p:handoutMasterId r:id="rId20"/>
+    <p:handoutMasterId r:id="rId23"/>
   </p:handoutMasterIdLst>
   <p:sldIdLst>
     <p:sldId id="257" r:id="rId5"/>
@@ -25,6 +25,9 @@
     <p:sldId id="268" r:id="rId16"/>
     <p:sldId id="269" r:id="rId17"/>
     <p:sldId id="270" r:id="rId18"/>
+    <p:sldId id="271" r:id="rId19"/>
+    <p:sldId id="272" r:id="rId20"/>
+    <p:sldId id="273" r:id="rId21"/>
   </p:sldIdLst>
   <p:sldSz cx="12192000" cy="6858000"/>
   <p:notesSz cx="6858000" cy="9144000"/>
@@ -8364,8 +8367,8 @@
         </p:blipFill>
         <p:spPr>
           <a:xfrm>
-            <a:off x="8167262" y="43464"/>
-            <a:ext cx="2037751" cy="2512147"/>
+            <a:off x="7453388" y="34790"/>
+            <a:ext cx="2402785" cy="2962162"/>
           </a:xfrm>
           <a:prstGeom prst="roundRect">
             <a:avLst>
@@ -8623,6 +8626,1163 @@
       </p:transition>
     </mc:Choice>
     <mc:Fallback xmlns="">
+      <p:transition spd="med">
+        <p:fade/>
+      </p:transition>
+    </mc:Fallback>
+  </mc:AlternateContent>
+</p:sld>
+</file>
+
+<file path=ppt/slides/slide15.xml><?xml version="1.0" encoding="utf-8"?>
+<p:sld xmlns:a="http://schemas.openxmlformats.org/drawingml/2006/main" xmlns:r="http://schemas.openxmlformats.org/officeDocument/2006/relationships" xmlns:p="http://schemas.openxmlformats.org/presentationml/2006/main">
+  <p:cSld>
+    <p:spTree>
+      <p:nvGrpSpPr>
+        <p:cNvPr id="1" name=""/>
+        <p:cNvGrpSpPr/>
+        <p:nvPr/>
+      </p:nvGrpSpPr>
+      <p:grpSpPr>
+        <a:xfrm>
+          <a:off x="0" y="0"/>
+          <a:ext cx="0" cy="0"/>
+          <a:chOff x="0" y="0"/>
+          <a:chExt cx="0" cy="0"/>
+        </a:xfrm>
+      </p:grpSpPr>
+      <p:sp>
+        <p:nvSpPr>
+          <p:cNvPr id="2" name="Title 1"/>
+          <p:cNvSpPr>
+            <a:spLocks noGrp="1"/>
+          </p:cNvSpPr>
+          <p:nvPr>
+            <p:ph type="ctrTitle"/>
+          </p:nvPr>
+        </p:nvSpPr>
+        <p:spPr>
+          <a:xfrm>
+            <a:off x="1534803" y="101625"/>
+            <a:ext cx="6937461" cy="720080"/>
+          </a:xfrm>
+        </p:spPr>
+        <p:txBody>
+          <a:bodyPr anchor="ctr">
+            <a:normAutofit fontScale="90000"/>
+          </a:bodyPr>
+          <a:lstStyle/>
+          <a:p>
+            <a:r>
+              <a:rPr lang="en-US" sz="4800" dirty="0">
+                <a:latin typeface="ADLaM Display" panose="02010000000000000000" pitchFamily="2" charset="0"/>
+                <a:ea typeface="ADLaM Display" panose="02010000000000000000" pitchFamily="2" charset="0"/>
+                <a:cs typeface="ADLaM Display" panose="02010000000000000000" pitchFamily="2" charset="0"/>
+              </a:rPr>
+              <a:t>Scratch for Kids</a:t>
+            </a:r>
+          </a:p>
+        </p:txBody>
+      </p:sp>
+      <p:pic>
+        <p:nvPicPr>
+          <p:cNvPr id="6" name="Picture 5" descr="A book cover with a cartoon character&#10;&#10;Description automatically generated">
+            <a:extLst>
+              <a:ext uri="{FF2B5EF4-FFF2-40B4-BE49-F238E27FC236}">
+                <a16:creationId xmlns:a16="http://schemas.microsoft.com/office/drawing/2014/main" id="{37058493-7DAE-6BF2-99F6-4940E3CECA62}"/>
+              </a:ext>
+            </a:extLst>
+          </p:cNvPr>
+          <p:cNvPicPr>
+            <a:picLocks noChangeAspect="1"/>
+          </p:cNvPicPr>
+          <p:nvPr/>
+        </p:nvPicPr>
+        <p:blipFill>
+          <a:blip r:embed="rId2"/>
+          <a:stretch>
+            <a:fillRect/>
+          </a:stretch>
+        </p:blipFill>
+        <p:spPr>
+          <a:xfrm>
+            <a:off x="8167262" y="43464"/>
+            <a:ext cx="2037751" cy="2512147"/>
+          </a:xfrm>
+          <a:prstGeom prst="roundRect">
+            <a:avLst>
+              <a:gd name="adj" fmla="val 8594"/>
+            </a:avLst>
+          </a:prstGeom>
+          <a:solidFill>
+            <a:srgbClr val="FFFFFF">
+              <a:shade val="85000"/>
+            </a:srgbClr>
+          </a:solidFill>
+          <a:ln>
+            <a:noFill/>
+          </a:ln>
+          <a:effectLst>
+            <a:reflection blurRad="12700" stA="38000" endPos="28000" dist="5000" dir="5400000" sy="-100000" algn="bl" rotWithShape="0"/>
+          </a:effectLst>
+        </p:spPr>
+      </p:pic>
+      <p:sp>
+        <p:nvSpPr>
+          <p:cNvPr id="4" name="TextBox 3">
+            <a:extLst>
+              <a:ext uri="{FF2B5EF4-FFF2-40B4-BE49-F238E27FC236}">
+                <a16:creationId xmlns:a16="http://schemas.microsoft.com/office/drawing/2014/main" id="{99B53E7E-A9ED-6942-DF80-3DF81B395749}"/>
+              </a:ext>
+            </a:extLst>
+          </p:cNvPr>
+          <p:cNvSpPr txBox="1"/>
+          <p:nvPr/>
+        </p:nvSpPr>
+        <p:spPr>
+          <a:xfrm>
+            <a:off x="0" y="0"/>
+            <a:ext cx="1367682" cy="923330"/>
+          </a:xfrm>
+          <a:prstGeom prst="rect">
+            <a:avLst/>
+          </a:prstGeom>
+          <a:noFill/>
+        </p:spPr>
+        <p:txBody>
+          <a:bodyPr wrap="none" rtlCol="0">
+            <a:spAutoFit/>
+          </a:bodyPr>
+          <a:lstStyle/>
+          <a:p>
+            <a:pPr algn="ctr"/>
+            <a:r>
+              <a:rPr lang="en-US" sz="5400" dirty="0">
+                <a:latin typeface="Bauhaus 93" panose="04030905020B02020C02" pitchFamily="82" charset="0"/>
+              </a:rPr>
+              <a:t>013</a:t>
+            </a:r>
+          </a:p>
+        </p:txBody>
+      </p:sp>
+      <p:pic>
+        <p:nvPicPr>
+          <p:cNvPr id="1026" name="Picture 2" descr="scratch logo PNG image with transparent background | TOPpng">
+            <a:extLst>
+              <a:ext uri="{FF2B5EF4-FFF2-40B4-BE49-F238E27FC236}">
+                <a16:creationId xmlns:a16="http://schemas.microsoft.com/office/drawing/2014/main" id="{1554103F-1ECA-8530-E162-3BE3F4FE9C16}"/>
+              </a:ext>
+            </a:extLst>
+          </p:cNvPr>
+          <p:cNvPicPr>
+            <a:picLocks noChangeAspect="1" noChangeArrowheads="1"/>
+          </p:cNvPicPr>
+          <p:nvPr/>
+        </p:nvPicPr>
+        <p:blipFill>
+          <a:blip r:embed="rId3">
+            <a:clrChange>
+              <a:clrFrom>
+                <a:srgbClr val="EFEFEF"/>
+              </a:clrFrom>
+              <a:clrTo>
+                <a:srgbClr val="EFEFEF">
+                  <a:alpha val="0"/>
+                </a:srgbClr>
+              </a:clrTo>
+            </a:clrChange>
+            <a:extLst>
+              <a:ext uri="{28A0092B-C50C-407E-A947-70E740481C1C}">
+                <a14:useLocalDpi xmlns:a14="http://schemas.microsoft.com/office/drawing/2010/main" val="0"/>
+              </a:ext>
+            </a:extLst>
+          </a:blip>
+          <a:srcRect/>
+          <a:stretch>
+            <a:fillRect/>
+          </a:stretch>
+        </p:blipFill>
+        <p:spPr bwMode="auto">
+          <a:xfrm>
+            <a:off x="10652079" y="8930"/>
+            <a:ext cx="895507" cy="914400"/>
+          </a:xfrm>
+          <a:prstGeom prst="rect">
+            <a:avLst/>
+          </a:prstGeom>
+          <a:noFill/>
+          <a:extLst>
+            <a:ext uri="{909E8E84-426E-40DD-AFC4-6F175D3DCCD1}">
+              <a14:hiddenFill xmlns:a14="http://schemas.microsoft.com/office/drawing/2010/main">
+                <a:solidFill>
+                  <a:srgbClr val="FFFFFF"/>
+                </a:solidFill>
+              </a14:hiddenFill>
+            </a:ext>
+          </a:extLst>
+        </p:spPr>
+      </p:pic>
+      <p:pic>
+        <p:nvPicPr>
+          <p:cNvPr id="7" name="Picture 6" descr="A cartoon owl wearing a graduation cap and glasses&#10;&#10;Description automatically generated">
+            <a:extLst>
+              <a:ext uri="{FF2B5EF4-FFF2-40B4-BE49-F238E27FC236}">
+                <a16:creationId xmlns:a16="http://schemas.microsoft.com/office/drawing/2014/main" id="{3AEA9986-B7C4-0E97-5BE2-8505E1692F4B}"/>
+              </a:ext>
+            </a:extLst>
+          </p:cNvPr>
+          <p:cNvPicPr>
+            <a:picLocks noChangeAspect="1"/>
+          </p:cNvPicPr>
+          <p:nvPr/>
+        </p:nvPicPr>
+        <p:blipFill>
+          <a:blip r:embed="rId4">
+            <a:clrChange>
+              <a:clrFrom>
+                <a:srgbClr val="DDEFF9"/>
+              </a:clrFrom>
+              <a:clrTo>
+                <a:srgbClr val="DDEFF9">
+                  <a:alpha val="0"/>
+                </a:srgbClr>
+              </a:clrTo>
+            </a:clrChange>
+          </a:blip>
+          <a:stretch>
+            <a:fillRect/>
+          </a:stretch>
+        </p:blipFill>
+        <p:spPr>
+          <a:xfrm>
+            <a:off x="33636" y="6226406"/>
+            <a:ext cx="603448" cy="603448"/>
+          </a:xfrm>
+          <a:prstGeom prst="rect">
+            <a:avLst/>
+          </a:prstGeom>
+        </p:spPr>
+      </p:pic>
+      <p:sp>
+        <p:nvSpPr>
+          <p:cNvPr id="3" name="Subtitle 2"/>
+          <p:cNvSpPr>
+            <a:spLocks noGrp="1"/>
+          </p:cNvSpPr>
+          <p:nvPr>
+            <p:ph type="subTitle" idx="1"/>
+          </p:nvPr>
+        </p:nvSpPr>
+        <p:spPr>
+          <a:xfrm>
+            <a:off x="3647728" y="3971842"/>
+            <a:ext cx="5688632" cy="1545391"/>
+          </a:xfrm>
+        </p:spPr>
+        <p:txBody>
+          <a:bodyPr>
+            <a:normAutofit fontScale="77500" lnSpcReduction="20000"/>
+          </a:bodyPr>
+          <a:lstStyle/>
+          <a:p>
+            <a:r>
+              <a:rPr lang="en-US" sz="3000" b="1" dirty="0">
+                <a:latin typeface="Aptos Black" panose="020F0502020204030204" pitchFamily="34" charset="0"/>
+              </a:rPr>
+              <a:t>Part 1: Become a Scratch Designer</a:t>
+            </a:r>
+          </a:p>
+          <a:p>
+            <a:r>
+              <a:rPr lang="en-US" b="1" dirty="0">
+                <a:latin typeface="Aptos Black" panose="020F0502020204030204" pitchFamily="34" charset="0"/>
+              </a:rPr>
+              <a:t>Chapter 4: Build Vector Robots</a:t>
+            </a:r>
+          </a:p>
+          <a:p>
+            <a:pPr marL="514350" indent="-514350">
+              <a:buAutoNum type="arabicParenBoth"/>
+            </a:pPr>
+            <a:r>
+              <a:rPr lang="en-US" sz="2900">
+                <a:latin typeface="Aptos Black" panose="020F0502020204030204" pitchFamily="34" charset="0"/>
+              </a:rPr>
+              <a:t>Diving </a:t>
+            </a:r>
+            <a:r>
+              <a:rPr lang="en-US" sz="2900" dirty="0">
+                <a:latin typeface="Aptos Black" panose="020F0502020204030204" pitchFamily="34" charset="0"/>
+              </a:rPr>
+              <a:t>into Vector Design</a:t>
+            </a:r>
+          </a:p>
+          <a:p>
+            <a:pPr marL="514350" indent="-514350">
+              <a:buAutoNum type="arabicParenBoth"/>
+            </a:pPr>
+            <a:r>
+              <a:rPr lang="en-US" sz="2900" dirty="0">
+                <a:latin typeface="Aptos Black" panose="020F0502020204030204" pitchFamily="34" charset="0"/>
+              </a:rPr>
+              <a:t>Sculpting Robot Shapes</a:t>
+            </a:r>
+          </a:p>
+        </p:txBody>
+      </p:sp>
+      <p:sp>
+        <p:nvSpPr>
+          <p:cNvPr id="11" name="TextBox 10">
+            <a:extLst>
+              <a:ext uri="{FF2B5EF4-FFF2-40B4-BE49-F238E27FC236}">
+                <a16:creationId xmlns:a16="http://schemas.microsoft.com/office/drawing/2014/main" id="{7F7069DF-7952-A2B5-D09B-42662344A4FC}"/>
+              </a:ext>
+            </a:extLst>
+          </p:cNvPr>
+          <p:cNvSpPr txBox="1"/>
+          <p:nvPr/>
+        </p:nvSpPr>
+        <p:spPr>
+          <a:xfrm>
+            <a:off x="817468" y="6381328"/>
+            <a:ext cx="8204208" cy="461665"/>
+          </a:xfrm>
+          <a:prstGeom prst="rect">
+            <a:avLst/>
+          </a:prstGeom>
+          <a:noFill/>
+        </p:spPr>
+        <p:txBody>
+          <a:bodyPr wrap="square">
+            <a:spAutoFit/>
+          </a:bodyPr>
+          <a:lstStyle/>
+          <a:p>
+            <a:r>
+              <a:rPr lang="en-US" sz="2400" b="1" dirty="0">
+                <a:hlinkClick r:id="rId5"/>
+              </a:rPr>
+              <a:t>https://github.com/yasenstar/learn_scratch</a:t>
+            </a:r>
+            <a:endParaRPr lang="en-US" sz="2400" b="1" dirty="0"/>
+          </a:p>
+        </p:txBody>
+      </p:sp>
+      <p:pic>
+        <p:nvPicPr>
+          <p:cNvPr id="9" name="Picture 8">
+            <a:extLst>
+              <a:ext uri="{FF2B5EF4-FFF2-40B4-BE49-F238E27FC236}">
+                <a16:creationId xmlns:a16="http://schemas.microsoft.com/office/drawing/2014/main" id="{3648F8A2-1BF2-779E-10FA-898B22B15026}"/>
+              </a:ext>
+            </a:extLst>
+          </p:cNvPr>
+          <p:cNvPicPr>
+            <a:picLocks noChangeAspect="1"/>
+          </p:cNvPicPr>
+          <p:nvPr/>
+        </p:nvPicPr>
+        <p:blipFill>
+          <a:blip r:embed="rId6"/>
+          <a:stretch>
+            <a:fillRect/>
+          </a:stretch>
+        </p:blipFill>
+        <p:spPr>
+          <a:xfrm>
+            <a:off x="300673" y="941712"/>
+            <a:ext cx="6888480" cy="2919335"/>
+          </a:xfrm>
+          <a:prstGeom prst="rect">
+            <a:avLst/>
+          </a:prstGeom>
+          <a:ln>
+            <a:noFill/>
+          </a:ln>
+          <a:effectLst>
+            <a:outerShdw blurRad="292100" dist="139700" dir="2700000" algn="tl" rotWithShape="0">
+              <a:srgbClr val="333333">
+                <a:alpha val="65000"/>
+              </a:srgbClr>
+            </a:outerShdw>
+          </a:effectLst>
+        </p:spPr>
+      </p:pic>
+    </p:spTree>
+    <p:extLst>
+      <p:ext uri="{BB962C8B-B14F-4D97-AF65-F5344CB8AC3E}">
+        <p14:creationId xmlns:p14="http://schemas.microsoft.com/office/powerpoint/2010/main" val="3253466576"/>
+      </p:ext>
+    </p:extLst>
+  </p:cSld>
+  <p:clrMapOvr>
+    <a:masterClrMapping/>
+  </p:clrMapOvr>
+  <mc:AlternateContent xmlns:mc="http://schemas.openxmlformats.org/markup-compatibility/2006">
+    <mc:Choice xmlns:p14="http://schemas.microsoft.com/office/powerpoint/2010/main" Requires="p14">
+      <p:transition spd="med" p14:dur="700">
+        <p:fade/>
+      </p:transition>
+    </mc:Choice>
+    <mc:Fallback>
+      <p:transition spd="med">
+        <p:fade/>
+      </p:transition>
+    </mc:Fallback>
+  </mc:AlternateContent>
+</p:sld>
+</file>
+
+<file path=ppt/slides/slide16.xml><?xml version="1.0" encoding="utf-8"?>
+<p:sld xmlns:a="http://schemas.openxmlformats.org/drawingml/2006/main" xmlns:r="http://schemas.openxmlformats.org/officeDocument/2006/relationships" xmlns:p="http://schemas.openxmlformats.org/presentationml/2006/main">
+  <p:cSld>
+    <p:spTree>
+      <p:nvGrpSpPr>
+        <p:cNvPr id="1" name=""/>
+        <p:cNvGrpSpPr/>
+        <p:nvPr/>
+      </p:nvGrpSpPr>
+      <p:grpSpPr>
+        <a:xfrm>
+          <a:off x="0" y="0"/>
+          <a:ext cx="0" cy="0"/>
+          <a:chOff x="0" y="0"/>
+          <a:chExt cx="0" cy="0"/>
+        </a:xfrm>
+      </p:grpSpPr>
+      <p:pic>
+        <p:nvPicPr>
+          <p:cNvPr id="14" name="Picture 13">
+            <a:extLst>
+              <a:ext uri="{FF2B5EF4-FFF2-40B4-BE49-F238E27FC236}">
+                <a16:creationId xmlns:a16="http://schemas.microsoft.com/office/drawing/2014/main" id="{069EA238-C939-6D19-185C-CD9F88A2E617}"/>
+              </a:ext>
+            </a:extLst>
+          </p:cNvPr>
+          <p:cNvPicPr>
+            <a:picLocks noChangeAspect="1"/>
+          </p:cNvPicPr>
+          <p:nvPr/>
+        </p:nvPicPr>
+        <p:blipFill>
+          <a:blip r:embed="rId2"/>
+          <a:stretch>
+            <a:fillRect/>
+          </a:stretch>
+        </p:blipFill>
+        <p:spPr>
+          <a:xfrm>
+            <a:off x="107814" y="764704"/>
+            <a:ext cx="6937461" cy="3060504"/>
+          </a:xfrm>
+          <a:prstGeom prst="rect">
+            <a:avLst/>
+          </a:prstGeom>
+          <a:ln>
+            <a:noFill/>
+          </a:ln>
+          <a:effectLst>
+            <a:outerShdw blurRad="292100" dist="139700" dir="2700000" algn="tl" rotWithShape="0">
+              <a:srgbClr val="333333">
+                <a:alpha val="65000"/>
+              </a:srgbClr>
+            </a:outerShdw>
+          </a:effectLst>
+        </p:spPr>
+      </p:pic>
+      <p:sp>
+        <p:nvSpPr>
+          <p:cNvPr id="2" name="Title 1"/>
+          <p:cNvSpPr>
+            <a:spLocks noGrp="1"/>
+          </p:cNvSpPr>
+          <p:nvPr>
+            <p:ph type="ctrTitle"/>
+          </p:nvPr>
+        </p:nvSpPr>
+        <p:spPr>
+          <a:xfrm>
+            <a:off x="1534803" y="101625"/>
+            <a:ext cx="6937461" cy="720080"/>
+          </a:xfrm>
+        </p:spPr>
+        <p:txBody>
+          <a:bodyPr anchor="ctr">
+            <a:normAutofit fontScale="90000"/>
+          </a:bodyPr>
+          <a:lstStyle/>
+          <a:p>
+            <a:r>
+              <a:rPr lang="en-US" sz="4800" dirty="0">
+                <a:latin typeface="ADLaM Display" panose="02010000000000000000" pitchFamily="2" charset="0"/>
+                <a:ea typeface="ADLaM Display" panose="02010000000000000000" pitchFamily="2" charset="0"/>
+                <a:cs typeface="ADLaM Display" panose="02010000000000000000" pitchFamily="2" charset="0"/>
+              </a:rPr>
+              <a:t>Scratch for Kids</a:t>
+            </a:r>
+          </a:p>
+        </p:txBody>
+      </p:sp>
+      <p:pic>
+        <p:nvPicPr>
+          <p:cNvPr id="6" name="Picture 5" descr="A book cover with a cartoon character&#10;&#10;Description automatically generated">
+            <a:extLst>
+              <a:ext uri="{FF2B5EF4-FFF2-40B4-BE49-F238E27FC236}">
+                <a16:creationId xmlns:a16="http://schemas.microsoft.com/office/drawing/2014/main" id="{37058493-7DAE-6BF2-99F6-4940E3CECA62}"/>
+              </a:ext>
+            </a:extLst>
+          </p:cNvPr>
+          <p:cNvPicPr>
+            <a:picLocks noChangeAspect="1"/>
+          </p:cNvPicPr>
+          <p:nvPr/>
+        </p:nvPicPr>
+        <p:blipFill>
+          <a:blip r:embed="rId3"/>
+          <a:stretch>
+            <a:fillRect/>
+          </a:stretch>
+        </p:blipFill>
+        <p:spPr>
+          <a:xfrm>
+            <a:off x="7173841" y="173667"/>
+            <a:ext cx="2596845" cy="3201400"/>
+          </a:xfrm>
+          <a:prstGeom prst="roundRect">
+            <a:avLst>
+              <a:gd name="adj" fmla="val 8594"/>
+            </a:avLst>
+          </a:prstGeom>
+          <a:solidFill>
+            <a:srgbClr val="FFFFFF">
+              <a:shade val="85000"/>
+            </a:srgbClr>
+          </a:solidFill>
+          <a:ln>
+            <a:noFill/>
+          </a:ln>
+          <a:effectLst>
+            <a:reflection blurRad="12700" stA="38000" endPos="28000" dist="5000" dir="5400000" sy="-100000" algn="bl" rotWithShape="0"/>
+          </a:effectLst>
+        </p:spPr>
+      </p:pic>
+      <p:sp>
+        <p:nvSpPr>
+          <p:cNvPr id="4" name="TextBox 3">
+            <a:extLst>
+              <a:ext uri="{FF2B5EF4-FFF2-40B4-BE49-F238E27FC236}">
+                <a16:creationId xmlns:a16="http://schemas.microsoft.com/office/drawing/2014/main" id="{99B53E7E-A9ED-6942-DF80-3DF81B395749}"/>
+              </a:ext>
+            </a:extLst>
+          </p:cNvPr>
+          <p:cNvSpPr txBox="1"/>
+          <p:nvPr/>
+        </p:nvSpPr>
+        <p:spPr>
+          <a:xfrm>
+            <a:off x="0" y="0"/>
+            <a:ext cx="1367682" cy="923330"/>
+          </a:xfrm>
+          <a:prstGeom prst="rect">
+            <a:avLst/>
+          </a:prstGeom>
+          <a:noFill/>
+        </p:spPr>
+        <p:txBody>
+          <a:bodyPr wrap="none" rtlCol="0">
+            <a:spAutoFit/>
+          </a:bodyPr>
+          <a:lstStyle/>
+          <a:p>
+            <a:pPr algn="ctr"/>
+            <a:r>
+              <a:rPr lang="en-US" sz="5400" dirty="0">
+                <a:latin typeface="Bauhaus 93" panose="04030905020B02020C02" pitchFamily="82" charset="0"/>
+              </a:rPr>
+              <a:t>014</a:t>
+            </a:r>
+          </a:p>
+        </p:txBody>
+      </p:sp>
+      <p:pic>
+        <p:nvPicPr>
+          <p:cNvPr id="1026" name="Picture 2" descr="scratch logo PNG image with transparent background | TOPpng">
+            <a:extLst>
+              <a:ext uri="{FF2B5EF4-FFF2-40B4-BE49-F238E27FC236}">
+                <a16:creationId xmlns:a16="http://schemas.microsoft.com/office/drawing/2014/main" id="{1554103F-1ECA-8530-E162-3BE3F4FE9C16}"/>
+              </a:ext>
+            </a:extLst>
+          </p:cNvPr>
+          <p:cNvPicPr>
+            <a:picLocks noChangeAspect="1" noChangeArrowheads="1"/>
+          </p:cNvPicPr>
+          <p:nvPr/>
+        </p:nvPicPr>
+        <p:blipFill>
+          <a:blip r:embed="rId4">
+            <a:clrChange>
+              <a:clrFrom>
+                <a:srgbClr val="EFEFEF"/>
+              </a:clrFrom>
+              <a:clrTo>
+                <a:srgbClr val="EFEFEF">
+                  <a:alpha val="0"/>
+                </a:srgbClr>
+              </a:clrTo>
+            </a:clrChange>
+            <a:extLst>
+              <a:ext uri="{28A0092B-C50C-407E-A947-70E740481C1C}">
+                <a14:useLocalDpi xmlns:a14="http://schemas.microsoft.com/office/drawing/2010/main" val="0"/>
+              </a:ext>
+            </a:extLst>
+          </a:blip>
+          <a:srcRect/>
+          <a:stretch>
+            <a:fillRect/>
+          </a:stretch>
+        </p:blipFill>
+        <p:spPr bwMode="auto">
+          <a:xfrm>
+            <a:off x="10652079" y="8930"/>
+            <a:ext cx="895507" cy="914400"/>
+          </a:xfrm>
+          <a:prstGeom prst="rect">
+            <a:avLst/>
+          </a:prstGeom>
+          <a:noFill/>
+          <a:extLst>
+            <a:ext uri="{909E8E84-426E-40DD-AFC4-6F175D3DCCD1}">
+              <a14:hiddenFill xmlns:a14="http://schemas.microsoft.com/office/drawing/2010/main">
+                <a:solidFill>
+                  <a:srgbClr val="FFFFFF"/>
+                </a:solidFill>
+              </a14:hiddenFill>
+            </a:ext>
+          </a:extLst>
+        </p:spPr>
+      </p:pic>
+      <p:pic>
+        <p:nvPicPr>
+          <p:cNvPr id="7" name="Picture 6" descr="A cartoon owl wearing a graduation cap and glasses&#10;&#10;Description automatically generated">
+            <a:extLst>
+              <a:ext uri="{FF2B5EF4-FFF2-40B4-BE49-F238E27FC236}">
+                <a16:creationId xmlns:a16="http://schemas.microsoft.com/office/drawing/2014/main" id="{3AEA9986-B7C4-0E97-5BE2-8505E1692F4B}"/>
+              </a:ext>
+            </a:extLst>
+          </p:cNvPr>
+          <p:cNvPicPr>
+            <a:picLocks noChangeAspect="1"/>
+          </p:cNvPicPr>
+          <p:nvPr/>
+        </p:nvPicPr>
+        <p:blipFill>
+          <a:blip r:embed="rId5">
+            <a:clrChange>
+              <a:clrFrom>
+                <a:srgbClr val="DDEFF9"/>
+              </a:clrFrom>
+              <a:clrTo>
+                <a:srgbClr val="DDEFF9">
+                  <a:alpha val="0"/>
+                </a:srgbClr>
+              </a:clrTo>
+            </a:clrChange>
+          </a:blip>
+          <a:stretch>
+            <a:fillRect/>
+          </a:stretch>
+        </p:blipFill>
+        <p:spPr>
+          <a:xfrm>
+            <a:off x="33636" y="6226406"/>
+            <a:ext cx="603448" cy="603448"/>
+          </a:xfrm>
+          <a:prstGeom prst="rect">
+            <a:avLst/>
+          </a:prstGeom>
+        </p:spPr>
+      </p:pic>
+      <p:sp>
+        <p:nvSpPr>
+          <p:cNvPr id="3" name="Subtitle 2"/>
+          <p:cNvSpPr>
+            <a:spLocks noGrp="1"/>
+          </p:cNvSpPr>
+          <p:nvPr>
+            <p:ph type="subTitle" idx="1"/>
+          </p:nvPr>
+        </p:nvSpPr>
+        <p:spPr>
+          <a:xfrm>
+            <a:off x="3647728" y="3971842"/>
+            <a:ext cx="5688632" cy="1545391"/>
+          </a:xfrm>
+        </p:spPr>
+        <p:txBody>
+          <a:bodyPr>
+            <a:normAutofit fontScale="92500" lnSpcReduction="20000"/>
+          </a:bodyPr>
+          <a:lstStyle/>
+          <a:p>
+            <a:r>
+              <a:rPr lang="en-US" sz="3000" b="1" dirty="0">
+                <a:latin typeface="Aptos Black" panose="020F0502020204030204" pitchFamily="34" charset="0"/>
+              </a:rPr>
+              <a:t>Part 1: Become a Scratch Designer</a:t>
+            </a:r>
+          </a:p>
+          <a:p>
+            <a:r>
+              <a:rPr lang="en-US" b="1" dirty="0">
+                <a:latin typeface="Aptos Black" panose="020F0502020204030204" pitchFamily="34" charset="0"/>
+              </a:rPr>
+              <a:t>Chapter 4: Build Vector Robots</a:t>
+            </a:r>
+          </a:p>
+          <a:p>
+            <a:r>
+              <a:rPr lang="en-US" sz="2900" dirty="0">
+                <a:latin typeface="Aptos Black" panose="020F0502020204030204" pitchFamily="34" charset="0"/>
+              </a:rPr>
+              <a:t>(3) Start Your Robot Design</a:t>
+            </a:r>
+          </a:p>
+        </p:txBody>
+      </p:sp>
+      <p:sp>
+        <p:nvSpPr>
+          <p:cNvPr id="11" name="TextBox 10">
+            <a:extLst>
+              <a:ext uri="{FF2B5EF4-FFF2-40B4-BE49-F238E27FC236}">
+                <a16:creationId xmlns:a16="http://schemas.microsoft.com/office/drawing/2014/main" id="{7F7069DF-7952-A2B5-D09B-42662344A4FC}"/>
+              </a:ext>
+            </a:extLst>
+          </p:cNvPr>
+          <p:cNvSpPr txBox="1"/>
+          <p:nvPr/>
+        </p:nvSpPr>
+        <p:spPr>
+          <a:xfrm>
+            <a:off x="817468" y="6381328"/>
+            <a:ext cx="8204208" cy="461665"/>
+          </a:xfrm>
+          <a:prstGeom prst="rect">
+            <a:avLst/>
+          </a:prstGeom>
+          <a:noFill/>
+        </p:spPr>
+        <p:txBody>
+          <a:bodyPr wrap="square">
+            <a:spAutoFit/>
+          </a:bodyPr>
+          <a:lstStyle/>
+          <a:p>
+            <a:r>
+              <a:rPr lang="en-US" sz="2400" b="1" dirty="0">
+                <a:hlinkClick r:id="rId6"/>
+              </a:rPr>
+              <a:t>https://github.com/yasenstar/learn_scratch</a:t>
+            </a:r>
+            <a:endParaRPr lang="en-US" sz="2400" b="1" dirty="0"/>
+          </a:p>
+        </p:txBody>
+      </p:sp>
+    </p:spTree>
+    <p:extLst>
+      <p:ext uri="{BB962C8B-B14F-4D97-AF65-F5344CB8AC3E}">
+        <p14:creationId xmlns:p14="http://schemas.microsoft.com/office/powerpoint/2010/main" val="2372591530"/>
+      </p:ext>
+    </p:extLst>
+  </p:cSld>
+  <p:clrMapOvr>
+    <a:masterClrMapping/>
+  </p:clrMapOvr>
+  <mc:AlternateContent xmlns:mc="http://schemas.openxmlformats.org/markup-compatibility/2006">
+    <mc:Choice xmlns:p14="http://schemas.microsoft.com/office/powerpoint/2010/main" Requires="p14">
+      <p:transition spd="med" p14:dur="700">
+        <p:fade/>
+      </p:transition>
+    </mc:Choice>
+    <mc:Fallback>
+      <p:transition spd="med">
+        <p:fade/>
+      </p:transition>
+    </mc:Fallback>
+  </mc:AlternateContent>
+</p:sld>
+</file>
+
+<file path=ppt/slides/slide17.xml><?xml version="1.0" encoding="utf-8"?>
+<p:sld xmlns:a="http://schemas.openxmlformats.org/drawingml/2006/main" xmlns:r="http://schemas.openxmlformats.org/officeDocument/2006/relationships" xmlns:p="http://schemas.openxmlformats.org/presentationml/2006/main">
+  <p:cSld>
+    <p:spTree>
+      <p:nvGrpSpPr>
+        <p:cNvPr id="1" name=""/>
+        <p:cNvGrpSpPr/>
+        <p:nvPr/>
+      </p:nvGrpSpPr>
+      <p:grpSpPr>
+        <a:xfrm>
+          <a:off x="0" y="0"/>
+          <a:ext cx="0" cy="0"/>
+          <a:chOff x="0" y="0"/>
+          <a:chExt cx="0" cy="0"/>
+        </a:xfrm>
+      </p:grpSpPr>
+      <p:sp>
+        <p:nvSpPr>
+          <p:cNvPr id="2" name="Title 1"/>
+          <p:cNvSpPr>
+            <a:spLocks noGrp="1"/>
+          </p:cNvSpPr>
+          <p:nvPr>
+            <p:ph type="ctrTitle"/>
+          </p:nvPr>
+        </p:nvSpPr>
+        <p:spPr>
+          <a:xfrm>
+            <a:off x="1534803" y="101625"/>
+            <a:ext cx="6937461" cy="720080"/>
+          </a:xfrm>
+        </p:spPr>
+        <p:txBody>
+          <a:bodyPr anchor="ctr">
+            <a:normAutofit fontScale="90000"/>
+          </a:bodyPr>
+          <a:lstStyle/>
+          <a:p>
+            <a:r>
+              <a:rPr lang="en-US" sz="4800" dirty="0">
+                <a:latin typeface="ADLaM Display" panose="02010000000000000000" pitchFamily="2" charset="0"/>
+                <a:ea typeface="ADLaM Display" panose="02010000000000000000" pitchFamily="2" charset="0"/>
+                <a:cs typeface="ADLaM Display" panose="02010000000000000000" pitchFamily="2" charset="0"/>
+              </a:rPr>
+              <a:t>Scratch for Kids</a:t>
+            </a:r>
+          </a:p>
+        </p:txBody>
+      </p:sp>
+      <p:pic>
+        <p:nvPicPr>
+          <p:cNvPr id="6" name="Picture 5" descr="A book cover with a cartoon character&#10;&#10;Description automatically generated">
+            <a:extLst>
+              <a:ext uri="{FF2B5EF4-FFF2-40B4-BE49-F238E27FC236}">
+                <a16:creationId xmlns:a16="http://schemas.microsoft.com/office/drawing/2014/main" id="{37058493-7DAE-6BF2-99F6-4940E3CECA62}"/>
+              </a:ext>
+            </a:extLst>
+          </p:cNvPr>
+          <p:cNvPicPr>
+            <a:picLocks noChangeAspect="1"/>
+          </p:cNvPicPr>
+          <p:nvPr/>
+        </p:nvPicPr>
+        <p:blipFill>
+          <a:blip r:embed="rId2"/>
+          <a:stretch>
+            <a:fillRect/>
+          </a:stretch>
+        </p:blipFill>
+        <p:spPr>
+          <a:xfrm>
+            <a:off x="7754869" y="51555"/>
+            <a:ext cx="2373579" cy="2926157"/>
+          </a:xfrm>
+          <a:prstGeom prst="roundRect">
+            <a:avLst>
+              <a:gd name="adj" fmla="val 8594"/>
+            </a:avLst>
+          </a:prstGeom>
+          <a:solidFill>
+            <a:srgbClr val="FFFFFF">
+              <a:shade val="85000"/>
+            </a:srgbClr>
+          </a:solidFill>
+          <a:ln>
+            <a:noFill/>
+          </a:ln>
+          <a:effectLst>
+            <a:reflection blurRad="12700" stA="38000" endPos="28000" dist="5000" dir="5400000" sy="-100000" algn="bl" rotWithShape="0"/>
+          </a:effectLst>
+        </p:spPr>
+      </p:pic>
+      <p:sp>
+        <p:nvSpPr>
+          <p:cNvPr id="4" name="TextBox 3">
+            <a:extLst>
+              <a:ext uri="{FF2B5EF4-FFF2-40B4-BE49-F238E27FC236}">
+                <a16:creationId xmlns:a16="http://schemas.microsoft.com/office/drawing/2014/main" id="{99B53E7E-A9ED-6942-DF80-3DF81B395749}"/>
+              </a:ext>
+            </a:extLst>
+          </p:cNvPr>
+          <p:cNvSpPr txBox="1"/>
+          <p:nvPr/>
+        </p:nvSpPr>
+        <p:spPr>
+          <a:xfrm>
+            <a:off x="0" y="0"/>
+            <a:ext cx="1367682" cy="923330"/>
+          </a:xfrm>
+          <a:prstGeom prst="rect">
+            <a:avLst/>
+          </a:prstGeom>
+          <a:noFill/>
+        </p:spPr>
+        <p:txBody>
+          <a:bodyPr wrap="none" rtlCol="0">
+            <a:spAutoFit/>
+          </a:bodyPr>
+          <a:lstStyle/>
+          <a:p>
+            <a:pPr algn="ctr"/>
+            <a:r>
+              <a:rPr lang="en-US" sz="5400" dirty="0">
+                <a:latin typeface="Bauhaus 93" panose="04030905020B02020C02" pitchFamily="82" charset="0"/>
+              </a:rPr>
+              <a:t>015</a:t>
+            </a:r>
+          </a:p>
+        </p:txBody>
+      </p:sp>
+      <p:pic>
+        <p:nvPicPr>
+          <p:cNvPr id="1026" name="Picture 2" descr="scratch logo PNG image with transparent background | TOPpng">
+            <a:extLst>
+              <a:ext uri="{FF2B5EF4-FFF2-40B4-BE49-F238E27FC236}">
+                <a16:creationId xmlns:a16="http://schemas.microsoft.com/office/drawing/2014/main" id="{1554103F-1ECA-8530-E162-3BE3F4FE9C16}"/>
+              </a:ext>
+            </a:extLst>
+          </p:cNvPr>
+          <p:cNvPicPr>
+            <a:picLocks noChangeAspect="1" noChangeArrowheads="1"/>
+          </p:cNvPicPr>
+          <p:nvPr/>
+        </p:nvPicPr>
+        <p:blipFill>
+          <a:blip r:embed="rId3">
+            <a:clrChange>
+              <a:clrFrom>
+                <a:srgbClr val="EFEFEF"/>
+              </a:clrFrom>
+              <a:clrTo>
+                <a:srgbClr val="EFEFEF">
+                  <a:alpha val="0"/>
+                </a:srgbClr>
+              </a:clrTo>
+            </a:clrChange>
+            <a:extLst>
+              <a:ext uri="{28A0092B-C50C-407E-A947-70E740481C1C}">
+                <a14:useLocalDpi xmlns:a14="http://schemas.microsoft.com/office/drawing/2010/main" val="0"/>
+              </a:ext>
+            </a:extLst>
+          </a:blip>
+          <a:srcRect/>
+          <a:stretch>
+            <a:fillRect/>
+          </a:stretch>
+        </p:blipFill>
+        <p:spPr bwMode="auto">
+          <a:xfrm>
+            <a:off x="10652079" y="8930"/>
+            <a:ext cx="895507" cy="914400"/>
+          </a:xfrm>
+          <a:prstGeom prst="rect">
+            <a:avLst/>
+          </a:prstGeom>
+          <a:noFill/>
+          <a:extLst>
+            <a:ext uri="{909E8E84-426E-40DD-AFC4-6F175D3DCCD1}">
+              <a14:hiddenFill xmlns:a14="http://schemas.microsoft.com/office/drawing/2010/main">
+                <a:solidFill>
+                  <a:srgbClr val="FFFFFF"/>
+                </a:solidFill>
+              </a14:hiddenFill>
+            </a:ext>
+          </a:extLst>
+        </p:spPr>
+      </p:pic>
+      <p:pic>
+        <p:nvPicPr>
+          <p:cNvPr id="7" name="Picture 6" descr="A cartoon owl wearing a graduation cap and glasses&#10;&#10;Description automatically generated">
+            <a:extLst>
+              <a:ext uri="{FF2B5EF4-FFF2-40B4-BE49-F238E27FC236}">
+                <a16:creationId xmlns:a16="http://schemas.microsoft.com/office/drawing/2014/main" id="{3AEA9986-B7C4-0E97-5BE2-8505E1692F4B}"/>
+              </a:ext>
+            </a:extLst>
+          </p:cNvPr>
+          <p:cNvPicPr>
+            <a:picLocks noChangeAspect="1"/>
+          </p:cNvPicPr>
+          <p:nvPr/>
+        </p:nvPicPr>
+        <p:blipFill>
+          <a:blip r:embed="rId4">
+            <a:clrChange>
+              <a:clrFrom>
+                <a:srgbClr val="DDEFF9"/>
+              </a:clrFrom>
+              <a:clrTo>
+                <a:srgbClr val="DDEFF9">
+                  <a:alpha val="0"/>
+                </a:srgbClr>
+              </a:clrTo>
+            </a:clrChange>
+          </a:blip>
+          <a:stretch>
+            <a:fillRect/>
+          </a:stretch>
+        </p:blipFill>
+        <p:spPr>
+          <a:xfrm>
+            <a:off x="33636" y="6226406"/>
+            <a:ext cx="603448" cy="603448"/>
+          </a:xfrm>
+          <a:prstGeom prst="rect">
+            <a:avLst/>
+          </a:prstGeom>
+        </p:spPr>
+      </p:pic>
+      <p:sp>
+        <p:nvSpPr>
+          <p:cNvPr id="3" name="Subtitle 2"/>
+          <p:cNvSpPr>
+            <a:spLocks noGrp="1"/>
+          </p:cNvSpPr>
+          <p:nvPr>
+            <p:ph type="subTitle" idx="1"/>
+          </p:nvPr>
+        </p:nvSpPr>
+        <p:spPr>
+          <a:xfrm>
+            <a:off x="3647728" y="3971842"/>
+            <a:ext cx="5688632" cy="1545391"/>
+          </a:xfrm>
+        </p:spPr>
+        <p:txBody>
+          <a:bodyPr>
+            <a:normAutofit fontScale="92500" lnSpcReduction="20000"/>
+          </a:bodyPr>
+          <a:lstStyle/>
+          <a:p>
+            <a:r>
+              <a:rPr lang="en-US" sz="3000" b="1" dirty="0">
+                <a:latin typeface="Aptos Black" panose="020F0502020204030204" pitchFamily="34" charset="0"/>
+              </a:rPr>
+              <a:t>Part 1: Become a Scratch Designer</a:t>
+            </a:r>
+          </a:p>
+          <a:p>
+            <a:r>
+              <a:rPr lang="en-US" b="1" dirty="0">
+                <a:latin typeface="Aptos Black" panose="020F0502020204030204" pitchFamily="34" charset="0"/>
+              </a:rPr>
+              <a:t>Chapter 4: Build Vector Robots</a:t>
+            </a:r>
+          </a:p>
+          <a:p>
+            <a:r>
+              <a:rPr lang="en-US" sz="2900" dirty="0">
+                <a:latin typeface="Aptos Black" panose="020F0502020204030204" pitchFamily="34" charset="0"/>
+              </a:rPr>
+              <a:t>(4) Adding Code to Robot</a:t>
+            </a:r>
+          </a:p>
+        </p:txBody>
+      </p:sp>
+      <p:sp>
+        <p:nvSpPr>
+          <p:cNvPr id="11" name="TextBox 10">
+            <a:extLst>
+              <a:ext uri="{FF2B5EF4-FFF2-40B4-BE49-F238E27FC236}">
+                <a16:creationId xmlns:a16="http://schemas.microsoft.com/office/drawing/2014/main" id="{7F7069DF-7952-A2B5-D09B-42662344A4FC}"/>
+              </a:ext>
+            </a:extLst>
+          </p:cNvPr>
+          <p:cNvSpPr txBox="1"/>
+          <p:nvPr/>
+        </p:nvSpPr>
+        <p:spPr>
+          <a:xfrm>
+            <a:off x="817468" y="6381328"/>
+            <a:ext cx="8204208" cy="461665"/>
+          </a:xfrm>
+          <a:prstGeom prst="rect">
+            <a:avLst/>
+          </a:prstGeom>
+          <a:noFill/>
+        </p:spPr>
+        <p:txBody>
+          <a:bodyPr wrap="square">
+            <a:spAutoFit/>
+          </a:bodyPr>
+          <a:lstStyle/>
+          <a:p>
+            <a:r>
+              <a:rPr lang="en-US" sz="2400" b="1" dirty="0">
+                <a:hlinkClick r:id="rId5"/>
+              </a:rPr>
+              <a:t>https://github.com/yasenstar/learn_scratch</a:t>
+            </a:r>
+            <a:endParaRPr lang="en-US" sz="2400" b="1" dirty="0"/>
+          </a:p>
+        </p:txBody>
+      </p:sp>
+      <p:pic>
+        <p:nvPicPr>
+          <p:cNvPr id="8" name="Picture 7">
+            <a:extLst>
+              <a:ext uri="{FF2B5EF4-FFF2-40B4-BE49-F238E27FC236}">
+                <a16:creationId xmlns:a16="http://schemas.microsoft.com/office/drawing/2014/main" id="{00387E03-BE82-DAEA-79BE-7F4DDDD9631B}"/>
+              </a:ext>
+            </a:extLst>
+          </p:cNvPr>
+          <p:cNvPicPr>
+            <a:picLocks noChangeAspect="1"/>
+          </p:cNvPicPr>
+          <p:nvPr/>
+        </p:nvPicPr>
+        <p:blipFill>
+          <a:blip r:embed="rId6"/>
+          <a:stretch>
+            <a:fillRect/>
+          </a:stretch>
+        </p:blipFill>
+        <p:spPr>
+          <a:xfrm>
+            <a:off x="263351" y="1005378"/>
+            <a:ext cx="7324397" cy="2423621"/>
+          </a:xfrm>
+          <a:prstGeom prst="rect">
+            <a:avLst/>
+          </a:prstGeom>
+          <a:ln>
+            <a:noFill/>
+          </a:ln>
+          <a:effectLst>
+            <a:outerShdw blurRad="292100" dist="139700" dir="2700000" algn="tl" rotWithShape="0">
+              <a:srgbClr val="333333">
+                <a:alpha val="65000"/>
+              </a:srgbClr>
+            </a:outerShdw>
+          </a:effectLst>
+        </p:spPr>
+      </p:pic>
+    </p:spTree>
+    <p:extLst>
+      <p:ext uri="{BB962C8B-B14F-4D97-AF65-F5344CB8AC3E}">
+        <p14:creationId xmlns:p14="http://schemas.microsoft.com/office/powerpoint/2010/main" val="413598846"/>
+      </p:ext>
+    </p:extLst>
+  </p:cSld>
+  <p:clrMapOvr>
+    <a:masterClrMapping/>
+  </p:clrMapOvr>
+  <mc:AlternateContent xmlns:mc="http://schemas.openxmlformats.org/markup-compatibility/2006">
+    <mc:Choice xmlns:p14="http://schemas.microsoft.com/office/powerpoint/2010/main" Requires="p14">
+      <p:transition spd="med" p14:dur="700">
+        <p:fade/>
+      </p:transition>
+    </mc:Choice>
+    <mc:Fallback>
       <p:transition spd="med">
         <p:fade/>
       </p:transition>

--- a/scratch4kids/Scratch4Kids.pptx
+++ b/scratch4kids/Scratch4Kids.pptx
@@ -5,29 +5,30 @@
     <p:sldMasterId id="2147483648" r:id="rId4"/>
   </p:sldMasterIdLst>
   <p:notesMasterIdLst>
-    <p:notesMasterId r:id="rId22"/>
+    <p:notesMasterId r:id="rId23"/>
   </p:notesMasterIdLst>
   <p:handoutMasterIdLst>
-    <p:handoutMasterId r:id="rId23"/>
+    <p:handoutMasterId r:id="rId24"/>
   </p:handoutMasterIdLst>
   <p:sldIdLst>
     <p:sldId id="257" r:id="rId5"/>
-    <p:sldId id="258" r:id="rId6"/>
-    <p:sldId id="259" r:id="rId7"/>
-    <p:sldId id="260" r:id="rId8"/>
-    <p:sldId id="261" r:id="rId9"/>
-    <p:sldId id="262" r:id="rId10"/>
-    <p:sldId id="263" r:id="rId11"/>
-    <p:sldId id="264" r:id="rId12"/>
-    <p:sldId id="265" r:id="rId13"/>
-    <p:sldId id="266" r:id="rId14"/>
-    <p:sldId id="267" r:id="rId15"/>
-    <p:sldId id="268" r:id="rId16"/>
-    <p:sldId id="269" r:id="rId17"/>
-    <p:sldId id="270" r:id="rId18"/>
-    <p:sldId id="271" r:id="rId19"/>
-    <p:sldId id="272" r:id="rId20"/>
-    <p:sldId id="273" r:id="rId21"/>
+    <p:sldId id="274" r:id="rId6"/>
+    <p:sldId id="258" r:id="rId7"/>
+    <p:sldId id="259" r:id="rId8"/>
+    <p:sldId id="260" r:id="rId9"/>
+    <p:sldId id="261" r:id="rId10"/>
+    <p:sldId id="262" r:id="rId11"/>
+    <p:sldId id="263" r:id="rId12"/>
+    <p:sldId id="264" r:id="rId13"/>
+    <p:sldId id="265" r:id="rId14"/>
+    <p:sldId id="266" r:id="rId15"/>
+    <p:sldId id="267" r:id="rId16"/>
+    <p:sldId id="268" r:id="rId17"/>
+    <p:sldId id="269" r:id="rId18"/>
+    <p:sldId id="270" r:id="rId19"/>
+    <p:sldId id="271" r:id="rId20"/>
+    <p:sldId id="272" r:id="rId21"/>
+    <p:sldId id="273" r:id="rId22"/>
   </p:sldIdLst>
   <p:sldSz cx="12192000" cy="6858000"/>
   <p:notesSz cx="6858000" cy="9144000"/>
@@ -219,7 +220,7 @@
           <a:p>
             <a:fld id="{FFBE2AAA-2CC7-4F9C-A8C6-8B9F2A3E9EF0}" type="datetimeFigureOut">
               <a:rPr lang="en-US" smtClean="0"/>
-              <a:t>3/31/2024</a:t>
+              <a:t>8/15/2024</a:t>
             </a:fld>
             <a:endParaRPr lang="en-US"/>
           </a:p>
@@ -384,7 +385,7 @@
           <a:p>
             <a:fld id="{2B37ADBA-1AC7-4CD6-8AFF-4E8087BA5487}" type="datetimeFigureOut">
               <a:rPr lang="en-US" smtClean="0"/>
-              <a:t>3/31/2024</a:t>
+              <a:t>8/15/2024</a:t>
             </a:fld>
             <a:endParaRPr lang="en-US"/>
           </a:p>
@@ -3585,7 +3586,7 @@
           <a:p>
             <a:fld id="{7FC8593D-7C47-471E-A8DF-97AC4FFD13F5}" type="datetimeFigureOut">
               <a:rPr lang="en-US" smtClean="0"/>
-              <a:t>3/31/2024</a:t>
+              <a:t>8/15/2024</a:t>
             </a:fld>
             <a:endParaRPr lang="en-US"/>
           </a:p>
@@ -3779,7 +3780,7 @@
           <a:p>
             <a:fld id="{7FC8593D-7C47-471E-A8DF-97AC4FFD13F5}" type="datetimeFigureOut">
               <a:rPr lang="en-US" smtClean="0"/>
-              <a:t>3/31/2024</a:t>
+              <a:t>8/15/2024</a:t>
             </a:fld>
             <a:endParaRPr lang="en-US"/>
           </a:p>
@@ -3962,7 +3963,7 @@
           <a:p>
             <a:fld id="{7FC8593D-7C47-471E-A8DF-97AC4FFD13F5}" type="datetimeFigureOut">
               <a:rPr lang="en-US" smtClean="0"/>
-              <a:t>3/31/2024</a:t>
+              <a:t>8/15/2024</a:t>
             </a:fld>
             <a:endParaRPr lang="en-US"/>
           </a:p>
@@ -4434,7 +4435,7 @@
           <a:p>
             <a:fld id="{7FC8593D-7C47-471E-A8DF-97AC4FFD13F5}" type="datetimeFigureOut">
               <a:rPr lang="en-US" smtClean="0"/>
-              <a:t>3/31/2024</a:t>
+              <a:t>8/15/2024</a:t>
             </a:fld>
             <a:endParaRPr lang="en-US"/>
           </a:p>
@@ -4834,7 +4835,7 @@
           <a:p>
             <a:fld id="{7FC8593D-7C47-471E-A8DF-97AC4FFD13F5}" type="datetimeFigureOut">
               <a:rPr lang="en-US" smtClean="0"/>
-              <a:t>3/31/2024</a:t>
+              <a:t>8/15/2024</a:t>
             </a:fld>
             <a:endParaRPr lang="en-US"/>
           </a:p>
@@ -4966,7 +4967,7 @@
           <a:p>
             <a:fld id="{7FC8593D-7C47-471E-A8DF-97AC4FFD13F5}" type="datetimeFigureOut">
               <a:rPr lang="en-US" smtClean="0"/>
-              <a:t>3/31/2024</a:t>
+              <a:t>8/15/2024</a:t>
             </a:fld>
             <a:endParaRPr lang="en-US"/>
           </a:p>
@@ -5076,7 +5077,7 @@
           <a:p>
             <a:fld id="{7FC8593D-7C47-471E-A8DF-97AC4FFD13F5}" type="datetimeFigureOut">
               <a:rPr lang="en-US" smtClean="0"/>
-              <a:t>3/31/2024</a:t>
+              <a:t>8/15/2024</a:t>
             </a:fld>
             <a:endParaRPr lang="en-US"/>
           </a:p>
@@ -5369,7 +5370,7 @@
           <a:p>
             <a:fld id="{7FC8593D-7C47-471E-A8DF-97AC4FFD13F5}" type="datetimeFigureOut">
               <a:rPr lang="en-US" smtClean="0"/>
-              <a:t>3/31/2024</a:t>
+              <a:t>8/15/2024</a:t>
             </a:fld>
             <a:endParaRPr lang="en-US"/>
           </a:p>
@@ -5820,7 +5821,7 @@
           <a:p>
             <a:fld id="{7FC8593D-7C47-471E-A8DF-97AC4FFD13F5}" type="datetimeFigureOut">
               <a:rPr lang="en-US" smtClean="0"/>
-              <a:t>3/31/2024</a:t>
+              <a:t>8/15/2024</a:t>
             </a:fld>
             <a:endParaRPr lang="en-US"/>
           </a:p>
@@ -6091,7 +6092,7 @@
             <a:fld id="{7FC8593D-7C47-471E-A8DF-97AC4FFD13F5}" type="datetimeFigureOut">
               <a:rPr lang="en-US" smtClean="0"/>
               <a:pPr/>
-              <a:t>3/31/2024</a:t>
+              <a:t>8/15/2024</a:t>
             </a:fld>
             <a:endParaRPr lang="en-US" dirty="0"/>
           </a:p>
@@ -6489,78 +6490,6 @@
           <a:chExt cx="0" cy="0"/>
         </a:xfrm>
       </p:grpSpPr>
-      <p:sp>
-        <p:nvSpPr>
-          <p:cNvPr id="2" name="Title 1"/>
-          <p:cNvSpPr>
-            <a:spLocks noGrp="1"/>
-          </p:cNvSpPr>
-          <p:nvPr>
-            <p:ph type="ctrTitle"/>
-          </p:nvPr>
-        </p:nvSpPr>
-        <p:spPr>
-          <a:xfrm>
-            <a:off x="551384" y="533400"/>
-            <a:ext cx="5190369" cy="1828800"/>
-          </a:xfrm>
-        </p:spPr>
-        <p:txBody>
-          <a:bodyPr anchor="ctr">
-            <a:normAutofit/>
-          </a:bodyPr>
-          <a:lstStyle/>
-          <a:p>
-            <a:r>
-              <a:rPr lang="en-US" sz="4800" dirty="0">
-                <a:latin typeface="ADLaM Display" panose="02010000000000000000" pitchFamily="2" charset="0"/>
-                <a:ea typeface="ADLaM Display" panose="02010000000000000000" pitchFamily="2" charset="0"/>
-                <a:cs typeface="ADLaM Display" panose="02010000000000000000" pitchFamily="2" charset="0"/>
-              </a:rPr>
-              <a:t>Scratch for Kids</a:t>
-            </a:r>
-          </a:p>
-        </p:txBody>
-      </p:sp>
-      <p:sp>
-        <p:nvSpPr>
-          <p:cNvPr id="3" name="Subtitle 2"/>
-          <p:cNvSpPr>
-            <a:spLocks noGrp="1"/>
-          </p:cNvSpPr>
-          <p:nvPr>
-            <p:ph type="subTitle" idx="1"/>
-          </p:nvPr>
-        </p:nvSpPr>
-        <p:spPr>
-          <a:xfrm>
-            <a:off x="551384" y="2438400"/>
-            <a:ext cx="5190369" cy="914400"/>
-          </a:xfrm>
-        </p:spPr>
-        <p:txBody>
-          <a:bodyPr>
-            <a:normAutofit lnSpcReduction="10000"/>
-          </a:bodyPr>
-          <a:lstStyle/>
-          <a:p>
-            <a:r>
-              <a:rPr lang="en-US" sz="2800" b="1" dirty="0">
-                <a:latin typeface="Aptos Black" panose="020F0502020204030204" pitchFamily="34" charset="0"/>
-              </a:rPr>
-              <a:t>15 Interactive Projects</a:t>
-            </a:r>
-          </a:p>
-          <a:p>
-            <a:r>
-              <a:rPr lang="en-US" dirty="0">
-                <a:latin typeface="Aptos Black" panose="020F0502020204030204" pitchFamily="34" charset="0"/>
-              </a:rPr>
-              <a:t>Author: Derek Breen</a:t>
-            </a:r>
-          </a:p>
-        </p:txBody>
-      </p:sp>
       <p:pic>
         <p:nvPicPr>
           <p:cNvPr id="6" name="Picture 5" descr="A book cover with a cartoon character&#10;&#10;Description automatically generated">
@@ -6583,8 +6512,8 @@
         </p:blipFill>
         <p:spPr>
           <a:xfrm>
-            <a:off x="5741753" y="404664"/>
-            <a:ext cx="3563006" cy="4392488"/>
+            <a:off x="1631504" y="3789040"/>
+            <a:ext cx="832495" cy="1026303"/>
           </a:xfrm>
           <a:prstGeom prst="roundRect">
             <a:avLst>
@@ -6643,8 +6572,8 @@
         </p:blipFill>
         <p:spPr bwMode="auto">
           <a:xfrm>
-            <a:off x="3575720" y="2895600"/>
-            <a:ext cx="2045864" cy="2089026"/>
+            <a:off x="3647728" y="116632"/>
+            <a:ext cx="5544616" cy="5661592"/>
           </a:xfrm>
           <a:prstGeom prst="rect">
             <a:avLst/>
@@ -6659,47 +6588,6 @@
               </a14:hiddenFill>
             </a:ext>
           </a:extLst>
-        </p:spPr>
-      </p:pic>
-      <p:pic>
-        <p:nvPicPr>
-          <p:cNvPr id="8" name="Picture 7" descr="A cartoon owl wearing a graduation cap and glasses&#10;&#10;Description automatically generated">
-            <a:extLst>
-              <a:ext uri="{FF2B5EF4-FFF2-40B4-BE49-F238E27FC236}">
-                <a16:creationId xmlns:a16="http://schemas.microsoft.com/office/drawing/2014/main" id="{1574F049-B1D9-75D4-7CC3-E56544B13756}"/>
-              </a:ext>
-            </a:extLst>
-          </p:cNvPr>
-          <p:cNvPicPr>
-            <a:picLocks noChangeAspect="1"/>
-          </p:cNvPicPr>
-          <p:nvPr/>
-        </p:nvPicPr>
-        <p:blipFill>
-          <a:blip r:embed="rId4">
-            <a:clrChange>
-              <a:clrFrom>
-                <a:srgbClr val="DDEFF9"/>
-              </a:clrFrom>
-              <a:clrTo>
-                <a:srgbClr val="DDEFF9">
-                  <a:alpha val="0"/>
-                </a:srgbClr>
-              </a:clrTo>
-            </a:clrChange>
-          </a:blip>
-          <a:stretch>
-            <a:fillRect/>
-          </a:stretch>
-        </p:blipFill>
-        <p:spPr>
-          <a:xfrm>
-            <a:off x="33636" y="6226406"/>
-            <a:ext cx="603448" cy="603448"/>
-          </a:xfrm>
-          <a:prstGeom prst="rect">
-            <a:avLst/>
-          </a:prstGeom>
         </p:spPr>
       </p:pic>
     </p:spTree>
@@ -6853,7 +6741,7 @@
               <a:rPr lang="en-US" sz="5400" dirty="0">
                 <a:latin typeface="Bauhaus 93" panose="04030905020B02020C02" pitchFamily="82" charset="0"/>
               </a:rPr>
-              <a:t>008</a:t>
+              <a:t>007</a:t>
             </a:r>
           </a:p>
         </p:txBody>
@@ -6998,7 +6886,7 @@
               <a:rPr lang="en-US" b="1" dirty="0">
                 <a:latin typeface="Aptos Black" panose="020F0502020204030204" pitchFamily="34" charset="0"/>
               </a:rPr>
-              <a:t>(3) Tell Your Super Story</a:t>
+              <a:t>(2) Modify Scratch Characters</a:t>
             </a:r>
             <a:endParaRPr lang="en-US" sz="2000" dirty="0">
               <a:latin typeface="Aptos Black" panose="020F0502020204030204" pitchFamily="34" charset="0"/>
@@ -7046,10 +6934,10 @@
       </p:sp>
       <p:pic>
         <p:nvPicPr>
-          <p:cNvPr id="8" name="Picture 7">
+          <p:cNvPr id="9" name="Picture 8">
             <a:extLst>
               <a:ext uri="{FF2B5EF4-FFF2-40B4-BE49-F238E27FC236}">
-                <a16:creationId xmlns:a16="http://schemas.microsoft.com/office/drawing/2014/main" id="{3292BA5B-FC8B-D40F-C1E8-79E408EEC1C5}"/>
+                <a16:creationId xmlns:a16="http://schemas.microsoft.com/office/drawing/2014/main" id="{2053AE08-E640-A641-A82B-1F4283294DB7}"/>
               </a:ext>
             </a:extLst>
           </p:cNvPr>
@@ -7066,8 +6954,8 @@
         </p:blipFill>
         <p:spPr>
           <a:xfrm>
-            <a:off x="468602" y="851076"/>
-            <a:ext cx="7200800" cy="3311431"/>
+            <a:off x="683841" y="879158"/>
+            <a:ext cx="6456040" cy="3211996"/>
           </a:xfrm>
           <a:prstGeom prst="rect">
             <a:avLst/>
@@ -7087,7 +6975,7 @@
     </p:spTree>
     <p:extLst>
       <p:ext uri="{BB962C8B-B14F-4D97-AF65-F5344CB8AC3E}">
-        <p14:creationId xmlns:p14="http://schemas.microsoft.com/office/powerpoint/2010/main" val="1681357804"/>
+        <p14:creationId xmlns:p14="http://schemas.microsoft.com/office/powerpoint/2010/main" val="3498749156"/>
       </p:ext>
     </p:extLst>
   </p:cSld>
@@ -7126,46 +7014,6 @@
           <a:chExt cx="0" cy="0"/>
         </a:xfrm>
       </p:grpSpPr>
-      <p:pic>
-        <p:nvPicPr>
-          <p:cNvPr id="9" name="Picture 8">
-            <a:extLst>
-              <a:ext uri="{FF2B5EF4-FFF2-40B4-BE49-F238E27FC236}">
-                <a16:creationId xmlns:a16="http://schemas.microsoft.com/office/drawing/2014/main" id="{34267ACD-5845-C66D-A957-91A56C16990F}"/>
-              </a:ext>
-            </a:extLst>
-          </p:cNvPr>
-          <p:cNvPicPr>
-            <a:picLocks noChangeAspect="1"/>
-          </p:cNvPicPr>
-          <p:nvPr/>
-        </p:nvPicPr>
-        <p:blipFill>
-          <a:blip r:embed="rId2"/>
-          <a:stretch>
-            <a:fillRect/>
-          </a:stretch>
-        </p:blipFill>
-        <p:spPr>
-          <a:xfrm>
-            <a:off x="119335" y="958771"/>
-            <a:ext cx="7867885" cy="3118301"/>
-          </a:xfrm>
-          <a:prstGeom prst="rect">
-            <a:avLst/>
-          </a:prstGeom>
-          <a:ln>
-            <a:noFill/>
-          </a:ln>
-          <a:effectLst>
-            <a:outerShdw blurRad="292100" dist="139700" dir="2700000" algn="tl" rotWithShape="0">
-              <a:srgbClr val="333333">
-                <a:alpha val="65000"/>
-              </a:srgbClr>
-            </a:outerShdw>
-          </a:effectLst>
-        </p:spPr>
-      </p:pic>
       <p:sp>
         <p:nvSpPr>
           <p:cNvPr id="2" name="Title 1"/>
@@ -7214,7 +7062,7 @@
           <p:nvPr/>
         </p:nvPicPr>
         <p:blipFill>
-          <a:blip r:embed="rId3"/>
+          <a:blip r:embed="rId2"/>
           <a:stretch>
             <a:fillRect/>
           </a:stretch>
@@ -7275,7 +7123,7 @@
               <a:rPr lang="en-US" sz="5400" dirty="0">
                 <a:latin typeface="Bauhaus 93" panose="04030905020B02020C02" pitchFamily="82" charset="0"/>
               </a:rPr>
-              <a:t>009</a:t>
+              <a:t>008</a:t>
             </a:r>
           </a:p>
         </p:txBody>
@@ -7295,7 +7143,7 @@
           <p:nvPr/>
         </p:nvPicPr>
         <p:blipFill>
-          <a:blip r:embed="rId4">
+          <a:blip r:embed="rId3">
             <a:clrChange>
               <a:clrFrom>
                 <a:srgbClr val="EFEFEF"/>
@@ -7352,7 +7200,7 @@
           <p:nvPr/>
         </p:nvPicPr>
         <p:blipFill>
-          <a:blip r:embed="rId5">
+          <a:blip r:embed="rId4">
             <a:clrChange>
               <a:clrFrom>
                 <a:srgbClr val="DDEFF9"/>
@@ -7396,7 +7244,7 @@
         </p:spPr>
         <p:txBody>
           <a:bodyPr>
-            <a:normAutofit fontScale="85000" lnSpcReduction="20000"/>
+            <a:normAutofit fontScale="85000" lnSpcReduction="10000"/>
           </a:bodyPr>
           <a:lstStyle/>
           <a:p>
@@ -7412,17 +7260,17 @@
               <a:rPr lang="en-US" b="1" dirty="0">
                 <a:latin typeface="Aptos Black" panose="020F0502020204030204" pitchFamily="34" charset="0"/>
               </a:rPr>
-              <a:t>Chapter 3: Design Scratch Animals</a:t>
-            </a:r>
-          </a:p>
-          <a:p>
-            <a:r>
-              <a:rPr lang="en-US" sz="2800" b="1" dirty="0">
+              <a:t>Chapter 2: Create Your Own Comics</a:t>
+            </a:r>
+          </a:p>
+          <a:p>
+            <a:r>
+              <a:rPr lang="en-US" b="1" dirty="0">
                 <a:latin typeface="Aptos Black" panose="020F0502020204030204" pitchFamily="34" charset="0"/>
               </a:rPr>
-              <a:t>(1) Create a Great Turtle</a:t>
-            </a:r>
-            <a:endParaRPr lang="en-US" sz="2100" dirty="0">
+              <a:t>(3) Tell Your Super Story</a:t>
+            </a:r>
+            <a:endParaRPr lang="en-US" sz="2000" dirty="0">
               <a:latin typeface="Aptos Black" panose="020F0502020204030204" pitchFamily="34" charset="0"/>
             </a:endParaRPr>
           </a:p>
@@ -7458,7 +7306,7 @@
           <a:p>
             <a:r>
               <a:rPr lang="en-US" sz="2400" b="1" dirty="0">
-                <a:hlinkClick r:id="rId6"/>
+                <a:hlinkClick r:id="rId5"/>
               </a:rPr>
               <a:t>https://github.com/yasenstar/learn_scratch</a:t>
             </a:r>
@@ -7466,10 +7314,50 @@
           </a:p>
         </p:txBody>
       </p:sp>
+      <p:pic>
+        <p:nvPicPr>
+          <p:cNvPr id="8" name="Picture 7">
+            <a:extLst>
+              <a:ext uri="{FF2B5EF4-FFF2-40B4-BE49-F238E27FC236}">
+                <a16:creationId xmlns:a16="http://schemas.microsoft.com/office/drawing/2014/main" id="{3292BA5B-FC8B-D40F-C1E8-79E408EEC1C5}"/>
+              </a:ext>
+            </a:extLst>
+          </p:cNvPr>
+          <p:cNvPicPr>
+            <a:picLocks noChangeAspect="1"/>
+          </p:cNvPicPr>
+          <p:nvPr/>
+        </p:nvPicPr>
+        <p:blipFill>
+          <a:blip r:embed="rId6"/>
+          <a:stretch>
+            <a:fillRect/>
+          </a:stretch>
+        </p:blipFill>
+        <p:spPr>
+          <a:xfrm>
+            <a:off x="468602" y="851076"/>
+            <a:ext cx="7200800" cy="3311431"/>
+          </a:xfrm>
+          <a:prstGeom prst="rect">
+            <a:avLst/>
+          </a:prstGeom>
+          <a:ln>
+            <a:noFill/>
+          </a:ln>
+          <a:effectLst>
+            <a:outerShdw blurRad="292100" dist="139700" dir="2700000" algn="tl" rotWithShape="0">
+              <a:srgbClr val="333333">
+                <a:alpha val="65000"/>
+              </a:srgbClr>
+            </a:outerShdw>
+          </a:effectLst>
+        </p:spPr>
+      </p:pic>
     </p:spTree>
     <p:extLst>
       <p:ext uri="{BB962C8B-B14F-4D97-AF65-F5344CB8AC3E}">
-        <p14:creationId xmlns:p14="http://schemas.microsoft.com/office/powerpoint/2010/main" val="3337945388"/>
+        <p14:creationId xmlns:p14="http://schemas.microsoft.com/office/powerpoint/2010/main" val="1681357804"/>
       </p:ext>
     </p:extLst>
   </p:cSld>
@@ -7510,10 +7398,10 @@
       </p:grpSpPr>
       <p:pic>
         <p:nvPicPr>
-          <p:cNvPr id="8" name="Picture 7">
+          <p:cNvPr id="9" name="Picture 8">
             <a:extLst>
               <a:ext uri="{FF2B5EF4-FFF2-40B4-BE49-F238E27FC236}">
-                <a16:creationId xmlns:a16="http://schemas.microsoft.com/office/drawing/2014/main" id="{8D231DFF-CEEA-2B29-70F8-4D2B6EB7855B}"/>
+                <a16:creationId xmlns:a16="http://schemas.microsoft.com/office/drawing/2014/main" id="{34267ACD-5845-C66D-A957-91A56C16990F}"/>
               </a:ext>
             </a:extLst>
           </p:cNvPr>
@@ -7530,8 +7418,8 @@
         </p:blipFill>
         <p:spPr>
           <a:xfrm>
-            <a:off x="333048" y="844318"/>
-            <a:ext cx="7113024" cy="3232753"/>
+            <a:off x="119335" y="958771"/>
+            <a:ext cx="7867885" cy="3118301"/>
           </a:xfrm>
           <a:prstGeom prst="rect">
             <a:avLst/>
@@ -7657,7 +7545,7 @@
               <a:rPr lang="en-US" sz="5400" dirty="0">
                 <a:latin typeface="Bauhaus 93" panose="04030905020B02020C02" pitchFamily="82" charset="0"/>
               </a:rPr>
-              <a:t>010</a:t>
+              <a:t>009</a:t>
             </a:r>
           </a:p>
         </p:txBody>
@@ -7802,7 +7690,7 @@
               <a:rPr lang="en-US" sz="2800" b="1" dirty="0">
                 <a:latin typeface="Aptos Black" panose="020F0502020204030204" pitchFamily="34" charset="0"/>
               </a:rPr>
-              <a:t>(2) Add Code to Animate the Turtle</a:t>
+              <a:t>(1) Create a Great Turtle</a:t>
             </a:r>
             <a:endParaRPr lang="en-US" sz="2100" dirty="0">
               <a:latin typeface="Aptos Black" panose="020F0502020204030204" pitchFamily="34" charset="0"/>
@@ -7851,7 +7739,7 @@
     </p:spTree>
     <p:extLst>
       <p:ext uri="{BB962C8B-B14F-4D97-AF65-F5344CB8AC3E}">
-        <p14:creationId xmlns:p14="http://schemas.microsoft.com/office/powerpoint/2010/main" val="822956317"/>
+        <p14:creationId xmlns:p14="http://schemas.microsoft.com/office/powerpoint/2010/main" val="3337945388"/>
       </p:ext>
     </p:extLst>
   </p:cSld>
@@ -7892,10 +7780,10 @@
       </p:grpSpPr>
       <p:pic>
         <p:nvPicPr>
-          <p:cNvPr id="9" name="Picture 8">
+          <p:cNvPr id="8" name="Picture 7">
             <a:extLst>
               <a:ext uri="{FF2B5EF4-FFF2-40B4-BE49-F238E27FC236}">
-                <a16:creationId xmlns:a16="http://schemas.microsoft.com/office/drawing/2014/main" id="{8BAC93E1-CFBF-5CFE-5AD9-BF8FD9E3659E}"/>
+                <a16:creationId xmlns:a16="http://schemas.microsoft.com/office/drawing/2014/main" id="{8D231DFF-CEEA-2B29-70F8-4D2B6EB7855B}"/>
               </a:ext>
             </a:extLst>
           </p:cNvPr>
@@ -7912,8 +7800,8 @@
         </p:blipFill>
         <p:spPr>
           <a:xfrm>
-            <a:off x="544076" y="821705"/>
-            <a:ext cx="7176120" cy="3382683"/>
+            <a:off x="333048" y="844318"/>
+            <a:ext cx="7113024" cy="3232753"/>
           </a:xfrm>
           <a:prstGeom prst="rect">
             <a:avLst/>
@@ -8039,7 +7927,7 @@
               <a:rPr lang="en-US" sz="5400" dirty="0">
                 <a:latin typeface="Bauhaus 93" panose="04030905020B02020C02" pitchFamily="82" charset="0"/>
               </a:rPr>
-              <a:t>011</a:t>
+              <a:t>010</a:t>
             </a:r>
           </a:p>
         </p:txBody>
@@ -8184,9 +8072,9 @@
               <a:rPr lang="en-US" sz="2800" b="1" dirty="0">
                 <a:latin typeface="Aptos Black" panose="020F0502020204030204" pitchFamily="34" charset="0"/>
               </a:rPr>
-              <a:t>(3) I Want a Wild Hippogriff!</a:t>
-            </a:r>
-            <a:endParaRPr lang="en-US" sz="2000" dirty="0">
+              <a:t>(2) Add Code to Animate the Turtle</a:t>
+            </a:r>
+            <a:endParaRPr lang="en-US" sz="2100" dirty="0">
               <a:latin typeface="Aptos Black" panose="020F0502020204030204" pitchFamily="34" charset="0"/>
             </a:endParaRPr>
           </a:p>
@@ -8233,7 +8121,7 @@
     </p:spTree>
     <p:extLst>
       <p:ext uri="{BB962C8B-B14F-4D97-AF65-F5344CB8AC3E}">
-        <p14:creationId xmlns:p14="http://schemas.microsoft.com/office/powerpoint/2010/main" val="1927562135"/>
+        <p14:creationId xmlns:p14="http://schemas.microsoft.com/office/powerpoint/2010/main" val="822956317"/>
       </p:ext>
     </p:extLst>
   </p:cSld>
@@ -8274,10 +8162,10 @@
       </p:grpSpPr>
       <p:pic>
         <p:nvPicPr>
-          <p:cNvPr id="8" name="Picture 7">
+          <p:cNvPr id="9" name="Picture 8">
             <a:extLst>
               <a:ext uri="{FF2B5EF4-FFF2-40B4-BE49-F238E27FC236}">
-                <a16:creationId xmlns:a16="http://schemas.microsoft.com/office/drawing/2014/main" id="{32509263-5B39-E52C-55E1-6A0833D59634}"/>
+                <a16:creationId xmlns:a16="http://schemas.microsoft.com/office/drawing/2014/main" id="{8BAC93E1-CFBF-5CFE-5AD9-BF8FD9E3659E}"/>
               </a:ext>
             </a:extLst>
           </p:cNvPr>
@@ -8294,8 +8182,8 @@
         </p:blipFill>
         <p:spPr>
           <a:xfrm>
-            <a:off x="471565" y="828776"/>
-            <a:ext cx="6595484" cy="3104280"/>
+            <a:off x="544076" y="821705"/>
+            <a:ext cx="7176120" cy="3382683"/>
           </a:xfrm>
           <a:prstGeom prst="rect">
             <a:avLst/>
@@ -8367,8 +8255,8 @@
         </p:blipFill>
         <p:spPr>
           <a:xfrm>
-            <a:off x="7453388" y="34790"/>
-            <a:ext cx="2402785" cy="2962162"/>
+            <a:off x="8167262" y="43464"/>
+            <a:ext cx="2037751" cy="2512147"/>
           </a:xfrm>
           <a:prstGeom prst="roundRect">
             <a:avLst>
@@ -8421,7 +8309,7 @@
               <a:rPr lang="en-US" sz="5400" dirty="0">
                 <a:latin typeface="Bauhaus 93" panose="04030905020B02020C02" pitchFamily="82" charset="0"/>
               </a:rPr>
-              <a:t>012</a:t>
+              <a:t>011</a:t>
             </a:r>
           </a:p>
         </p:txBody>
@@ -8536,8 +8424,8 @@
         </p:nvSpPr>
         <p:spPr>
           <a:xfrm>
-            <a:off x="3647728" y="3971842"/>
-            <a:ext cx="5688632" cy="1545391"/>
+            <a:off x="3647728" y="4302389"/>
+            <a:ext cx="5688632" cy="1214844"/>
           </a:xfrm>
         </p:spPr>
         <p:txBody>
@@ -8563,11 +8451,14 @@
           </a:p>
           <a:p>
             <a:r>
-              <a:rPr lang="en-US" sz="2900" dirty="0">
+              <a:rPr lang="en-US" sz="2800" b="1" dirty="0">
                 <a:latin typeface="Aptos Black" panose="020F0502020204030204" pitchFamily="34" charset="0"/>
               </a:rPr>
-              <a:t>(4) Adding Code for the Hippogriff’s Whinny</a:t>
-            </a:r>
+              <a:t>(3) I Want a Wild Hippogriff!</a:t>
+            </a:r>
+            <a:endParaRPr lang="en-US" sz="2000" dirty="0">
+              <a:latin typeface="Aptos Black" panose="020F0502020204030204" pitchFamily="34" charset="0"/>
+            </a:endParaRPr>
           </a:p>
         </p:txBody>
       </p:sp>
@@ -8612,7 +8503,7 @@
     </p:spTree>
     <p:extLst>
       <p:ext uri="{BB962C8B-B14F-4D97-AF65-F5344CB8AC3E}">
-        <p14:creationId xmlns:p14="http://schemas.microsoft.com/office/powerpoint/2010/main" val="387600239"/>
+        <p14:creationId xmlns:p14="http://schemas.microsoft.com/office/powerpoint/2010/main" val="1927562135"/>
       </p:ext>
     </p:extLst>
   </p:cSld>
@@ -8651,6 +8542,385 @@
           <a:chExt cx="0" cy="0"/>
         </a:xfrm>
       </p:grpSpPr>
+      <p:pic>
+        <p:nvPicPr>
+          <p:cNvPr id="8" name="Picture 7">
+            <a:extLst>
+              <a:ext uri="{FF2B5EF4-FFF2-40B4-BE49-F238E27FC236}">
+                <a16:creationId xmlns:a16="http://schemas.microsoft.com/office/drawing/2014/main" id="{32509263-5B39-E52C-55E1-6A0833D59634}"/>
+              </a:ext>
+            </a:extLst>
+          </p:cNvPr>
+          <p:cNvPicPr>
+            <a:picLocks noChangeAspect="1"/>
+          </p:cNvPicPr>
+          <p:nvPr/>
+        </p:nvPicPr>
+        <p:blipFill>
+          <a:blip r:embed="rId2"/>
+          <a:stretch>
+            <a:fillRect/>
+          </a:stretch>
+        </p:blipFill>
+        <p:spPr>
+          <a:xfrm>
+            <a:off x="471565" y="828776"/>
+            <a:ext cx="6595484" cy="3104280"/>
+          </a:xfrm>
+          <a:prstGeom prst="rect">
+            <a:avLst/>
+          </a:prstGeom>
+          <a:ln>
+            <a:noFill/>
+          </a:ln>
+          <a:effectLst>
+            <a:outerShdw blurRad="292100" dist="139700" dir="2700000" algn="tl" rotWithShape="0">
+              <a:srgbClr val="333333">
+                <a:alpha val="65000"/>
+              </a:srgbClr>
+            </a:outerShdw>
+          </a:effectLst>
+        </p:spPr>
+      </p:pic>
+      <p:sp>
+        <p:nvSpPr>
+          <p:cNvPr id="2" name="Title 1"/>
+          <p:cNvSpPr>
+            <a:spLocks noGrp="1"/>
+          </p:cNvSpPr>
+          <p:nvPr>
+            <p:ph type="ctrTitle"/>
+          </p:nvPr>
+        </p:nvSpPr>
+        <p:spPr>
+          <a:xfrm>
+            <a:off x="1534803" y="101625"/>
+            <a:ext cx="6937461" cy="720080"/>
+          </a:xfrm>
+        </p:spPr>
+        <p:txBody>
+          <a:bodyPr anchor="ctr">
+            <a:normAutofit fontScale="90000"/>
+          </a:bodyPr>
+          <a:lstStyle/>
+          <a:p>
+            <a:r>
+              <a:rPr lang="en-US" sz="4800" dirty="0">
+                <a:latin typeface="ADLaM Display" panose="02010000000000000000" pitchFamily="2" charset="0"/>
+                <a:ea typeface="ADLaM Display" panose="02010000000000000000" pitchFamily="2" charset="0"/>
+                <a:cs typeface="ADLaM Display" panose="02010000000000000000" pitchFamily="2" charset="0"/>
+              </a:rPr>
+              <a:t>Scratch for Kids</a:t>
+            </a:r>
+          </a:p>
+        </p:txBody>
+      </p:sp>
+      <p:pic>
+        <p:nvPicPr>
+          <p:cNvPr id="6" name="Picture 5" descr="A book cover with a cartoon character&#10;&#10;Description automatically generated">
+            <a:extLst>
+              <a:ext uri="{FF2B5EF4-FFF2-40B4-BE49-F238E27FC236}">
+                <a16:creationId xmlns:a16="http://schemas.microsoft.com/office/drawing/2014/main" id="{37058493-7DAE-6BF2-99F6-4940E3CECA62}"/>
+              </a:ext>
+            </a:extLst>
+          </p:cNvPr>
+          <p:cNvPicPr>
+            <a:picLocks noChangeAspect="1"/>
+          </p:cNvPicPr>
+          <p:nvPr/>
+        </p:nvPicPr>
+        <p:blipFill>
+          <a:blip r:embed="rId3"/>
+          <a:stretch>
+            <a:fillRect/>
+          </a:stretch>
+        </p:blipFill>
+        <p:spPr>
+          <a:xfrm>
+            <a:off x="7453388" y="34790"/>
+            <a:ext cx="2402785" cy="2962162"/>
+          </a:xfrm>
+          <a:prstGeom prst="roundRect">
+            <a:avLst>
+              <a:gd name="adj" fmla="val 8594"/>
+            </a:avLst>
+          </a:prstGeom>
+          <a:solidFill>
+            <a:srgbClr val="FFFFFF">
+              <a:shade val="85000"/>
+            </a:srgbClr>
+          </a:solidFill>
+          <a:ln>
+            <a:noFill/>
+          </a:ln>
+          <a:effectLst>
+            <a:reflection blurRad="12700" stA="38000" endPos="28000" dist="5000" dir="5400000" sy="-100000" algn="bl" rotWithShape="0"/>
+          </a:effectLst>
+        </p:spPr>
+      </p:pic>
+      <p:sp>
+        <p:nvSpPr>
+          <p:cNvPr id="4" name="TextBox 3">
+            <a:extLst>
+              <a:ext uri="{FF2B5EF4-FFF2-40B4-BE49-F238E27FC236}">
+                <a16:creationId xmlns:a16="http://schemas.microsoft.com/office/drawing/2014/main" id="{99B53E7E-A9ED-6942-DF80-3DF81B395749}"/>
+              </a:ext>
+            </a:extLst>
+          </p:cNvPr>
+          <p:cNvSpPr txBox="1"/>
+          <p:nvPr/>
+        </p:nvSpPr>
+        <p:spPr>
+          <a:xfrm>
+            <a:off x="0" y="0"/>
+            <a:ext cx="1367682" cy="923330"/>
+          </a:xfrm>
+          <a:prstGeom prst="rect">
+            <a:avLst/>
+          </a:prstGeom>
+          <a:noFill/>
+        </p:spPr>
+        <p:txBody>
+          <a:bodyPr wrap="none" rtlCol="0">
+            <a:spAutoFit/>
+          </a:bodyPr>
+          <a:lstStyle/>
+          <a:p>
+            <a:pPr algn="ctr"/>
+            <a:r>
+              <a:rPr lang="en-US" sz="5400" dirty="0">
+                <a:latin typeface="Bauhaus 93" panose="04030905020B02020C02" pitchFamily="82" charset="0"/>
+              </a:rPr>
+              <a:t>012</a:t>
+            </a:r>
+          </a:p>
+        </p:txBody>
+      </p:sp>
+      <p:pic>
+        <p:nvPicPr>
+          <p:cNvPr id="1026" name="Picture 2" descr="scratch logo PNG image with transparent background | TOPpng">
+            <a:extLst>
+              <a:ext uri="{FF2B5EF4-FFF2-40B4-BE49-F238E27FC236}">
+                <a16:creationId xmlns:a16="http://schemas.microsoft.com/office/drawing/2014/main" id="{1554103F-1ECA-8530-E162-3BE3F4FE9C16}"/>
+              </a:ext>
+            </a:extLst>
+          </p:cNvPr>
+          <p:cNvPicPr>
+            <a:picLocks noChangeAspect="1" noChangeArrowheads="1"/>
+          </p:cNvPicPr>
+          <p:nvPr/>
+        </p:nvPicPr>
+        <p:blipFill>
+          <a:blip r:embed="rId4">
+            <a:clrChange>
+              <a:clrFrom>
+                <a:srgbClr val="EFEFEF"/>
+              </a:clrFrom>
+              <a:clrTo>
+                <a:srgbClr val="EFEFEF">
+                  <a:alpha val="0"/>
+                </a:srgbClr>
+              </a:clrTo>
+            </a:clrChange>
+            <a:extLst>
+              <a:ext uri="{28A0092B-C50C-407E-A947-70E740481C1C}">
+                <a14:useLocalDpi xmlns:a14="http://schemas.microsoft.com/office/drawing/2010/main" val="0"/>
+              </a:ext>
+            </a:extLst>
+          </a:blip>
+          <a:srcRect/>
+          <a:stretch>
+            <a:fillRect/>
+          </a:stretch>
+        </p:blipFill>
+        <p:spPr bwMode="auto">
+          <a:xfrm>
+            <a:off x="10652079" y="8930"/>
+            <a:ext cx="895507" cy="914400"/>
+          </a:xfrm>
+          <a:prstGeom prst="rect">
+            <a:avLst/>
+          </a:prstGeom>
+          <a:noFill/>
+          <a:extLst>
+            <a:ext uri="{909E8E84-426E-40DD-AFC4-6F175D3DCCD1}">
+              <a14:hiddenFill xmlns:a14="http://schemas.microsoft.com/office/drawing/2010/main">
+                <a:solidFill>
+                  <a:srgbClr val="FFFFFF"/>
+                </a:solidFill>
+              </a14:hiddenFill>
+            </a:ext>
+          </a:extLst>
+        </p:spPr>
+      </p:pic>
+      <p:pic>
+        <p:nvPicPr>
+          <p:cNvPr id="7" name="Picture 6" descr="A cartoon owl wearing a graduation cap and glasses&#10;&#10;Description automatically generated">
+            <a:extLst>
+              <a:ext uri="{FF2B5EF4-FFF2-40B4-BE49-F238E27FC236}">
+                <a16:creationId xmlns:a16="http://schemas.microsoft.com/office/drawing/2014/main" id="{3AEA9986-B7C4-0E97-5BE2-8505E1692F4B}"/>
+              </a:ext>
+            </a:extLst>
+          </p:cNvPr>
+          <p:cNvPicPr>
+            <a:picLocks noChangeAspect="1"/>
+          </p:cNvPicPr>
+          <p:nvPr/>
+        </p:nvPicPr>
+        <p:blipFill>
+          <a:blip r:embed="rId5">
+            <a:clrChange>
+              <a:clrFrom>
+                <a:srgbClr val="DDEFF9"/>
+              </a:clrFrom>
+              <a:clrTo>
+                <a:srgbClr val="DDEFF9">
+                  <a:alpha val="0"/>
+                </a:srgbClr>
+              </a:clrTo>
+            </a:clrChange>
+          </a:blip>
+          <a:stretch>
+            <a:fillRect/>
+          </a:stretch>
+        </p:blipFill>
+        <p:spPr>
+          <a:xfrm>
+            <a:off x="33636" y="6226406"/>
+            <a:ext cx="603448" cy="603448"/>
+          </a:xfrm>
+          <a:prstGeom prst="rect">
+            <a:avLst/>
+          </a:prstGeom>
+        </p:spPr>
+      </p:pic>
+      <p:sp>
+        <p:nvSpPr>
+          <p:cNvPr id="3" name="Subtitle 2"/>
+          <p:cNvSpPr>
+            <a:spLocks noGrp="1"/>
+          </p:cNvSpPr>
+          <p:nvPr>
+            <p:ph type="subTitle" idx="1"/>
+          </p:nvPr>
+        </p:nvSpPr>
+        <p:spPr>
+          <a:xfrm>
+            <a:off x="3647728" y="3971842"/>
+            <a:ext cx="5688632" cy="1545391"/>
+          </a:xfrm>
+        </p:spPr>
+        <p:txBody>
+          <a:bodyPr>
+            <a:normAutofit fontScale="85000" lnSpcReduction="20000"/>
+          </a:bodyPr>
+          <a:lstStyle/>
+          <a:p>
+            <a:r>
+              <a:rPr lang="en-US" sz="3000" b="1" dirty="0">
+                <a:latin typeface="Aptos Black" panose="020F0502020204030204" pitchFamily="34" charset="0"/>
+              </a:rPr>
+              <a:t>Part 1: Become a Scratch Designer</a:t>
+            </a:r>
+          </a:p>
+          <a:p>
+            <a:r>
+              <a:rPr lang="en-US" b="1" dirty="0">
+                <a:latin typeface="Aptos Black" panose="020F0502020204030204" pitchFamily="34" charset="0"/>
+              </a:rPr>
+              <a:t>Chapter 3: Design Scratch Animals</a:t>
+            </a:r>
+          </a:p>
+          <a:p>
+            <a:r>
+              <a:rPr lang="en-US" sz="2900" dirty="0">
+                <a:latin typeface="Aptos Black" panose="020F0502020204030204" pitchFamily="34" charset="0"/>
+              </a:rPr>
+              <a:t>(4) Adding Code for the Hippogriff’s Whinny</a:t>
+            </a:r>
+          </a:p>
+        </p:txBody>
+      </p:sp>
+      <p:sp>
+        <p:nvSpPr>
+          <p:cNvPr id="11" name="TextBox 10">
+            <a:extLst>
+              <a:ext uri="{FF2B5EF4-FFF2-40B4-BE49-F238E27FC236}">
+                <a16:creationId xmlns:a16="http://schemas.microsoft.com/office/drawing/2014/main" id="{7F7069DF-7952-A2B5-D09B-42662344A4FC}"/>
+              </a:ext>
+            </a:extLst>
+          </p:cNvPr>
+          <p:cNvSpPr txBox="1"/>
+          <p:nvPr/>
+        </p:nvSpPr>
+        <p:spPr>
+          <a:xfrm>
+            <a:off x="817468" y="6381328"/>
+            <a:ext cx="8204208" cy="461665"/>
+          </a:xfrm>
+          <a:prstGeom prst="rect">
+            <a:avLst/>
+          </a:prstGeom>
+          <a:noFill/>
+        </p:spPr>
+        <p:txBody>
+          <a:bodyPr wrap="square">
+            <a:spAutoFit/>
+          </a:bodyPr>
+          <a:lstStyle/>
+          <a:p>
+            <a:r>
+              <a:rPr lang="en-US" sz="2400" b="1" dirty="0">
+                <a:hlinkClick r:id="rId6"/>
+              </a:rPr>
+              <a:t>https://github.com/yasenstar/learn_scratch</a:t>
+            </a:r>
+            <a:endParaRPr lang="en-US" sz="2400" b="1" dirty="0"/>
+          </a:p>
+        </p:txBody>
+      </p:sp>
+    </p:spTree>
+    <p:extLst>
+      <p:ext uri="{BB962C8B-B14F-4D97-AF65-F5344CB8AC3E}">
+        <p14:creationId xmlns:p14="http://schemas.microsoft.com/office/powerpoint/2010/main" val="387600239"/>
+      </p:ext>
+    </p:extLst>
+  </p:cSld>
+  <p:clrMapOvr>
+    <a:masterClrMapping/>
+  </p:clrMapOvr>
+  <mc:AlternateContent xmlns:mc="http://schemas.openxmlformats.org/markup-compatibility/2006" xmlns:p14="http://schemas.microsoft.com/office/powerpoint/2010/main">
+    <mc:Choice Requires="p14">
+      <p:transition spd="med" p14:dur="700">
+        <p:fade/>
+      </p:transition>
+    </mc:Choice>
+    <mc:Fallback xmlns="">
+      <p:transition spd="med">
+        <p:fade/>
+      </p:transition>
+    </mc:Fallback>
+  </mc:AlternateContent>
+</p:sld>
+</file>
+
+<file path=ppt/slides/slide16.xml><?xml version="1.0" encoding="utf-8"?>
+<p:sld xmlns:a="http://schemas.openxmlformats.org/drawingml/2006/main" xmlns:r="http://schemas.openxmlformats.org/officeDocument/2006/relationships" xmlns:p="http://schemas.openxmlformats.org/presentationml/2006/main">
+  <p:cSld>
+    <p:spTree>
+      <p:nvGrpSpPr>
+        <p:cNvPr id="1" name=""/>
+        <p:cNvGrpSpPr/>
+        <p:nvPr/>
+      </p:nvGrpSpPr>
+      <p:grpSpPr>
+        <a:xfrm>
+          <a:off x="0" y="0"/>
+          <a:ext cx="0" cy="0"/>
+          <a:chOff x="0" y="0"/>
+          <a:chExt cx="0" cy="0"/>
+        </a:xfrm>
+      </p:grpSpPr>
       <p:sp>
         <p:nvSpPr>
           <p:cNvPr id="2" name="Title 1"/>
@@ -9018,13 +9288,13 @@
   <p:clrMapOvr>
     <a:masterClrMapping/>
   </p:clrMapOvr>
-  <mc:AlternateContent xmlns:mc="http://schemas.openxmlformats.org/markup-compatibility/2006">
-    <mc:Choice xmlns:p14="http://schemas.microsoft.com/office/powerpoint/2010/main" Requires="p14">
+  <mc:AlternateContent xmlns:mc="http://schemas.openxmlformats.org/markup-compatibility/2006" xmlns:p14="http://schemas.microsoft.com/office/powerpoint/2010/main">
+    <mc:Choice Requires="p14">
       <p:transition spd="med" p14:dur="700">
         <p:fade/>
       </p:transition>
     </mc:Choice>
-    <mc:Fallback>
+    <mc:Fallback xmlns="">
       <p:transition spd="med">
         <p:fade/>
       </p:transition>
@@ -9033,7 +9303,7 @@
 </p:sld>
 </file>
 
-<file path=ppt/slides/slide16.xml><?xml version="1.0" encoding="utf-8"?>
+<file path=ppt/slides/slide17.xml><?xml version="1.0" encoding="utf-8"?>
 <p:sld xmlns:a="http://schemas.openxmlformats.org/drawingml/2006/main" xmlns:r="http://schemas.openxmlformats.org/officeDocument/2006/relationships" xmlns:p="http://schemas.openxmlformats.org/presentationml/2006/main">
   <p:cSld>
     <p:spTree>
@@ -9397,13 +9667,13 @@
   <p:clrMapOvr>
     <a:masterClrMapping/>
   </p:clrMapOvr>
-  <mc:AlternateContent xmlns:mc="http://schemas.openxmlformats.org/markup-compatibility/2006">
-    <mc:Choice xmlns:p14="http://schemas.microsoft.com/office/powerpoint/2010/main" Requires="p14">
+  <mc:AlternateContent xmlns:mc="http://schemas.openxmlformats.org/markup-compatibility/2006" xmlns:p14="http://schemas.microsoft.com/office/powerpoint/2010/main">
+    <mc:Choice Requires="p14">
       <p:transition spd="med" p14:dur="700">
         <p:fade/>
       </p:transition>
     </mc:Choice>
-    <mc:Fallback>
+    <mc:Fallback xmlns="">
       <p:transition spd="med">
         <p:fade/>
       </p:transition>
@@ -9412,7 +9682,7 @@
 </p:sld>
 </file>
 
-<file path=ppt/slides/slide17.xml><?xml version="1.0" encoding="utf-8"?>
+<file path=ppt/slides/slide18.xml><?xml version="1.0" encoding="utf-8"?>
 <p:sld xmlns:a="http://schemas.openxmlformats.org/drawingml/2006/main" xmlns:r="http://schemas.openxmlformats.org/officeDocument/2006/relationships" xmlns:p="http://schemas.openxmlformats.org/presentationml/2006/main">
   <p:cSld>
     <p:spTree>
@@ -9776,13 +10046,13 @@
   <p:clrMapOvr>
     <a:masterClrMapping/>
   </p:clrMapOvr>
-  <mc:AlternateContent xmlns:mc="http://schemas.openxmlformats.org/markup-compatibility/2006">
-    <mc:Choice xmlns:p14="http://schemas.microsoft.com/office/powerpoint/2010/main" Requires="p14">
+  <mc:AlternateContent xmlns:mc="http://schemas.openxmlformats.org/markup-compatibility/2006" xmlns:p14="http://schemas.microsoft.com/office/powerpoint/2010/main">
+    <mc:Choice Requires="p14">
       <p:transition spd="med" p14:dur="700">
         <p:fade/>
       </p:transition>
     </mc:Choice>
-    <mc:Fallback>
+    <mc:Fallback xmlns="">
       <p:transition spd="med">
         <p:fade/>
       </p:transition>
@@ -9792,6 +10062,261 @@
 </file>
 
 <file path=ppt/slides/slide2.xml><?xml version="1.0" encoding="utf-8"?>
+<p:sld xmlns:a="http://schemas.openxmlformats.org/drawingml/2006/main" xmlns:r="http://schemas.openxmlformats.org/officeDocument/2006/relationships" xmlns:p="http://schemas.openxmlformats.org/presentationml/2006/main">
+  <p:cSld>
+    <p:spTree>
+      <p:nvGrpSpPr>
+        <p:cNvPr id="1" name=""/>
+        <p:cNvGrpSpPr/>
+        <p:nvPr/>
+      </p:nvGrpSpPr>
+      <p:grpSpPr>
+        <a:xfrm>
+          <a:off x="0" y="0"/>
+          <a:ext cx="0" cy="0"/>
+          <a:chOff x="0" y="0"/>
+          <a:chExt cx="0" cy="0"/>
+        </a:xfrm>
+      </p:grpSpPr>
+      <p:sp>
+        <p:nvSpPr>
+          <p:cNvPr id="2" name="Title 1"/>
+          <p:cNvSpPr>
+            <a:spLocks noGrp="1"/>
+          </p:cNvSpPr>
+          <p:nvPr>
+            <p:ph type="ctrTitle"/>
+          </p:nvPr>
+        </p:nvSpPr>
+        <p:spPr>
+          <a:xfrm>
+            <a:off x="551384" y="533400"/>
+            <a:ext cx="5190369" cy="1828800"/>
+          </a:xfrm>
+        </p:spPr>
+        <p:txBody>
+          <a:bodyPr anchor="ctr">
+            <a:normAutofit/>
+          </a:bodyPr>
+          <a:lstStyle/>
+          <a:p>
+            <a:r>
+              <a:rPr lang="en-US" sz="4800" dirty="0">
+                <a:latin typeface="ADLaM Display" panose="02010000000000000000" pitchFamily="2" charset="0"/>
+                <a:ea typeface="ADLaM Display" panose="02010000000000000000" pitchFamily="2" charset="0"/>
+                <a:cs typeface="ADLaM Display" panose="02010000000000000000" pitchFamily="2" charset="0"/>
+              </a:rPr>
+              <a:t>Scratch for Kids</a:t>
+            </a:r>
+          </a:p>
+        </p:txBody>
+      </p:sp>
+      <p:sp>
+        <p:nvSpPr>
+          <p:cNvPr id="3" name="Subtitle 2"/>
+          <p:cNvSpPr>
+            <a:spLocks noGrp="1"/>
+          </p:cNvSpPr>
+          <p:nvPr>
+            <p:ph type="subTitle" idx="1"/>
+          </p:nvPr>
+        </p:nvSpPr>
+        <p:spPr>
+          <a:xfrm>
+            <a:off x="551384" y="2438400"/>
+            <a:ext cx="5190369" cy="914400"/>
+          </a:xfrm>
+        </p:spPr>
+        <p:txBody>
+          <a:bodyPr>
+            <a:normAutofit lnSpcReduction="10000"/>
+          </a:bodyPr>
+          <a:lstStyle/>
+          <a:p>
+            <a:r>
+              <a:rPr lang="en-US" sz="2800" b="1" dirty="0">
+                <a:latin typeface="Aptos Black" panose="020F0502020204030204" pitchFamily="34" charset="0"/>
+              </a:rPr>
+              <a:t>15 Interactive Projects</a:t>
+            </a:r>
+          </a:p>
+          <a:p>
+            <a:r>
+              <a:rPr lang="en-US" dirty="0">
+                <a:latin typeface="Aptos Black" panose="020F0502020204030204" pitchFamily="34" charset="0"/>
+              </a:rPr>
+              <a:t>Author: Derek Breen</a:t>
+            </a:r>
+          </a:p>
+        </p:txBody>
+      </p:sp>
+      <p:pic>
+        <p:nvPicPr>
+          <p:cNvPr id="6" name="Picture 5" descr="A book cover with a cartoon character&#10;&#10;Description automatically generated">
+            <a:extLst>
+              <a:ext uri="{FF2B5EF4-FFF2-40B4-BE49-F238E27FC236}">
+                <a16:creationId xmlns:a16="http://schemas.microsoft.com/office/drawing/2014/main" id="{37058493-7DAE-6BF2-99F6-4940E3CECA62}"/>
+              </a:ext>
+            </a:extLst>
+          </p:cNvPr>
+          <p:cNvPicPr>
+            <a:picLocks noChangeAspect="1"/>
+          </p:cNvPicPr>
+          <p:nvPr/>
+        </p:nvPicPr>
+        <p:blipFill>
+          <a:blip r:embed="rId2"/>
+          <a:stretch>
+            <a:fillRect/>
+          </a:stretch>
+        </p:blipFill>
+        <p:spPr>
+          <a:xfrm>
+            <a:off x="5741753" y="404664"/>
+            <a:ext cx="3563006" cy="4392488"/>
+          </a:xfrm>
+          <a:prstGeom prst="roundRect">
+            <a:avLst>
+              <a:gd name="adj" fmla="val 8594"/>
+            </a:avLst>
+          </a:prstGeom>
+          <a:solidFill>
+            <a:srgbClr val="FFFFFF">
+              <a:shade val="85000"/>
+            </a:srgbClr>
+          </a:solidFill>
+          <a:ln>
+            <a:noFill/>
+          </a:ln>
+          <a:effectLst>
+            <a:reflection blurRad="12700" stA="38000" endPos="28000" dist="5000" dir="5400000" sy="-100000" algn="bl" rotWithShape="0"/>
+          </a:effectLst>
+        </p:spPr>
+      </p:pic>
+      <p:pic>
+        <p:nvPicPr>
+          <p:cNvPr id="7" name="Picture 2" descr="scratch logo PNG image with transparent background | TOPpng">
+            <a:extLst>
+              <a:ext uri="{FF2B5EF4-FFF2-40B4-BE49-F238E27FC236}">
+                <a16:creationId xmlns:a16="http://schemas.microsoft.com/office/drawing/2014/main" id="{72BEDA5F-F0F9-E2C0-A6B5-EF44F9305FC0}"/>
+              </a:ext>
+            </a:extLst>
+          </p:cNvPr>
+          <p:cNvPicPr>
+            <a:picLocks noChangeAspect="1" noChangeArrowheads="1"/>
+          </p:cNvPicPr>
+          <p:nvPr/>
+        </p:nvPicPr>
+        <p:blipFill>
+          <a:blip r:embed="rId3">
+            <a:clrChange>
+              <a:clrFrom>
+                <a:srgbClr val="EFEFEF"/>
+              </a:clrFrom>
+              <a:clrTo>
+                <a:srgbClr val="EFEFEF">
+                  <a:alpha val="0"/>
+                </a:srgbClr>
+              </a:clrTo>
+            </a:clrChange>
+            <a:extLst>
+              <a:ext uri="{28A0092B-C50C-407E-A947-70E740481C1C}">
+                <a14:useLocalDpi xmlns:a14="http://schemas.microsoft.com/office/drawing/2010/main" val="0"/>
+              </a:ext>
+            </a:extLst>
+          </a:blip>
+          <a:srcRect/>
+          <a:stretch>
+            <a:fillRect/>
+          </a:stretch>
+        </p:blipFill>
+        <p:spPr bwMode="auto">
+          <a:xfrm>
+            <a:off x="3575720" y="2895600"/>
+            <a:ext cx="2045864" cy="2089026"/>
+          </a:xfrm>
+          <a:prstGeom prst="rect">
+            <a:avLst/>
+          </a:prstGeom>
+          <a:noFill/>
+          <a:extLst>
+            <a:ext uri="{909E8E84-426E-40DD-AFC4-6F175D3DCCD1}">
+              <a14:hiddenFill xmlns:a14="http://schemas.microsoft.com/office/drawing/2010/main">
+                <a:solidFill>
+                  <a:srgbClr val="FFFFFF"/>
+                </a:solidFill>
+              </a14:hiddenFill>
+            </a:ext>
+          </a:extLst>
+        </p:spPr>
+      </p:pic>
+      <p:pic>
+        <p:nvPicPr>
+          <p:cNvPr id="8" name="Picture 7" descr="A cartoon owl wearing a graduation cap and glasses&#10;&#10;Description automatically generated">
+            <a:extLst>
+              <a:ext uri="{FF2B5EF4-FFF2-40B4-BE49-F238E27FC236}">
+                <a16:creationId xmlns:a16="http://schemas.microsoft.com/office/drawing/2014/main" id="{1574F049-B1D9-75D4-7CC3-E56544B13756}"/>
+              </a:ext>
+            </a:extLst>
+          </p:cNvPr>
+          <p:cNvPicPr>
+            <a:picLocks noChangeAspect="1"/>
+          </p:cNvPicPr>
+          <p:nvPr/>
+        </p:nvPicPr>
+        <p:blipFill>
+          <a:blip r:embed="rId4">
+            <a:clrChange>
+              <a:clrFrom>
+                <a:srgbClr val="DDEFF9"/>
+              </a:clrFrom>
+              <a:clrTo>
+                <a:srgbClr val="DDEFF9">
+                  <a:alpha val="0"/>
+                </a:srgbClr>
+              </a:clrTo>
+            </a:clrChange>
+          </a:blip>
+          <a:stretch>
+            <a:fillRect/>
+          </a:stretch>
+        </p:blipFill>
+        <p:spPr>
+          <a:xfrm>
+            <a:off x="33636" y="6226406"/>
+            <a:ext cx="603448" cy="603448"/>
+          </a:xfrm>
+          <a:prstGeom prst="rect">
+            <a:avLst/>
+          </a:prstGeom>
+        </p:spPr>
+      </p:pic>
+    </p:spTree>
+    <p:extLst>
+      <p:ext uri="{BB962C8B-B14F-4D97-AF65-F5344CB8AC3E}">
+        <p14:creationId xmlns:p14="http://schemas.microsoft.com/office/powerpoint/2010/main" val="1972041067"/>
+      </p:ext>
+    </p:extLst>
+  </p:cSld>
+  <p:clrMapOvr>
+    <a:masterClrMapping/>
+  </p:clrMapOvr>
+  <mc:AlternateContent xmlns:mc="http://schemas.openxmlformats.org/markup-compatibility/2006" xmlns:p14="http://schemas.microsoft.com/office/powerpoint/2010/main">
+    <mc:Choice Requires="p14">
+      <p:transition spd="med" p14:dur="700">
+        <p:fade/>
+      </p:transition>
+    </mc:Choice>
+    <mc:Fallback xmlns="">
+      <p:transition spd="med">
+        <p:fade/>
+      </p:transition>
+    </mc:Fallback>
+  </mc:AlternateContent>
+</p:sld>
+</file>
+
+<file path=ppt/slides/slide3.xml><?xml version="1.0" encoding="utf-8"?>
 <p:sld xmlns:a="http://schemas.openxmlformats.org/drawingml/2006/main" xmlns:r="http://schemas.openxmlformats.org/officeDocument/2006/relationships" xmlns:p="http://schemas.openxmlformats.org/presentationml/2006/main">
   <p:cSld>
     <p:spTree>
@@ -10158,7 +10683,7 @@
 </p:sld>
 </file>
 
-<file path=ppt/slides/slide3.xml><?xml version="1.0" encoding="utf-8"?>
+<file path=ppt/slides/slide4.xml><?xml version="1.0" encoding="utf-8"?>
 <p:sld xmlns:a="http://schemas.openxmlformats.org/drawingml/2006/main" xmlns:r="http://schemas.openxmlformats.org/officeDocument/2006/relationships" xmlns:p="http://schemas.openxmlformats.org/presentationml/2006/main">
   <p:cSld>
     <p:spTree>
@@ -10540,7 +11065,7 @@
 </p:sld>
 </file>
 
-<file path=ppt/slides/slide4.xml><?xml version="1.0" encoding="utf-8"?>
+<file path=ppt/slides/slide5.xml><?xml version="1.0" encoding="utf-8"?>
 <p:sld xmlns:a="http://schemas.openxmlformats.org/drawingml/2006/main" xmlns:r="http://schemas.openxmlformats.org/officeDocument/2006/relationships" xmlns:p="http://schemas.openxmlformats.org/presentationml/2006/main">
   <p:cSld>
     <p:spTree>
@@ -10952,439 +11477,6 @@
     <p:extLst>
       <p:ext uri="{BB962C8B-B14F-4D97-AF65-F5344CB8AC3E}">
         <p14:creationId xmlns:p14="http://schemas.microsoft.com/office/powerpoint/2010/main" val="3099636577"/>
-      </p:ext>
-    </p:extLst>
-  </p:cSld>
-  <p:clrMapOvr>
-    <a:masterClrMapping/>
-  </p:clrMapOvr>
-  <mc:AlternateContent xmlns:mc="http://schemas.openxmlformats.org/markup-compatibility/2006" xmlns:p14="http://schemas.microsoft.com/office/powerpoint/2010/main">
-    <mc:Choice Requires="p14">
-      <p:transition spd="med" p14:dur="700">
-        <p:fade/>
-      </p:transition>
-    </mc:Choice>
-    <mc:Fallback xmlns="">
-      <p:transition spd="med">
-        <p:fade/>
-      </p:transition>
-    </mc:Fallback>
-  </mc:AlternateContent>
-</p:sld>
-</file>
-
-<file path=ppt/slides/slide5.xml><?xml version="1.0" encoding="utf-8"?>
-<p:sld xmlns:a="http://schemas.openxmlformats.org/drawingml/2006/main" xmlns:r="http://schemas.openxmlformats.org/officeDocument/2006/relationships" xmlns:p="http://schemas.openxmlformats.org/presentationml/2006/main">
-  <p:cSld>
-    <p:spTree>
-      <p:nvGrpSpPr>
-        <p:cNvPr id="1" name=""/>
-        <p:cNvGrpSpPr/>
-        <p:nvPr/>
-      </p:nvGrpSpPr>
-      <p:grpSpPr>
-        <a:xfrm>
-          <a:off x="0" y="0"/>
-          <a:ext cx="0" cy="0"/>
-          <a:chOff x="0" y="0"/>
-          <a:chExt cx="0" cy="0"/>
-        </a:xfrm>
-      </p:grpSpPr>
-      <p:pic>
-        <p:nvPicPr>
-          <p:cNvPr id="9" name="Picture 8">
-            <a:extLst>
-              <a:ext uri="{FF2B5EF4-FFF2-40B4-BE49-F238E27FC236}">
-                <a16:creationId xmlns:a16="http://schemas.microsoft.com/office/drawing/2014/main" id="{1F24A1BF-96E5-B508-DA91-CDF13EAB8887}"/>
-              </a:ext>
-            </a:extLst>
-          </p:cNvPr>
-          <p:cNvPicPr>
-            <a:picLocks noChangeAspect="1"/>
-          </p:cNvPicPr>
-          <p:nvPr/>
-        </p:nvPicPr>
-        <p:blipFill>
-          <a:blip r:embed="rId2"/>
-          <a:stretch>
-            <a:fillRect/>
-          </a:stretch>
-        </p:blipFill>
-        <p:spPr>
-          <a:xfrm>
-            <a:off x="3646575" y="2398267"/>
-            <a:ext cx="5499784" cy="2810762"/>
-          </a:xfrm>
-          <a:prstGeom prst="rect">
-            <a:avLst/>
-          </a:prstGeom>
-          <a:ln>
-            <a:noFill/>
-          </a:ln>
-          <a:effectLst>
-            <a:outerShdw blurRad="292100" dist="139700" dir="2700000" algn="tl" rotWithShape="0">
-              <a:srgbClr val="333333">
-                <a:alpha val="65000"/>
-              </a:srgbClr>
-            </a:outerShdw>
-          </a:effectLst>
-        </p:spPr>
-      </p:pic>
-      <p:sp>
-        <p:nvSpPr>
-          <p:cNvPr id="2" name="Title 1"/>
-          <p:cNvSpPr>
-            <a:spLocks noGrp="1"/>
-          </p:cNvSpPr>
-          <p:nvPr>
-            <p:ph type="ctrTitle"/>
-          </p:nvPr>
-        </p:nvSpPr>
-        <p:spPr>
-          <a:xfrm>
-            <a:off x="1534803" y="101625"/>
-            <a:ext cx="6937461" cy="720080"/>
-          </a:xfrm>
-        </p:spPr>
-        <p:txBody>
-          <a:bodyPr anchor="ctr">
-            <a:normAutofit fontScale="90000"/>
-          </a:bodyPr>
-          <a:lstStyle/>
-          <a:p>
-            <a:r>
-              <a:rPr lang="en-US" sz="4800" dirty="0">
-                <a:latin typeface="ADLaM Display" panose="02010000000000000000" pitchFamily="2" charset="0"/>
-                <a:ea typeface="ADLaM Display" panose="02010000000000000000" pitchFamily="2" charset="0"/>
-                <a:cs typeface="ADLaM Display" panose="02010000000000000000" pitchFamily="2" charset="0"/>
-              </a:rPr>
-              <a:t>Scratch for Kids – Part 1</a:t>
-            </a:r>
-          </a:p>
-        </p:txBody>
-      </p:sp>
-      <p:pic>
-        <p:nvPicPr>
-          <p:cNvPr id="6" name="Picture 5" descr="A book cover with a cartoon character&#10;&#10;Description automatically generated">
-            <a:extLst>
-              <a:ext uri="{FF2B5EF4-FFF2-40B4-BE49-F238E27FC236}">
-                <a16:creationId xmlns:a16="http://schemas.microsoft.com/office/drawing/2014/main" id="{37058493-7DAE-6BF2-99F6-4940E3CECA62}"/>
-              </a:ext>
-            </a:extLst>
-          </p:cNvPr>
-          <p:cNvPicPr>
-            <a:picLocks noChangeAspect="1"/>
-          </p:cNvPicPr>
-          <p:nvPr/>
-        </p:nvPicPr>
-        <p:blipFill>
-          <a:blip r:embed="rId3"/>
-          <a:stretch>
-            <a:fillRect/>
-          </a:stretch>
-        </p:blipFill>
-        <p:spPr>
-          <a:xfrm>
-            <a:off x="9012203" y="53754"/>
-            <a:ext cx="1544027" cy="1903482"/>
-          </a:xfrm>
-          <a:prstGeom prst="roundRect">
-            <a:avLst>
-              <a:gd name="adj" fmla="val 8594"/>
-            </a:avLst>
-          </a:prstGeom>
-          <a:solidFill>
-            <a:srgbClr val="FFFFFF">
-              <a:shade val="85000"/>
-            </a:srgbClr>
-          </a:solidFill>
-          <a:ln>
-            <a:noFill/>
-          </a:ln>
-          <a:effectLst>
-            <a:reflection blurRad="12700" stA="38000" endPos="28000" dist="5000" dir="5400000" sy="-100000" algn="bl" rotWithShape="0"/>
-          </a:effectLst>
-        </p:spPr>
-      </p:pic>
-      <p:sp>
-        <p:nvSpPr>
-          <p:cNvPr id="4" name="TextBox 3">
-            <a:extLst>
-              <a:ext uri="{FF2B5EF4-FFF2-40B4-BE49-F238E27FC236}">
-                <a16:creationId xmlns:a16="http://schemas.microsoft.com/office/drawing/2014/main" id="{99B53E7E-A9ED-6942-DF80-3DF81B395749}"/>
-              </a:ext>
-            </a:extLst>
-          </p:cNvPr>
-          <p:cNvSpPr txBox="1"/>
-          <p:nvPr/>
-        </p:nvSpPr>
-        <p:spPr>
-          <a:xfrm>
-            <a:off x="0" y="0"/>
-            <a:ext cx="1367682" cy="923330"/>
-          </a:xfrm>
-          <a:prstGeom prst="rect">
-            <a:avLst/>
-          </a:prstGeom>
-          <a:noFill/>
-        </p:spPr>
-        <p:txBody>
-          <a:bodyPr wrap="none" rtlCol="0">
-            <a:spAutoFit/>
-          </a:bodyPr>
-          <a:lstStyle/>
-          <a:p>
-            <a:pPr algn="ctr"/>
-            <a:r>
-              <a:rPr lang="en-US" sz="5400" dirty="0">
-                <a:latin typeface="Bauhaus 93" panose="04030905020B02020C02" pitchFamily="82" charset="0"/>
-              </a:rPr>
-              <a:t>003</a:t>
-            </a:r>
-          </a:p>
-        </p:txBody>
-      </p:sp>
-      <p:pic>
-        <p:nvPicPr>
-          <p:cNvPr id="1026" name="Picture 2" descr="scratch logo PNG image with transparent background | TOPpng">
-            <a:extLst>
-              <a:ext uri="{FF2B5EF4-FFF2-40B4-BE49-F238E27FC236}">
-                <a16:creationId xmlns:a16="http://schemas.microsoft.com/office/drawing/2014/main" id="{1554103F-1ECA-8530-E162-3BE3F4FE9C16}"/>
-              </a:ext>
-            </a:extLst>
-          </p:cNvPr>
-          <p:cNvPicPr>
-            <a:picLocks noChangeAspect="1" noChangeArrowheads="1"/>
-          </p:cNvPicPr>
-          <p:nvPr/>
-        </p:nvPicPr>
-        <p:blipFill>
-          <a:blip r:embed="rId4">
-            <a:clrChange>
-              <a:clrFrom>
-                <a:srgbClr val="EFEFEF"/>
-              </a:clrFrom>
-              <a:clrTo>
-                <a:srgbClr val="EFEFEF">
-                  <a:alpha val="0"/>
-                </a:srgbClr>
-              </a:clrTo>
-            </a:clrChange>
-            <a:extLst>
-              <a:ext uri="{28A0092B-C50C-407E-A947-70E740481C1C}">
-                <a14:useLocalDpi xmlns:a14="http://schemas.microsoft.com/office/drawing/2010/main" val="0"/>
-              </a:ext>
-            </a:extLst>
-          </a:blip>
-          <a:srcRect/>
-          <a:stretch>
-            <a:fillRect/>
-          </a:stretch>
-        </p:blipFill>
-        <p:spPr bwMode="auto">
-          <a:xfrm>
-            <a:off x="10704512" y="0"/>
-            <a:ext cx="895507" cy="914400"/>
-          </a:xfrm>
-          <a:prstGeom prst="rect">
-            <a:avLst/>
-          </a:prstGeom>
-          <a:noFill/>
-          <a:extLst>
-            <a:ext uri="{909E8E84-426E-40DD-AFC4-6F175D3DCCD1}">
-              <a14:hiddenFill xmlns:a14="http://schemas.microsoft.com/office/drawing/2010/main">
-                <a:solidFill>
-                  <a:srgbClr val="FFFFFF"/>
-                </a:solidFill>
-              </a14:hiddenFill>
-            </a:ext>
-          </a:extLst>
-        </p:spPr>
-      </p:pic>
-      <p:pic>
-        <p:nvPicPr>
-          <p:cNvPr id="7" name="Picture 6" descr="A cartoon owl wearing a graduation cap and glasses&#10;&#10;Description automatically generated">
-            <a:extLst>
-              <a:ext uri="{FF2B5EF4-FFF2-40B4-BE49-F238E27FC236}">
-                <a16:creationId xmlns:a16="http://schemas.microsoft.com/office/drawing/2014/main" id="{3AEA9986-B7C4-0E97-5BE2-8505E1692F4B}"/>
-              </a:ext>
-            </a:extLst>
-          </p:cNvPr>
-          <p:cNvPicPr>
-            <a:picLocks noChangeAspect="1"/>
-          </p:cNvPicPr>
-          <p:nvPr/>
-        </p:nvPicPr>
-        <p:blipFill>
-          <a:blip r:embed="rId5">
-            <a:clrChange>
-              <a:clrFrom>
-                <a:srgbClr val="DDEFF9"/>
-              </a:clrFrom>
-              <a:clrTo>
-                <a:srgbClr val="DDEFF9">
-                  <a:alpha val="0"/>
-                </a:srgbClr>
-              </a:clrTo>
-            </a:clrChange>
-          </a:blip>
-          <a:stretch>
-            <a:fillRect/>
-          </a:stretch>
-        </p:blipFill>
-        <p:spPr>
-          <a:xfrm>
-            <a:off x="33636" y="6226406"/>
-            <a:ext cx="603448" cy="603448"/>
-          </a:xfrm>
-          <a:prstGeom prst="rect">
-            <a:avLst/>
-          </a:prstGeom>
-        </p:spPr>
-      </p:pic>
-      <p:sp>
-        <p:nvSpPr>
-          <p:cNvPr id="3" name="Subtitle 2"/>
-          <p:cNvSpPr>
-            <a:spLocks noGrp="1"/>
-          </p:cNvSpPr>
-          <p:nvPr>
-            <p:ph type="subTitle" idx="1"/>
-          </p:nvPr>
-        </p:nvSpPr>
-        <p:spPr>
-          <a:xfrm>
-            <a:off x="336195" y="923330"/>
-            <a:ext cx="9024664" cy="1440159"/>
-          </a:xfrm>
-        </p:spPr>
-        <p:txBody>
-          <a:bodyPr>
-            <a:normAutofit lnSpcReduction="10000"/>
-          </a:bodyPr>
-          <a:lstStyle/>
-          <a:p>
-            <a:r>
-              <a:rPr lang="en-US" sz="2800" b="1" dirty="0">
-                <a:latin typeface="Aptos Black" panose="020F0502020204030204" pitchFamily="34" charset="0"/>
-              </a:rPr>
-              <a:t>Become a Scratch Designer</a:t>
-            </a:r>
-          </a:p>
-          <a:p>
-            <a:r>
-              <a:rPr lang="en-US" sz="2800" b="1" dirty="0">
-                <a:latin typeface="Aptos Black" panose="020F0502020204030204" pitchFamily="34" charset="0"/>
-              </a:rPr>
-              <a:t>Chapter 1: Getting Started with Scratch</a:t>
-            </a:r>
-          </a:p>
-          <a:p>
-            <a:r>
-              <a:rPr lang="en-US" sz="2800" b="1" dirty="0">
-                <a:latin typeface="Aptos Black" panose="020F0502020204030204" pitchFamily="34" charset="0"/>
-              </a:rPr>
-              <a:t>(3) Bring Game to Life with Code</a:t>
-            </a:r>
-            <a:endParaRPr lang="en-US" dirty="0">
-              <a:latin typeface="Aptos Black" panose="020F0502020204030204" pitchFamily="34" charset="0"/>
-            </a:endParaRPr>
-          </a:p>
-        </p:txBody>
-      </p:sp>
-      <p:pic>
-        <p:nvPicPr>
-          <p:cNvPr id="12" name="Picture 11">
-            <a:extLst>
-              <a:ext uri="{FF2B5EF4-FFF2-40B4-BE49-F238E27FC236}">
-                <a16:creationId xmlns:a16="http://schemas.microsoft.com/office/drawing/2014/main" id="{2E5F9541-E2CA-3E4F-A0AB-486C59A70A71}"/>
-              </a:ext>
-            </a:extLst>
-          </p:cNvPr>
-          <p:cNvPicPr>
-            <a:picLocks noChangeAspect="1"/>
-          </p:cNvPicPr>
-          <p:nvPr/>
-        </p:nvPicPr>
-        <p:blipFill>
-          <a:blip r:embed="rId6">
-            <a:clrChange>
-              <a:clrFrom>
-                <a:srgbClr val="FFFFFF"/>
-              </a:clrFrom>
-              <a:clrTo>
-                <a:srgbClr val="FFFFFF">
-                  <a:alpha val="0"/>
-                </a:srgbClr>
-              </a:clrTo>
-            </a:clrChange>
-          </a:blip>
-          <a:stretch>
-            <a:fillRect/>
-          </a:stretch>
-        </p:blipFill>
-        <p:spPr>
-          <a:xfrm>
-            <a:off x="8545426" y="1992014"/>
-            <a:ext cx="952500" cy="742950"/>
-          </a:xfrm>
-          <a:prstGeom prst="rect">
-            <a:avLst/>
-          </a:prstGeom>
-          <a:ln>
-            <a:noFill/>
-          </a:ln>
-          <a:effectLst>
-            <a:outerShdw blurRad="292100" dist="139700" dir="2700000" algn="tl" rotWithShape="0">
-              <a:srgbClr val="333333">
-                <a:alpha val="65000"/>
-              </a:srgbClr>
-            </a:outerShdw>
-          </a:effectLst>
-        </p:spPr>
-      </p:pic>
-      <p:sp>
-        <p:nvSpPr>
-          <p:cNvPr id="11" name="TextBox 10">
-            <a:extLst>
-              <a:ext uri="{FF2B5EF4-FFF2-40B4-BE49-F238E27FC236}">
-                <a16:creationId xmlns:a16="http://schemas.microsoft.com/office/drawing/2014/main" id="{1FE1EEC2-33E2-75F8-0F79-5335DD1026B1}"/>
-              </a:ext>
-            </a:extLst>
-          </p:cNvPr>
-          <p:cNvSpPr txBox="1"/>
-          <p:nvPr/>
-        </p:nvSpPr>
-        <p:spPr>
-          <a:xfrm>
-            <a:off x="817468" y="6413266"/>
-            <a:ext cx="8204208" cy="461665"/>
-          </a:xfrm>
-          <a:prstGeom prst="rect">
-            <a:avLst/>
-          </a:prstGeom>
-          <a:noFill/>
-        </p:spPr>
-        <p:txBody>
-          <a:bodyPr wrap="square">
-            <a:spAutoFit/>
-          </a:bodyPr>
-          <a:lstStyle/>
-          <a:p>
-            <a:r>
-              <a:rPr lang="en-US" sz="2400" b="1" dirty="0">
-                <a:hlinkClick r:id="rId7"/>
-              </a:rPr>
-              <a:t>https://github.com/yasenstar/learn_scratch</a:t>
-            </a:r>
-            <a:endParaRPr lang="en-US" sz="2400" b="1" dirty="0"/>
-          </a:p>
-        </p:txBody>
-      </p:sp>
-    </p:spTree>
-    <p:extLst>
-      <p:ext uri="{BB962C8B-B14F-4D97-AF65-F5344CB8AC3E}">
-        <p14:creationId xmlns:p14="http://schemas.microsoft.com/office/powerpoint/2010/main" val="1865290187"/>
       </p:ext>
     </p:extLst>
   </p:cSld>
@@ -11425,10 +11517,10 @@
       </p:grpSpPr>
       <p:pic>
         <p:nvPicPr>
-          <p:cNvPr id="14" name="Picture 13">
+          <p:cNvPr id="9" name="Picture 8">
             <a:extLst>
               <a:ext uri="{FF2B5EF4-FFF2-40B4-BE49-F238E27FC236}">
-                <a16:creationId xmlns:a16="http://schemas.microsoft.com/office/drawing/2014/main" id="{781D70BF-200A-FFA9-6ACE-8AD81198FF98}"/>
+                <a16:creationId xmlns:a16="http://schemas.microsoft.com/office/drawing/2014/main" id="{1F24A1BF-96E5-B508-DA91-CDF13EAB8887}"/>
               </a:ext>
             </a:extLst>
           </p:cNvPr>
@@ -11445,8 +11537,8 @@
         </p:blipFill>
         <p:spPr>
           <a:xfrm>
-            <a:off x="148076" y="1016024"/>
-            <a:ext cx="7753325" cy="3061047"/>
+            <a:off x="3646575" y="2398267"/>
+            <a:ext cx="5499784" cy="2810762"/>
           </a:xfrm>
           <a:prstGeom prst="rect">
             <a:avLst/>
@@ -11518,8 +11610,8 @@
         </p:blipFill>
         <p:spPr>
           <a:xfrm>
-            <a:off x="8167262" y="43464"/>
-            <a:ext cx="2037751" cy="2512147"/>
+            <a:off x="9012203" y="53754"/>
+            <a:ext cx="1544027" cy="1903482"/>
           </a:xfrm>
           <a:prstGeom prst="roundRect">
             <a:avLst>
@@ -11572,7 +11664,7 @@
               <a:rPr lang="en-US" sz="5400" dirty="0">
                 <a:latin typeface="Bauhaus 93" panose="04030905020B02020C02" pitchFamily="82" charset="0"/>
               </a:rPr>
-              <a:t>004</a:t>
+              <a:t>003</a:t>
             </a:r>
           </a:p>
         </p:txBody>
@@ -11616,7 +11708,7 @@
         </p:blipFill>
         <p:spPr bwMode="auto">
           <a:xfrm>
-            <a:off x="10652079" y="8930"/>
+            <a:off x="10704512" y="0"/>
             <a:ext cx="895507" cy="914400"/>
           </a:xfrm>
           <a:prstGeom prst="rect">
@@ -11687,18 +11779,18 @@
         </p:nvSpPr>
         <p:spPr>
           <a:xfrm>
-            <a:off x="3647728" y="4302389"/>
-            <a:ext cx="5472608" cy="1214844"/>
+            <a:off x="336195" y="923330"/>
+            <a:ext cx="9024664" cy="1440159"/>
           </a:xfrm>
         </p:spPr>
         <p:txBody>
           <a:bodyPr>
-            <a:normAutofit fontScale="92500" lnSpcReduction="10000"/>
+            <a:normAutofit lnSpcReduction="10000"/>
           </a:bodyPr>
           <a:lstStyle/>
           <a:p>
             <a:r>
-              <a:rPr lang="en-US" b="1" dirty="0">
+              <a:rPr lang="en-US" sz="2800" b="1" dirty="0">
                 <a:latin typeface="Aptos Black" panose="020F0502020204030204" pitchFamily="34" charset="0"/>
               </a:rPr>
               <a:t>Become a Scratch Designer</a:t>
@@ -11706,7 +11798,7 @@
           </a:p>
           <a:p>
             <a:r>
-              <a:rPr lang="en-US" b="1" dirty="0">
+              <a:rPr lang="en-US" sz="2800" b="1" dirty="0">
                 <a:latin typeface="Aptos Black" panose="020F0502020204030204" pitchFamily="34" charset="0"/>
               </a:rPr>
               <a:t>Chapter 1: Getting Started with Scratch</a:t>
@@ -11714,61 +11806,23 @@
           </a:p>
           <a:p>
             <a:r>
-              <a:rPr lang="en-US" b="1" dirty="0">
+              <a:rPr lang="en-US" sz="2800" b="1" dirty="0">
                 <a:latin typeface="Aptos Black" panose="020F0502020204030204" pitchFamily="34" charset="0"/>
               </a:rPr>
-              <a:t>(4) Add Collision to Your Game</a:t>
-            </a:r>
-            <a:endParaRPr lang="en-US" sz="2000" dirty="0">
+              <a:t>(3) Bring Game to Life with Code</a:t>
+            </a:r>
+            <a:endParaRPr lang="en-US" dirty="0">
               <a:latin typeface="Aptos Black" panose="020F0502020204030204" pitchFamily="34" charset="0"/>
             </a:endParaRPr>
           </a:p>
         </p:txBody>
       </p:sp>
-      <p:sp>
-        <p:nvSpPr>
-          <p:cNvPr id="11" name="TextBox 10">
+      <p:pic>
+        <p:nvPicPr>
+          <p:cNvPr id="12" name="Picture 11">
             <a:extLst>
               <a:ext uri="{FF2B5EF4-FFF2-40B4-BE49-F238E27FC236}">
-                <a16:creationId xmlns:a16="http://schemas.microsoft.com/office/drawing/2014/main" id="{7F7069DF-7952-A2B5-D09B-42662344A4FC}"/>
-              </a:ext>
-            </a:extLst>
-          </p:cNvPr>
-          <p:cNvSpPr txBox="1"/>
-          <p:nvPr/>
-        </p:nvSpPr>
-        <p:spPr>
-          <a:xfrm>
-            <a:off x="817468" y="6381328"/>
-            <a:ext cx="8204208" cy="461665"/>
-          </a:xfrm>
-          <a:prstGeom prst="rect">
-            <a:avLst/>
-          </a:prstGeom>
-          <a:noFill/>
-        </p:spPr>
-        <p:txBody>
-          <a:bodyPr wrap="square">
-            <a:spAutoFit/>
-          </a:bodyPr>
-          <a:lstStyle/>
-          <a:p>
-            <a:r>
-              <a:rPr lang="en-US" sz="2400" b="1" dirty="0">
-                <a:hlinkClick r:id="rId6"/>
-              </a:rPr>
-              <a:t>https://github.com/yasenstar/learn_scratch</a:t>
-            </a:r>
-            <a:endParaRPr lang="en-US" sz="2400" b="1" dirty="0"/>
-          </a:p>
-        </p:txBody>
-      </p:sp>
-      <p:pic>
-        <p:nvPicPr>
-          <p:cNvPr id="16" name="Picture 15">
-            <a:extLst>
-              <a:ext uri="{FF2B5EF4-FFF2-40B4-BE49-F238E27FC236}">
-                <a16:creationId xmlns:a16="http://schemas.microsoft.com/office/drawing/2014/main" id="{67AC3C98-6D22-FF8E-9134-F27CD8B87634}"/>
+                <a16:creationId xmlns:a16="http://schemas.microsoft.com/office/drawing/2014/main" id="{2E5F9541-E2CA-3E4F-A0AB-486C59A70A71}"/>
               </a:ext>
             </a:extLst>
           </p:cNvPr>
@@ -11778,15 +11832,26 @@
           <p:nvPr/>
         </p:nvPicPr>
         <p:blipFill>
-          <a:blip r:embed="rId7"/>
+          <a:blip r:embed="rId6">
+            <a:clrChange>
+              <a:clrFrom>
+                <a:srgbClr val="FFFFFF"/>
+              </a:clrFrom>
+              <a:clrTo>
+                <a:srgbClr val="FFFFFF">
+                  <a:alpha val="0"/>
+                </a:srgbClr>
+              </a:clrTo>
+            </a:clrChange>
+          </a:blip>
           <a:stretch>
             <a:fillRect/>
           </a:stretch>
         </p:blipFill>
         <p:spPr>
           <a:xfrm>
-            <a:off x="6096000" y="1293206"/>
-            <a:ext cx="1419225" cy="1085850"/>
+            <a:off x="8545426" y="1992014"/>
+            <a:ext cx="952500" cy="742950"/>
           </a:xfrm>
           <a:prstGeom prst="rect">
             <a:avLst/>
@@ -11795,14 +11860,56 @@
             <a:noFill/>
           </a:ln>
           <a:effectLst>
-            <a:softEdge rad="112500"/>
+            <a:outerShdw blurRad="292100" dist="139700" dir="2700000" algn="tl" rotWithShape="0">
+              <a:srgbClr val="333333">
+                <a:alpha val="65000"/>
+              </a:srgbClr>
+            </a:outerShdw>
           </a:effectLst>
         </p:spPr>
       </p:pic>
+      <p:sp>
+        <p:nvSpPr>
+          <p:cNvPr id="11" name="TextBox 10">
+            <a:extLst>
+              <a:ext uri="{FF2B5EF4-FFF2-40B4-BE49-F238E27FC236}">
+                <a16:creationId xmlns:a16="http://schemas.microsoft.com/office/drawing/2014/main" id="{1FE1EEC2-33E2-75F8-0F79-5335DD1026B1}"/>
+              </a:ext>
+            </a:extLst>
+          </p:cNvPr>
+          <p:cNvSpPr txBox="1"/>
+          <p:nvPr/>
+        </p:nvSpPr>
+        <p:spPr>
+          <a:xfrm>
+            <a:off x="817468" y="6413266"/>
+            <a:ext cx="8204208" cy="461665"/>
+          </a:xfrm>
+          <a:prstGeom prst="rect">
+            <a:avLst/>
+          </a:prstGeom>
+          <a:noFill/>
+        </p:spPr>
+        <p:txBody>
+          <a:bodyPr wrap="square">
+            <a:spAutoFit/>
+          </a:bodyPr>
+          <a:lstStyle/>
+          <a:p>
+            <a:r>
+              <a:rPr lang="en-US" sz="2400" b="1" dirty="0">
+                <a:hlinkClick r:id="rId7"/>
+              </a:rPr>
+              <a:t>https://github.com/yasenstar/learn_scratch</a:t>
+            </a:r>
+            <a:endParaRPr lang="en-US" sz="2400" b="1" dirty="0"/>
+          </a:p>
+        </p:txBody>
+      </p:sp>
     </p:spTree>
     <p:extLst>
       <p:ext uri="{BB962C8B-B14F-4D97-AF65-F5344CB8AC3E}">
-        <p14:creationId xmlns:p14="http://schemas.microsoft.com/office/powerpoint/2010/main" val="1003946043"/>
+        <p14:creationId xmlns:p14="http://schemas.microsoft.com/office/powerpoint/2010/main" val="1865290187"/>
       </p:ext>
     </p:extLst>
   </p:cSld>
@@ -11841,6 +11948,424 @@
           <a:chExt cx="0" cy="0"/>
         </a:xfrm>
       </p:grpSpPr>
+      <p:pic>
+        <p:nvPicPr>
+          <p:cNvPr id="14" name="Picture 13">
+            <a:extLst>
+              <a:ext uri="{FF2B5EF4-FFF2-40B4-BE49-F238E27FC236}">
+                <a16:creationId xmlns:a16="http://schemas.microsoft.com/office/drawing/2014/main" id="{781D70BF-200A-FFA9-6ACE-8AD81198FF98}"/>
+              </a:ext>
+            </a:extLst>
+          </p:cNvPr>
+          <p:cNvPicPr>
+            <a:picLocks noChangeAspect="1"/>
+          </p:cNvPicPr>
+          <p:nvPr/>
+        </p:nvPicPr>
+        <p:blipFill>
+          <a:blip r:embed="rId2"/>
+          <a:stretch>
+            <a:fillRect/>
+          </a:stretch>
+        </p:blipFill>
+        <p:spPr>
+          <a:xfrm>
+            <a:off x="148076" y="1016024"/>
+            <a:ext cx="7753325" cy="3061047"/>
+          </a:xfrm>
+          <a:prstGeom prst="rect">
+            <a:avLst/>
+          </a:prstGeom>
+          <a:ln>
+            <a:noFill/>
+          </a:ln>
+          <a:effectLst>
+            <a:outerShdw blurRad="292100" dist="139700" dir="2700000" algn="tl" rotWithShape="0">
+              <a:srgbClr val="333333">
+                <a:alpha val="65000"/>
+              </a:srgbClr>
+            </a:outerShdw>
+          </a:effectLst>
+        </p:spPr>
+      </p:pic>
+      <p:sp>
+        <p:nvSpPr>
+          <p:cNvPr id="2" name="Title 1"/>
+          <p:cNvSpPr>
+            <a:spLocks noGrp="1"/>
+          </p:cNvSpPr>
+          <p:nvPr>
+            <p:ph type="ctrTitle"/>
+          </p:nvPr>
+        </p:nvSpPr>
+        <p:spPr>
+          <a:xfrm>
+            <a:off x="1534803" y="101625"/>
+            <a:ext cx="6937461" cy="720080"/>
+          </a:xfrm>
+        </p:spPr>
+        <p:txBody>
+          <a:bodyPr anchor="ctr">
+            <a:normAutofit fontScale="90000"/>
+          </a:bodyPr>
+          <a:lstStyle/>
+          <a:p>
+            <a:r>
+              <a:rPr lang="en-US" sz="4800" dirty="0">
+                <a:latin typeface="ADLaM Display" panose="02010000000000000000" pitchFamily="2" charset="0"/>
+                <a:ea typeface="ADLaM Display" panose="02010000000000000000" pitchFamily="2" charset="0"/>
+                <a:cs typeface="ADLaM Display" panose="02010000000000000000" pitchFamily="2" charset="0"/>
+              </a:rPr>
+              <a:t>Scratch for Kids – Part 1</a:t>
+            </a:r>
+          </a:p>
+        </p:txBody>
+      </p:sp>
+      <p:pic>
+        <p:nvPicPr>
+          <p:cNvPr id="6" name="Picture 5" descr="A book cover with a cartoon character&#10;&#10;Description automatically generated">
+            <a:extLst>
+              <a:ext uri="{FF2B5EF4-FFF2-40B4-BE49-F238E27FC236}">
+                <a16:creationId xmlns:a16="http://schemas.microsoft.com/office/drawing/2014/main" id="{37058493-7DAE-6BF2-99F6-4940E3CECA62}"/>
+              </a:ext>
+            </a:extLst>
+          </p:cNvPr>
+          <p:cNvPicPr>
+            <a:picLocks noChangeAspect="1"/>
+          </p:cNvPicPr>
+          <p:nvPr/>
+        </p:nvPicPr>
+        <p:blipFill>
+          <a:blip r:embed="rId3"/>
+          <a:stretch>
+            <a:fillRect/>
+          </a:stretch>
+        </p:blipFill>
+        <p:spPr>
+          <a:xfrm>
+            <a:off x="8167262" y="43464"/>
+            <a:ext cx="2037751" cy="2512147"/>
+          </a:xfrm>
+          <a:prstGeom prst="roundRect">
+            <a:avLst>
+              <a:gd name="adj" fmla="val 8594"/>
+            </a:avLst>
+          </a:prstGeom>
+          <a:solidFill>
+            <a:srgbClr val="FFFFFF">
+              <a:shade val="85000"/>
+            </a:srgbClr>
+          </a:solidFill>
+          <a:ln>
+            <a:noFill/>
+          </a:ln>
+          <a:effectLst>
+            <a:reflection blurRad="12700" stA="38000" endPos="28000" dist="5000" dir="5400000" sy="-100000" algn="bl" rotWithShape="0"/>
+          </a:effectLst>
+        </p:spPr>
+      </p:pic>
+      <p:sp>
+        <p:nvSpPr>
+          <p:cNvPr id="4" name="TextBox 3">
+            <a:extLst>
+              <a:ext uri="{FF2B5EF4-FFF2-40B4-BE49-F238E27FC236}">
+                <a16:creationId xmlns:a16="http://schemas.microsoft.com/office/drawing/2014/main" id="{99B53E7E-A9ED-6942-DF80-3DF81B395749}"/>
+              </a:ext>
+            </a:extLst>
+          </p:cNvPr>
+          <p:cNvSpPr txBox="1"/>
+          <p:nvPr/>
+        </p:nvSpPr>
+        <p:spPr>
+          <a:xfrm>
+            <a:off x="0" y="0"/>
+            <a:ext cx="1367682" cy="923330"/>
+          </a:xfrm>
+          <a:prstGeom prst="rect">
+            <a:avLst/>
+          </a:prstGeom>
+          <a:noFill/>
+        </p:spPr>
+        <p:txBody>
+          <a:bodyPr wrap="none" rtlCol="0">
+            <a:spAutoFit/>
+          </a:bodyPr>
+          <a:lstStyle/>
+          <a:p>
+            <a:pPr algn="ctr"/>
+            <a:r>
+              <a:rPr lang="en-US" sz="5400" dirty="0">
+                <a:latin typeface="Bauhaus 93" panose="04030905020B02020C02" pitchFamily="82" charset="0"/>
+              </a:rPr>
+              <a:t>004</a:t>
+            </a:r>
+          </a:p>
+        </p:txBody>
+      </p:sp>
+      <p:pic>
+        <p:nvPicPr>
+          <p:cNvPr id="1026" name="Picture 2" descr="scratch logo PNG image with transparent background | TOPpng">
+            <a:extLst>
+              <a:ext uri="{FF2B5EF4-FFF2-40B4-BE49-F238E27FC236}">
+                <a16:creationId xmlns:a16="http://schemas.microsoft.com/office/drawing/2014/main" id="{1554103F-1ECA-8530-E162-3BE3F4FE9C16}"/>
+              </a:ext>
+            </a:extLst>
+          </p:cNvPr>
+          <p:cNvPicPr>
+            <a:picLocks noChangeAspect="1" noChangeArrowheads="1"/>
+          </p:cNvPicPr>
+          <p:nvPr/>
+        </p:nvPicPr>
+        <p:blipFill>
+          <a:blip r:embed="rId4">
+            <a:clrChange>
+              <a:clrFrom>
+                <a:srgbClr val="EFEFEF"/>
+              </a:clrFrom>
+              <a:clrTo>
+                <a:srgbClr val="EFEFEF">
+                  <a:alpha val="0"/>
+                </a:srgbClr>
+              </a:clrTo>
+            </a:clrChange>
+            <a:extLst>
+              <a:ext uri="{28A0092B-C50C-407E-A947-70E740481C1C}">
+                <a14:useLocalDpi xmlns:a14="http://schemas.microsoft.com/office/drawing/2010/main" val="0"/>
+              </a:ext>
+            </a:extLst>
+          </a:blip>
+          <a:srcRect/>
+          <a:stretch>
+            <a:fillRect/>
+          </a:stretch>
+        </p:blipFill>
+        <p:spPr bwMode="auto">
+          <a:xfrm>
+            <a:off x="10652079" y="8930"/>
+            <a:ext cx="895507" cy="914400"/>
+          </a:xfrm>
+          <a:prstGeom prst="rect">
+            <a:avLst/>
+          </a:prstGeom>
+          <a:noFill/>
+          <a:extLst>
+            <a:ext uri="{909E8E84-426E-40DD-AFC4-6F175D3DCCD1}">
+              <a14:hiddenFill xmlns:a14="http://schemas.microsoft.com/office/drawing/2010/main">
+                <a:solidFill>
+                  <a:srgbClr val="FFFFFF"/>
+                </a:solidFill>
+              </a14:hiddenFill>
+            </a:ext>
+          </a:extLst>
+        </p:spPr>
+      </p:pic>
+      <p:pic>
+        <p:nvPicPr>
+          <p:cNvPr id="7" name="Picture 6" descr="A cartoon owl wearing a graduation cap and glasses&#10;&#10;Description automatically generated">
+            <a:extLst>
+              <a:ext uri="{FF2B5EF4-FFF2-40B4-BE49-F238E27FC236}">
+                <a16:creationId xmlns:a16="http://schemas.microsoft.com/office/drawing/2014/main" id="{3AEA9986-B7C4-0E97-5BE2-8505E1692F4B}"/>
+              </a:ext>
+            </a:extLst>
+          </p:cNvPr>
+          <p:cNvPicPr>
+            <a:picLocks noChangeAspect="1"/>
+          </p:cNvPicPr>
+          <p:nvPr/>
+        </p:nvPicPr>
+        <p:blipFill>
+          <a:blip r:embed="rId5">
+            <a:clrChange>
+              <a:clrFrom>
+                <a:srgbClr val="DDEFF9"/>
+              </a:clrFrom>
+              <a:clrTo>
+                <a:srgbClr val="DDEFF9">
+                  <a:alpha val="0"/>
+                </a:srgbClr>
+              </a:clrTo>
+            </a:clrChange>
+          </a:blip>
+          <a:stretch>
+            <a:fillRect/>
+          </a:stretch>
+        </p:blipFill>
+        <p:spPr>
+          <a:xfrm>
+            <a:off x="33636" y="6226406"/>
+            <a:ext cx="603448" cy="603448"/>
+          </a:xfrm>
+          <a:prstGeom prst="rect">
+            <a:avLst/>
+          </a:prstGeom>
+        </p:spPr>
+      </p:pic>
+      <p:sp>
+        <p:nvSpPr>
+          <p:cNvPr id="3" name="Subtitle 2"/>
+          <p:cNvSpPr>
+            <a:spLocks noGrp="1"/>
+          </p:cNvSpPr>
+          <p:nvPr>
+            <p:ph type="subTitle" idx="1"/>
+          </p:nvPr>
+        </p:nvSpPr>
+        <p:spPr>
+          <a:xfrm>
+            <a:off x="3647728" y="4302389"/>
+            <a:ext cx="5472608" cy="1214844"/>
+          </a:xfrm>
+        </p:spPr>
+        <p:txBody>
+          <a:bodyPr>
+            <a:normAutofit fontScale="92500" lnSpcReduction="10000"/>
+          </a:bodyPr>
+          <a:lstStyle/>
+          <a:p>
+            <a:r>
+              <a:rPr lang="en-US" b="1" dirty="0">
+                <a:latin typeface="Aptos Black" panose="020F0502020204030204" pitchFamily="34" charset="0"/>
+              </a:rPr>
+              <a:t>Become a Scratch Designer</a:t>
+            </a:r>
+          </a:p>
+          <a:p>
+            <a:r>
+              <a:rPr lang="en-US" b="1" dirty="0">
+                <a:latin typeface="Aptos Black" panose="020F0502020204030204" pitchFamily="34" charset="0"/>
+              </a:rPr>
+              <a:t>Chapter 1: Getting Started with Scratch</a:t>
+            </a:r>
+          </a:p>
+          <a:p>
+            <a:r>
+              <a:rPr lang="en-US" b="1" dirty="0">
+                <a:latin typeface="Aptos Black" panose="020F0502020204030204" pitchFamily="34" charset="0"/>
+              </a:rPr>
+              <a:t>(4) Add Collision to Your Game</a:t>
+            </a:r>
+            <a:endParaRPr lang="en-US" sz="2000" dirty="0">
+              <a:latin typeface="Aptos Black" panose="020F0502020204030204" pitchFamily="34" charset="0"/>
+            </a:endParaRPr>
+          </a:p>
+        </p:txBody>
+      </p:sp>
+      <p:sp>
+        <p:nvSpPr>
+          <p:cNvPr id="11" name="TextBox 10">
+            <a:extLst>
+              <a:ext uri="{FF2B5EF4-FFF2-40B4-BE49-F238E27FC236}">
+                <a16:creationId xmlns:a16="http://schemas.microsoft.com/office/drawing/2014/main" id="{7F7069DF-7952-A2B5-D09B-42662344A4FC}"/>
+              </a:ext>
+            </a:extLst>
+          </p:cNvPr>
+          <p:cNvSpPr txBox="1"/>
+          <p:nvPr/>
+        </p:nvSpPr>
+        <p:spPr>
+          <a:xfrm>
+            <a:off x="817468" y="6381328"/>
+            <a:ext cx="8204208" cy="461665"/>
+          </a:xfrm>
+          <a:prstGeom prst="rect">
+            <a:avLst/>
+          </a:prstGeom>
+          <a:noFill/>
+        </p:spPr>
+        <p:txBody>
+          <a:bodyPr wrap="square">
+            <a:spAutoFit/>
+          </a:bodyPr>
+          <a:lstStyle/>
+          <a:p>
+            <a:r>
+              <a:rPr lang="en-US" sz="2400" b="1" dirty="0">
+                <a:hlinkClick r:id="rId6"/>
+              </a:rPr>
+              <a:t>https://github.com/yasenstar/learn_scratch</a:t>
+            </a:r>
+            <a:endParaRPr lang="en-US" sz="2400" b="1" dirty="0"/>
+          </a:p>
+        </p:txBody>
+      </p:sp>
+      <p:pic>
+        <p:nvPicPr>
+          <p:cNvPr id="16" name="Picture 15">
+            <a:extLst>
+              <a:ext uri="{FF2B5EF4-FFF2-40B4-BE49-F238E27FC236}">
+                <a16:creationId xmlns:a16="http://schemas.microsoft.com/office/drawing/2014/main" id="{67AC3C98-6D22-FF8E-9134-F27CD8B87634}"/>
+              </a:ext>
+            </a:extLst>
+          </p:cNvPr>
+          <p:cNvPicPr>
+            <a:picLocks noChangeAspect="1"/>
+          </p:cNvPicPr>
+          <p:nvPr/>
+        </p:nvPicPr>
+        <p:blipFill>
+          <a:blip r:embed="rId7"/>
+          <a:stretch>
+            <a:fillRect/>
+          </a:stretch>
+        </p:blipFill>
+        <p:spPr>
+          <a:xfrm>
+            <a:off x="6096000" y="1293206"/>
+            <a:ext cx="1419225" cy="1085850"/>
+          </a:xfrm>
+          <a:prstGeom prst="rect">
+            <a:avLst/>
+          </a:prstGeom>
+          <a:ln>
+            <a:noFill/>
+          </a:ln>
+          <a:effectLst>
+            <a:softEdge rad="112500"/>
+          </a:effectLst>
+        </p:spPr>
+      </p:pic>
+    </p:spTree>
+    <p:extLst>
+      <p:ext uri="{BB962C8B-B14F-4D97-AF65-F5344CB8AC3E}">
+        <p14:creationId xmlns:p14="http://schemas.microsoft.com/office/powerpoint/2010/main" val="1003946043"/>
+      </p:ext>
+    </p:extLst>
+  </p:cSld>
+  <p:clrMapOvr>
+    <a:masterClrMapping/>
+  </p:clrMapOvr>
+  <mc:AlternateContent xmlns:mc="http://schemas.openxmlformats.org/markup-compatibility/2006" xmlns:p14="http://schemas.microsoft.com/office/powerpoint/2010/main">
+    <mc:Choice Requires="p14">
+      <p:transition spd="med" p14:dur="700">
+        <p:fade/>
+      </p:transition>
+    </mc:Choice>
+    <mc:Fallback xmlns="">
+      <p:transition spd="med">
+        <p:fade/>
+      </p:transition>
+    </mc:Fallback>
+  </mc:AlternateContent>
+</p:sld>
+</file>
+
+<file path=ppt/slides/slide8.xml><?xml version="1.0" encoding="utf-8"?>
+<p:sld xmlns:a="http://schemas.openxmlformats.org/drawingml/2006/main" xmlns:r="http://schemas.openxmlformats.org/officeDocument/2006/relationships" xmlns:p="http://schemas.openxmlformats.org/presentationml/2006/main">
+  <p:cSld>
+    <p:spTree>
+      <p:nvGrpSpPr>
+        <p:cNvPr id="1" name=""/>
+        <p:cNvGrpSpPr/>
+        <p:nvPr/>
+      </p:nvGrpSpPr>
+      <p:grpSpPr>
+        <a:xfrm>
+          <a:off x="0" y="0"/>
+          <a:ext cx="0" cy="0"/>
+          <a:chOff x="0" y="0"/>
+          <a:chExt cx="0" cy="0"/>
+        </a:xfrm>
+      </p:grpSpPr>
       <p:sp>
         <p:nvSpPr>
           <p:cNvPr id="2" name="Title 1"/>
@@ -12242,7 +12767,7 @@
 </p:sld>
 </file>
 
-<file path=ppt/slides/slide8.xml><?xml version="1.0" encoding="utf-8"?>
+<file path=ppt/slides/slide9.xml><?xml version="1.0" encoding="utf-8"?>
 <p:sld xmlns:a="http://schemas.openxmlformats.org/drawingml/2006/main" xmlns:r="http://schemas.openxmlformats.org/officeDocument/2006/relationships" xmlns:p="http://schemas.openxmlformats.org/presentationml/2006/main">
   <p:cSld>
     <p:spTree>
@@ -12603,388 +13128,6 @@
     <p:extLst>
       <p:ext uri="{BB962C8B-B14F-4D97-AF65-F5344CB8AC3E}">
         <p14:creationId xmlns:p14="http://schemas.microsoft.com/office/powerpoint/2010/main" val="297523438"/>
-      </p:ext>
-    </p:extLst>
-  </p:cSld>
-  <p:clrMapOvr>
-    <a:masterClrMapping/>
-  </p:clrMapOvr>
-  <mc:AlternateContent xmlns:mc="http://schemas.openxmlformats.org/markup-compatibility/2006" xmlns:p14="http://schemas.microsoft.com/office/powerpoint/2010/main">
-    <mc:Choice Requires="p14">
-      <p:transition spd="med" p14:dur="700">
-        <p:fade/>
-      </p:transition>
-    </mc:Choice>
-    <mc:Fallback xmlns="">
-      <p:transition spd="med">
-        <p:fade/>
-      </p:transition>
-    </mc:Fallback>
-  </mc:AlternateContent>
-</p:sld>
-</file>
-
-<file path=ppt/slides/slide9.xml><?xml version="1.0" encoding="utf-8"?>
-<p:sld xmlns:a="http://schemas.openxmlformats.org/drawingml/2006/main" xmlns:r="http://schemas.openxmlformats.org/officeDocument/2006/relationships" xmlns:p="http://schemas.openxmlformats.org/presentationml/2006/main">
-  <p:cSld>
-    <p:spTree>
-      <p:nvGrpSpPr>
-        <p:cNvPr id="1" name=""/>
-        <p:cNvGrpSpPr/>
-        <p:nvPr/>
-      </p:nvGrpSpPr>
-      <p:grpSpPr>
-        <a:xfrm>
-          <a:off x="0" y="0"/>
-          <a:ext cx="0" cy="0"/>
-          <a:chOff x="0" y="0"/>
-          <a:chExt cx="0" cy="0"/>
-        </a:xfrm>
-      </p:grpSpPr>
-      <p:sp>
-        <p:nvSpPr>
-          <p:cNvPr id="2" name="Title 1"/>
-          <p:cNvSpPr>
-            <a:spLocks noGrp="1"/>
-          </p:cNvSpPr>
-          <p:nvPr>
-            <p:ph type="ctrTitle"/>
-          </p:nvPr>
-        </p:nvSpPr>
-        <p:spPr>
-          <a:xfrm>
-            <a:off x="1534803" y="101625"/>
-            <a:ext cx="6937461" cy="720080"/>
-          </a:xfrm>
-        </p:spPr>
-        <p:txBody>
-          <a:bodyPr anchor="ctr">
-            <a:normAutofit fontScale="90000"/>
-          </a:bodyPr>
-          <a:lstStyle/>
-          <a:p>
-            <a:r>
-              <a:rPr lang="en-US" sz="4800" dirty="0">
-                <a:latin typeface="ADLaM Display" panose="02010000000000000000" pitchFamily="2" charset="0"/>
-                <a:ea typeface="ADLaM Display" panose="02010000000000000000" pitchFamily="2" charset="0"/>
-                <a:cs typeface="ADLaM Display" panose="02010000000000000000" pitchFamily="2" charset="0"/>
-              </a:rPr>
-              <a:t>Scratch for Kids</a:t>
-            </a:r>
-          </a:p>
-        </p:txBody>
-      </p:sp>
-      <p:pic>
-        <p:nvPicPr>
-          <p:cNvPr id="6" name="Picture 5" descr="A book cover with a cartoon character&#10;&#10;Description automatically generated">
-            <a:extLst>
-              <a:ext uri="{FF2B5EF4-FFF2-40B4-BE49-F238E27FC236}">
-                <a16:creationId xmlns:a16="http://schemas.microsoft.com/office/drawing/2014/main" id="{37058493-7DAE-6BF2-99F6-4940E3CECA62}"/>
-              </a:ext>
-            </a:extLst>
-          </p:cNvPr>
-          <p:cNvPicPr>
-            <a:picLocks noChangeAspect="1"/>
-          </p:cNvPicPr>
-          <p:nvPr/>
-        </p:nvPicPr>
-        <p:blipFill>
-          <a:blip r:embed="rId2"/>
-          <a:stretch>
-            <a:fillRect/>
-          </a:stretch>
-        </p:blipFill>
-        <p:spPr>
-          <a:xfrm>
-            <a:off x="8167262" y="43464"/>
-            <a:ext cx="2037751" cy="2512147"/>
-          </a:xfrm>
-          <a:prstGeom prst="roundRect">
-            <a:avLst>
-              <a:gd name="adj" fmla="val 8594"/>
-            </a:avLst>
-          </a:prstGeom>
-          <a:solidFill>
-            <a:srgbClr val="FFFFFF">
-              <a:shade val="85000"/>
-            </a:srgbClr>
-          </a:solidFill>
-          <a:ln>
-            <a:noFill/>
-          </a:ln>
-          <a:effectLst>
-            <a:reflection blurRad="12700" stA="38000" endPos="28000" dist="5000" dir="5400000" sy="-100000" algn="bl" rotWithShape="0"/>
-          </a:effectLst>
-        </p:spPr>
-      </p:pic>
-      <p:sp>
-        <p:nvSpPr>
-          <p:cNvPr id="4" name="TextBox 3">
-            <a:extLst>
-              <a:ext uri="{FF2B5EF4-FFF2-40B4-BE49-F238E27FC236}">
-                <a16:creationId xmlns:a16="http://schemas.microsoft.com/office/drawing/2014/main" id="{99B53E7E-A9ED-6942-DF80-3DF81B395749}"/>
-              </a:ext>
-            </a:extLst>
-          </p:cNvPr>
-          <p:cNvSpPr txBox="1"/>
-          <p:nvPr/>
-        </p:nvSpPr>
-        <p:spPr>
-          <a:xfrm>
-            <a:off x="0" y="0"/>
-            <a:ext cx="1367682" cy="923330"/>
-          </a:xfrm>
-          <a:prstGeom prst="rect">
-            <a:avLst/>
-          </a:prstGeom>
-          <a:noFill/>
-        </p:spPr>
-        <p:txBody>
-          <a:bodyPr wrap="none" rtlCol="0">
-            <a:spAutoFit/>
-          </a:bodyPr>
-          <a:lstStyle/>
-          <a:p>
-            <a:pPr algn="ctr"/>
-            <a:r>
-              <a:rPr lang="en-US" sz="5400" dirty="0">
-                <a:latin typeface="Bauhaus 93" panose="04030905020B02020C02" pitchFamily="82" charset="0"/>
-              </a:rPr>
-              <a:t>007</a:t>
-            </a:r>
-          </a:p>
-        </p:txBody>
-      </p:sp>
-      <p:pic>
-        <p:nvPicPr>
-          <p:cNvPr id="1026" name="Picture 2" descr="scratch logo PNG image with transparent background | TOPpng">
-            <a:extLst>
-              <a:ext uri="{FF2B5EF4-FFF2-40B4-BE49-F238E27FC236}">
-                <a16:creationId xmlns:a16="http://schemas.microsoft.com/office/drawing/2014/main" id="{1554103F-1ECA-8530-E162-3BE3F4FE9C16}"/>
-              </a:ext>
-            </a:extLst>
-          </p:cNvPr>
-          <p:cNvPicPr>
-            <a:picLocks noChangeAspect="1" noChangeArrowheads="1"/>
-          </p:cNvPicPr>
-          <p:nvPr/>
-        </p:nvPicPr>
-        <p:blipFill>
-          <a:blip r:embed="rId3">
-            <a:clrChange>
-              <a:clrFrom>
-                <a:srgbClr val="EFEFEF"/>
-              </a:clrFrom>
-              <a:clrTo>
-                <a:srgbClr val="EFEFEF">
-                  <a:alpha val="0"/>
-                </a:srgbClr>
-              </a:clrTo>
-            </a:clrChange>
-            <a:extLst>
-              <a:ext uri="{28A0092B-C50C-407E-A947-70E740481C1C}">
-                <a14:useLocalDpi xmlns:a14="http://schemas.microsoft.com/office/drawing/2010/main" val="0"/>
-              </a:ext>
-            </a:extLst>
-          </a:blip>
-          <a:srcRect/>
-          <a:stretch>
-            <a:fillRect/>
-          </a:stretch>
-        </p:blipFill>
-        <p:spPr bwMode="auto">
-          <a:xfrm>
-            <a:off x="10652079" y="8930"/>
-            <a:ext cx="895507" cy="914400"/>
-          </a:xfrm>
-          <a:prstGeom prst="rect">
-            <a:avLst/>
-          </a:prstGeom>
-          <a:noFill/>
-          <a:extLst>
-            <a:ext uri="{909E8E84-426E-40DD-AFC4-6F175D3DCCD1}">
-              <a14:hiddenFill xmlns:a14="http://schemas.microsoft.com/office/drawing/2010/main">
-                <a:solidFill>
-                  <a:srgbClr val="FFFFFF"/>
-                </a:solidFill>
-              </a14:hiddenFill>
-            </a:ext>
-          </a:extLst>
-        </p:spPr>
-      </p:pic>
-      <p:pic>
-        <p:nvPicPr>
-          <p:cNvPr id="7" name="Picture 6" descr="A cartoon owl wearing a graduation cap and glasses&#10;&#10;Description automatically generated">
-            <a:extLst>
-              <a:ext uri="{FF2B5EF4-FFF2-40B4-BE49-F238E27FC236}">
-                <a16:creationId xmlns:a16="http://schemas.microsoft.com/office/drawing/2014/main" id="{3AEA9986-B7C4-0E97-5BE2-8505E1692F4B}"/>
-              </a:ext>
-            </a:extLst>
-          </p:cNvPr>
-          <p:cNvPicPr>
-            <a:picLocks noChangeAspect="1"/>
-          </p:cNvPicPr>
-          <p:nvPr/>
-        </p:nvPicPr>
-        <p:blipFill>
-          <a:blip r:embed="rId4">
-            <a:clrChange>
-              <a:clrFrom>
-                <a:srgbClr val="DDEFF9"/>
-              </a:clrFrom>
-              <a:clrTo>
-                <a:srgbClr val="DDEFF9">
-                  <a:alpha val="0"/>
-                </a:srgbClr>
-              </a:clrTo>
-            </a:clrChange>
-          </a:blip>
-          <a:stretch>
-            <a:fillRect/>
-          </a:stretch>
-        </p:blipFill>
-        <p:spPr>
-          <a:xfrm>
-            <a:off x="33636" y="6226406"/>
-            <a:ext cx="603448" cy="603448"/>
-          </a:xfrm>
-          <a:prstGeom prst="rect">
-            <a:avLst/>
-          </a:prstGeom>
-        </p:spPr>
-      </p:pic>
-      <p:sp>
-        <p:nvSpPr>
-          <p:cNvPr id="3" name="Subtitle 2"/>
-          <p:cNvSpPr>
-            <a:spLocks noGrp="1"/>
-          </p:cNvSpPr>
-          <p:nvPr>
-            <p:ph type="subTitle" idx="1"/>
-          </p:nvPr>
-        </p:nvSpPr>
-        <p:spPr>
-          <a:xfrm>
-            <a:off x="3647728" y="4302389"/>
-            <a:ext cx="5688632" cy="1214844"/>
-          </a:xfrm>
-        </p:spPr>
-        <p:txBody>
-          <a:bodyPr>
-            <a:normAutofit fontScale="85000" lnSpcReduction="10000"/>
-          </a:bodyPr>
-          <a:lstStyle/>
-          <a:p>
-            <a:r>
-              <a:rPr lang="en-US" sz="3000" b="1" dirty="0">
-                <a:latin typeface="Aptos Black" panose="020F0502020204030204" pitchFamily="34" charset="0"/>
-              </a:rPr>
-              <a:t>Part 1: Become a Scratch Designer</a:t>
-            </a:r>
-          </a:p>
-          <a:p>
-            <a:r>
-              <a:rPr lang="en-US" b="1" dirty="0">
-                <a:latin typeface="Aptos Black" panose="020F0502020204030204" pitchFamily="34" charset="0"/>
-              </a:rPr>
-              <a:t>Chapter 2: Create Your Own Comics</a:t>
-            </a:r>
-          </a:p>
-          <a:p>
-            <a:r>
-              <a:rPr lang="en-US" b="1" dirty="0">
-                <a:latin typeface="Aptos Black" panose="020F0502020204030204" pitchFamily="34" charset="0"/>
-              </a:rPr>
-              <a:t>(2) Modify Scratch Characters</a:t>
-            </a:r>
-            <a:endParaRPr lang="en-US" sz="2000" dirty="0">
-              <a:latin typeface="Aptos Black" panose="020F0502020204030204" pitchFamily="34" charset="0"/>
-            </a:endParaRPr>
-          </a:p>
-        </p:txBody>
-      </p:sp>
-      <p:sp>
-        <p:nvSpPr>
-          <p:cNvPr id="11" name="TextBox 10">
-            <a:extLst>
-              <a:ext uri="{FF2B5EF4-FFF2-40B4-BE49-F238E27FC236}">
-                <a16:creationId xmlns:a16="http://schemas.microsoft.com/office/drawing/2014/main" id="{7F7069DF-7952-A2B5-D09B-42662344A4FC}"/>
-              </a:ext>
-            </a:extLst>
-          </p:cNvPr>
-          <p:cNvSpPr txBox="1"/>
-          <p:nvPr/>
-        </p:nvSpPr>
-        <p:spPr>
-          <a:xfrm>
-            <a:off x="817468" y="6381328"/>
-            <a:ext cx="8204208" cy="461665"/>
-          </a:xfrm>
-          <a:prstGeom prst="rect">
-            <a:avLst/>
-          </a:prstGeom>
-          <a:noFill/>
-        </p:spPr>
-        <p:txBody>
-          <a:bodyPr wrap="square">
-            <a:spAutoFit/>
-          </a:bodyPr>
-          <a:lstStyle/>
-          <a:p>
-            <a:r>
-              <a:rPr lang="en-US" sz="2400" b="1" dirty="0">
-                <a:hlinkClick r:id="rId5"/>
-              </a:rPr>
-              <a:t>https://github.com/yasenstar/learn_scratch</a:t>
-            </a:r>
-            <a:endParaRPr lang="en-US" sz="2400" b="1" dirty="0"/>
-          </a:p>
-        </p:txBody>
-      </p:sp>
-      <p:pic>
-        <p:nvPicPr>
-          <p:cNvPr id="9" name="Picture 8">
-            <a:extLst>
-              <a:ext uri="{FF2B5EF4-FFF2-40B4-BE49-F238E27FC236}">
-                <a16:creationId xmlns:a16="http://schemas.microsoft.com/office/drawing/2014/main" id="{2053AE08-E640-A641-A82B-1F4283294DB7}"/>
-              </a:ext>
-            </a:extLst>
-          </p:cNvPr>
-          <p:cNvPicPr>
-            <a:picLocks noChangeAspect="1"/>
-          </p:cNvPicPr>
-          <p:nvPr/>
-        </p:nvPicPr>
-        <p:blipFill>
-          <a:blip r:embed="rId6"/>
-          <a:stretch>
-            <a:fillRect/>
-          </a:stretch>
-        </p:blipFill>
-        <p:spPr>
-          <a:xfrm>
-            <a:off x="683841" y="879158"/>
-            <a:ext cx="6456040" cy="3211996"/>
-          </a:xfrm>
-          <a:prstGeom prst="rect">
-            <a:avLst/>
-          </a:prstGeom>
-          <a:ln>
-            <a:noFill/>
-          </a:ln>
-          <a:effectLst>
-            <a:outerShdw blurRad="292100" dist="139700" dir="2700000" algn="tl" rotWithShape="0">
-              <a:srgbClr val="333333">
-                <a:alpha val="65000"/>
-              </a:srgbClr>
-            </a:outerShdw>
-          </a:effectLst>
-        </p:spPr>
-      </p:pic>
-    </p:spTree>
-    <p:extLst>
-      <p:ext uri="{BB962C8B-B14F-4D97-AF65-F5344CB8AC3E}">
-        <p14:creationId xmlns:p14="http://schemas.microsoft.com/office/powerpoint/2010/main" val="3498749156"/>
       </p:ext>
     </p:extLst>
   </p:cSld>
@@ -13790,6 +13933,15 @@
 </file>
 
 <file path=customXml/item1.xml><?xml version="1.0" encoding="utf-8"?>
+<?mso-contentType ?>
+<FormTemplates xmlns="http://schemas.microsoft.com/sharepoint/v3/contenttype/forms">
+  <Display>DocumentLibraryForm</Display>
+  <Edit>DocumentLibraryForm</Edit>
+  <New>DocumentLibraryForm</New>
+</FormTemplates>
+</file>
+
+<file path=customXml/item2.xml><?xml version="1.0" encoding="utf-8"?>
 <p:properties xmlns:p="http://schemas.microsoft.com/office/2006/metadata/properties" xmlns:xsi="http://www.w3.org/2001/XMLSchema-instance" xmlns:pc="http://schemas.microsoft.com/office/infopath/2007/PartnerControls">
   <documentManagement>
     <VSO_x0020_item_x0020_id xmlns="40262f94-9f35-4ac3-9a90-690165a166b7" xsi:nil="true"/>
@@ -13798,15 +13950,6 @@
     <Template_x0020_details xmlns="40262f94-9f35-4ac3-9a90-690165a166b7" xsi:nil="true"/>
   </documentManagement>
 </p:properties>
-</file>
-
-<file path=customXml/item2.xml><?xml version="1.0" encoding="utf-8"?>
-<?mso-contentType ?>
-<FormTemplates xmlns="http://schemas.microsoft.com/sharepoint/v3/contenttype/forms">
-  <Display>DocumentLibraryForm</Display>
-  <Edit>DocumentLibraryForm</Edit>
-  <New>DocumentLibraryForm</New>
-</FormTemplates>
 </file>
 
 <file path=customXml/item3.xml><?xml version="1.0" encoding="utf-8"?>
@@ -13991,6 +14134,14 @@
 </file>
 
 <file path=customXml/itemProps1.xml><?xml version="1.0" encoding="utf-8"?>
+<ds:datastoreItem xmlns:ds="http://schemas.openxmlformats.org/officeDocument/2006/customXml" ds:itemID="{9EDF6667-B669-49A4-BBE6-2132BA71C0C7}">
+  <ds:schemaRefs>
+    <ds:schemaRef ds:uri="http://schemas.microsoft.com/sharepoint/v3/contenttype/forms"/>
+  </ds:schemaRefs>
+</ds:datastoreItem>
+</file>
+
+<file path=customXml/itemProps2.xml><?xml version="1.0" encoding="utf-8"?>
 <ds:datastoreItem xmlns:ds="http://schemas.openxmlformats.org/officeDocument/2006/customXml" ds:itemID="{1DA15C6C-6BB6-4DB6-B7D6-7F14EAB2CC5C}">
   <ds:schemaRefs>
     <ds:schemaRef ds:uri="http://purl.org/dc/elements/1.1/"/>
@@ -14003,14 +14154,6 @@
     <ds:schemaRef ds:uri="a4f35948-e619-41b3-aa29-22878b09cfd2"/>
     <ds:schemaRef ds:uri="http://www.w3.org/XML/1998/namespace"/>
     <ds:schemaRef ds:uri="http://purl.org/dc/dcmitype/"/>
-  </ds:schemaRefs>
-</ds:datastoreItem>
-</file>
-
-<file path=customXml/itemProps2.xml><?xml version="1.0" encoding="utf-8"?>
-<ds:datastoreItem xmlns:ds="http://schemas.openxmlformats.org/officeDocument/2006/customXml" ds:itemID="{9EDF6667-B669-49A4-BBE6-2132BA71C0C7}">
-  <ds:schemaRefs>
-    <ds:schemaRef ds:uri="http://schemas.microsoft.com/sharepoint/v3/contenttype/forms"/>
   </ds:schemaRefs>
 </ds:datastoreItem>
 </file>
